--- a/Lectures/03-casestudies.pptx
+++ b/Lectures/03-casestudies.pptx
@@ -5,7 +5,7 @@
     <p:sldMasterId id="2147483648" r:id="rId1"/>
   </p:sldMasterIdLst>
   <p:notesMasterIdLst>
-    <p:notesMasterId r:id="rId18"/>
+    <p:notesMasterId r:id="rId19"/>
   </p:notesMasterIdLst>
   <p:sldIdLst>
     <p:sldId id="256" r:id="rId2"/>
@@ -19,11 +19,12 @@
     <p:sldId id="296" r:id="rId10"/>
     <p:sldId id="299" r:id="rId11"/>
     <p:sldId id="300" r:id="rId12"/>
-    <p:sldId id="301" r:id="rId13"/>
-    <p:sldId id="302" r:id="rId14"/>
-    <p:sldId id="303" r:id="rId15"/>
-    <p:sldId id="304" r:id="rId16"/>
-    <p:sldId id="298" r:id="rId17"/>
+    <p:sldId id="305" r:id="rId13"/>
+    <p:sldId id="301" r:id="rId14"/>
+    <p:sldId id="302" r:id="rId15"/>
+    <p:sldId id="303" r:id="rId16"/>
+    <p:sldId id="304" r:id="rId17"/>
+    <p:sldId id="298" r:id="rId18"/>
   </p:sldIdLst>
   <p:sldSz cx="12192000" cy="6858000"/>
   <p:notesSz cx="6858000" cy="9144000"/>
@@ -261,7 +262,7 @@
       <p15:sldGuideLst xmlns:p15="http://schemas.microsoft.com/office/powerpoint/2012/main"/>
     </p:ext>
     <p:ext uri="http://customooxmlschemas.google.com/">
-      <go:slidesCustomData xmlns="" xmlns:mc="http://schemas.openxmlformats.org/markup-compatibility/2006" xmlns:mv="urn:schemas-microsoft-com:mac:vml" xmlns:c="http://schemas.openxmlformats.org/drawingml/2006/chart" xmlns:dgm="http://schemas.openxmlformats.org/drawingml/2006/diagram" xmlns:o="urn:schemas-microsoft-com:office:office" xmlns:v="urn:schemas-microsoft-com:vml" xmlns:pvml="urn:schemas-microsoft-com:office:powerpoint" xmlns:com="http://schemas.openxmlformats.org/drawingml/2006/compatibility" xmlns:p14="http://schemas.microsoft.com/office/powerpoint/2010/main" xmlns:p15="http://schemas.microsoft.com/office/powerpoint/2012/main" xmlns:go="http://customooxmlschemas.google.com/" r:id="rId30" roundtripDataSignature="AMtx7mjFyVUGRZWio+dc9dxzYsimUxNJbg=="/>
+      <go:slidesCustomData xmlns:go="http://customooxmlschemas.google.com/" xmlns:p15="http://schemas.microsoft.com/office/powerpoint/2012/main" xmlns:p14="http://schemas.microsoft.com/office/powerpoint/2010/main" xmlns:com="http://schemas.openxmlformats.org/drawingml/2006/compatibility" xmlns:pvml="urn:schemas-microsoft-com:office:powerpoint" xmlns:v="urn:schemas-microsoft-com:vml" xmlns:o="urn:schemas-microsoft-com:office:office" xmlns:dgm="http://schemas.openxmlformats.org/drawingml/2006/diagram" xmlns:c="http://schemas.openxmlformats.org/drawingml/2006/chart" xmlns:mv="urn:schemas-microsoft-com:mac:vml" xmlns:mc="http://schemas.openxmlformats.org/markup-compatibility/2006" xmlns="" r:id="rId30" roundtripDataSignature="AMtx7mjFyVUGRZWio+dc9dxzYsimUxNJbg=="/>
     </p:ext>
   </p:extLst>
 </p:presentation>
@@ -13087,13 +13088,41 @@
             </a:endParaRPr>
           </a:p>
           <a:p>
-            <a:pPr marL="0" lvl="0" indent="0" algn="l" rtl="0">
-              <a:spcBef>
-                <a:spcPts val="0"/>
-              </a:spcBef>
-              <a:spcAft>
-                <a:spcPts val="0"/>
-              </a:spcAft>
+            <a:pPr marL="0" lvl="0" indent="0">
+              <a:buClr>
+                <a:srgbClr val="000000"/>
+              </a:buClr>
+              <a:buSzPts val="3200"/>
+              <a:buNone/>
+            </a:pPr>
+            <a:r>
+              <a:rPr lang="en-US" sz="4000" dirty="0">
+                <a:solidFill>
+                  <a:srgbClr val="000000"/>
+                </a:solidFill>
+              </a:rPr>
+              <a:t>How well does the paper address</a:t>
+            </a:r>
+          </a:p>
+          <a:p>
+            <a:pPr marL="0" lvl="0" indent="0">
+              <a:buClr>
+                <a:srgbClr val="000000"/>
+              </a:buClr>
+              <a:buSzPts val="3200"/>
+              <a:buNone/>
+            </a:pPr>
+            <a:r>
+              <a:rPr lang="en-US" sz="4000" dirty="0">
+                <a:solidFill>
+                  <a:srgbClr val="000000"/>
+                </a:solidFill>
+              </a:rPr>
+              <a:t>the goal you defined above?</a:t>
+            </a:r>
+          </a:p>
+          <a:p>
+            <a:pPr marL="0" lvl="0" indent="0">
               <a:buClr>
                 <a:srgbClr val="000000"/>
               </a:buClr>
@@ -13107,7 +13136,7 @@
             </a:endParaRPr>
           </a:p>
           <a:p>
-            <a:pPr marL="0" lvl="0" indent="0">
+            <a:pPr marL="0" indent="0">
               <a:buClr>
                 <a:srgbClr val="000000"/>
               </a:buClr>
@@ -13120,7 +13149,23 @@
                   <a:srgbClr val="000000"/>
                 </a:solidFill>
               </a:rPr>
-              <a:t>What actions can the public health officials take to achieve that goal?</a:t>
+              <a:t>			</a:t>
+            </a:r>
+            <a:r>
+              <a:rPr lang="en-US" sz="4000" dirty="0" err="1">
+                <a:solidFill>
+                  <a:srgbClr val="000000"/>
+                </a:solidFill>
+              </a:rPr>
+              <a:t>slido.com</a:t>
+            </a:r>
+            <a:r>
+              <a:rPr lang="en-US" sz="4000" dirty="0">
+                <a:solidFill>
+                  <a:srgbClr val="000000"/>
+                </a:solidFill>
+              </a:rPr>
+              <a:t>  #1341886</a:t>
             </a:r>
             <a:endParaRPr sz="4000" dirty="0">
               <a:solidFill>
@@ -13133,7 +13178,7 @@
     </p:spTree>
     <p:extLst>
       <p:ext uri="{BB962C8B-B14F-4D97-AF65-F5344CB8AC3E}">
-        <p14:creationId xmlns:p14="http://schemas.microsoft.com/office/powerpoint/2010/main" val="2564637539"/>
+        <p14:creationId xmlns:p14="http://schemas.microsoft.com/office/powerpoint/2010/main" val="4284856106"/>
       </p:ext>
     </p:extLst>
   </p:cSld>
@@ -13223,7 +13268,33 @@
           </a:bodyPr>
           <a:lstStyle/>
           <a:p>
-            <a:pPr marL="0" lvl="0" indent="0">
+            <a:pPr marL="0" lvl="0" indent="0" algn="l" rtl="0">
+              <a:spcBef>
+                <a:spcPts val="0"/>
+              </a:spcBef>
+              <a:spcAft>
+                <a:spcPts val="0"/>
+              </a:spcAft>
+              <a:buClr>
+                <a:srgbClr val="000000"/>
+              </a:buClr>
+              <a:buSzPts val="3200"/>
+              <a:buNone/>
+            </a:pPr>
+            <a:endParaRPr lang="en-US" sz="4000" dirty="0">
+              <a:solidFill>
+                <a:srgbClr val="000000"/>
+              </a:solidFill>
+            </a:endParaRPr>
+          </a:p>
+          <a:p>
+            <a:pPr marL="0" lvl="0" indent="0" algn="l" rtl="0">
+              <a:spcBef>
+                <a:spcPts val="0"/>
+              </a:spcBef>
+              <a:spcAft>
+                <a:spcPts val="0"/>
+              </a:spcAft>
               <a:buClr>
                 <a:srgbClr val="000000"/>
               </a:buClr>
@@ -13250,7 +13321,7 @@
                   <a:srgbClr val="000000"/>
                 </a:solidFill>
               </a:rPr>
-              <a:t>In what ways did the model change the actions or decisions that public health officials are taking in terms of when, where, and how to act?</a:t>
+              <a:t>What actions can the public health officials take to achieve that goal?</a:t>
             </a:r>
             <a:endParaRPr sz="4000" dirty="0">
               <a:solidFill>
@@ -13263,7 +13334,7 @@
     </p:spTree>
     <p:extLst>
       <p:ext uri="{BB962C8B-B14F-4D97-AF65-F5344CB8AC3E}">
-        <p14:creationId xmlns:p14="http://schemas.microsoft.com/office/powerpoint/2010/main" val="3255311184"/>
+        <p14:creationId xmlns:p14="http://schemas.microsoft.com/office/powerpoint/2010/main" val="2564637539"/>
       </p:ext>
     </p:extLst>
   </p:cSld>
@@ -13380,6 +13451,136 @@
                   <a:srgbClr val="000000"/>
                 </a:solidFill>
               </a:rPr>
+              <a:t>In what ways did the model change the actions or decisions that public health officials are taking in terms of when, where, and how to act?</a:t>
+            </a:r>
+            <a:endParaRPr sz="4000" dirty="0">
+              <a:solidFill>
+                <a:srgbClr val="000000"/>
+              </a:solidFill>
+            </a:endParaRPr>
+          </a:p>
+        </p:txBody>
+      </p:sp>
+    </p:spTree>
+    <p:extLst>
+      <p:ext uri="{BB962C8B-B14F-4D97-AF65-F5344CB8AC3E}">
+        <p14:creationId xmlns:p14="http://schemas.microsoft.com/office/powerpoint/2010/main" val="3255311184"/>
+      </p:ext>
+    </p:extLst>
+  </p:cSld>
+  <p:clrMapOvr>
+    <a:masterClrMapping/>
+  </p:clrMapOvr>
+</p:sld>
+</file>
+
+<file path=ppt/slides/slide15.xml><?xml version="1.0" encoding="utf-8"?>
+<p:sld xmlns:a="http://schemas.openxmlformats.org/drawingml/2006/main" xmlns:r="http://schemas.openxmlformats.org/officeDocument/2006/relationships" xmlns:p="http://schemas.openxmlformats.org/presentationml/2006/main">
+  <p:cSld>
+    <p:spTree>
+      <p:nvGrpSpPr>
+        <p:cNvPr id="1" name=""/>
+        <p:cNvGrpSpPr/>
+        <p:nvPr/>
+      </p:nvGrpSpPr>
+      <p:grpSpPr>
+        <a:xfrm>
+          <a:off x="0" y="0"/>
+          <a:ext cx="0" cy="0"/>
+          <a:chOff x="0" y="0"/>
+          <a:chExt cx="0" cy="0"/>
+        </a:xfrm>
+      </p:grpSpPr>
+      <p:sp>
+        <p:nvSpPr>
+          <p:cNvPr id="2" name="Title 1">
+            <a:extLst>
+              <a:ext uri="{FF2B5EF4-FFF2-40B4-BE49-F238E27FC236}">
+                <a16:creationId xmlns:a16="http://schemas.microsoft.com/office/drawing/2014/main" id="{8DE1804F-1831-E540-A1DC-073BA8437BAB}"/>
+              </a:ext>
+            </a:extLst>
+          </p:cNvPr>
+          <p:cNvSpPr>
+            <a:spLocks noGrp="1"/>
+          </p:cNvSpPr>
+          <p:nvPr>
+            <p:ph type="title"/>
+          </p:nvPr>
+        </p:nvSpPr>
+        <p:spPr/>
+        <p:txBody>
+          <a:bodyPr/>
+          <a:lstStyle/>
+          <a:p>
+            <a:r>
+              <a:rPr lang="en-US" dirty="0"/>
+              <a:t>Case Study</a:t>
+            </a:r>
+          </a:p>
+        </p:txBody>
+      </p:sp>
+      <p:sp>
+        <p:nvSpPr>
+          <p:cNvPr id="6" name="Google Shape;205;p17">
+            <a:extLst>
+              <a:ext uri="{FF2B5EF4-FFF2-40B4-BE49-F238E27FC236}">
+                <a16:creationId xmlns:a16="http://schemas.microsoft.com/office/drawing/2014/main" id="{662D86EB-0258-0B4A-BD6B-21DB54554E75}"/>
+              </a:ext>
+            </a:extLst>
+          </p:cNvPr>
+          <p:cNvSpPr txBox="1">
+            <a:spLocks noGrp="1"/>
+          </p:cNvSpPr>
+          <p:nvPr>
+            <p:ph type="body" idx="1"/>
+          </p:nvPr>
+        </p:nvSpPr>
+        <p:spPr>
+          <a:xfrm>
+            <a:off x="415600" y="1536633"/>
+            <a:ext cx="11360700" cy="4555200"/>
+          </a:xfrm>
+          <a:prstGeom prst="rect">
+            <a:avLst/>
+          </a:prstGeom>
+          <a:noFill/>
+          <a:ln>
+            <a:noFill/>
+          </a:ln>
+        </p:spPr>
+        <p:txBody>
+          <a:bodyPr spcFirstLastPara="1" wrap="square" lIns="91425" tIns="45700" rIns="91425" bIns="45700" anchor="t" anchorCtr="0">
+            <a:noAutofit/>
+          </a:bodyPr>
+          <a:lstStyle/>
+          <a:p>
+            <a:pPr marL="0" lvl="0" indent="0">
+              <a:buClr>
+                <a:srgbClr val="000000"/>
+              </a:buClr>
+              <a:buSzPts val="3200"/>
+              <a:buNone/>
+            </a:pPr>
+            <a:endParaRPr lang="en-US" sz="4000" dirty="0">
+              <a:solidFill>
+                <a:srgbClr val="000000"/>
+              </a:solidFill>
+            </a:endParaRPr>
+          </a:p>
+          <a:p>
+            <a:pPr marL="0" lvl="0" indent="0">
+              <a:buClr>
+                <a:srgbClr val="000000"/>
+              </a:buClr>
+              <a:buSzPts val="3200"/>
+              <a:buNone/>
+            </a:pPr>
+            <a:r>
+              <a:rPr lang="en-US" sz="4000" dirty="0">
+                <a:solidFill>
+                  <a:srgbClr val="000000"/>
+                </a:solidFill>
+              </a:rPr>
               <a:t>What ethical or fairness considerations might be relevant here? How were these addressed in the paper?</a:t>
             </a:r>
             <a:endParaRPr sz="4000" dirty="0">
@@ -13403,7 +13604,7 @@
 </p:sld>
 </file>
 
-<file path=ppt/slides/slide15.xml><?xml version="1.0" encoding="utf-8"?>
+<file path=ppt/slides/slide16.xml><?xml version="1.0" encoding="utf-8"?>
 <p:sld xmlns:a="http://schemas.openxmlformats.org/drawingml/2006/main" xmlns:r="http://schemas.openxmlformats.org/officeDocument/2006/relationships" xmlns:p="http://schemas.openxmlformats.org/presentationml/2006/main">
   <p:cSld>
     <p:spTree>
@@ -13504,7 +13705,7 @@
 </p:sld>
 </file>
 
-<file path=ppt/slides/slide16.xml><?xml version="1.0" encoding="utf-8"?>
+<file path=ppt/slides/slide17.xml><?xml version="1.0" encoding="utf-8"?>
 <p:sld xmlns:a="http://schemas.openxmlformats.org/drawingml/2006/main" xmlns:r="http://schemas.openxmlformats.org/officeDocument/2006/relationships" xmlns:p="http://schemas.openxmlformats.org/presentationml/2006/main">
   <p:cSld>
     <p:spTree>

--- a/Lectures/03-casestudies.pptx
+++ b/Lectures/03-casestudies.pptx
@@ -5,26 +5,20 @@
     <p:sldMasterId id="2147483648" r:id="rId1"/>
   </p:sldMasterIdLst>
   <p:notesMasterIdLst>
-    <p:notesMasterId r:id="rId19"/>
+    <p:notesMasterId r:id="rId13"/>
   </p:notesMasterIdLst>
   <p:sldIdLst>
     <p:sldId id="256" r:id="rId2"/>
     <p:sldId id="281" r:id="rId3"/>
     <p:sldId id="295" r:id="rId4"/>
-    <p:sldId id="273" r:id="rId5"/>
-    <p:sldId id="274" r:id="rId6"/>
-    <p:sldId id="275" r:id="rId7"/>
-    <p:sldId id="276" r:id="rId8"/>
-    <p:sldId id="277" r:id="rId9"/>
-    <p:sldId id="296" r:id="rId10"/>
-    <p:sldId id="299" r:id="rId11"/>
-    <p:sldId id="300" r:id="rId12"/>
-    <p:sldId id="305" r:id="rId13"/>
-    <p:sldId id="301" r:id="rId14"/>
-    <p:sldId id="302" r:id="rId15"/>
-    <p:sldId id="303" r:id="rId16"/>
-    <p:sldId id="304" r:id="rId17"/>
-    <p:sldId id="298" r:id="rId18"/>
+    <p:sldId id="296" r:id="rId5"/>
+    <p:sldId id="299" r:id="rId6"/>
+    <p:sldId id="300" r:id="rId7"/>
+    <p:sldId id="305" r:id="rId8"/>
+    <p:sldId id="301" r:id="rId9"/>
+    <p:sldId id="302" r:id="rId10"/>
+    <p:sldId id="303" r:id="rId11"/>
+    <p:sldId id="298" r:id="rId12"/>
   </p:sldIdLst>
   <p:sldSz cx="12192000" cy="6858000"/>
   <p:notesSz cx="6858000" cy="9144000"/>
@@ -262,7 +256,7 @@
       <p15:sldGuideLst xmlns:p15="http://schemas.microsoft.com/office/powerpoint/2012/main"/>
     </p:ext>
     <p:ext uri="http://customooxmlschemas.google.com/">
-      <go:slidesCustomData xmlns:go="http://customooxmlschemas.google.com/" xmlns:p15="http://schemas.microsoft.com/office/powerpoint/2012/main" xmlns:p14="http://schemas.microsoft.com/office/powerpoint/2010/main" xmlns:com="http://schemas.openxmlformats.org/drawingml/2006/compatibility" xmlns:pvml="urn:schemas-microsoft-com:office:powerpoint" xmlns:v="urn:schemas-microsoft-com:vml" xmlns:o="urn:schemas-microsoft-com:office:office" xmlns:dgm="http://schemas.openxmlformats.org/drawingml/2006/diagram" xmlns:c="http://schemas.openxmlformats.org/drawingml/2006/chart" xmlns:mv="urn:schemas-microsoft-com:mac:vml" xmlns:mc="http://schemas.openxmlformats.org/markup-compatibility/2006" xmlns="" r:id="rId30" roundtripDataSignature="AMtx7mjFyVUGRZWio+dc9dxzYsimUxNJbg=="/>
+      <go:slidesCustomData xmlns="" xmlns:mc="http://schemas.openxmlformats.org/markup-compatibility/2006" xmlns:mv="urn:schemas-microsoft-com:mac:vml" xmlns:c="http://schemas.openxmlformats.org/drawingml/2006/chart" xmlns:dgm="http://schemas.openxmlformats.org/drawingml/2006/diagram" xmlns:o="urn:schemas-microsoft-com:office:office" xmlns:v="urn:schemas-microsoft-com:vml" xmlns:pvml="urn:schemas-microsoft-com:office:powerpoint" xmlns:com="http://schemas.openxmlformats.org/drawingml/2006/compatibility" xmlns:p14="http://schemas.microsoft.com/office/powerpoint/2010/main" xmlns:p15="http://schemas.microsoft.com/office/powerpoint/2012/main" xmlns:go="http://customooxmlschemas.google.com/" r:id="rId30" roundtripDataSignature="AMtx7mjFyVUGRZWio+dc9dxzYsimUxNJbg=="/>
     </p:ext>
   </p:extLst>
 </p:presentation>
@@ -6582,611 +6576,6 @@
 </p:notes>
 </file>
 
-<file path=ppt/notesSlides/notesSlide2.xml><?xml version="1.0" encoding="utf-8"?>
-<p:notes xmlns:a="http://schemas.openxmlformats.org/drawingml/2006/main" xmlns:r="http://schemas.openxmlformats.org/officeDocument/2006/relationships" xmlns:p="http://schemas.openxmlformats.org/presentationml/2006/main" showMasterSp="0" showMasterPhAnim="0">
-  <p:cSld>
-    <p:spTree>
-      <p:nvGrpSpPr>
-        <p:cNvPr id="1" name="Shape 201"/>
-        <p:cNvGrpSpPr/>
-        <p:nvPr/>
-      </p:nvGrpSpPr>
-      <p:grpSpPr>
-        <a:xfrm>
-          <a:off x="0" y="0"/>
-          <a:ext cx="0" cy="0"/>
-          <a:chOff x="0" y="0"/>
-          <a:chExt cx="0" cy="0"/>
-        </a:xfrm>
-      </p:grpSpPr>
-      <p:sp>
-        <p:nvSpPr>
-          <p:cNvPr id="202" name="Google Shape;202;p17:notes"/>
-          <p:cNvSpPr txBox="1">
-            <a:spLocks noGrp="1"/>
-          </p:cNvSpPr>
-          <p:nvPr>
-            <p:ph type="body" idx="1"/>
-          </p:nvPr>
-        </p:nvSpPr>
-        <p:spPr>
-          <a:xfrm>
-            <a:off x="685800" y="4400550"/>
-            <a:ext cx="5486400" cy="3600450"/>
-          </a:xfrm>
-          <a:prstGeom prst="rect">
-            <a:avLst/>
-          </a:prstGeom>
-        </p:spPr>
-        <p:txBody>
-          <a:bodyPr spcFirstLastPara="1" wrap="square" lIns="91425" tIns="45700" rIns="91425" bIns="45700" anchor="t" anchorCtr="0">
-            <a:noAutofit/>
-          </a:bodyPr>
-          <a:lstStyle/>
-          <a:p>
-            <a:pPr marL="0" lvl="0" indent="0" algn="l" rtl="0">
-              <a:spcBef>
-                <a:spcPts val="0"/>
-              </a:spcBef>
-              <a:spcAft>
-                <a:spcPts val="0"/>
-              </a:spcAft>
-              <a:buNone/>
-            </a:pPr>
-            <a:endParaRPr/>
-          </a:p>
-        </p:txBody>
-      </p:sp>
-      <p:sp>
-        <p:nvSpPr>
-          <p:cNvPr id="203" name="Google Shape;203;p17:notes"/>
-          <p:cNvSpPr>
-            <a:spLocks noGrp="1" noRot="1" noChangeAspect="1"/>
-          </p:cNvSpPr>
-          <p:nvPr>
-            <p:ph type="sldImg" idx="2"/>
-          </p:nvPr>
-        </p:nvSpPr>
-        <p:spPr>
-          <a:xfrm>
-            <a:off x="685800" y="1143000"/>
-            <a:ext cx="5486400" cy="3086100"/>
-          </a:xfrm>
-          <a:custGeom>
-            <a:avLst/>
-            <a:gdLst/>
-            <a:ahLst/>
-            <a:cxnLst/>
-            <a:rect l="l" t="t" r="r" b="b"/>
-            <a:pathLst>
-              <a:path w="120000" h="120000" extrusionOk="0">
-                <a:moveTo>
-                  <a:pt x="0" y="0"/>
-                </a:moveTo>
-                <a:lnTo>
-                  <a:pt x="120000" y="0"/>
-                </a:lnTo>
-                <a:lnTo>
-                  <a:pt x="120000" y="120000"/>
-                </a:lnTo>
-                <a:lnTo>
-                  <a:pt x="0" y="120000"/>
-                </a:lnTo>
-                <a:close/>
-              </a:path>
-            </a:pathLst>
-          </a:custGeom>
-        </p:spPr>
-      </p:sp>
-    </p:spTree>
-    <p:extLst>
-      <p:ext uri="{BB962C8B-B14F-4D97-AF65-F5344CB8AC3E}">
-        <p14:creationId xmlns:p14="http://schemas.microsoft.com/office/powerpoint/2010/main" val="2714812559"/>
-      </p:ext>
-    </p:extLst>
-  </p:cSld>
-  <p:clrMapOvr>
-    <a:masterClrMapping/>
-  </p:clrMapOvr>
-</p:notes>
-</file>
-
-<file path=ppt/notesSlides/notesSlide3.xml><?xml version="1.0" encoding="utf-8"?>
-<p:notes xmlns:a="http://schemas.openxmlformats.org/drawingml/2006/main" xmlns:r="http://schemas.openxmlformats.org/officeDocument/2006/relationships" xmlns:p="http://schemas.openxmlformats.org/presentationml/2006/main" showMasterSp="0" showMasterPhAnim="0">
-  <p:cSld>
-    <p:spTree>
-      <p:nvGrpSpPr>
-        <p:cNvPr id="1" name="Shape 207"/>
-        <p:cNvGrpSpPr/>
-        <p:nvPr/>
-      </p:nvGrpSpPr>
-      <p:grpSpPr>
-        <a:xfrm>
-          <a:off x="0" y="0"/>
-          <a:ext cx="0" cy="0"/>
-          <a:chOff x="0" y="0"/>
-          <a:chExt cx="0" cy="0"/>
-        </a:xfrm>
-      </p:grpSpPr>
-      <p:sp>
-        <p:nvSpPr>
-          <p:cNvPr id="208" name="Google Shape;208;p18:notes"/>
-          <p:cNvSpPr>
-            <a:spLocks noGrp="1" noRot="1" noChangeAspect="1"/>
-          </p:cNvSpPr>
-          <p:nvPr>
-            <p:ph type="sldImg" idx="2"/>
-          </p:nvPr>
-        </p:nvSpPr>
-        <p:spPr>
-          <a:xfrm>
-            <a:off x="685800" y="1143000"/>
-            <a:ext cx="5486400" cy="3086100"/>
-          </a:xfrm>
-          <a:custGeom>
-            <a:avLst/>
-            <a:gdLst/>
-            <a:ahLst/>
-            <a:cxnLst/>
-            <a:rect l="l" t="t" r="r" b="b"/>
-            <a:pathLst>
-              <a:path w="120000" h="120000" extrusionOk="0">
-                <a:moveTo>
-                  <a:pt x="0" y="0"/>
-                </a:moveTo>
-                <a:lnTo>
-                  <a:pt x="120000" y="0"/>
-                </a:lnTo>
-                <a:lnTo>
-                  <a:pt x="120000" y="120000"/>
-                </a:lnTo>
-                <a:lnTo>
-                  <a:pt x="0" y="120000"/>
-                </a:lnTo>
-                <a:close/>
-              </a:path>
-            </a:pathLst>
-          </a:custGeom>
-          <a:noFill/>
-          <a:ln w="12700" cap="flat" cmpd="sng">
-            <a:solidFill>
-              <a:srgbClr val="000000"/>
-            </a:solidFill>
-            <a:prstDash val="solid"/>
-            <a:round/>
-            <a:headEnd type="none" w="sm" len="sm"/>
-            <a:tailEnd type="none" w="sm" len="sm"/>
-          </a:ln>
-        </p:spPr>
-      </p:sp>
-      <p:sp>
-        <p:nvSpPr>
-          <p:cNvPr id="209" name="Google Shape;209;p18:notes"/>
-          <p:cNvSpPr txBox="1">
-            <a:spLocks noGrp="1"/>
-          </p:cNvSpPr>
-          <p:nvPr>
-            <p:ph type="body" idx="1"/>
-          </p:nvPr>
-        </p:nvSpPr>
-        <p:spPr>
-          <a:xfrm>
-            <a:off x="685800" y="4400550"/>
-            <a:ext cx="5486400" cy="3600450"/>
-          </a:xfrm>
-          <a:prstGeom prst="rect">
-            <a:avLst/>
-          </a:prstGeom>
-          <a:noFill/>
-          <a:ln>
-            <a:noFill/>
-          </a:ln>
-        </p:spPr>
-        <p:txBody>
-          <a:bodyPr spcFirstLastPara="1" wrap="square" lIns="91425" tIns="45700" rIns="91425" bIns="45700" anchor="t" anchorCtr="0">
-            <a:noAutofit/>
-          </a:bodyPr>
-          <a:lstStyle/>
-          <a:p>
-            <a:pPr marL="0" lvl="0" indent="0" algn="l" rtl="0">
-              <a:spcBef>
-                <a:spcPts val="0"/>
-              </a:spcBef>
-              <a:spcAft>
-                <a:spcPts val="0"/>
-              </a:spcAft>
-              <a:buNone/>
-            </a:pPr>
-            <a:endParaRPr/>
-          </a:p>
-        </p:txBody>
-      </p:sp>
-      <p:sp>
-        <p:nvSpPr>
-          <p:cNvPr id="210" name="Google Shape;210;p18:notes"/>
-          <p:cNvSpPr txBox="1">
-            <a:spLocks noGrp="1"/>
-          </p:cNvSpPr>
-          <p:nvPr>
-            <p:ph type="sldNum" idx="12"/>
-          </p:nvPr>
-        </p:nvSpPr>
-        <p:spPr>
-          <a:xfrm>
-            <a:off x="3884613" y="8685213"/>
-            <a:ext cx="2971800" cy="458787"/>
-          </a:xfrm>
-          <a:prstGeom prst="rect">
-            <a:avLst/>
-          </a:prstGeom>
-          <a:noFill/>
-          <a:ln>
-            <a:noFill/>
-          </a:ln>
-        </p:spPr>
-        <p:txBody>
-          <a:bodyPr spcFirstLastPara="1" wrap="square" lIns="91425" tIns="45700" rIns="91425" bIns="45700" anchor="b" anchorCtr="0">
-            <a:noAutofit/>
-          </a:bodyPr>
-          <a:lstStyle/>
-          <a:p>
-            <a:pPr marL="0" lvl="0" indent="0" algn="r" rtl="0">
-              <a:spcBef>
-                <a:spcPts val="0"/>
-              </a:spcBef>
-              <a:spcAft>
-                <a:spcPts val="0"/>
-              </a:spcAft>
-              <a:buNone/>
-            </a:pPr>
-            <a:fld id="{00000000-1234-1234-1234-123412341234}" type="slidenum">
-              <a:rPr lang="en-US"/>
-              <a:t>5</a:t>
-            </a:fld>
-            <a:endParaRPr/>
-          </a:p>
-        </p:txBody>
-      </p:sp>
-    </p:spTree>
-    <p:extLst>
-      <p:ext uri="{BB962C8B-B14F-4D97-AF65-F5344CB8AC3E}">
-        <p14:creationId xmlns:p14="http://schemas.microsoft.com/office/powerpoint/2010/main" val="1797564242"/>
-      </p:ext>
-    </p:extLst>
-  </p:cSld>
-  <p:clrMapOvr>
-    <a:masterClrMapping/>
-  </p:clrMapOvr>
-</p:notes>
-</file>
-
-<file path=ppt/notesSlides/notesSlide4.xml><?xml version="1.0" encoding="utf-8"?>
-<p:notes xmlns:a="http://schemas.openxmlformats.org/drawingml/2006/main" xmlns:r="http://schemas.openxmlformats.org/officeDocument/2006/relationships" xmlns:p="http://schemas.openxmlformats.org/presentationml/2006/main" showMasterSp="0" showMasterPhAnim="0">
-  <p:cSld>
-    <p:spTree>
-      <p:nvGrpSpPr>
-        <p:cNvPr id="1" name="Shape 224"/>
-        <p:cNvGrpSpPr/>
-        <p:nvPr/>
-      </p:nvGrpSpPr>
-      <p:grpSpPr>
-        <a:xfrm>
-          <a:off x="0" y="0"/>
-          <a:ext cx="0" cy="0"/>
-          <a:chOff x="0" y="0"/>
-          <a:chExt cx="0" cy="0"/>
-        </a:xfrm>
-      </p:grpSpPr>
-      <p:sp>
-        <p:nvSpPr>
-          <p:cNvPr id="225" name="Google Shape;225;p19:notes"/>
-          <p:cNvSpPr txBox="1">
-            <a:spLocks noGrp="1"/>
-          </p:cNvSpPr>
-          <p:nvPr>
-            <p:ph type="body" idx="1"/>
-          </p:nvPr>
-        </p:nvSpPr>
-        <p:spPr>
-          <a:xfrm>
-            <a:off x="685800" y="4400550"/>
-            <a:ext cx="5486400" cy="3600450"/>
-          </a:xfrm>
-          <a:prstGeom prst="rect">
-            <a:avLst/>
-          </a:prstGeom>
-        </p:spPr>
-        <p:txBody>
-          <a:bodyPr spcFirstLastPara="1" wrap="square" lIns="91425" tIns="45700" rIns="91425" bIns="45700" anchor="t" anchorCtr="0">
-            <a:noAutofit/>
-          </a:bodyPr>
-          <a:lstStyle/>
-          <a:p>
-            <a:pPr marL="0" lvl="0" indent="0" algn="l" rtl="0">
-              <a:spcBef>
-                <a:spcPts val="0"/>
-              </a:spcBef>
-              <a:spcAft>
-                <a:spcPts val="0"/>
-              </a:spcAft>
-              <a:buNone/>
-            </a:pPr>
-            <a:endParaRPr/>
-          </a:p>
-        </p:txBody>
-      </p:sp>
-      <p:sp>
-        <p:nvSpPr>
-          <p:cNvPr id="226" name="Google Shape;226;p19:notes"/>
-          <p:cNvSpPr>
-            <a:spLocks noGrp="1" noRot="1" noChangeAspect="1"/>
-          </p:cNvSpPr>
-          <p:nvPr>
-            <p:ph type="sldImg" idx="2"/>
-          </p:nvPr>
-        </p:nvSpPr>
-        <p:spPr>
-          <a:xfrm>
-            <a:off x="685800" y="1143000"/>
-            <a:ext cx="5486400" cy="3086100"/>
-          </a:xfrm>
-          <a:custGeom>
-            <a:avLst/>
-            <a:gdLst/>
-            <a:ahLst/>
-            <a:cxnLst/>
-            <a:rect l="l" t="t" r="r" b="b"/>
-            <a:pathLst>
-              <a:path w="120000" h="120000" extrusionOk="0">
-                <a:moveTo>
-                  <a:pt x="0" y="0"/>
-                </a:moveTo>
-                <a:lnTo>
-                  <a:pt x="120000" y="0"/>
-                </a:lnTo>
-                <a:lnTo>
-                  <a:pt x="120000" y="120000"/>
-                </a:lnTo>
-                <a:lnTo>
-                  <a:pt x="0" y="120000"/>
-                </a:lnTo>
-                <a:close/>
-              </a:path>
-            </a:pathLst>
-          </a:custGeom>
-        </p:spPr>
-      </p:sp>
-    </p:spTree>
-    <p:extLst>
-      <p:ext uri="{BB962C8B-B14F-4D97-AF65-F5344CB8AC3E}">
-        <p14:creationId xmlns:p14="http://schemas.microsoft.com/office/powerpoint/2010/main" val="3571216271"/>
-      </p:ext>
-    </p:extLst>
-  </p:cSld>
-  <p:clrMapOvr>
-    <a:masterClrMapping/>
-  </p:clrMapOvr>
-</p:notes>
-</file>
-
-<file path=ppt/notesSlides/notesSlide5.xml><?xml version="1.0" encoding="utf-8"?>
-<p:notes xmlns:a="http://schemas.openxmlformats.org/drawingml/2006/main" xmlns:r="http://schemas.openxmlformats.org/officeDocument/2006/relationships" xmlns:p="http://schemas.openxmlformats.org/presentationml/2006/main" showMasterSp="0" showMasterPhAnim="0">
-  <p:cSld>
-    <p:spTree>
-      <p:nvGrpSpPr>
-        <p:cNvPr id="1" name="Shape 238"/>
-        <p:cNvGrpSpPr/>
-        <p:nvPr/>
-      </p:nvGrpSpPr>
-      <p:grpSpPr>
-        <a:xfrm>
-          <a:off x="0" y="0"/>
-          <a:ext cx="0" cy="0"/>
-          <a:chOff x="0" y="0"/>
-          <a:chExt cx="0" cy="0"/>
-        </a:xfrm>
-      </p:grpSpPr>
-      <p:sp>
-        <p:nvSpPr>
-          <p:cNvPr id="239" name="Google Shape;239;p20:notes"/>
-          <p:cNvSpPr txBox="1">
-            <a:spLocks noGrp="1"/>
-          </p:cNvSpPr>
-          <p:nvPr>
-            <p:ph type="body" idx="1"/>
-          </p:nvPr>
-        </p:nvSpPr>
-        <p:spPr>
-          <a:xfrm>
-            <a:off x="685800" y="4400550"/>
-            <a:ext cx="5486400" cy="3600450"/>
-          </a:xfrm>
-          <a:prstGeom prst="rect">
-            <a:avLst/>
-          </a:prstGeom>
-        </p:spPr>
-        <p:txBody>
-          <a:bodyPr spcFirstLastPara="1" wrap="square" lIns="91425" tIns="45700" rIns="91425" bIns="45700" anchor="t" anchorCtr="0">
-            <a:noAutofit/>
-          </a:bodyPr>
-          <a:lstStyle/>
-          <a:p>
-            <a:pPr marL="0" lvl="0" indent="0" algn="l" rtl="0">
-              <a:spcBef>
-                <a:spcPts val="0"/>
-              </a:spcBef>
-              <a:spcAft>
-                <a:spcPts val="0"/>
-              </a:spcAft>
-              <a:buNone/>
-            </a:pPr>
-            <a:endParaRPr/>
-          </a:p>
-        </p:txBody>
-      </p:sp>
-      <p:sp>
-        <p:nvSpPr>
-          <p:cNvPr id="240" name="Google Shape;240;p20:notes"/>
-          <p:cNvSpPr>
-            <a:spLocks noGrp="1" noRot="1" noChangeAspect="1"/>
-          </p:cNvSpPr>
-          <p:nvPr>
-            <p:ph type="sldImg" idx="2"/>
-          </p:nvPr>
-        </p:nvSpPr>
-        <p:spPr>
-          <a:xfrm>
-            <a:off x="685800" y="1143000"/>
-            <a:ext cx="5486400" cy="3086100"/>
-          </a:xfrm>
-          <a:custGeom>
-            <a:avLst/>
-            <a:gdLst/>
-            <a:ahLst/>
-            <a:cxnLst/>
-            <a:rect l="l" t="t" r="r" b="b"/>
-            <a:pathLst>
-              <a:path w="120000" h="120000" extrusionOk="0">
-                <a:moveTo>
-                  <a:pt x="0" y="0"/>
-                </a:moveTo>
-                <a:lnTo>
-                  <a:pt x="120000" y="0"/>
-                </a:lnTo>
-                <a:lnTo>
-                  <a:pt x="120000" y="120000"/>
-                </a:lnTo>
-                <a:lnTo>
-                  <a:pt x="0" y="120000"/>
-                </a:lnTo>
-                <a:close/>
-              </a:path>
-            </a:pathLst>
-          </a:custGeom>
-        </p:spPr>
-      </p:sp>
-    </p:spTree>
-    <p:extLst>
-      <p:ext uri="{BB962C8B-B14F-4D97-AF65-F5344CB8AC3E}">
-        <p14:creationId xmlns:p14="http://schemas.microsoft.com/office/powerpoint/2010/main" val="3585849425"/>
-      </p:ext>
-    </p:extLst>
-  </p:cSld>
-  <p:clrMapOvr>
-    <a:masterClrMapping/>
-  </p:clrMapOvr>
-</p:notes>
-</file>
-
-<file path=ppt/notesSlides/notesSlide6.xml><?xml version="1.0" encoding="utf-8"?>
-<p:notes xmlns:a="http://schemas.openxmlformats.org/drawingml/2006/main" xmlns:r="http://schemas.openxmlformats.org/officeDocument/2006/relationships" xmlns:p="http://schemas.openxmlformats.org/presentationml/2006/main" showMasterSp="0" showMasterPhAnim="0">
-  <p:cSld>
-    <p:spTree>
-      <p:nvGrpSpPr>
-        <p:cNvPr id="1" name="Shape 244"/>
-        <p:cNvGrpSpPr/>
-        <p:nvPr/>
-      </p:nvGrpSpPr>
-      <p:grpSpPr>
-        <a:xfrm>
-          <a:off x="0" y="0"/>
-          <a:ext cx="0" cy="0"/>
-          <a:chOff x="0" y="0"/>
-          <a:chExt cx="0" cy="0"/>
-        </a:xfrm>
-      </p:grpSpPr>
-      <p:sp>
-        <p:nvSpPr>
-          <p:cNvPr id="245" name="Google Shape;245;p22:notes"/>
-          <p:cNvSpPr txBox="1">
-            <a:spLocks noGrp="1"/>
-          </p:cNvSpPr>
-          <p:nvPr>
-            <p:ph type="body" idx="1"/>
-          </p:nvPr>
-        </p:nvSpPr>
-        <p:spPr>
-          <a:xfrm>
-            <a:off x="685800" y="4400550"/>
-            <a:ext cx="5486400" cy="3600450"/>
-          </a:xfrm>
-          <a:prstGeom prst="rect">
-            <a:avLst/>
-          </a:prstGeom>
-        </p:spPr>
-        <p:txBody>
-          <a:bodyPr spcFirstLastPara="1" wrap="square" lIns="91425" tIns="45700" rIns="91425" bIns="45700" anchor="t" anchorCtr="0">
-            <a:noAutofit/>
-          </a:bodyPr>
-          <a:lstStyle/>
-          <a:p>
-            <a:pPr marL="0" lvl="0" indent="0" algn="l" rtl="0">
-              <a:spcBef>
-                <a:spcPts val="0"/>
-              </a:spcBef>
-              <a:spcAft>
-                <a:spcPts val="0"/>
-              </a:spcAft>
-              <a:buNone/>
-            </a:pPr>
-            <a:endParaRPr/>
-          </a:p>
-        </p:txBody>
-      </p:sp>
-      <p:sp>
-        <p:nvSpPr>
-          <p:cNvPr id="246" name="Google Shape;246;p22:notes"/>
-          <p:cNvSpPr>
-            <a:spLocks noGrp="1" noRot="1" noChangeAspect="1"/>
-          </p:cNvSpPr>
-          <p:nvPr>
-            <p:ph type="sldImg" idx="2"/>
-          </p:nvPr>
-        </p:nvSpPr>
-        <p:spPr>
-          <a:xfrm>
-            <a:off x="685800" y="1143000"/>
-            <a:ext cx="5486400" cy="3086100"/>
-          </a:xfrm>
-          <a:custGeom>
-            <a:avLst/>
-            <a:gdLst/>
-            <a:ahLst/>
-            <a:cxnLst/>
-            <a:rect l="l" t="t" r="r" b="b"/>
-            <a:pathLst>
-              <a:path w="120000" h="120000" extrusionOk="0">
-                <a:moveTo>
-                  <a:pt x="0" y="0"/>
-                </a:moveTo>
-                <a:lnTo>
-                  <a:pt x="120000" y="0"/>
-                </a:lnTo>
-                <a:lnTo>
-                  <a:pt x="120000" y="120000"/>
-                </a:lnTo>
-                <a:lnTo>
-                  <a:pt x="0" y="120000"/>
-                </a:lnTo>
-                <a:close/>
-              </a:path>
-            </a:pathLst>
-          </a:custGeom>
-        </p:spPr>
-      </p:sp>
-    </p:spTree>
-    <p:extLst>
-      <p:ext uri="{BB962C8B-B14F-4D97-AF65-F5344CB8AC3E}">
-        <p14:creationId xmlns:p14="http://schemas.microsoft.com/office/powerpoint/2010/main" val="2964226742"/>
-      </p:ext>
-    </p:extLst>
-  </p:cSld>
-  <p:clrMapOvr>
-    <a:masterClrMapping/>
-  </p:clrMapOvr>
-</p:notes>
-</file>
-
 <file path=ppt/slideLayouts/slideLayout1.xml><?xml version="1.0" encoding="utf-8"?>
 <p:sldLayout xmlns:a="http://schemas.openxmlformats.org/drawingml/2006/main" xmlns:r="http://schemas.openxmlformats.org/officeDocument/2006/relationships" xmlns:p="http://schemas.openxmlformats.org/presentationml/2006/main" matchingName="Title slide" type="title">
   <p:cSld name="TITLE">
@@ -12776,784 +12165,6 @@
           </a:bodyPr>
           <a:lstStyle/>
           <a:p>
-            <a:pPr marL="0" lvl="0" indent="0" algn="l" rtl="0">
-              <a:spcBef>
-                <a:spcPts val="0"/>
-              </a:spcBef>
-              <a:spcAft>
-                <a:spcPts val="0"/>
-              </a:spcAft>
-              <a:buClr>
-                <a:srgbClr val="000000"/>
-              </a:buClr>
-              <a:buSzPts val="3200"/>
-              <a:buNone/>
-            </a:pPr>
-            <a:endParaRPr lang="en-US" sz="4000" dirty="0">
-              <a:solidFill>
-                <a:srgbClr val="000000"/>
-              </a:solidFill>
-            </a:endParaRPr>
-          </a:p>
-          <a:p>
-            <a:pPr marL="0" lvl="0" indent="0" algn="l" rtl="0">
-              <a:spcBef>
-                <a:spcPts val="0"/>
-              </a:spcBef>
-              <a:spcAft>
-                <a:spcPts val="0"/>
-              </a:spcAft>
-              <a:buClr>
-                <a:srgbClr val="000000"/>
-              </a:buClr>
-              <a:buSzPts val="3200"/>
-              <a:buNone/>
-            </a:pPr>
-            <a:endParaRPr lang="en-US" sz="4000" dirty="0">
-              <a:solidFill>
-                <a:srgbClr val="000000"/>
-              </a:solidFill>
-            </a:endParaRPr>
-          </a:p>
-          <a:p>
-            <a:pPr marL="0" lvl="0" indent="0">
-              <a:buClr>
-                <a:srgbClr val="000000"/>
-              </a:buClr>
-              <a:buSzPts val="3200"/>
-              <a:buNone/>
-            </a:pPr>
-            <a:r>
-              <a:rPr lang="en-US" sz="4000" dirty="0">
-                <a:solidFill>
-                  <a:srgbClr val="000000"/>
-                </a:solidFill>
-              </a:rPr>
-              <a:t>If you were scoping the project described here, how would you describe the overall goal?</a:t>
-            </a:r>
-            <a:endParaRPr sz="4000" dirty="0">
-              <a:solidFill>
-                <a:srgbClr val="000000"/>
-              </a:solidFill>
-            </a:endParaRPr>
-          </a:p>
-        </p:txBody>
-      </p:sp>
-    </p:spTree>
-    <p:extLst>
-      <p:ext uri="{BB962C8B-B14F-4D97-AF65-F5344CB8AC3E}">
-        <p14:creationId xmlns:p14="http://schemas.microsoft.com/office/powerpoint/2010/main" val="639899210"/>
-      </p:ext>
-    </p:extLst>
-  </p:cSld>
-  <p:clrMapOvr>
-    <a:masterClrMapping/>
-  </p:clrMapOvr>
-</p:sld>
-</file>
-
-<file path=ppt/slides/slide11.xml><?xml version="1.0" encoding="utf-8"?>
-<p:sld xmlns:a="http://schemas.openxmlformats.org/drawingml/2006/main" xmlns:r="http://schemas.openxmlformats.org/officeDocument/2006/relationships" xmlns:p="http://schemas.openxmlformats.org/presentationml/2006/main">
-  <p:cSld>
-    <p:spTree>
-      <p:nvGrpSpPr>
-        <p:cNvPr id="1" name=""/>
-        <p:cNvGrpSpPr/>
-        <p:nvPr/>
-      </p:nvGrpSpPr>
-      <p:grpSpPr>
-        <a:xfrm>
-          <a:off x="0" y="0"/>
-          <a:ext cx="0" cy="0"/>
-          <a:chOff x="0" y="0"/>
-          <a:chExt cx="0" cy="0"/>
-        </a:xfrm>
-      </p:grpSpPr>
-      <p:sp>
-        <p:nvSpPr>
-          <p:cNvPr id="2" name="Title 1">
-            <a:extLst>
-              <a:ext uri="{FF2B5EF4-FFF2-40B4-BE49-F238E27FC236}">
-                <a16:creationId xmlns:a16="http://schemas.microsoft.com/office/drawing/2014/main" id="{8DE1804F-1831-E540-A1DC-073BA8437BAB}"/>
-              </a:ext>
-            </a:extLst>
-          </p:cNvPr>
-          <p:cNvSpPr>
-            <a:spLocks noGrp="1"/>
-          </p:cNvSpPr>
-          <p:nvPr>
-            <p:ph type="title"/>
-          </p:nvPr>
-        </p:nvSpPr>
-        <p:spPr/>
-        <p:txBody>
-          <a:bodyPr/>
-          <a:lstStyle/>
-          <a:p>
-            <a:r>
-              <a:rPr lang="en-US" dirty="0"/>
-              <a:t>Case Study</a:t>
-            </a:r>
-          </a:p>
-        </p:txBody>
-      </p:sp>
-      <p:sp>
-        <p:nvSpPr>
-          <p:cNvPr id="6" name="Google Shape;205;p17">
-            <a:extLst>
-              <a:ext uri="{FF2B5EF4-FFF2-40B4-BE49-F238E27FC236}">
-                <a16:creationId xmlns:a16="http://schemas.microsoft.com/office/drawing/2014/main" id="{662D86EB-0258-0B4A-BD6B-21DB54554E75}"/>
-              </a:ext>
-            </a:extLst>
-          </p:cNvPr>
-          <p:cNvSpPr txBox="1">
-            <a:spLocks noGrp="1"/>
-          </p:cNvSpPr>
-          <p:nvPr>
-            <p:ph type="body" idx="1"/>
-          </p:nvPr>
-        </p:nvSpPr>
-        <p:spPr>
-          <a:xfrm>
-            <a:off x="415600" y="1536633"/>
-            <a:ext cx="11360700" cy="4555200"/>
-          </a:xfrm>
-          <a:prstGeom prst="rect">
-            <a:avLst/>
-          </a:prstGeom>
-          <a:noFill/>
-          <a:ln>
-            <a:noFill/>
-          </a:ln>
-        </p:spPr>
-        <p:txBody>
-          <a:bodyPr spcFirstLastPara="1" wrap="square" lIns="91425" tIns="45700" rIns="91425" bIns="45700" anchor="t" anchorCtr="0">
-            <a:noAutofit/>
-          </a:bodyPr>
-          <a:lstStyle/>
-          <a:p>
-            <a:pPr marL="0" lvl="0" indent="0" algn="l" rtl="0">
-              <a:spcBef>
-                <a:spcPts val="0"/>
-              </a:spcBef>
-              <a:spcAft>
-                <a:spcPts val="0"/>
-              </a:spcAft>
-              <a:buClr>
-                <a:srgbClr val="000000"/>
-              </a:buClr>
-              <a:buSzPts val="3200"/>
-              <a:buNone/>
-            </a:pPr>
-            <a:endParaRPr lang="en-US" sz="4000" dirty="0">
-              <a:solidFill>
-                <a:srgbClr val="000000"/>
-              </a:solidFill>
-            </a:endParaRPr>
-          </a:p>
-          <a:p>
-            <a:pPr marL="0" lvl="0" indent="0">
-              <a:buClr>
-                <a:srgbClr val="000000"/>
-              </a:buClr>
-              <a:buSzPts val="3200"/>
-              <a:buNone/>
-            </a:pPr>
-            <a:r>
-              <a:rPr lang="en-US" sz="4000" dirty="0">
-                <a:solidFill>
-                  <a:srgbClr val="000000"/>
-                </a:solidFill>
-              </a:rPr>
-              <a:t>How well does the paper address the goal you defined above? What evidence do they provide in this regard?</a:t>
-            </a:r>
-            <a:endParaRPr sz="4000" dirty="0">
-              <a:solidFill>
-                <a:srgbClr val="000000"/>
-              </a:solidFill>
-            </a:endParaRPr>
-          </a:p>
-        </p:txBody>
-      </p:sp>
-    </p:spTree>
-    <p:extLst>
-      <p:ext uri="{BB962C8B-B14F-4D97-AF65-F5344CB8AC3E}">
-        <p14:creationId xmlns:p14="http://schemas.microsoft.com/office/powerpoint/2010/main" val="1443994749"/>
-      </p:ext>
-    </p:extLst>
-  </p:cSld>
-  <p:clrMapOvr>
-    <a:masterClrMapping/>
-  </p:clrMapOvr>
-</p:sld>
-</file>
-
-<file path=ppt/slides/slide12.xml><?xml version="1.0" encoding="utf-8"?>
-<p:sld xmlns:a="http://schemas.openxmlformats.org/drawingml/2006/main" xmlns:r="http://schemas.openxmlformats.org/officeDocument/2006/relationships" xmlns:p="http://schemas.openxmlformats.org/presentationml/2006/main">
-  <p:cSld>
-    <p:spTree>
-      <p:nvGrpSpPr>
-        <p:cNvPr id="1" name=""/>
-        <p:cNvGrpSpPr/>
-        <p:nvPr/>
-      </p:nvGrpSpPr>
-      <p:grpSpPr>
-        <a:xfrm>
-          <a:off x="0" y="0"/>
-          <a:ext cx="0" cy="0"/>
-          <a:chOff x="0" y="0"/>
-          <a:chExt cx="0" cy="0"/>
-        </a:xfrm>
-      </p:grpSpPr>
-      <p:sp>
-        <p:nvSpPr>
-          <p:cNvPr id="2" name="Title 1">
-            <a:extLst>
-              <a:ext uri="{FF2B5EF4-FFF2-40B4-BE49-F238E27FC236}">
-                <a16:creationId xmlns:a16="http://schemas.microsoft.com/office/drawing/2014/main" id="{8DE1804F-1831-E540-A1DC-073BA8437BAB}"/>
-              </a:ext>
-            </a:extLst>
-          </p:cNvPr>
-          <p:cNvSpPr>
-            <a:spLocks noGrp="1"/>
-          </p:cNvSpPr>
-          <p:nvPr>
-            <p:ph type="title"/>
-          </p:nvPr>
-        </p:nvSpPr>
-        <p:spPr/>
-        <p:txBody>
-          <a:bodyPr/>
-          <a:lstStyle/>
-          <a:p>
-            <a:r>
-              <a:rPr lang="en-US" dirty="0"/>
-              <a:t>Case Study</a:t>
-            </a:r>
-          </a:p>
-        </p:txBody>
-      </p:sp>
-      <p:sp>
-        <p:nvSpPr>
-          <p:cNvPr id="6" name="Google Shape;205;p17">
-            <a:extLst>
-              <a:ext uri="{FF2B5EF4-FFF2-40B4-BE49-F238E27FC236}">
-                <a16:creationId xmlns:a16="http://schemas.microsoft.com/office/drawing/2014/main" id="{662D86EB-0258-0B4A-BD6B-21DB54554E75}"/>
-              </a:ext>
-            </a:extLst>
-          </p:cNvPr>
-          <p:cNvSpPr txBox="1">
-            <a:spLocks noGrp="1"/>
-          </p:cNvSpPr>
-          <p:nvPr>
-            <p:ph type="body" idx="1"/>
-          </p:nvPr>
-        </p:nvSpPr>
-        <p:spPr>
-          <a:xfrm>
-            <a:off x="415600" y="1536633"/>
-            <a:ext cx="11360700" cy="4555200"/>
-          </a:xfrm>
-          <a:prstGeom prst="rect">
-            <a:avLst/>
-          </a:prstGeom>
-          <a:noFill/>
-          <a:ln>
-            <a:noFill/>
-          </a:ln>
-        </p:spPr>
-        <p:txBody>
-          <a:bodyPr spcFirstLastPara="1" wrap="square" lIns="91425" tIns="45700" rIns="91425" bIns="45700" anchor="t" anchorCtr="0">
-            <a:noAutofit/>
-          </a:bodyPr>
-          <a:lstStyle/>
-          <a:p>
-            <a:pPr marL="0" lvl="0" indent="0" algn="l" rtl="0">
-              <a:spcBef>
-                <a:spcPts val="0"/>
-              </a:spcBef>
-              <a:spcAft>
-                <a:spcPts val="0"/>
-              </a:spcAft>
-              <a:buClr>
-                <a:srgbClr val="000000"/>
-              </a:buClr>
-              <a:buSzPts val="3200"/>
-              <a:buNone/>
-            </a:pPr>
-            <a:endParaRPr lang="en-US" sz="4000" dirty="0">
-              <a:solidFill>
-                <a:srgbClr val="000000"/>
-              </a:solidFill>
-            </a:endParaRPr>
-          </a:p>
-          <a:p>
-            <a:pPr marL="0" lvl="0" indent="0">
-              <a:buClr>
-                <a:srgbClr val="000000"/>
-              </a:buClr>
-              <a:buSzPts val="3200"/>
-              <a:buNone/>
-            </a:pPr>
-            <a:r>
-              <a:rPr lang="en-US" sz="4000" dirty="0">
-                <a:solidFill>
-                  <a:srgbClr val="000000"/>
-                </a:solidFill>
-              </a:rPr>
-              <a:t>How well does the paper address</a:t>
-            </a:r>
-          </a:p>
-          <a:p>
-            <a:pPr marL="0" lvl="0" indent="0">
-              <a:buClr>
-                <a:srgbClr val="000000"/>
-              </a:buClr>
-              <a:buSzPts val="3200"/>
-              <a:buNone/>
-            </a:pPr>
-            <a:r>
-              <a:rPr lang="en-US" sz="4000" dirty="0">
-                <a:solidFill>
-                  <a:srgbClr val="000000"/>
-                </a:solidFill>
-              </a:rPr>
-              <a:t>the goal you defined above?</a:t>
-            </a:r>
-          </a:p>
-          <a:p>
-            <a:pPr marL="0" lvl="0" indent="0">
-              <a:buClr>
-                <a:srgbClr val="000000"/>
-              </a:buClr>
-              <a:buSzPts val="3200"/>
-              <a:buNone/>
-            </a:pPr>
-            <a:endParaRPr lang="en-US" sz="4000" dirty="0">
-              <a:solidFill>
-                <a:srgbClr val="000000"/>
-              </a:solidFill>
-            </a:endParaRPr>
-          </a:p>
-          <a:p>
-            <a:pPr marL="0" indent="0">
-              <a:buClr>
-                <a:srgbClr val="000000"/>
-              </a:buClr>
-              <a:buSzPts val="3200"/>
-              <a:buNone/>
-            </a:pPr>
-            <a:r>
-              <a:rPr lang="en-US" sz="4000" dirty="0">
-                <a:solidFill>
-                  <a:srgbClr val="000000"/>
-                </a:solidFill>
-              </a:rPr>
-              <a:t>			</a:t>
-            </a:r>
-            <a:r>
-              <a:rPr lang="en-US" sz="4000" dirty="0" err="1">
-                <a:solidFill>
-                  <a:srgbClr val="000000"/>
-                </a:solidFill>
-              </a:rPr>
-              <a:t>slido.com</a:t>
-            </a:r>
-            <a:r>
-              <a:rPr lang="en-US" sz="4000" dirty="0">
-                <a:solidFill>
-                  <a:srgbClr val="000000"/>
-                </a:solidFill>
-              </a:rPr>
-              <a:t>  #1341886</a:t>
-            </a:r>
-            <a:endParaRPr sz="4000" dirty="0">
-              <a:solidFill>
-                <a:srgbClr val="000000"/>
-              </a:solidFill>
-            </a:endParaRPr>
-          </a:p>
-        </p:txBody>
-      </p:sp>
-    </p:spTree>
-    <p:extLst>
-      <p:ext uri="{BB962C8B-B14F-4D97-AF65-F5344CB8AC3E}">
-        <p14:creationId xmlns:p14="http://schemas.microsoft.com/office/powerpoint/2010/main" val="4284856106"/>
-      </p:ext>
-    </p:extLst>
-  </p:cSld>
-  <p:clrMapOvr>
-    <a:masterClrMapping/>
-  </p:clrMapOvr>
-</p:sld>
-</file>
-
-<file path=ppt/slides/slide13.xml><?xml version="1.0" encoding="utf-8"?>
-<p:sld xmlns:a="http://schemas.openxmlformats.org/drawingml/2006/main" xmlns:r="http://schemas.openxmlformats.org/officeDocument/2006/relationships" xmlns:p="http://schemas.openxmlformats.org/presentationml/2006/main">
-  <p:cSld>
-    <p:spTree>
-      <p:nvGrpSpPr>
-        <p:cNvPr id="1" name=""/>
-        <p:cNvGrpSpPr/>
-        <p:nvPr/>
-      </p:nvGrpSpPr>
-      <p:grpSpPr>
-        <a:xfrm>
-          <a:off x="0" y="0"/>
-          <a:ext cx="0" cy="0"/>
-          <a:chOff x="0" y="0"/>
-          <a:chExt cx="0" cy="0"/>
-        </a:xfrm>
-      </p:grpSpPr>
-      <p:sp>
-        <p:nvSpPr>
-          <p:cNvPr id="2" name="Title 1">
-            <a:extLst>
-              <a:ext uri="{FF2B5EF4-FFF2-40B4-BE49-F238E27FC236}">
-                <a16:creationId xmlns:a16="http://schemas.microsoft.com/office/drawing/2014/main" id="{8DE1804F-1831-E540-A1DC-073BA8437BAB}"/>
-              </a:ext>
-            </a:extLst>
-          </p:cNvPr>
-          <p:cNvSpPr>
-            <a:spLocks noGrp="1"/>
-          </p:cNvSpPr>
-          <p:nvPr>
-            <p:ph type="title"/>
-          </p:nvPr>
-        </p:nvSpPr>
-        <p:spPr/>
-        <p:txBody>
-          <a:bodyPr/>
-          <a:lstStyle/>
-          <a:p>
-            <a:r>
-              <a:rPr lang="en-US" dirty="0"/>
-              <a:t>Case Study</a:t>
-            </a:r>
-          </a:p>
-        </p:txBody>
-      </p:sp>
-      <p:sp>
-        <p:nvSpPr>
-          <p:cNvPr id="6" name="Google Shape;205;p17">
-            <a:extLst>
-              <a:ext uri="{FF2B5EF4-FFF2-40B4-BE49-F238E27FC236}">
-                <a16:creationId xmlns:a16="http://schemas.microsoft.com/office/drawing/2014/main" id="{662D86EB-0258-0B4A-BD6B-21DB54554E75}"/>
-              </a:ext>
-            </a:extLst>
-          </p:cNvPr>
-          <p:cNvSpPr txBox="1">
-            <a:spLocks noGrp="1"/>
-          </p:cNvSpPr>
-          <p:nvPr>
-            <p:ph type="body" idx="1"/>
-          </p:nvPr>
-        </p:nvSpPr>
-        <p:spPr>
-          <a:xfrm>
-            <a:off x="415600" y="1536633"/>
-            <a:ext cx="11360700" cy="4555200"/>
-          </a:xfrm>
-          <a:prstGeom prst="rect">
-            <a:avLst/>
-          </a:prstGeom>
-          <a:noFill/>
-          <a:ln>
-            <a:noFill/>
-          </a:ln>
-        </p:spPr>
-        <p:txBody>
-          <a:bodyPr spcFirstLastPara="1" wrap="square" lIns="91425" tIns="45700" rIns="91425" bIns="45700" anchor="t" anchorCtr="0">
-            <a:noAutofit/>
-          </a:bodyPr>
-          <a:lstStyle/>
-          <a:p>
-            <a:pPr marL="0" lvl="0" indent="0" algn="l" rtl="0">
-              <a:spcBef>
-                <a:spcPts val="0"/>
-              </a:spcBef>
-              <a:spcAft>
-                <a:spcPts val="0"/>
-              </a:spcAft>
-              <a:buClr>
-                <a:srgbClr val="000000"/>
-              </a:buClr>
-              <a:buSzPts val="3200"/>
-              <a:buNone/>
-            </a:pPr>
-            <a:endParaRPr lang="en-US" sz="4000" dirty="0">
-              <a:solidFill>
-                <a:srgbClr val="000000"/>
-              </a:solidFill>
-            </a:endParaRPr>
-          </a:p>
-          <a:p>
-            <a:pPr marL="0" lvl="0" indent="0" algn="l" rtl="0">
-              <a:spcBef>
-                <a:spcPts val="0"/>
-              </a:spcBef>
-              <a:spcAft>
-                <a:spcPts val="0"/>
-              </a:spcAft>
-              <a:buClr>
-                <a:srgbClr val="000000"/>
-              </a:buClr>
-              <a:buSzPts val="3200"/>
-              <a:buNone/>
-            </a:pPr>
-            <a:endParaRPr lang="en-US" sz="4000" dirty="0">
-              <a:solidFill>
-                <a:srgbClr val="000000"/>
-              </a:solidFill>
-            </a:endParaRPr>
-          </a:p>
-          <a:p>
-            <a:pPr marL="0" lvl="0" indent="0">
-              <a:buClr>
-                <a:srgbClr val="000000"/>
-              </a:buClr>
-              <a:buSzPts val="3200"/>
-              <a:buNone/>
-            </a:pPr>
-            <a:r>
-              <a:rPr lang="en-US" sz="4000" dirty="0">
-                <a:solidFill>
-                  <a:srgbClr val="000000"/>
-                </a:solidFill>
-              </a:rPr>
-              <a:t>What actions can the public health officials take to achieve that goal?</a:t>
-            </a:r>
-            <a:endParaRPr sz="4000" dirty="0">
-              <a:solidFill>
-                <a:srgbClr val="000000"/>
-              </a:solidFill>
-            </a:endParaRPr>
-          </a:p>
-        </p:txBody>
-      </p:sp>
-    </p:spTree>
-    <p:extLst>
-      <p:ext uri="{BB962C8B-B14F-4D97-AF65-F5344CB8AC3E}">
-        <p14:creationId xmlns:p14="http://schemas.microsoft.com/office/powerpoint/2010/main" val="2564637539"/>
-      </p:ext>
-    </p:extLst>
-  </p:cSld>
-  <p:clrMapOvr>
-    <a:masterClrMapping/>
-  </p:clrMapOvr>
-</p:sld>
-</file>
-
-<file path=ppt/slides/slide14.xml><?xml version="1.0" encoding="utf-8"?>
-<p:sld xmlns:a="http://schemas.openxmlformats.org/drawingml/2006/main" xmlns:r="http://schemas.openxmlformats.org/officeDocument/2006/relationships" xmlns:p="http://schemas.openxmlformats.org/presentationml/2006/main">
-  <p:cSld>
-    <p:spTree>
-      <p:nvGrpSpPr>
-        <p:cNvPr id="1" name=""/>
-        <p:cNvGrpSpPr/>
-        <p:nvPr/>
-      </p:nvGrpSpPr>
-      <p:grpSpPr>
-        <a:xfrm>
-          <a:off x="0" y="0"/>
-          <a:ext cx="0" cy="0"/>
-          <a:chOff x="0" y="0"/>
-          <a:chExt cx="0" cy="0"/>
-        </a:xfrm>
-      </p:grpSpPr>
-      <p:sp>
-        <p:nvSpPr>
-          <p:cNvPr id="2" name="Title 1">
-            <a:extLst>
-              <a:ext uri="{FF2B5EF4-FFF2-40B4-BE49-F238E27FC236}">
-                <a16:creationId xmlns:a16="http://schemas.microsoft.com/office/drawing/2014/main" id="{8DE1804F-1831-E540-A1DC-073BA8437BAB}"/>
-              </a:ext>
-            </a:extLst>
-          </p:cNvPr>
-          <p:cNvSpPr>
-            <a:spLocks noGrp="1"/>
-          </p:cNvSpPr>
-          <p:nvPr>
-            <p:ph type="title"/>
-          </p:nvPr>
-        </p:nvSpPr>
-        <p:spPr/>
-        <p:txBody>
-          <a:bodyPr/>
-          <a:lstStyle/>
-          <a:p>
-            <a:r>
-              <a:rPr lang="en-US" dirty="0"/>
-              <a:t>Case Study</a:t>
-            </a:r>
-          </a:p>
-        </p:txBody>
-      </p:sp>
-      <p:sp>
-        <p:nvSpPr>
-          <p:cNvPr id="6" name="Google Shape;205;p17">
-            <a:extLst>
-              <a:ext uri="{FF2B5EF4-FFF2-40B4-BE49-F238E27FC236}">
-                <a16:creationId xmlns:a16="http://schemas.microsoft.com/office/drawing/2014/main" id="{662D86EB-0258-0B4A-BD6B-21DB54554E75}"/>
-              </a:ext>
-            </a:extLst>
-          </p:cNvPr>
-          <p:cNvSpPr txBox="1">
-            <a:spLocks noGrp="1"/>
-          </p:cNvSpPr>
-          <p:nvPr>
-            <p:ph type="body" idx="1"/>
-          </p:nvPr>
-        </p:nvSpPr>
-        <p:spPr>
-          <a:xfrm>
-            <a:off x="415600" y="1536633"/>
-            <a:ext cx="11360700" cy="4555200"/>
-          </a:xfrm>
-          <a:prstGeom prst="rect">
-            <a:avLst/>
-          </a:prstGeom>
-          <a:noFill/>
-          <a:ln>
-            <a:noFill/>
-          </a:ln>
-        </p:spPr>
-        <p:txBody>
-          <a:bodyPr spcFirstLastPara="1" wrap="square" lIns="91425" tIns="45700" rIns="91425" bIns="45700" anchor="t" anchorCtr="0">
-            <a:noAutofit/>
-          </a:bodyPr>
-          <a:lstStyle/>
-          <a:p>
-            <a:pPr marL="0" lvl="0" indent="0">
-              <a:buClr>
-                <a:srgbClr val="000000"/>
-              </a:buClr>
-              <a:buSzPts val="3200"/>
-              <a:buNone/>
-            </a:pPr>
-            <a:endParaRPr lang="en-US" sz="4000" dirty="0">
-              <a:solidFill>
-                <a:srgbClr val="000000"/>
-              </a:solidFill>
-            </a:endParaRPr>
-          </a:p>
-          <a:p>
-            <a:pPr marL="0" lvl="0" indent="0">
-              <a:buClr>
-                <a:srgbClr val="000000"/>
-              </a:buClr>
-              <a:buSzPts val="3200"/>
-              <a:buNone/>
-            </a:pPr>
-            <a:r>
-              <a:rPr lang="en-US" sz="4000" dirty="0">
-                <a:solidFill>
-                  <a:srgbClr val="000000"/>
-                </a:solidFill>
-              </a:rPr>
-              <a:t>In what ways did the model change the actions or decisions that public health officials are taking in terms of when, where, and how to act?</a:t>
-            </a:r>
-            <a:endParaRPr sz="4000" dirty="0">
-              <a:solidFill>
-                <a:srgbClr val="000000"/>
-              </a:solidFill>
-            </a:endParaRPr>
-          </a:p>
-        </p:txBody>
-      </p:sp>
-    </p:spTree>
-    <p:extLst>
-      <p:ext uri="{BB962C8B-B14F-4D97-AF65-F5344CB8AC3E}">
-        <p14:creationId xmlns:p14="http://schemas.microsoft.com/office/powerpoint/2010/main" val="3255311184"/>
-      </p:ext>
-    </p:extLst>
-  </p:cSld>
-  <p:clrMapOvr>
-    <a:masterClrMapping/>
-  </p:clrMapOvr>
-</p:sld>
-</file>
-
-<file path=ppt/slides/slide15.xml><?xml version="1.0" encoding="utf-8"?>
-<p:sld xmlns:a="http://schemas.openxmlformats.org/drawingml/2006/main" xmlns:r="http://schemas.openxmlformats.org/officeDocument/2006/relationships" xmlns:p="http://schemas.openxmlformats.org/presentationml/2006/main">
-  <p:cSld>
-    <p:spTree>
-      <p:nvGrpSpPr>
-        <p:cNvPr id="1" name=""/>
-        <p:cNvGrpSpPr/>
-        <p:nvPr/>
-      </p:nvGrpSpPr>
-      <p:grpSpPr>
-        <a:xfrm>
-          <a:off x="0" y="0"/>
-          <a:ext cx="0" cy="0"/>
-          <a:chOff x="0" y="0"/>
-          <a:chExt cx="0" cy="0"/>
-        </a:xfrm>
-      </p:grpSpPr>
-      <p:sp>
-        <p:nvSpPr>
-          <p:cNvPr id="2" name="Title 1">
-            <a:extLst>
-              <a:ext uri="{FF2B5EF4-FFF2-40B4-BE49-F238E27FC236}">
-                <a16:creationId xmlns:a16="http://schemas.microsoft.com/office/drawing/2014/main" id="{8DE1804F-1831-E540-A1DC-073BA8437BAB}"/>
-              </a:ext>
-            </a:extLst>
-          </p:cNvPr>
-          <p:cNvSpPr>
-            <a:spLocks noGrp="1"/>
-          </p:cNvSpPr>
-          <p:nvPr>
-            <p:ph type="title"/>
-          </p:nvPr>
-        </p:nvSpPr>
-        <p:spPr/>
-        <p:txBody>
-          <a:bodyPr/>
-          <a:lstStyle/>
-          <a:p>
-            <a:r>
-              <a:rPr lang="en-US" dirty="0"/>
-              <a:t>Case Study</a:t>
-            </a:r>
-          </a:p>
-        </p:txBody>
-      </p:sp>
-      <p:sp>
-        <p:nvSpPr>
-          <p:cNvPr id="6" name="Google Shape;205;p17">
-            <a:extLst>
-              <a:ext uri="{FF2B5EF4-FFF2-40B4-BE49-F238E27FC236}">
-                <a16:creationId xmlns:a16="http://schemas.microsoft.com/office/drawing/2014/main" id="{662D86EB-0258-0B4A-BD6B-21DB54554E75}"/>
-              </a:ext>
-            </a:extLst>
-          </p:cNvPr>
-          <p:cNvSpPr txBox="1">
-            <a:spLocks noGrp="1"/>
-          </p:cNvSpPr>
-          <p:nvPr>
-            <p:ph type="body" idx="1"/>
-          </p:nvPr>
-        </p:nvSpPr>
-        <p:spPr>
-          <a:xfrm>
-            <a:off x="415600" y="1536633"/>
-            <a:ext cx="11360700" cy="4555200"/>
-          </a:xfrm>
-          <a:prstGeom prst="rect">
-            <a:avLst/>
-          </a:prstGeom>
-          <a:noFill/>
-          <a:ln>
-            <a:noFill/>
-          </a:ln>
-        </p:spPr>
-        <p:txBody>
-          <a:bodyPr spcFirstLastPara="1" wrap="square" lIns="91425" tIns="45700" rIns="91425" bIns="45700" anchor="t" anchorCtr="0">
-            <a:noAutofit/>
-          </a:bodyPr>
-          <a:lstStyle/>
-          <a:p>
             <a:pPr marL="0" lvl="0" indent="0">
               <a:buClr>
                 <a:srgbClr val="000000"/>
@@ -13604,108 +12215,7 @@
 </p:sld>
 </file>
 
-<file path=ppt/slides/slide16.xml><?xml version="1.0" encoding="utf-8"?>
-<p:sld xmlns:a="http://schemas.openxmlformats.org/drawingml/2006/main" xmlns:r="http://schemas.openxmlformats.org/officeDocument/2006/relationships" xmlns:p="http://schemas.openxmlformats.org/presentationml/2006/main">
-  <p:cSld>
-    <p:spTree>
-      <p:nvGrpSpPr>
-        <p:cNvPr id="1" name=""/>
-        <p:cNvGrpSpPr/>
-        <p:nvPr/>
-      </p:nvGrpSpPr>
-      <p:grpSpPr>
-        <a:xfrm>
-          <a:off x="0" y="0"/>
-          <a:ext cx="0" cy="0"/>
-          <a:chOff x="0" y="0"/>
-          <a:chExt cx="0" cy="0"/>
-        </a:xfrm>
-      </p:grpSpPr>
-      <p:sp>
-        <p:nvSpPr>
-          <p:cNvPr id="2" name="Title 1">
-            <a:extLst>
-              <a:ext uri="{FF2B5EF4-FFF2-40B4-BE49-F238E27FC236}">
-                <a16:creationId xmlns:a16="http://schemas.microsoft.com/office/drawing/2014/main" id="{52E04EB1-290D-E647-B684-F8A3D3B280EE}"/>
-              </a:ext>
-            </a:extLst>
-          </p:cNvPr>
-          <p:cNvSpPr>
-            <a:spLocks noGrp="1"/>
-          </p:cNvSpPr>
-          <p:nvPr>
-            <p:ph type="title"/>
-          </p:nvPr>
-        </p:nvSpPr>
-        <p:spPr/>
-        <p:txBody>
-          <a:bodyPr/>
-          <a:lstStyle/>
-          <a:p>
-            <a:r>
-              <a:rPr lang="en-US" dirty="0"/>
-              <a:t>Discussion Topic for Thursday</a:t>
-            </a:r>
-          </a:p>
-        </p:txBody>
-      </p:sp>
-      <p:sp>
-        <p:nvSpPr>
-          <p:cNvPr id="3" name="Text Placeholder 2">
-            <a:extLst>
-              <a:ext uri="{FF2B5EF4-FFF2-40B4-BE49-F238E27FC236}">
-                <a16:creationId xmlns:a16="http://schemas.microsoft.com/office/drawing/2014/main" id="{73DF5889-4B8C-7449-87CD-1929C07EE849}"/>
-              </a:ext>
-            </a:extLst>
-          </p:cNvPr>
-          <p:cNvSpPr>
-            <a:spLocks noGrp="1"/>
-          </p:cNvSpPr>
-          <p:nvPr>
-            <p:ph type="body" idx="1"/>
-          </p:nvPr>
-        </p:nvSpPr>
-        <p:spPr/>
-        <p:txBody>
-          <a:bodyPr/>
-          <a:lstStyle/>
-          <a:p>
-            <a:pPr marL="76200" indent="0">
-              <a:buNone/>
-            </a:pPr>
-            <a:endParaRPr lang="en-US" sz="3200" dirty="0"/>
-          </a:p>
-          <a:p>
-            <a:pPr marL="76200" indent="0">
-              <a:buNone/>
-            </a:pPr>
-            <a:endParaRPr lang="en-US" sz="3200" dirty="0"/>
-          </a:p>
-          <a:p>
-            <a:pPr marL="76200" indent="0">
-              <a:buNone/>
-            </a:pPr>
-            <a:r>
-              <a:rPr lang="en-US" sz="3200" dirty="0"/>
-              <a:t>What are some potential downstream ethical issues when dealing with errors in record linkage?</a:t>
-            </a:r>
-          </a:p>
-        </p:txBody>
-      </p:sp>
-    </p:spTree>
-    <p:extLst>
-      <p:ext uri="{BB962C8B-B14F-4D97-AF65-F5344CB8AC3E}">
-        <p14:creationId xmlns:p14="http://schemas.microsoft.com/office/powerpoint/2010/main" val="4210785574"/>
-      </p:ext>
-    </p:extLst>
-  </p:cSld>
-  <p:clrMapOvr>
-    <a:masterClrMapping/>
-  </p:clrMapOvr>
-</p:sld>
-</file>
-
-<file path=ppt/slides/slide17.xml><?xml version="1.0" encoding="utf-8"?>
+<file path=ppt/slides/slide11.xml><?xml version="1.0" encoding="utf-8"?>
 <p:sld xmlns:a="http://schemas.openxmlformats.org/drawingml/2006/main" xmlns:r="http://schemas.openxmlformats.org/officeDocument/2006/relationships" xmlns:p="http://schemas.openxmlformats.org/presentationml/2006/main">
   <p:cSld>
     <p:spTree>
@@ -13773,17 +12283,19 @@
           <a:p>
             <a:r>
               <a:rPr lang="en-US" dirty="0"/>
-              <a:t>Due Today: Data Loading Exercise</a:t>
+              <a:t>Make sure you can access project data</a:t>
             </a:r>
-            <a:br>
-              <a:rPr lang="en-US" dirty="0"/>
-            </a:br>
-            <a:endParaRPr lang="en-US" dirty="0"/>
           </a:p>
           <a:p>
             <a:r>
               <a:rPr lang="en-US" dirty="0"/>
-              <a:t>Project Groups</a:t>
+              <a:t>Get familiar with project groups</a:t>
+            </a:r>
+          </a:p>
+          <a:p>
+            <a:r>
+              <a:rPr lang="en-US" dirty="0"/>
+              <a:t>Prep for tech session tomorrow</a:t>
             </a:r>
           </a:p>
         </p:txBody>
@@ -14037,2305 +12549,6 @@
   <p:cSld>
     <p:spTree>
       <p:nvGrpSpPr>
-        <p:cNvPr id="1" name="Shape 204"/>
-        <p:cNvGrpSpPr/>
-        <p:nvPr/>
-      </p:nvGrpSpPr>
-      <p:grpSpPr>
-        <a:xfrm>
-          <a:off x="0" y="0"/>
-          <a:ext cx="0" cy="0"/>
-          <a:chOff x="0" y="0"/>
-          <a:chExt cx="0" cy="0"/>
-        </a:xfrm>
-      </p:grpSpPr>
-      <p:sp>
-        <p:nvSpPr>
-          <p:cNvPr id="205" name="Google Shape;205;p17"/>
-          <p:cNvSpPr txBox="1">
-            <a:spLocks noGrp="1"/>
-          </p:cNvSpPr>
-          <p:nvPr>
-            <p:ph type="body" idx="1"/>
-          </p:nvPr>
-        </p:nvSpPr>
-        <p:spPr>
-          <a:xfrm>
-            <a:off x="415600" y="1536633"/>
-            <a:ext cx="11360700" cy="4555200"/>
-          </a:xfrm>
-          <a:prstGeom prst="rect">
-            <a:avLst/>
-          </a:prstGeom>
-          <a:noFill/>
-          <a:ln>
-            <a:noFill/>
-          </a:ln>
-        </p:spPr>
-        <p:txBody>
-          <a:bodyPr spcFirstLastPara="1" wrap="square" lIns="91425" tIns="45700" rIns="91425" bIns="45700" anchor="t" anchorCtr="0">
-            <a:noAutofit/>
-          </a:bodyPr>
-          <a:lstStyle/>
-          <a:p>
-            <a:pPr marL="257168" lvl="0" indent="-257168" algn="l" rtl="0">
-              <a:spcBef>
-                <a:spcPts val="0"/>
-              </a:spcBef>
-              <a:spcAft>
-                <a:spcPts val="0"/>
-              </a:spcAft>
-              <a:buClr>
-                <a:srgbClr val="000000"/>
-              </a:buClr>
-              <a:buSzPts val="3200"/>
-              <a:buChar char="●"/>
-            </a:pPr>
-            <a:r>
-              <a:rPr lang="en-US" sz="3200" dirty="0">
-                <a:solidFill>
-                  <a:srgbClr val="000000"/>
-                </a:solidFill>
-              </a:rPr>
-              <a:t>How do we </a:t>
-            </a:r>
-            <a:r>
-              <a:rPr lang="en-US" sz="3200" b="1" dirty="0">
-                <a:solidFill>
-                  <a:srgbClr val="FF0000"/>
-                </a:solidFill>
-              </a:rPr>
-              <a:t>define</a:t>
-            </a:r>
-            <a:r>
-              <a:rPr lang="en-US" sz="3200" dirty="0">
-                <a:solidFill>
-                  <a:srgbClr val="000000"/>
-                </a:solidFill>
-              </a:rPr>
-              <a:t> equity?</a:t>
-            </a:r>
-            <a:endParaRPr dirty="0">
-              <a:solidFill>
-                <a:srgbClr val="000000"/>
-              </a:solidFill>
-            </a:endParaRPr>
-          </a:p>
-          <a:p>
-            <a:pPr marL="257168" lvl="0" indent="-53968" algn="l" rtl="0">
-              <a:spcBef>
-                <a:spcPts val="640"/>
-              </a:spcBef>
-              <a:spcAft>
-                <a:spcPts val="0"/>
-              </a:spcAft>
-              <a:buClr>
-                <a:schemeClr val="dk1"/>
-              </a:buClr>
-              <a:buSzPts val="3200"/>
-              <a:buNone/>
-            </a:pPr>
-            <a:endParaRPr sz="3200" dirty="0">
-              <a:solidFill>
-                <a:srgbClr val="000000"/>
-              </a:solidFill>
-            </a:endParaRPr>
-          </a:p>
-          <a:p>
-            <a:pPr marL="257168" lvl="0" indent="-53968" algn="l" rtl="0">
-              <a:spcBef>
-                <a:spcPts val="640"/>
-              </a:spcBef>
-              <a:spcAft>
-                <a:spcPts val="0"/>
-              </a:spcAft>
-              <a:buClr>
-                <a:schemeClr val="dk1"/>
-              </a:buClr>
-              <a:buSzPts val="3200"/>
-              <a:buNone/>
-            </a:pPr>
-            <a:endParaRPr sz="3200" dirty="0">
-              <a:solidFill>
-                <a:srgbClr val="000000"/>
-              </a:solidFill>
-            </a:endParaRPr>
-          </a:p>
-          <a:p>
-            <a:pPr marL="257168" lvl="0" indent="-257168" algn="l" rtl="0">
-              <a:spcBef>
-                <a:spcPts val="640"/>
-              </a:spcBef>
-              <a:spcAft>
-                <a:spcPts val="0"/>
-              </a:spcAft>
-              <a:buClr>
-                <a:srgbClr val="000000"/>
-              </a:buClr>
-              <a:buSzPts val="3200"/>
-              <a:buChar char="●"/>
-            </a:pPr>
-            <a:r>
-              <a:rPr lang="en-US" sz="3200" dirty="0">
-                <a:solidFill>
-                  <a:srgbClr val="000000"/>
-                </a:solidFill>
-              </a:rPr>
-              <a:t>How do we </a:t>
-            </a:r>
-            <a:r>
-              <a:rPr lang="en-US" sz="3200" b="1" dirty="0">
-                <a:solidFill>
-                  <a:srgbClr val="FF0000"/>
-                </a:solidFill>
-              </a:rPr>
-              <a:t>detect</a:t>
-            </a:r>
-            <a:r>
-              <a:rPr lang="en-US" sz="3200" dirty="0">
-                <a:solidFill>
-                  <a:srgbClr val="000000"/>
-                </a:solidFill>
-              </a:rPr>
-              <a:t> inequity? </a:t>
-            </a:r>
-            <a:endParaRPr dirty="0">
-              <a:solidFill>
-                <a:srgbClr val="000000"/>
-              </a:solidFill>
-            </a:endParaRPr>
-          </a:p>
-          <a:p>
-            <a:pPr marL="257168" lvl="0" indent="-53968" algn="l" rtl="0">
-              <a:spcBef>
-                <a:spcPts val="640"/>
-              </a:spcBef>
-              <a:spcAft>
-                <a:spcPts val="0"/>
-              </a:spcAft>
-              <a:buClr>
-                <a:schemeClr val="dk1"/>
-              </a:buClr>
-              <a:buSzPts val="3200"/>
-              <a:buNone/>
-            </a:pPr>
-            <a:endParaRPr sz="3200" dirty="0">
-              <a:solidFill>
-                <a:srgbClr val="000000"/>
-              </a:solidFill>
-            </a:endParaRPr>
-          </a:p>
-          <a:p>
-            <a:pPr marL="0" lvl="0" indent="0" algn="l" rtl="0">
-              <a:spcBef>
-                <a:spcPts val="640"/>
-              </a:spcBef>
-              <a:spcAft>
-                <a:spcPts val="0"/>
-              </a:spcAft>
-              <a:buClr>
-                <a:schemeClr val="dk1"/>
-              </a:buClr>
-              <a:buSzPts val="3200"/>
-              <a:buNone/>
-            </a:pPr>
-            <a:endParaRPr sz="3200" dirty="0">
-              <a:solidFill>
-                <a:srgbClr val="000000"/>
-              </a:solidFill>
-            </a:endParaRPr>
-          </a:p>
-          <a:p>
-            <a:pPr marL="257168" lvl="0" indent="-257168" algn="l" rtl="0">
-              <a:spcBef>
-                <a:spcPts val="640"/>
-              </a:spcBef>
-              <a:spcAft>
-                <a:spcPts val="0"/>
-              </a:spcAft>
-              <a:buClr>
-                <a:srgbClr val="000000"/>
-              </a:buClr>
-              <a:buSzPts val="3200"/>
-              <a:buChar char="●"/>
-            </a:pPr>
-            <a:r>
-              <a:rPr lang="en-US" sz="3200" dirty="0">
-                <a:solidFill>
-                  <a:srgbClr val="000000"/>
-                </a:solidFill>
-              </a:rPr>
-              <a:t>How do we </a:t>
-            </a:r>
-            <a:r>
-              <a:rPr lang="en-US" sz="3200" b="1" dirty="0">
-                <a:solidFill>
-                  <a:srgbClr val="FF0000"/>
-                </a:solidFill>
-              </a:rPr>
-              <a:t>increase</a:t>
-            </a:r>
-            <a:r>
-              <a:rPr lang="en-US" sz="3200" dirty="0">
-                <a:solidFill>
-                  <a:srgbClr val="000000"/>
-                </a:solidFill>
-              </a:rPr>
-              <a:t> equity?</a:t>
-            </a:r>
-            <a:endParaRPr dirty="0">
-              <a:solidFill>
-                <a:srgbClr val="000000"/>
-              </a:solidFill>
-            </a:endParaRPr>
-          </a:p>
-          <a:p>
-            <a:pPr marL="257168" lvl="0" indent="-53968" algn="l" rtl="0">
-              <a:spcBef>
-                <a:spcPts val="640"/>
-              </a:spcBef>
-              <a:spcAft>
-                <a:spcPts val="0"/>
-              </a:spcAft>
-              <a:buClr>
-                <a:schemeClr val="dk1"/>
-              </a:buClr>
-              <a:buSzPts val="3200"/>
-              <a:buNone/>
-            </a:pPr>
-            <a:endParaRPr sz="3200" dirty="0">
-              <a:solidFill>
-                <a:srgbClr val="000000"/>
-              </a:solidFill>
-            </a:endParaRPr>
-          </a:p>
-        </p:txBody>
-      </p:sp>
-      <p:sp>
-        <p:nvSpPr>
-          <p:cNvPr id="206" name="Google Shape;206;p17"/>
-          <p:cNvSpPr txBox="1">
-            <a:spLocks noGrp="1"/>
-          </p:cNvSpPr>
-          <p:nvPr>
-            <p:ph type="title"/>
-          </p:nvPr>
-        </p:nvSpPr>
-        <p:spPr>
-          <a:xfrm>
-            <a:off x="415600" y="6"/>
-            <a:ext cx="11360700" cy="1356900"/>
-          </a:xfrm>
-          <a:prstGeom prst="rect">
-            <a:avLst/>
-          </a:prstGeom>
-          <a:noFill/>
-          <a:ln>
-            <a:noFill/>
-          </a:ln>
-        </p:spPr>
-        <p:txBody>
-          <a:bodyPr spcFirstLastPara="1" wrap="square" lIns="91425" tIns="45700" rIns="91425" bIns="45700" anchor="ctr" anchorCtr="0">
-            <a:noAutofit/>
-          </a:bodyPr>
-          <a:lstStyle/>
-          <a:p>
-            <a:pPr marL="0" lvl="0" indent="0" algn="ctr" rtl="0">
-              <a:spcBef>
-                <a:spcPts val="0"/>
-              </a:spcBef>
-              <a:spcAft>
-                <a:spcPts val="0"/>
-              </a:spcAft>
-              <a:buNone/>
-            </a:pPr>
-            <a:r>
-              <a:rPr lang="en-US" sz="4800"/>
-              <a:t>Creating a more equitable society</a:t>
-            </a:r>
-            <a:endParaRPr sz="4800"/>
-          </a:p>
-        </p:txBody>
-      </p:sp>
-    </p:spTree>
-    <p:extLst>
-      <p:ext uri="{BB962C8B-B14F-4D97-AF65-F5344CB8AC3E}">
-        <p14:creationId xmlns:p14="http://schemas.microsoft.com/office/powerpoint/2010/main" val="4131773212"/>
-      </p:ext>
-    </p:extLst>
-  </p:cSld>
-  <p:clrMapOvr>
-    <a:masterClrMapping/>
-  </p:clrMapOvr>
-</p:sld>
-</file>
-
-<file path=ppt/slides/slide5.xml><?xml version="1.0" encoding="utf-8"?>
-<p:sld xmlns:a="http://schemas.openxmlformats.org/drawingml/2006/main" xmlns:r="http://schemas.openxmlformats.org/officeDocument/2006/relationships" xmlns:p="http://schemas.openxmlformats.org/presentationml/2006/main">
-  <p:cSld>
-    <p:spTree>
-      <p:nvGrpSpPr>
-        <p:cNvPr id="1" name="Shape 211"/>
-        <p:cNvGrpSpPr/>
-        <p:nvPr/>
-      </p:nvGrpSpPr>
-      <p:grpSpPr>
-        <a:xfrm>
-          <a:off x="0" y="0"/>
-          <a:ext cx="0" cy="0"/>
-          <a:chOff x="0" y="0"/>
-          <a:chExt cx="0" cy="0"/>
-        </a:xfrm>
-      </p:grpSpPr>
-      <p:grpSp>
-        <p:nvGrpSpPr>
-          <p:cNvPr id="212" name="Google Shape;212;p18"/>
-          <p:cNvGrpSpPr/>
-          <p:nvPr/>
-        </p:nvGrpSpPr>
-        <p:grpSpPr>
-          <a:xfrm>
-            <a:off x="476065" y="1789909"/>
-            <a:ext cx="11222544" cy="4559157"/>
-            <a:chOff x="0" y="131652"/>
-            <a:chExt cx="11222544" cy="4559157"/>
-          </a:xfrm>
-        </p:grpSpPr>
-        <p:sp>
-          <p:nvSpPr>
-            <p:cNvPr id="213" name="Google Shape;213;p18"/>
-            <p:cNvSpPr/>
-            <p:nvPr/>
-          </p:nvSpPr>
-          <p:spPr>
-            <a:xfrm>
-              <a:off x="0" y="131652"/>
-              <a:ext cx="3507045" cy="2104226"/>
-            </a:xfrm>
-            <a:prstGeom prst="rect">
-              <a:avLst/>
-            </a:prstGeom>
-            <a:solidFill>
-              <a:srgbClr val="BF504D"/>
-            </a:solidFill>
-            <a:ln w="25400" cap="flat" cmpd="sng">
-              <a:solidFill>
-                <a:schemeClr val="lt1"/>
-              </a:solidFill>
-              <a:prstDash val="solid"/>
-              <a:round/>
-              <a:headEnd type="none" w="sm" len="sm"/>
-              <a:tailEnd type="none" w="sm" len="sm"/>
-            </a:ln>
-          </p:spPr>
-          <p:txBody>
-            <a:bodyPr spcFirstLastPara="1" wrap="square" lIns="91425" tIns="91425" rIns="91425" bIns="91425" anchor="ctr" anchorCtr="0">
-              <a:noAutofit/>
-            </a:bodyPr>
-            <a:lstStyle/>
-            <a:p>
-              <a:pPr marL="0" lvl="0" indent="0" algn="l" rtl="0">
-                <a:spcBef>
-                  <a:spcPts val="0"/>
-                </a:spcBef>
-                <a:spcAft>
-                  <a:spcPts val="0"/>
-                </a:spcAft>
-                <a:buNone/>
-              </a:pPr>
-              <a:endParaRPr/>
-            </a:p>
-          </p:txBody>
-        </p:sp>
-        <p:sp>
-          <p:nvSpPr>
-            <p:cNvPr id="214" name="Google Shape;214;p18"/>
-            <p:cNvSpPr txBox="1"/>
-            <p:nvPr/>
-          </p:nvSpPr>
-          <p:spPr>
-            <a:xfrm>
-              <a:off x="0" y="131652"/>
-              <a:ext cx="3507045" cy="2104226"/>
-            </a:xfrm>
-            <a:prstGeom prst="rect">
-              <a:avLst/>
-            </a:prstGeom>
-            <a:noFill/>
-            <a:ln>
-              <a:noFill/>
-            </a:ln>
-          </p:spPr>
-          <p:txBody>
-            <a:bodyPr spcFirstLastPara="1" wrap="square" lIns="76200" tIns="76200" rIns="76200" bIns="76200" anchor="ctr" anchorCtr="0">
-              <a:noAutofit/>
-            </a:bodyPr>
-            <a:lstStyle/>
-            <a:p>
-              <a:pPr marL="0" marR="0" lvl="0" indent="0" algn="ctr" rtl="0">
-                <a:lnSpc>
-                  <a:spcPct val="90000"/>
-                </a:lnSpc>
-                <a:spcBef>
-                  <a:spcPts val="0"/>
-                </a:spcBef>
-                <a:spcAft>
-                  <a:spcPts val="0"/>
-                </a:spcAft>
-                <a:buClr>
-                  <a:schemeClr val="lt1"/>
-                </a:buClr>
-                <a:buSzPts val="2000"/>
-                <a:buFont typeface="Calibri"/>
-                <a:buNone/>
-              </a:pPr>
-              <a:r>
-                <a:rPr lang="en-US" sz="2000" b="0" i="0" u="none" strike="noStrike" cap="none">
-                  <a:solidFill>
-                    <a:schemeClr val="lt1"/>
-                  </a:solidFill>
-                  <a:latin typeface="Calibri"/>
-                  <a:ea typeface="Calibri"/>
-                  <a:cs typeface="Calibri"/>
-                  <a:sym typeface="Calibri"/>
-                </a:rPr>
-                <a:t>Privacy</a:t>
-              </a:r>
-              <a:endParaRPr/>
-            </a:p>
-          </p:txBody>
-        </p:sp>
-        <p:sp>
-          <p:nvSpPr>
-            <p:cNvPr id="215" name="Google Shape;215;p18"/>
-            <p:cNvSpPr/>
-            <p:nvPr/>
-          </p:nvSpPr>
-          <p:spPr>
-            <a:xfrm>
-              <a:off x="3857749" y="131652"/>
-              <a:ext cx="3507045" cy="2104226"/>
-            </a:xfrm>
-            <a:prstGeom prst="rect">
-              <a:avLst/>
-            </a:prstGeom>
-            <a:solidFill>
-              <a:srgbClr val="BD754F"/>
-            </a:solidFill>
-            <a:ln w="25400" cap="flat" cmpd="sng">
-              <a:solidFill>
-                <a:schemeClr val="lt1"/>
-              </a:solidFill>
-              <a:prstDash val="solid"/>
-              <a:round/>
-              <a:headEnd type="none" w="sm" len="sm"/>
-              <a:tailEnd type="none" w="sm" len="sm"/>
-            </a:ln>
-          </p:spPr>
-          <p:txBody>
-            <a:bodyPr spcFirstLastPara="1" wrap="square" lIns="91425" tIns="91425" rIns="91425" bIns="91425" anchor="ctr" anchorCtr="0">
-              <a:noAutofit/>
-            </a:bodyPr>
-            <a:lstStyle/>
-            <a:p>
-              <a:pPr marL="0" lvl="0" indent="0" algn="l" rtl="0">
-                <a:spcBef>
-                  <a:spcPts val="0"/>
-                </a:spcBef>
-                <a:spcAft>
-                  <a:spcPts val="0"/>
-                </a:spcAft>
-                <a:buNone/>
-              </a:pPr>
-              <a:endParaRPr/>
-            </a:p>
-          </p:txBody>
-        </p:sp>
-        <p:sp>
-          <p:nvSpPr>
-            <p:cNvPr id="216" name="Google Shape;216;p18"/>
-            <p:cNvSpPr txBox="1"/>
-            <p:nvPr/>
-          </p:nvSpPr>
-          <p:spPr>
-            <a:xfrm>
-              <a:off x="3857749" y="131652"/>
-              <a:ext cx="3507045" cy="2104226"/>
-            </a:xfrm>
-            <a:prstGeom prst="rect">
-              <a:avLst/>
-            </a:prstGeom>
-            <a:noFill/>
-            <a:ln>
-              <a:noFill/>
-            </a:ln>
-          </p:spPr>
-          <p:txBody>
-            <a:bodyPr spcFirstLastPara="1" wrap="square" lIns="76200" tIns="76200" rIns="76200" bIns="76200" anchor="ctr" anchorCtr="0">
-              <a:noAutofit/>
-            </a:bodyPr>
-            <a:lstStyle/>
-            <a:p>
-              <a:pPr marL="0" marR="0" lvl="0" indent="0" algn="ctr" rtl="0">
-                <a:lnSpc>
-                  <a:spcPct val="90000"/>
-                </a:lnSpc>
-                <a:spcBef>
-                  <a:spcPts val="0"/>
-                </a:spcBef>
-                <a:spcAft>
-                  <a:spcPts val="0"/>
-                </a:spcAft>
-                <a:buClr>
-                  <a:schemeClr val="lt1"/>
-                </a:buClr>
-                <a:buSzPts val="2000"/>
-                <a:buFont typeface="Calibri"/>
-                <a:buNone/>
-              </a:pPr>
-              <a:r>
-                <a:rPr lang="en-US" sz="2000" b="0" i="0" u="none" strike="noStrike" cap="none">
-                  <a:solidFill>
-                    <a:schemeClr val="lt1"/>
-                  </a:solidFill>
-                  <a:latin typeface="Calibri"/>
-                  <a:ea typeface="Calibri"/>
-                  <a:cs typeface="Calibri"/>
-                  <a:sym typeface="Calibri"/>
-                </a:rPr>
-                <a:t>Data Ownership</a:t>
-              </a:r>
-              <a:endParaRPr/>
-            </a:p>
-          </p:txBody>
-        </p:sp>
-        <p:sp>
-          <p:nvSpPr>
-            <p:cNvPr id="217" name="Google Shape;217;p18"/>
-            <p:cNvSpPr/>
-            <p:nvPr/>
-          </p:nvSpPr>
-          <p:spPr>
-            <a:xfrm>
-              <a:off x="7715499" y="131652"/>
-              <a:ext cx="3507045" cy="2104226"/>
-            </a:xfrm>
-            <a:prstGeom prst="rect">
-              <a:avLst/>
-            </a:prstGeom>
-            <a:solidFill>
-              <a:srgbClr val="BB9952"/>
-            </a:solidFill>
-            <a:ln w="25400" cap="flat" cmpd="sng">
-              <a:solidFill>
-                <a:schemeClr val="lt1"/>
-              </a:solidFill>
-              <a:prstDash val="solid"/>
-              <a:round/>
-              <a:headEnd type="none" w="sm" len="sm"/>
-              <a:tailEnd type="none" w="sm" len="sm"/>
-            </a:ln>
-          </p:spPr>
-          <p:txBody>
-            <a:bodyPr spcFirstLastPara="1" wrap="square" lIns="91425" tIns="91425" rIns="91425" bIns="91425" anchor="ctr" anchorCtr="0">
-              <a:noAutofit/>
-            </a:bodyPr>
-            <a:lstStyle/>
-            <a:p>
-              <a:pPr marL="0" lvl="0" indent="0" algn="l" rtl="0">
-                <a:spcBef>
-                  <a:spcPts val="0"/>
-                </a:spcBef>
-                <a:spcAft>
-                  <a:spcPts val="0"/>
-                </a:spcAft>
-                <a:buNone/>
-              </a:pPr>
-              <a:endParaRPr/>
-            </a:p>
-          </p:txBody>
-        </p:sp>
-        <p:sp>
-          <p:nvSpPr>
-            <p:cNvPr id="218" name="Google Shape;218;p18"/>
-            <p:cNvSpPr txBox="1"/>
-            <p:nvPr/>
-          </p:nvSpPr>
-          <p:spPr>
-            <a:xfrm>
-              <a:off x="7715499" y="131652"/>
-              <a:ext cx="3507045" cy="2104226"/>
-            </a:xfrm>
-            <a:prstGeom prst="rect">
-              <a:avLst/>
-            </a:prstGeom>
-            <a:noFill/>
-            <a:ln>
-              <a:noFill/>
-            </a:ln>
-          </p:spPr>
-          <p:txBody>
-            <a:bodyPr spcFirstLastPara="1" wrap="square" lIns="76200" tIns="76200" rIns="76200" bIns="76200" anchor="ctr" anchorCtr="0">
-              <a:noAutofit/>
-            </a:bodyPr>
-            <a:lstStyle/>
-            <a:p>
-              <a:pPr marL="0" marR="0" lvl="0" indent="0" algn="ctr" rtl="0">
-                <a:lnSpc>
-                  <a:spcPct val="90000"/>
-                </a:lnSpc>
-                <a:spcBef>
-                  <a:spcPts val="0"/>
-                </a:spcBef>
-                <a:spcAft>
-                  <a:spcPts val="0"/>
-                </a:spcAft>
-                <a:buClr>
-                  <a:schemeClr val="lt1"/>
-                </a:buClr>
-                <a:buSzPts val="2000"/>
-                <a:buFont typeface="Calibri"/>
-                <a:buNone/>
-              </a:pPr>
-              <a:r>
-                <a:rPr lang="en-US" sz="2000" b="0" i="0" u="none" strike="noStrike" cap="none">
-                  <a:solidFill>
-                    <a:schemeClr val="lt1"/>
-                  </a:solidFill>
-                  <a:latin typeface="Calibri"/>
-                  <a:ea typeface="Calibri"/>
-                  <a:cs typeface="Calibri"/>
-                  <a:sym typeface="Calibri"/>
-                </a:rPr>
-                <a:t>Bias, Equity, &amp; Fairness</a:t>
-              </a:r>
-              <a:endParaRPr/>
-            </a:p>
-          </p:txBody>
-        </p:sp>
-        <p:sp>
-          <p:nvSpPr>
-            <p:cNvPr id="219" name="Google Shape;219;p18"/>
-            <p:cNvSpPr/>
-            <p:nvPr/>
-          </p:nvSpPr>
-          <p:spPr>
-            <a:xfrm>
-              <a:off x="1928874" y="2586583"/>
-              <a:ext cx="3507045" cy="2104226"/>
-            </a:xfrm>
-            <a:prstGeom prst="rect">
-              <a:avLst/>
-            </a:prstGeom>
-            <a:solidFill>
-              <a:srgbClr val="BABA55"/>
-            </a:solidFill>
-            <a:ln w="25400" cap="flat" cmpd="sng">
-              <a:solidFill>
-                <a:schemeClr val="lt1"/>
-              </a:solidFill>
-              <a:prstDash val="solid"/>
-              <a:round/>
-              <a:headEnd type="none" w="sm" len="sm"/>
-              <a:tailEnd type="none" w="sm" len="sm"/>
-            </a:ln>
-          </p:spPr>
-          <p:txBody>
-            <a:bodyPr spcFirstLastPara="1" wrap="square" lIns="91425" tIns="91425" rIns="91425" bIns="91425" anchor="ctr" anchorCtr="0">
-              <a:noAutofit/>
-            </a:bodyPr>
-            <a:lstStyle/>
-            <a:p>
-              <a:pPr marL="0" lvl="0" indent="0" algn="l" rtl="0">
-                <a:spcBef>
-                  <a:spcPts val="0"/>
-                </a:spcBef>
-                <a:spcAft>
-                  <a:spcPts val="0"/>
-                </a:spcAft>
-                <a:buNone/>
-              </a:pPr>
-              <a:endParaRPr/>
-            </a:p>
-          </p:txBody>
-        </p:sp>
-        <p:sp>
-          <p:nvSpPr>
-            <p:cNvPr id="220" name="Google Shape;220;p18"/>
-            <p:cNvSpPr txBox="1"/>
-            <p:nvPr/>
-          </p:nvSpPr>
-          <p:spPr>
-            <a:xfrm>
-              <a:off x="1928874" y="2586583"/>
-              <a:ext cx="3507045" cy="2104226"/>
-            </a:xfrm>
-            <a:prstGeom prst="rect">
-              <a:avLst/>
-            </a:prstGeom>
-            <a:noFill/>
-            <a:ln>
-              <a:noFill/>
-            </a:ln>
-          </p:spPr>
-          <p:txBody>
-            <a:bodyPr spcFirstLastPara="1" wrap="square" lIns="76200" tIns="76200" rIns="76200" bIns="76200" anchor="ctr" anchorCtr="0">
-              <a:noAutofit/>
-            </a:bodyPr>
-            <a:lstStyle/>
-            <a:p>
-              <a:pPr marL="0" marR="0" lvl="0" indent="0" algn="ctr" rtl="0">
-                <a:lnSpc>
-                  <a:spcPct val="90000"/>
-                </a:lnSpc>
-                <a:spcBef>
-                  <a:spcPts val="0"/>
-                </a:spcBef>
-                <a:spcAft>
-                  <a:spcPts val="0"/>
-                </a:spcAft>
-                <a:buClr>
-                  <a:schemeClr val="lt1"/>
-                </a:buClr>
-                <a:buSzPts val="2000"/>
-                <a:buFont typeface="Calibri"/>
-                <a:buNone/>
-              </a:pPr>
-              <a:r>
-                <a:rPr lang="en-US" sz="2000" b="0" i="0" u="none" strike="noStrike" cap="none">
-                  <a:solidFill>
-                    <a:schemeClr val="lt1"/>
-                  </a:solidFill>
-                  <a:latin typeface="Calibri"/>
-                  <a:ea typeface="Calibri"/>
-                  <a:cs typeface="Calibri"/>
-                  <a:sym typeface="Calibri"/>
-                </a:rPr>
-                <a:t>Transparency</a:t>
-              </a:r>
-              <a:endParaRPr/>
-            </a:p>
-          </p:txBody>
-        </p:sp>
-        <p:sp>
-          <p:nvSpPr>
-            <p:cNvPr id="221" name="Google Shape;221;p18"/>
-            <p:cNvSpPr/>
-            <p:nvPr/>
-          </p:nvSpPr>
-          <p:spPr>
-            <a:xfrm>
-              <a:off x="5786624" y="2586583"/>
-              <a:ext cx="3507045" cy="2104226"/>
-            </a:xfrm>
-            <a:prstGeom prst="rect">
-              <a:avLst/>
-            </a:prstGeom>
-            <a:solidFill>
-              <a:srgbClr val="99B958"/>
-            </a:solidFill>
-            <a:ln w="25400" cap="flat" cmpd="sng">
-              <a:solidFill>
-                <a:schemeClr val="lt1"/>
-              </a:solidFill>
-              <a:prstDash val="solid"/>
-              <a:round/>
-              <a:headEnd type="none" w="sm" len="sm"/>
-              <a:tailEnd type="none" w="sm" len="sm"/>
-            </a:ln>
-          </p:spPr>
-          <p:txBody>
-            <a:bodyPr spcFirstLastPara="1" wrap="square" lIns="91425" tIns="91425" rIns="91425" bIns="91425" anchor="ctr" anchorCtr="0">
-              <a:noAutofit/>
-            </a:bodyPr>
-            <a:lstStyle/>
-            <a:p>
-              <a:pPr marL="0" lvl="0" indent="0" algn="l" rtl="0">
-                <a:spcBef>
-                  <a:spcPts val="0"/>
-                </a:spcBef>
-                <a:spcAft>
-                  <a:spcPts val="0"/>
-                </a:spcAft>
-                <a:buNone/>
-              </a:pPr>
-              <a:endParaRPr/>
-            </a:p>
-          </p:txBody>
-        </p:sp>
-        <p:sp>
-          <p:nvSpPr>
-            <p:cNvPr id="222" name="Google Shape;222;p18"/>
-            <p:cNvSpPr txBox="1"/>
-            <p:nvPr/>
-          </p:nvSpPr>
-          <p:spPr>
-            <a:xfrm>
-              <a:off x="5786624" y="2586583"/>
-              <a:ext cx="3507045" cy="2104226"/>
-            </a:xfrm>
-            <a:prstGeom prst="rect">
-              <a:avLst/>
-            </a:prstGeom>
-            <a:noFill/>
-            <a:ln>
-              <a:noFill/>
-            </a:ln>
-          </p:spPr>
-          <p:txBody>
-            <a:bodyPr spcFirstLastPara="1" wrap="square" lIns="76200" tIns="76200" rIns="76200" bIns="76200" anchor="ctr" anchorCtr="0">
-              <a:noAutofit/>
-            </a:bodyPr>
-            <a:lstStyle/>
-            <a:p>
-              <a:pPr marL="0" marR="0" lvl="0" indent="0" algn="ctr" rtl="0">
-                <a:lnSpc>
-                  <a:spcPct val="90000"/>
-                </a:lnSpc>
-                <a:spcBef>
-                  <a:spcPts val="0"/>
-                </a:spcBef>
-                <a:spcAft>
-                  <a:spcPts val="0"/>
-                </a:spcAft>
-                <a:buClr>
-                  <a:schemeClr val="lt1"/>
-                </a:buClr>
-                <a:buSzPts val="2000"/>
-                <a:buFont typeface="Calibri"/>
-                <a:buNone/>
-              </a:pPr>
-              <a:r>
-                <a:rPr lang="en-US" sz="2000" b="0" i="0" u="none" strike="noStrike" cap="none">
-                  <a:solidFill>
-                    <a:schemeClr val="lt1"/>
-                  </a:solidFill>
-                  <a:latin typeface="Calibri"/>
-                  <a:ea typeface="Calibri"/>
-                  <a:cs typeface="Calibri"/>
-                  <a:sym typeface="Calibri"/>
-                </a:rPr>
-                <a:t>Trustworthiness and Accountability</a:t>
-              </a:r>
-              <a:endParaRPr/>
-            </a:p>
-          </p:txBody>
-        </p:sp>
-      </p:grpSp>
-      <p:sp>
-        <p:nvSpPr>
-          <p:cNvPr id="223" name="Google Shape;223;p18"/>
-          <p:cNvSpPr txBox="1">
-            <a:spLocks noGrp="1"/>
-          </p:cNvSpPr>
-          <p:nvPr>
-            <p:ph type="title"/>
-          </p:nvPr>
-        </p:nvSpPr>
-        <p:spPr>
-          <a:xfrm>
-            <a:off x="415600" y="98980"/>
-            <a:ext cx="11360700" cy="1257900"/>
-          </a:xfrm>
-          <a:prstGeom prst="rect">
-            <a:avLst/>
-          </a:prstGeom>
-          <a:noFill/>
-          <a:ln>
-            <a:noFill/>
-          </a:ln>
-        </p:spPr>
-        <p:txBody>
-          <a:bodyPr spcFirstLastPara="1" wrap="square" lIns="91425" tIns="45700" rIns="91425" bIns="45700" anchor="ctr" anchorCtr="0">
-            <a:noAutofit/>
-          </a:bodyPr>
-          <a:lstStyle/>
-          <a:p>
-            <a:pPr marL="0" lvl="0" indent="0" algn="ctr" rtl="0">
-              <a:spcBef>
-                <a:spcPts val="0"/>
-              </a:spcBef>
-              <a:spcAft>
-                <a:spcPts val="0"/>
-              </a:spcAft>
-              <a:buNone/>
-            </a:pPr>
-            <a:r>
-              <a:rPr lang="en-US" sz="4800"/>
-              <a:t>Data and AI Ethics Issues</a:t>
-            </a:r>
-            <a:endParaRPr sz="4800"/>
-          </a:p>
-        </p:txBody>
-      </p:sp>
-    </p:spTree>
-    <p:extLst>
-      <p:ext uri="{BB962C8B-B14F-4D97-AF65-F5344CB8AC3E}">
-        <p14:creationId xmlns:p14="http://schemas.microsoft.com/office/powerpoint/2010/main" val="3501392875"/>
-      </p:ext>
-    </p:extLst>
-  </p:cSld>
-  <p:clrMapOvr>
-    <a:masterClrMapping/>
-  </p:clrMapOvr>
-</p:sld>
-</file>
-
-<file path=ppt/slides/slide6.xml><?xml version="1.0" encoding="utf-8"?>
-<p:sld xmlns:a="http://schemas.openxmlformats.org/drawingml/2006/main" xmlns:r="http://schemas.openxmlformats.org/officeDocument/2006/relationships" xmlns:p="http://schemas.openxmlformats.org/presentationml/2006/main">
-  <p:cSld>
-    <p:spTree>
-      <p:nvGrpSpPr>
-        <p:cNvPr id="1" name="Shape 227"/>
-        <p:cNvGrpSpPr/>
-        <p:nvPr/>
-      </p:nvGrpSpPr>
-      <p:grpSpPr>
-        <a:xfrm>
-          <a:off x="0" y="0"/>
-          <a:ext cx="0" cy="0"/>
-          <a:chOff x="0" y="0"/>
-          <a:chExt cx="0" cy="0"/>
-        </a:xfrm>
-      </p:grpSpPr>
-      <p:grpSp>
-        <p:nvGrpSpPr>
-          <p:cNvPr id="228" name="Google Shape;228;p19"/>
-          <p:cNvGrpSpPr/>
-          <p:nvPr/>
-        </p:nvGrpSpPr>
-        <p:grpSpPr>
-          <a:xfrm>
-            <a:off x="3536630" y="1208075"/>
-            <a:ext cx="5380812" cy="5370762"/>
-            <a:chOff x="2465556" y="-14002"/>
-            <a:chExt cx="5380812" cy="5370762"/>
-          </a:xfrm>
-        </p:grpSpPr>
-        <p:sp>
-          <p:nvSpPr>
-            <p:cNvPr id="229" name="Google Shape;229;p19"/>
-            <p:cNvSpPr/>
-            <p:nvPr/>
-          </p:nvSpPr>
-          <p:spPr>
-            <a:xfrm>
-              <a:off x="2465556" y="-14002"/>
-              <a:ext cx="5380812" cy="5356760"/>
-            </a:xfrm>
-            <a:prstGeom prst="ellipse">
-              <a:avLst/>
-            </a:prstGeom>
-            <a:solidFill>
-              <a:srgbClr val="E5B8B7"/>
-            </a:solidFill>
-            <a:ln w="38100" cap="flat" cmpd="sng">
-              <a:solidFill>
-                <a:schemeClr val="lt1"/>
-              </a:solidFill>
-              <a:prstDash val="solid"/>
-              <a:round/>
-              <a:headEnd type="none" w="sm" len="sm"/>
-              <a:tailEnd type="none" w="sm" len="sm"/>
-            </a:ln>
-            <a:effectLst>
-              <a:outerShdw blurRad="40000" dist="20000" dir="5400000" rotWithShape="0">
-                <a:srgbClr val="000000">
-                  <a:alpha val="37647"/>
-                </a:srgbClr>
-              </a:outerShdw>
-            </a:effectLst>
-          </p:spPr>
-          <p:txBody>
-            <a:bodyPr spcFirstLastPara="1" wrap="square" lIns="91425" tIns="91425" rIns="91425" bIns="91425" anchor="ctr" anchorCtr="0">
-              <a:noAutofit/>
-            </a:bodyPr>
-            <a:lstStyle/>
-            <a:p>
-              <a:pPr marL="0" lvl="0" indent="0" algn="l" rtl="0">
-                <a:spcBef>
-                  <a:spcPts val="0"/>
-                </a:spcBef>
-                <a:spcAft>
-                  <a:spcPts val="0"/>
-                </a:spcAft>
-                <a:buNone/>
-              </a:pPr>
-              <a:endParaRPr/>
-            </a:p>
-          </p:txBody>
-        </p:sp>
-        <p:sp>
-          <p:nvSpPr>
-            <p:cNvPr id="230" name="Google Shape;230;p19"/>
-            <p:cNvSpPr txBox="1"/>
-            <p:nvPr/>
-          </p:nvSpPr>
-          <p:spPr>
-            <a:xfrm>
-              <a:off x="4403724" y="253835"/>
-              <a:ext cx="1504475" cy="803514"/>
-            </a:xfrm>
-            <a:prstGeom prst="rect">
-              <a:avLst/>
-            </a:prstGeom>
-            <a:noFill/>
-            <a:ln>
-              <a:noFill/>
-            </a:ln>
-          </p:spPr>
-          <p:txBody>
-            <a:bodyPr spcFirstLastPara="1" wrap="square" lIns="78225" tIns="78225" rIns="78225" bIns="78225" anchor="ctr" anchorCtr="0">
-              <a:noAutofit/>
-            </a:bodyPr>
-            <a:lstStyle/>
-            <a:p>
-              <a:pPr marL="0" marR="0" lvl="0" indent="0" algn="ctr" rtl="0">
-                <a:lnSpc>
-                  <a:spcPct val="90000"/>
-                </a:lnSpc>
-                <a:spcBef>
-                  <a:spcPts val="0"/>
-                </a:spcBef>
-                <a:spcAft>
-                  <a:spcPts val="0"/>
-                </a:spcAft>
-                <a:buClr>
-                  <a:schemeClr val="lt1"/>
-                </a:buClr>
-                <a:buSzPts val="1100"/>
-                <a:buFont typeface="Calibri"/>
-                <a:buNone/>
-              </a:pPr>
-              <a:r>
-                <a:rPr lang="en-US" sz="1100" b="1" i="0" u="none" strike="noStrike" cap="none">
-                  <a:solidFill>
-                    <a:schemeClr val="lt1"/>
-                  </a:solidFill>
-                  <a:latin typeface="Calibri"/>
-                  <a:ea typeface="Calibri"/>
-                  <a:cs typeface="Calibri"/>
-                  <a:sym typeface="Calibri"/>
-                </a:rPr>
-                <a:t>Collection Control</a:t>
-              </a:r>
-              <a:endParaRPr/>
-            </a:p>
-          </p:txBody>
-        </p:sp>
-        <p:sp>
-          <p:nvSpPr>
-            <p:cNvPr id="231" name="Google Shape;231;p19"/>
-            <p:cNvSpPr/>
-            <p:nvPr/>
-          </p:nvSpPr>
-          <p:spPr>
-            <a:xfrm>
-              <a:off x="2889924" y="967291"/>
-              <a:ext cx="4532076" cy="4341419"/>
-            </a:xfrm>
-            <a:prstGeom prst="ellipse">
-              <a:avLst/>
-            </a:prstGeom>
-            <a:solidFill>
-              <a:srgbClr val="D99593">
-                <a:alpha val="81960"/>
-              </a:srgbClr>
-            </a:solidFill>
-            <a:ln w="38100" cap="flat" cmpd="sng">
-              <a:solidFill>
-                <a:schemeClr val="lt1"/>
-              </a:solidFill>
-              <a:prstDash val="solid"/>
-              <a:round/>
-              <a:headEnd type="none" w="sm" len="sm"/>
-              <a:tailEnd type="none" w="sm" len="sm"/>
-            </a:ln>
-            <a:effectLst>
-              <a:outerShdw blurRad="40000" dist="20000" dir="5400000" rotWithShape="0">
-                <a:srgbClr val="000000">
-                  <a:alpha val="37647"/>
-                </a:srgbClr>
-              </a:outerShdw>
-            </a:effectLst>
-          </p:spPr>
-          <p:txBody>
-            <a:bodyPr spcFirstLastPara="1" wrap="square" lIns="91425" tIns="91425" rIns="91425" bIns="91425" anchor="ctr" anchorCtr="0">
-              <a:noAutofit/>
-            </a:bodyPr>
-            <a:lstStyle/>
-            <a:p>
-              <a:pPr marL="0" lvl="0" indent="0" algn="l" rtl="0">
-                <a:spcBef>
-                  <a:spcPts val="0"/>
-                </a:spcBef>
-                <a:spcAft>
-                  <a:spcPts val="0"/>
-                </a:spcAft>
-                <a:buNone/>
-              </a:pPr>
-              <a:endParaRPr/>
-            </a:p>
-          </p:txBody>
-        </p:sp>
-        <p:sp>
-          <p:nvSpPr>
-            <p:cNvPr id="232" name="Google Shape;232;p19"/>
-            <p:cNvSpPr txBox="1"/>
-            <p:nvPr/>
-          </p:nvSpPr>
-          <p:spPr>
-            <a:xfrm>
-              <a:off x="4363982" y="1227776"/>
-              <a:ext cx="1583960" cy="781455"/>
-            </a:xfrm>
-            <a:prstGeom prst="rect">
-              <a:avLst/>
-            </a:prstGeom>
-            <a:noFill/>
-            <a:ln>
-              <a:noFill/>
-            </a:ln>
-          </p:spPr>
-          <p:txBody>
-            <a:bodyPr spcFirstLastPara="1" wrap="square" lIns="78225" tIns="78225" rIns="78225" bIns="78225" anchor="ctr" anchorCtr="0">
-              <a:noAutofit/>
-            </a:bodyPr>
-            <a:lstStyle/>
-            <a:p>
-              <a:pPr marL="0" marR="0" lvl="0" indent="0" algn="ctr" rtl="0">
-                <a:lnSpc>
-                  <a:spcPct val="90000"/>
-                </a:lnSpc>
-                <a:spcBef>
-                  <a:spcPts val="0"/>
-                </a:spcBef>
-                <a:spcAft>
-                  <a:spcPts val="0"/>
-                </a:spcAft>
-                <a:buClr>
-                  <a:schemeClr val="dk1"/>
-                </a:buClr>
-                <a:buSzPts val="1100"/>
-                <a:buFont typeface="Calibri"/>
-                <a:buNone/>
-              </a:pPr>
-              <a:endParaRPr sz="1100" b="1" i="0" u="none" strike="noStrike" cap="none">
-                <a:solidFill>
-                  <a:schemeClr val="lt1"/>
-                </a:solidFill>
-                <a:latin typeface="Calibri"/>
-                <a:ea typeface="Calibri"/>
-                <a:cs typeface="Calibri"/>
-                <a:sym typeface="Calibri"/>
-              </a:endParaRPr>
-            </a:p>
-            <a:p>
-              <a:pPr marL="0" marR="0" lvl="0" indent="0" algn="ctr" rtl="0">
-                <a:lnSpc>
-                  <a:spcPct val="90000"/>
-                </a:lnSpc>
-                <a:spcBef>
-                  <a:spcPts val="385"/>
-                </a:spcBef>
-                <a:spcAft>
-                  <a:spcPts val="0"/>
-                </a:spcAft>
-                <a:buClr>
-                  <a:schemeClr val="dk1"/>
-                </a:buClr>
-                <a:buSzPts val="1100"/>
-                <a:buFont typeface="Calibri"/>
-                <a:buNone/>
-              </a:pPr>
-              <a:endParaRPr sz="1100" b="1" i="0" u="none" strike="noStrike" cap="none">
-                <a:solidFill>
-                  <a:schemeClr val="lt1"/>
-                </a:solidFill>
-                <a:latin typeface="Calibri"/>
-                <a:ea typeface="Calibri"/>
-                <a:cs typeface="Calibri"/>
-                <a:sym typeface="Calibri"/>
-              </a:endParaRPr>
-            </a:p>
-            <a:p>
-              <a:pPr marL="0" marR="0" lvl="0" indent="0" algn="ctr" rtl="0">
-                <a:lnSpc>
-                  <a:spcPct val="90000"/>
-                </a:lnSpc>
-                <a:spcBef>
-                  <a:spcPts val="385"/>
-                </a:spcBef>
-                <a:spcAft>
-                  <a:spcPts val="0"/>
-                </a:spcAft>
-                <a:buClr>
-                  <a:schemeClr val="lt1"/>
-                </a:buClr>
-                <a:buSzPts val="1100"/>
-                <a:buFont typeface="Calibri"/>
-                <a:buNone/>
-              </a:pPr>
-              <a:r>
-                <a:rPr lang="en-US" sz="1100" b="1" i="0" u="none" strike="noStrike" cap="none">
-                  <a:solidFill>
-                    <a:schemeClr val="lt1"/>
-                  </a:solidFill>
-                  <a:latin typeface="Calibri"/>
-                  <a:ea typeface="Calibri"/>
-                  <a:cs typeface="Calibri"/>
-                  <a:sym typeface="Calibri"/>
-                </a:rPr>
-                <a:t>Access Control</a:t>
-              </a:r>
-              <a:endParaRPr/>
-            </a:p>
-          </p:txBody>
-        </p:sp>
-        <p:sp>
-          <p:nvSpPr>
-            <p:cNvPr id="233" name="Google Shape;233;p19"/>
-            <p:cNvSpPr/>
-            <p:nvPr/>
-          </p:nvSpPr>
-          <p:spPr>
-            <a:xfrm>
-              <a:off x="3596373" y="2153278"/>
-              <a:ext cx="3119177" cy="3203482"/>
-            </a:xfrm>
-            <a:prstGeom prst="ellipse">
-              <a:avLst/>
-            </a:prstGeom>
-            <a:solidFill>
-              <a:srgbClr val="953734"/>
-            </a:solidFill>
-            <a:ln w="38100" cap="flat" cmpd="sng">
-              <a:solidFill>
-                <a:schemeClr val="lt1"/>
-              </a:solidFill>
-              <a:prstDash val="solid"/>
-              <a:round/>
-              <a:headEnd type="none" w="sm" len="sm"/>
-              <a:tailEnd type="none" w="sm" len="sm"/>
-            </a:ln>
-            <a:effectLst>
-              <a:outerShdw blurRad="40000" dist="20000" dir="5400000" rotWithShape="0">
-                <a:srgbClr val="000000">
-                  <a:alpha val="37647"/>
-                </a:srgbClr>
-              </a:outerShdw>
-            </a:effectLst>
-          </p:spPr>
-          <p:txBody>
-            <a:bodyPr spcFirstLastPara="1" wrap="square" lIns="91425" tIns="91425" rIns="91425" bIns="91425" anchor="ctr" anchorCtr="0">
-              <a:noAutofit/>
-            </a:bodyPr>
-            <a:lstStyle/>
-            <a:p>
-              <a:pPr marL="0" lvl="0" indent="0" algn="l" rtl="0">
-                <a:spcBef>
-                  <a:spcPts val="0"/>
-                </a:spcBef>
-                <a:spcAft>
-                  <a:spcPts val="0"/>
-                </a:spcAft>
-                <a:buNone/>
-              </a:pPr>
-              <a:endParaRPr/>
-            </a:p>
-          </p:txBody>
-        </p:sp>
-        <p:sp>
-          <p:nvSpPr>
-            <p:cNvPr id="234" name="Google Shape;234;p19"/>
-            <p:cNvSpPr txBox="1"/>
-            <p:nvPr/>
-          </p:nvSpPr>
-          <p:spPr>
-            <a:xfrm>
-              <a:off x="4429194" y="2393539"/>
-              <a:ext cx="1453536" cy="720783"/>
-            </a:xfrm>
-            <a:prstGeom prst="rect">
-              <a:avLst/>
-            </a:prstGeom>
-            <a:noFill/>
-            <a:ln>
-              <a:noFill/>
-            </a:ln>
-          </p:spPr>
-          <p:txBody>
-            <a:bodyPr spcFirstLastPara="1" wrap="square" lIns="78225" tIns="78225" rIns="78225" bIns="78225" anchor="ctr" anchorCtr="0">
-              <a:noAutofit/>
-            </a:bodyPr>
-            <a:lstStyle/>
-            <a:p>
-              <a:pPr marL="0" marR="0" lvl="0" indent="0" algn="ctr" rtl="0">
-                <a:lnSpc>
-                  <a:spcPct val="90000"/>
-                </a:lnSpc>
-                <a:spcBef>
-                  <a:spcPts val="0"/>
-                </a:spcBef>
-                <a:spcAft>
-                  <a:spcPts val="0"/>
-                </a:spcAft>
-                <a:buClr>
-                  <a:schemeClr val="lt1"/>
-                </a:buClr>
-                <a:buSzPts val="1100"/>
-                <a:buFont typeface="Calibri"/>
-                <a:buNone/>
-              </a:pPr>
-              <a:br>
-                <a:rPr lang="en-US" sz="1100" b="1" i="0" u="none" strike="noStrike" cap="none">
-                  <a:solidFill>
-                    <a:schemeClr val="lt1"/>
-                  </a:solidFill>
-                  <a:latin typeface="Calibri"/>
-                  <a:ea typeface="Calibri"/>
-                  <a:cs typeface="Calibri"/>
-                  <a:sym typeface="Calibri"/>
-                </a:rPr>
-              </a:br>
-              <a:br>
-                <a:rPr lang="en-US" sz="1100" b="1" i="0" u="none" strike="noStrike" cap="none">
-                  <a:solidFill>
-                    <a:schemeClr val="lt1"/>
-                  </a:solidFill>
-                  <a:latin typeface="Calibri"/>
-                  <a:ea typeface="Calibri"/>
-                  <a:cs typeface="Calibri"/>
-                  <a:sym typeface="Calibri"/>
-                </a:rPr>
-              </a:br>
-              <a:br>
-                <a:rPr lang="en-US" sz="1100" b="1" i="0" u="none" strike="noStrike" cap="none">
-                  <a:solidFill>
-                    <a:schemeClr val="lt1"/>
-                  </a:solidFill>
-                  <a:latin typeface="Calibri"/>
-                  <a:ea typeface="Calibri"/>
-                  <a:cs typeface="Calibri"/>
-                  <a:sym typeface="Calibri"/>
-                </a:rPr>
-              </a:br>
-              <a:r>
-                <a:rPr lang="en-US" sz="1100" b="1" i="0" u="none" strike="noStrike" cap="none">
-                  <a:solidFill>
-                    <a:schemeClr val="lt1"/>
-                  </a:solidFill>
-                  <a:latin typeface="Calibri"/>
-                  <a:ea typeface="Calibri"/>
-                  <a:cs typeface="Calibri"/>
-                  <a:sym typeface="Calibri"/>
-                </a:rPr>
-                <a:t>Inference Control (Not inferring something about me)</a:t>
-              </a:r>
-              <a:endParaRPr/>
-            </a:p>
-          </p:txBody>
-        </p:sp>
-        <p:sp>
-          <p:nvSpPr>
-            <p:cNvPr id="235" name="Google Shape;235;p19"/>
-            <p:cNvSpPr/>
-            <p:nvPr/>
-          </p:nvSpPr>
-          <p:spPr>
-            <a:xfrm>
-              <a:off x="4215925" y="3630598"/>
-              <a:ext cx="1880073" cy="1726162"/>
-            </a:xfrm>
-            <a:prstGeom prst="ellipse">
-              <a:avLst/>
-            </a:prstGeom>
-            <a:solidFill>
-              <a:srgbClr val="632423"/>
-            </a:solidFill>
-            <a:ln w="38100" cap="flat" cmpd="sng">
-              <a:solidFill>
-                <a:schemeClr val="lt1"/>
-              </a:solidFill>
-              <a:prstDash val="solid"/>
-              <a:round/>
-              <a:headEnd type="none" w="sm" len="sm"/>
-              <a:tailEnd type="none" w="sm" len="sm"/>
-            </a:ln>
-            <a:effectLst>
-              <a:outerShdw blurRad="40000" dist="20000" dir="5400000" rotWithShape="0">
-                <a:srgbClr val="000000">
-                  <a:alpha val="37647"/>
-                </a:srgbClr>
-              </a:outerShdw>
-            </a:effectLst>
-          </p:spPr>
-          <p:txBody>
-            <a:bodyPr spcFirstLastPara="1" wrap="square" lIns="91425" tIns="91425" rIns="91425" bIns="91425" anchor="ctr" anchorCtr="0">
-              <a:noAutofit/>
-            </a:bodyPr>
-            <a:lstStyle/>
-            <a:p>
-              <a:pPr marL="0" lvl="0" indent="0" algn="l" rtl="0">
-                <a:spcBef>
-                  <a:spcPts val="0"/>
-                </a:spcBef>
-                <a:spcAft>
-                  <a:spcPts val="0"/>
-                </a:spcAft>
-                <a:buNone/>
-              </a:pPr>
-              <a:endParaRPr/>
-            </a:p>
-          </p:txBody>
-        </p:sp>
-        <p:sp>
-          <p:nvSpPr>
-            <p:cNvPr id="236" name="Google Shape;236;p19"/>
-            <p:cNvSpPr txBox="1"/>
-            <p:nvPr/>
-          </p:nvSpPr>
-          <p:spPr>
-            <a:xfrm>
-              <a:off x="4491256" y="4062139"/>
-              <a:ext cx="1329412" cy="863081"/>
-            </a:xfrm>
-            <a:prstGeom prst="rect">
-              <a:avLst/>
-            </a:prstGeom>
-            <a:noFill/>
-            <a:ln>
-              <a:noFill/>
-            </a:ln>
-          </p:spPr>
-          <p:txBody>
-            <a:bodyPr spcFirstLastPara="1" wrap="square" lIns="78225" tIns="78225" rIns="78225" bIns="78225" anchor="ctr" anchorCtr="0">
-              <a:noAutofit/>
-            </a:bodyPr>
-            <a:lstStyle/>
-            <a:p>
-              <a:pPr marL="0" marR="0" lvl="0" indent="0" algn="ctr" rtl="0">
-                <a:lnSpc>
-                  <a:spcPct val="90000"/>
-                </a:lnSpc>
-                <a:spcBef>
-                  <a:spcPts val="0"/>
-                </a:spcBef>
-                <a:spcAft>
-                  <a:spcPts val="0"/>
-                </a:spcAft>
-                <a:buClr>
-                  <a:schemeClr val="lt1"/>
-                </a:buClr>
-                <a:buSzPts val="1100"/>
-                <a:buFont typeface="Calibri"/>
-                <a:buNone/>
-              </a:pPr>
-              <a:r>
-                <a:rPr lang="en-US" sz="1100" b="1" i="0" u="none" strike="noStrike" cap="none">
-                  <a:solidFill>
-                    <a:schemeClr val="lt1"/>
-                  </a:solidFill>
-                  <a:latin typeface="Calibri"/>
-                  <a:ea typeface="Calibri"/>
-                  <a:cs typeface="Calibri"/>
-                  <a:sym typeface="Calibri"/>
-                </a:rPr>
-                <a:t>Action Control (Not taking actions on me)</a:t>
-              </a:r>
-              <a:endParaRPr/>
-            </a:p>
-          </p:txBody>
-        </p:sp>
-      </p:grpSp>
-      <p:sp>
-        <p:nvSpPr>
-          <p:cNvPr id="237" name="Google Shape;237;p19"/>
-          <p:cNvSpPr txBox="1">
-            <a:spLocks noGrp="1"/>
-          </p:cNvSpPr>
-          <p:nvPr>
-            <p:ph type="title"/>
-          </p:nvPr>
-        </p:nvSpPr>
-        <p:spPr>
-          <a:xfrm>
-            <a:off x="415600" y="6"/>
-            <a:ext cx="11360700" cy="1356900"/>
-          </a:xfrm>
-          <a:prstGeom prst="rect">
-            <a:avLst/>
-          </a:prstGeom>
-          <a:noFill/>
-          <a:ln>
-            <a:noFill/>
-          </a:ln>
-        </p:spPr>
-        <p:txBody>
-          <a:bodyPr spcFirstLastPara="1" wrap="square" lIns="91425" tIns="45700" rIns="91425" bIns="45700" anchor="ctr" anchorCtr="0">
-            <a:noAutofit/>
-          </a:bodyPr>
-          <a:lstStyle/>
-          <a:p>
-            <a:pPr marL="0" lvl="0" indent="0" algn="ctr" rtl="0">
-              <a:spcBef>
-                <a:spcPts val="0"/>
-              </a:spcBef>
-              <a:spcAft>
-                <a:spcPts val="0"/>
-              </a:spcAft>
-              <a:buNone/>
-            </a:pPr>
-            <a:r>
-              <a:rPr lang="en-US" sz="4800"/>
-              <a:t>Levels of control</a:t>
-            </a:r>
-            <a:endParaRPr sz="4800"/>
-          </a:p>
-        </p:txBody>
-      </p:sp>
-    </p:spTree>
-    <p:extLst>
-      <p:ext uri="{BB962C8B-B14F-4D97-AF65-F5344CB8AC3E}">
-        <p14:creationId xmlns:p14="http://schemas.microsoft.com/office/powerpoint/2010/main" val="3794825847"/>
-      </p:ext>
-    </p:extLst>
-  </p:cSld>
-  <p:clrMapOvr>
-    <a:masterClrMapping/>
-  </p:clrMapOvr>
-</p:sld>
-</file>
-
-<file path=ppt/slides/slide7.xml><?xml version="1.0" encoding="utf-8"?>
-<p:sld xmlns:a="http://schemas.openxmlformats.org/drawingml/2006/main" xmlns:r="http://schemas.openxmlformats.org/officeDocument/2006/relationships" xmlns:p="http://schemas.openxmlformats.org/presentationml/2006/main">
-  <p:cSld>
-    <p:spTree>
-      <p:nvGrpSpPr>
-        <p:cNvPr id="1" name="Shape 241"/>
-        <p:cNvGrpSpPr/>
-        <p:nvPr/>
-      </p:nvGrpSpPr>
-      <p:grpSpPr>
-        <a:xfrm>
-          <a:off x="0" y="0"/>
-          <a:ext cx="0" cy="0"/>
-          <a:chOff x="0" y="0"/>
-          <a:chExt cx="0" cy="0"/>
-        </a:xfrm>
-      </p:grpSpPr>
-      <p:sp>
-        <p:nvSpPr>
-          <p:cNvPr id="242" name="Google Shape;242;p20"/>
-          <p:cNvSpPr txBox="1">
-            <a:spLocks noGrp="1"/>
-          </p:cNvSpPr>
-          <p:nvPr>
-            <p:ph type="body" idx="1"/>
-          </p:nvPr>
-        </p:nvSpPr>
-        <p:spPr>
-          <a:xfrm>
-            <a:off x="415600" y="1689033"/>
-            <a:ext cx="11360700" cy="4555200"/>
-          </a:xfrm>
-          <a:prstGeom prst="rect">
-            <a:avLst/>
-          </a:prstGeom>
-          <a:noFill/>
-          <a:ln>
-            <a:noFill/>
-          </a:ln>
-        </p:spPr>
-        <p:txBody>
-          <a:bodyPr spcFirstLastPara="1" wrap="square" lIns="91425" tIns="45700" rIns="91425" bIns="45700" anchor="t" anchorCtr="0">
-            <a:noAutofit/>
-          </a:bodyPr>
-          <a:lstStyle/>
-          <a:p>
-            <a:pPr marL="257168" lvl="0" indent="-257168" algn="l" rtl="0">
-              <a:spcBef>
-                <a:spcPts val="0"/>
-              </a:spcBef>
-              <a:spcAft>
-                <a:spcPts val="0"/>
-              </a:spcAft>
-              <a:buClr>
-                <a:srgbClr val="000000"/>
-              </a:buClr>
-              <a:buSzPts val="2667"/>
-              <a:buChar char="●"/>
-            </a:pPr>
-            <a:r>
-              <a:rPr lang="en-US" sz="2667">
-                <a:solidFill>
-                  <a:srgbClr val="000000"/>
-                </a:solidFill>
-              </a:rPr>
-              <a:t>Are you using data for purposes it’s intended for? </a:t>
-            </a:r>
-            <a:endParaRPr>
-              <a:solidFill>
-                <a:srgbClr val="000000"/>
-              </a:solidFill>
-            </a:endParaRPr>
-          </a:p>
-          <a:p>
-            <a:pPr marL="257168" lvl="0" indent="-257168" algn="l" rtl="0">
-              <a:spcBef>
-                <a:spcPts val="533"/>
-              </a:spcBef>
-              <a:spcAft>
-                <a:spcPts val="0"/>
-              </a:spcAft>
-              <a:buClr>
-                <a:srgbClr val="000000"/>
-              </a:buClr>
-              <a:buSzPts val="2667"/>
-              <a:buChar char="●"/>
-            </a:pPr>
-            <a:r>
-              <a:rPr lang="en-US" sz="2667">
-                <a:solidFill>
-                  <a:srgbClr val="000000"/>
-                </a:solidFill>
-              </a:rPr>
-              <a:t>How are you protecting the data?</a:t>
-            </a:r>
-            <a:endParaRPr>
-              <a:solidFill>
-                <a:srgbClr val="000000"/>
-              </a:solidFill>
-            </a:endParaRPr>
-          </a:p>
-          <a:p>
-            <a:pPr marL="257168" lvl="0" indent="-257168" algn="l" rtl="0">
-              <a:spcBef>
-                <a:spcPts val="533"/>
-              </a:spcBef>
-              <a:spcAft>
-                <a:spcPts val="0"/>
-              </a:spcAft>
-              <a:buClr>
-                <a:srgbClr val="000000"/>
-              </a:buClr>
-              <a:buSzPts val="2667"/>
-              <a:buChar char="●"/>
-            </a:pPr>
-            <a:r>
-              <a:rPr lang="en-US" sz="2667">
-                <a:solidFill>
-                  <a:srgbClr val="000000"/>
-                </a:solidFill>
-              </a:rPr>
-              <a:t>Do the people who “own” the data know you’re using it?</a:t>
-            </a:r>
-            <a:endParaRPr>
-              <a:solidFill>
-                <a:srgbClr val="000000"/>
-              </a:solidFill>
-            </a:endParaRPr>
-          </a:p>
-          <a:p>
-            <a:pPr marL="257168" lvl="0" indent="-257168" algn="l" rtl="0">
-              <a:spcBef>
-                <a:spcPts val="533"/>
-              </a:spcBef>
-              <a:spcAft>
-                <a:spcPts val="0"/>
-              </a:spcAft>
-              <a:buClr>
-                <a:srgbClr val="000000"/>
-              </a:buClr>
-              <a:buSzPts val="2667"/>
-              <a:buChar char="●"/>
-            </a:pPr>
-            <a:r>
-              <a:rPr lang="en-US" sz="2667">
-                <a:solidFill>
-                  <a:srgbClr val="000000"/>
-                </a:solidFill>
-              </a:rPr>
-              <a:t>Do you have their permission? How was it obtained?</a:t>
-            </a:r>
-            <a:endParaRPr>
-              <a:solidFill>
-                <a:srgbClr val="000000"/>
-              </a:solidFill>
-            </a:endParaRPr>
-          </a:p>
-          <a:p>
-            <a:pPr marL="257168" lvl="0" indent="-257168" algn="l" rtl="0">
-              <a:spcBef>
-                <a:spcPts val="533"/>
-              </a:spcBef>
-              <a:spcAft>
-                <a:spcPts val="0"/>
-              </a:spcAft>
-              <a:buClr>
-                <a:srgbClr val="000000"/>
-              </a:buClr>
-              <a:buSzPts val="2667"/>
-              <a:buChar char="●"/>
-            </a:pPr>
-            <a:r>
-              <a:rPr lang="en-US" sz="2667">
-                <a:solidFill>
-                  <a:srgbClr val="000000"/>
-                </a:solidFill>
-              </a:rPr>
-              <a:t>What actions are you taking on individuals based on this data?</a:t>
-            </a:r>
-            <a:endParaRPr>
-              <a:solidFill>
-                <a:srgbClr val="000000"/>
-              </a:solidFill>
-            </a:endParaRPr>
-          </a:p>
-          <a:p>
-            <a:pPr marL="257168" lvl="0" indent="-257168" algn="l" rtl="0">
-              <a:spcBef>
-                <a:spcPts val="533"/>
-              </a:spcBef>
-              <a:spcAft>
-                <a:spcPts val="0"/>
-              </a:spcAft>
-              <a:buClr>
-                <a:srgbClr val="000000"/>
-              </a:buClr>
-              <a:buSzPts val="2667"/>
-              <a:buChar char="●"/>
-            </a:pPr>
-            <a:r>
-              <a:rPr lang="en-US" sz="2667">
-                <a:solidFill>
-                  <a:srgbClr val="000000"/>
-                </a:solidFill>
-              </a:rPr>
-              <a:t>Do the people you’re targeting know why and if they’re being targeted?</a:t>
-            </a:r>
-            <a:endParaRPr>
-              <a:solidFill>
-                <a:srgbClr val="000000"/>
-              </a:solidFill>
-            </a:endParaRPr>
-          </a:p>
-          <a:p>
-            <a:pPr marL="257168" lvl="0" indent="-257168" algn="l" rtl="0">
-              <a:spcBef>
-                <a:spcPts val="533"/>
-              </a:spcBef>
-              <a:spcAft>
-                <a:spcPts val="0"/>
-              </a:spcAft>
-              <a:buClr>
-                <a:srgbClr val="000000"/>
-              </a:buClr>
-              <a:buSzPts val="2667"/>
-              <a:buChar char="●"/>
-            </a:pPr>
-            <a:r>
-              <a:rPr lang="en-US" sz="2667">
-                <a:solidFill>
-                  <a:srgbClr val="000000"/>
-                </a:solidFill>
-              </a:rPr>
-              <a:t>What recourse do they have?</a:t>
-            </a:r>
-            <a:endParaRPr>
-              <a:solidFill>
-                <a:srgbClr val="000000"/>
-              </a:solidFill>
-            </a:endParaRPr>
-          </a:p>
-          <a:p>
-            <a:pPr marL="257168" lvl="0" indent="-257168" algn="l" rtl="0">
-              <a:spcBef>
-                <a:spcPts val="533"/>
-              </a:spcBef>
-              <a:spcAft>
-                <a:spcPts val="0"/>
-              </a:spcAft>
-              <a:buClr>
-                <a:srgbClr val="000000"/>
-              </a:buClr>
-              <a:buSzPts val="2667"/>
-              <a:buChar char="●"/>
-            </a:pPr>
-            <a:r>
-              <a:rPr lang="en-US" sz="2667">
-                <a:solidFill>
-                  <a:srgbClr val="000000"/>
-                </a:solidFill>
-              </a:rPr>
-              <a:t>Would it make the front page of the national newspaper if they found out what you’re doing?</a:t>
-            </a:r>
-            <a:endParaRPr>
-              <a:solidFill>
-                <a:srgbClr val="000000"/>
-              </a:solidFill>
-            </a:endParaRPr>
-          </a:p>
-          <a:p>
-            <a:pPr marL="257168" lvl="0" indent="-104768" algn="l" rtl="0">
-              <a:spcBef>
-                <a:spcPts val="480"/>
-              </a:spcBef>
-              <a:spcAft>
-                <a:spcPts val="0"/>
-              </a:spcAft>
-              <a:buClr>
-                <a:schemeClr val="dk1"/>
-              </a:buClr>
-              <a:buSzPts val="2400"/>
-              <a:buNone/>
-            </a:pPr>
-            <a:endParaRPr>
-              <a:solidFill>
-                <a:srgbClr val="000000"/>
-              </a:solidFill>
-            </a:endParaRPr>
-          </a:p>
-        </p:txBody>
-      </p:sp>
-      <p:sp>
-        <p:nvSpPr>
-          <p:cNvPr id="243" name="Google Shape;243;p20"/>
-          <p:cNvSpPr txBox="1">
-            <a:spLocks noGrp="1"/>
-          </p:cNvSpPr>
-          <p:nvPr>
-            <p:ph type="title"/>
-          </p:nvPr>
-        </p:nvSpPr>
-        <p:spPr>
-          <a:xfrm>
-            <a:off x="415600" y="6"/>
-            <a:ext cx="11360700" cy="1356900"/>
-          </a:xfrm>
-          <a:prstGeom prst="rect">
-            <a:avLst/>
-          </a:prstGeom>
-          <a:noFill/>
-          <a:ln>
-            <a:noFill/>
-          </a:ln>
-        </p:spPr>
-        <p:txBody>
-          <a:bodyPr spcFirstLastPara="1" wrap="square" lIns="91425" tIns="45700" rIns="91425" bIns="45700" anchor="ctr" anchorCtr="0">
-            <a:noAutofit/>
-          </a:bodyPr>
-          <a:lstStyle/>
-          <a:p>
-            <a:pPr marL="0" lvl="0" indent="0" algn="ctr" rtl="0">
-              <a:spcBef>
-                <a:spcPts val="0"/>
-              </a:spcBef>
-              <a:spcAft>
-                <a:spcPts val="0"/>
-              </a:spcAft>
-              <a:buNone/>
-            </a:pPr>
-            <a:r>
-              <a:rPr lang="en-US" sz="4800"/>
-              <a:t>Data Ethics Questions</a:t>
-            </a:r>
-            <a:endParaRPr sz="4800"/>
-          </a:p>
-        </p:txBody>
-      </p:sp>
-    </p:spTree>
-    <p:extLst>
-      <p:ext uri="{BB962C8B-B14F-4D97-AF65-F5344CB8AC3E}">
-        <p14:creationId xmlns:p14="http://schemas.microsoft.com/office/powerpoint/2010/main" val="3459062071"/>
-      </p:ext>
-    </p:extLst>
-  </p:cSld>
-  <p:clrMapOvr>
-    <a:masterClrMapping/>
-  </p:clrMapOvr>
-</p:sld>
-</file>
-
-<file path=ppt/slides/slide8.xml><?xml version="1.0" encoding="utf-8"?>
-<p:sld xmlns:a="http://schemas.openxmlformats.org/drawingml/2006/main" xmlns:r="http://schemas.openxmlformats.org/officeDocument/2006/relationships" xmlns:p="http://schemas.openxmlformats.org/presentationml/2006/main">
-  <p:cSld>
-    <p:spTree>
-      <p:nvGrpSpPr>
-        <p:cNvPr id="1" name="Shape 247"/>
-        <p:cNvGrpSpPr/>
-        <p:nvPr/>
-      </p:nvGrpSpPr>
-      <p:grpSpPr>
-        <a:xfrm>
-          <a:off x="0" y="0"/>
-          <a:ext cx="0" cy="0"/>
-          <a:chOff x="0" y="0"/>
-          <a:chExt cx="0" cy="0"/>
-        </a:xfrm>
-      </p:grpSpPr>
-      <p:sp>
-        <p:nvSpPr>
-          <p:cNvPr id="248" name="Google Shape;248;p22"/>
-          <p:cNvSpPr txBox="1">
-            <a:spLocks noGrp="1"/>
-          </p:cNvSpPr>
-          <p:nvPr>
-            <p:ph type="body" idx="1"/>
-          </p:nvPr>
-        </p:nvSpPr>
-        <p:spPr>
-          <a:xfrm>
-            <a:off x="415600" y="1689033"/>
-            <a:ext cx="11360700" cy="4555200"/>
-          </a:xfrm>
-          <a:prstGeom prst="rect">
-            <a:avLst/>
-          </a:prstGeom>
-          <a:noFill/>
-          <a:ln>
-            <a:noFill/>
-          </a:ln>
-        </p:spPr>
-        <p:txBody>
-          <a:bodyPr spcFirstLastPara="1" wrap="square" lIns="91425" tIns="45700" rIns="91425" bIns="45700" anchor="t" anchorCtr="0">
-            <a:noAutofit/>
-          </a:bodyPr>
-          <a:lstStyle/>
-          <a:p>
-            <a:pPr marL="257168" lvl="0" indent="-257168" algn="l" rtl="0">
-              <a:spcBef>
-                <a:spcPts val="0"/>
-              </a:spcBef>
-              <a:spcAft>
-                <a:spcPts val="0"/>
-              </a:spcAft>
-              <a:buClr>
-                <a:srgbClr val="000000"/>
-              </a:buClr>
-              <a:buSzPts val="2400"/>
-              <a:buChar char="●"/>
-            </a:pPr>
-            <a:r>
-              <a:rPr lang="en-US" dirty="0">
-                <a:solidFill>
-                  <a:srgbClr val="000000"/>
-                </a:solidFill>
-              </a:rPr>
-              <a:t>Don’t be afraid to ask naïve questions</a:t>
-            </a:r>
-            <a:endParaRPr dirty="0">
-              <a:solidFill>
-                <a:srgbClr val="000000"/>
-              </a:solidFill>
-            </a:endParaRPr>
-          </a:p>
-          <a:p>
-            <a:pPr marL="257168" lvl="0" indent="-104768" algn="l" rtl="0">
-              <a:spcBef>
-                <a:spcPts val="480"/>
-              </a:spcBef>
-              <a:spcAft>
-                <a:spcPts val="0"/>
-              </a:spcAft>
-              <a:buClr>
-                <a:schemeClr val="dk1"/>
-              </a:buClr>
-              <a:buSzPts val="2400"/>
-              <a:buNone/>
-            </a:pPr>
-            <a:endParaRPr sz="1600" dirty="0">
-              <a:solidFill>
-                <a:srgbClr val="000000"/>
-              </a:solidFill>
-            </a:endParaRPr>
-          </a:p>
-          <a:p>
-            <a:pPr marL="257168" lvl="0" indent="-257168" algn="l" rtl="0">
-              <a:spcBef>
-                <a:spcPts val="480"/>
-              </a:spcBef>
-              <a:spcAft>
-                <a:spcPts val="0"/>
-              </a:spcAft>
-              <a:buClr>
-                <a:srgbClr val="000000"/>
-              </a:buClr>
-              <a:buSzPts val="2400"/>
-              <a:buChar char="●"/>
-            </a:pPr>
-            <a:r>
-              <a:rPr lang="en-US" dirty="0">
-                <a:solidFill>
-                  <a:srgbClr val="000000"/>
-                </a:solidFill>
-              </a:rPr>
-              <a:t>Spend time discussing goals and metrics – don’t forget equity as a goal</a:t>
-            </a:r>
-            <a:endParaRPr dirty="0">
-              <a:solidFill>
-                <a:srgbClr val="000000"/>
-              </a:solidFill>
-            </a:endParaRPr>
-          </a:p>
-          <a:p>
-            <a:pPr marL="0" lvl="0" indent="0" algn="l" rtl="0">
-              <a:spcBef>
-                <a:spcPts val="480"/>
-              </a:spcBef>
-              <a:spcAft>
-                <a:spcPts val="0"/>
-              </a:spcAft>
-              <a:buClr>
-                <a:schemeClr val="dk1"/>
-              </a:buClr>
-              <a:buSzPts val="2400"/>
-              <a:buNone/>
-            </a:pPr>
-            <a:endParaRPr sz="1600" dirty="0">
-              <a:solidFill>
-                <a:srgbClr val="000000"/>
-              </a:solidFill>
-            </a:endParaRPr>
-          </a:p>
-          <a:p>
-            <a:pPr marL="257168" lvl="0" indent="-257168" algn="l" rtl="0">
-              <a:spcBef>
-                <a:spcPts val="480"/>
-              </a:spcBef>
-              <a:spcAft>
-                <a:spcPts val="0"/>
-              </a:spcAft>
-              <a:buClr>
-                <a:srgbClr val="000000"/>
-              </a:buClr>
-              <a:buSzPts val="2400"/>
-              <a:buChar char="●"/>
-            </a:pPr>
-            <a:r>
-              <a:rPr lang="en-US" dirty="0">
-                <a:solidFill>
-                  <a:srgbClr val="000000"/>
-                </a:solidFill>
-              </a:rPr>
-              <a:t>Understand what the current process/solution is</a:t>
-            </a:r>
-            <a:endParaRPr dirty="0">
-              <a:solidFill>
-                <a:srgbClr val="000000"/>
-              </a:solidFill>
-            </a:endParaRPr>
-          </a:p>
-          <a:p>
-            <a:pPr marL="257168" lvl="0" indent="-104768" algn="l" rtl="0">
-              <a:spcBef>
-                <a:spcPts val="480"/>
-              </a:spcBef>
-              <a:spcAft>
-                <a:spcPts val="0"/>
-              </a:spcAft>
-              <a:buClr>
-                <a:schemeClr val="dk1"/>
-              </a:buClr>
-              <a:buSzPts val="2400"/>
-              <a:buNone/>
-            </a:pPr>
-            <a:endParaRPr sz="1600" dirty="0">
-              <a:solidFill>
-                <a:srgbClr val="000000"/>
-              </a:solidFill>
-            </a:endParaRPr>
-          </a:p>
-          <a:p>
-            <a:pPr marL="257168" lvl="0" indent="-257168" algn="l" rtl="0">
-              <a:spcBef>
-                <a:spcPts val="480"/>
-              </a:spcBef>
-              <a:spcAft>
-                <a:spcPts val="0"/>
-              </a:spcAft>
-              <a:buClr>
-                <a:srgbClr val="000000"/>
-              </a:buClr>
-              <a:buSzPts val="2400"/>
-              <a:buChar char="●"/>
-            </a:pPr>
-            <a:r>
-              <a:rPr lang="en-US" dirty="0">
-                <a:solidFill>
-                  <a:srgbClr val="000000"/>
-                </a:solidFill>
-              </a:rPr>
-              <a:t>Communication is critical – before, during, and after</a:t>
-            </a:r>
-            <a:endParaRPr dirty="0">
-              <a:solidFill>
-                <a:srgbClr val="000000"/>
-              </a:solidFill>
-            </a:endParaRPr>
-          </a:p>
-          <a:p>
-            <a:pPr marL="257168" lvl="0" indent="-104768" algn="l" rtl="0">
-              <a:spcBef>
-                <a:spcPts val="480"/>
-              </a:spcBef>
-              <a:spcAft>
-                <a:spcPts val="0"/>
-              </a:spcAft>
-              <a:buClr>
-                <a:schemeClr val="dk1"/>
-              </a:buClr>
-              <a:buSzPts val="2400"/>
-              <a:buNone/>
-            </a:pPr>
-            <a:endParaRPr sz="1600" dirty="0">
-              <a:solidFill>
-                <a:srgbClr val="000000"/>
-              </a:solidFill>
-            </a:endParaRPr>
-          </a:p>
-          <a:p>
-            <a:pPr marL="257168" lvl="0" indent="-257168" algn="l" rtl="0">
-              <a:spcBef>
-                <a:spcPts val="480"/>
-              </a:spcBef>
-              <a:spcAft>
-                <a:spcPts val="0"/>
-              </a:spcAft>
-              <a:buClr>
-                <a:srgbClr val="000000"/>
-              </a:buClr>
-              <a:buSzPts val="2400"/>
-              <a:buChar char="●"/>
-            </a:pPr>
-            <a:r>
-              <a:rPr lang="en-US" dirty="0">
-                <a:solidFill>
-                  <a:srgbClr val="000000"/>
-                </a:solidFill>
-              </a:rPr>
-              <a:t>We need to make sure that we tackle these problems responsibly and ethically</a:t>
-            </a:r>
-            <a:endParaRPr dirty="0">
-              <a:solidFill>
-                <a:srgbClr val="000000"/>
-              </a:solidFill>
-            </a:endParaRPr>
-          </a:p>
-          <a:p>
-            <a:pPr marL="257168" lvl="0" indent="-104768" algn="l" rtl="0">
-              <a:spcBef>
-                <a:spcPts val="480"/>
-              </a:spcBef>
-              <a:spcAft>
-                <a:spcPts val="0"/>
-              </a:spcAft>
-              <a:buClr>
-                <a:schemeClr val="dk1"/>
-              </a:buClr>
-              <a:buSzPts val="2400"/>
-              <a:buNone/>
-            </a:pPr>
-            <a:endParaRPr sz="1600" dirty="0">
-              <a:solidFill>
-                <a:srgbClr val="000000"/>
-              </a:solidFill>
-            </a:endParaRPr>
-          </a:p>
-          <a:p>
-            <a:pPr marL="257168" lvl="0" indent="-257168" algn="l" rtl="0">
-              <a:spcBef>
-                <a:spcPts val="480"/>
-              </a:spcBef>
-              <a:spcAft>
-                <a:spcPts val="0"/>
-              </a:spcAft>
-              <a:buClr>
-                <a:srgbClr val="000000"/>
-              </a:buClr>
-              <a:buSzPts val="2400"/>
-              <a:buChar char="●"/>
-            </a:pPr>
-            <a:r>
-              <a:rPr lang="en-US" dirty="0">
-                <a:solidFill>
-                  <a:srgbClr val="000000"/>
-                </a:solidFill>
-              </a:rPr>
-              <a:t>Data and ML does not solve problems, people do. Is what you’re doing helping solve the problem?</a:t>
-            </a:r>
-            <a:endParaRPr dirty="0">
-              <a:solidFill>
-                <a:srgbClr val="000000"/>
-              </a:solidFill>
-            </a:endParaRPr>
-          </a:p>
-        </p:txBody>
-      </p:sp>
-      <p:sp>
-        <p:nvSpPr>
-          <p:cNvPr id="249" name="Google Shape;249;p22"/>
-          <p:cNvSpPr txBox="1">
-            <a:spLocks noGrp="1"/>
-          </p:cNvSpPr>
-          <p:nvPr>
-            <p:ph type="title"/>
-          </p:nvPr>
-        </p:nvSpPr>
-        <p:spPr>
-          <a:xfrm>
-            <a:off x="415600" y="6"/>
-            <a:ext cx="11360700" cy="1356900"/>
-          </a:xfrm>
-          <a:prstGeom prst="rect">
-            <a:avLst/>
-          </a:prstGeom>
-          <a:noFill/>
-          <a:ln>
-            <a:noFill/>
-          </a:ln>
-        </p:spPr>
-        <p:txBody>
-          <a:bodyPr spcFirstLastPara="1" wrap="square" lIns="91425" tIns="45700" rIns="91425" bIns="45700" anchor="ctr" anchorCtr="0">
-            <a:noAutofit/>
-          </a:bodyPr>
-          <a:lstStyle/>
-          <a:p>
-            <a:pPr marL="0" lvl="0" indent="0" algn="ctr" rtl="0">
-              <a:spcBef>
-                <a:spcPts val="0"/>
-              </a:spcBef>
-              <a:spcAft>
-                <a:spcPts val="0"/>
-              </a:spcAft>
-              <a:buNone/>
-            </a:pPr>
-            <a:r>
-              <a:rPr lang="en-US" sz="4800"/>
-              <a:t>A Few Things to Remember </a:t>
-            </a:r>
-            <a:endParaRPr sz="4800"/>
-          </a:p>
-        </p:txBody>
-      </p:sp>
-    </p:spTree>
-    <p:extLst>
-      <p:ext uri="{BB962C8B-B14F-4D97-AF65-F5344CB8AC3E}">
-        <p14:creationId xmlns:p14="http://schemas.microsoft.com/office/powerpoint/2010/main" val="90628806"/>
-      </p:ext>
-    </p:extLst>
-  </p:cSld>
-  <p:clrMapOvr>
-    <a:masterClrMapping/>
-  </p:clrMapOvr>
-</p:sld>
-</file>
-
-<file path=ppt/slides/slide9.xml><?xml version="1.0" encoding="utf-8"?>
-<p:sld xmlns:a="http://schemas.openxmlformats.org/drawingml/2006/main" xmlns:r="http://schemas.openxmlformats.org/officeDocument/2006/relationships" xmlns:p="http://schemas.openxmlformats.org/presentationml/2006/main">
-  <p:cSld>
-    <p:spTree>
-      <p:nvGrpSpPr>
         <p:cNvPr id="1" name=""/>
         <p:cNvGrpSpPr/>
         <p:nvPr/>
@@ -16461,6 +12674,784 @@
     <p:extLst>
       <p:ext uri="{BB962C8B-B14F-4D97-AF65-F5344CB8AC3E}">
         <p14:creationId xmlns:p14="http://schemas.microsoft.com/office/powerpoint/2010/main" val="2039079746"/>
+      </p:ext>
+    </p:extLst>
+  </p:cSld>
+  <p:clrMapOvr>
+    <a:masterClrMapping/>
+  </p:clrMapOvr>
+</p:sld>
+</file>
+
+<file path=ppt/slides/slide5.xml><?xml version="1.0" encoding="utf-8"?>
+<p:sld xmlns:a="http://schemas.openxmlformats.org/drawingml/2006/main" xmlns:r="http://schemas.openxmlformats.org/officeDocument/2006/relationships" xmlns:p="http://schemas.openxmlformats.org/presentationml/2006/main">
+  <p:cSld>
+    <p:spTree>
+      <p:nvGrpSpPr>
+        <p:cNvPr id="1" name=""/>
+        <p:cNvGrpSpPr/>
+        <p:nvPr/>
+      </p:nvGrpSpPr>
+      <p:grpSpPr>
+        <a:xfrm>
+          <a:off x="0" y="0"/>
+          <a:ext cx="0" cy="0"/>
+          <a:chOff x="0" y="0"/>
+          <a:chExt cx="0" cy="0"/>
+        </a:xfrm>
+      </p:grpSpPr>
+      <p:sp>
+        <p:nvSpPr>
+          <p:cNvPr id="2" name="Title 1">
+            <a:extLst>
+              <a:ext uri="{FF2B5EF4-FFF2-40B4-BE49-F238E27FC236}">
+                <a16:creationId xmlns:a16="http://schemas.microsoft.com/office/drawing/2014/main" id="{8DE1804F-1831-E540-A1DC-073BA8437BAB}"/>
+              </a:ext>
+            </a:extLst>
+          </p:cNvPr>
+          <p:cNvSpPr>
+            <a:spLocks noGrp="1"/>
+          </p:cNvSpPr>
+          <p:nvPr>
+            <p:ph type="title"/>
+          </p:nvPr>
+        </p:nvSpPr>
+        <p:spPr/>
+        <p:txBody>
+          <a:bodyPr/>
+          <a:lstStyle/>
+          <a:p>
+            <a:r>
+              <a:rPr lang="en-US" dirty="0"/>
+              <a:t>Case Study</a:t>
+            </a:r>
+          </a:p>
+        </p:txBody>
+      </p:sp>
+      <p:sp>
+        <p:nvSpPr>
+          <p:cNvPr id="6" name="Google Shape;205;p17">
+            <a:extLst>
+              <a:ext uri="{FF2B5EF4-FFF2-40B4-BE49-F238E27FC236}">
+                <a16:creationId xmlns:a16="http://schemas.microsoft.com/office/drawing/2014/main" id="{662D86EB-0258-0B4A-BD6B-21DB54554E75}"/>
+              </a:ext>
+            </a:extLst>
+          </p:cNvPr>
+          <p:cNvSpPr txBox="1">
+            <a:spLocks noGrp="1"/>
+          </p:cNvSpPr>
+          <p:nvPr>
+            <p:ph type="body" idx="1"/>
+          </p:nvPr>
+        </p:nvSpPr>
+        <p:spPr>
+          <a:xfrm>
+            <a:off x="415600" y="1536633"/>
+            <a:ext cx="11360700" cy="4555200"/>
+          </a:xfrm>
+          <a:prstGeom prst="rect">
+            <a:avLst/>
+          </a:prstGeom>
+          <a:noFill/>
+          <a:ln>
+            <a:noFill/>
+          </a:ln>
+        </p:spPr>
+        <p:txBody>
+          <a:bodyPr spcFirstLastPara="1" wrap="square" lIns="91425" tIns="45700" rIns="91425" bIns="45700" anchor="t" anchorCtr="0">
+            <a:noAutofit/>
+          </a:bodyPr>
+          <a:lstStyle/>
+          <a:p>
+            <a:pPr marL="0" lvl="0" indent="0" algn="l" rtl="0">
+              <a:spcBef>
+                <a:spcPts val="0"/>
+              </a:spcBef>
+              <a:spcAft>
+                <a:spcPts val="0"/>
+              </a:spcAft>
+              <a:buClr>
+                <a:srgbClr val="000000"/>
+              </a:buClr>
+              <a:buSzPts val="3200"/>
+              <a:buNone/>
+            </a:pPr>
+            <a:endParaRPr lang="en-US" sz="4000" dirty="0">
+              <a:solidFill>
+                <a:srgbClr val="000000"/>
+              </a:solidFill>
+            </a:endParaRPr>
+          </a:p>
+          <a:p>
+            <a:pPr marL="0" lvl="0" indent="0" algn="l" rtl="0">
+              <a:spcBef>
+                <a:spcPts val="0"/>
+              </a:spcBef>
+              <a:spcAft>
+                <a:spcPts val="0"/>
+              </a:spcAft>
+              <a:buClr>
+                <a:srgbClr val="000000"/>
+              </a:buClr>
+              <a:buSzPts val="3200"/>
+              <a:buNone/>
+            </a:pPr>
+            <a:endParaRPr lang="en-US" sz="4000" dirty="0">
+              <a:solidFill>
+                <a:srgbClr val="000000"/>
+              </a:solidFill>
+            </a:endParaRPr>
+          </a:p>
+          <a:p>
+            <a:pPr marL="0" lvl="0" indent="0">
+              <a:buClr>
+                <a:srgbClr val="000000"/>
+              </a:buClr>
+              <a:buSzPts val="3200"/>
+              <a:buNone/>
+            </a:pPr>
+            <a:r>
+              <a:rPr lang="en-US" sz="4000" dirty="0">
+                <a:solidFill>
+                  <a:srgbClr val="000000"/>
+                </a:solidFill>
+              </a:rPr>
+              <a:t>If you were scoping the project described here, how would you describe the overall goal?</a:t>
+            </a:r>
+            <a:endParaRPr sz="4000" dirty="0">
+              <a:solidFill>
+                <a:srgbClr val="000000"/>
+              </a:solidFill>
+            </a:endParaRPr>
+          </a:p>
+        </p:txBody>
+      </p:sp>
+    </p:spTree>
+    <p:extLst>
+      <p:ext uri="{BB962C8B-B14F-4D97-AF65-F5344CB8AC3E}">
+        <p14:creationId xmlns:p14="http://schemas.microsoft.com/office/powerpoint/2010/main" val="639899210"/>
+      </p:ext>
+    </p:extLst>
+  </p:cSld>
+  <p:clrMapOvr>
+    <a:masterClrMapping/>
+  </p:clrMapOvr>
+</p:sld>
+</file>
+
+<file path=ppt/slides/slide6.xml><?xml version="1.0" encoding="utf-8"?>
+<p:sld xmlns:a="http://schemas.openxmlformats.org/drawingml/2006/main" xmlns:r="http://schemas.openxmlformats.org/officeDocument/2006/relationships" xmlns:p="http://schemas.openxmlformats.org/presentationml/2006/main">
+  <p:cSld>
+    <p:spTree>
+      <p:nvGrpSpPr>
+        <p:cNvPr id="1" name=""/>
+        <p:cNvGrpSpPr/>
+        <p:nvPr/>
+      </p:nvGrpSpPr>
+      <p:grpSpPr>
+        <a:xfrm>
+          <a:off x="0" y="0"/>
+          <a:ext cx="0" cy="0"/>
+          <a:chOff x="0" y="0"/>
+          <a:chExt cx="0" cy="0"/>
+        </a:xfrm>
+      </p:grpSpPr>
+      <p:sp>
+        <p:nvSpPr>
+          <p:cNvPr id="2" name="Title 1">
+            <a:extLst>
+              <a:ext uri="{FF2B5EF4-FFF2-40B4-BE49-F238E27FC236}">
+                <a16:creationId xmlns:a16="http://schemas.microsoft.com/office/drawing/2014/main" id="{8DE1804F-1831-E540-A1DC-073BA8437BAB}"/>
+              </a:ext>
+            </a:extLst>
+          </p:cNvPr>
+          <p:cNvSpPr>
+            <a:spLocks noGrp="1"/>
+          </p:cNvSpPr>
+          <p:nvPr>
+            <p:ph type="title"/>
+          </p:nvPr>
+        </p:nvSpPr>
+        <p:spPr/>
+        <p:txBody>
+          <a:bodyPr/>
+          <a:lstStyle/>
+          <a:p>
+            <a:r>
+              <a:rPr lang="en-US" dirty="0"/>
+              <a:t>Case Study</a:t>
+            </a:r>
+          </a:p>
+        </p:txBody>
+      </p:sp>
+      <p:sp>
+        <p:nvSpPr>
+          <p:cNvPr id="6" name="Google Shape;205;p17">
+            <a:extLst>
+              <a:ext uri="{FF2B5EF4-FFF2-40B4-BE49-F238E27FC236}">
+                <a16:creationId xmlns:a16="http://schemas.microsoft.com/office/drawing/2014/main" id="{662D86EB-0258-0B4A-BD6B-21DB54554E75}"/>
+              </a:ext>
+            </a:extLst>
+          </p:cNvPr>
+          <p:cNvSpPr txBox="1">
+            <a:spLocks noGrp="1"/>
+          </p:cNvSpPr>
+          <p:nvPr>
+            <p:ph type="body" idx="1"/>
+          </p:nvPr>
+        </p:nvSpPr>
+        <p:spPr>
+          <a:xfrm>
+            <a:off x="415600" y="1536633"/>
+            <a:ext cx="11360700" cy="4555200"/>
+          </a:xfrm>
+          <a:prstGeom prst="rect">
+            <a:avLst/>
+          </a:prstGeom>
+          <a:noFill/>
+          <a:ln>
+            <a:noFill/>
+          </a:ln>
+        </p:spPr>
+        <p:txBody>
+          <a:bodyPr spcFirstLastPara="1" wrap="square" lIns="91425" tIns="45700" rIns="91425" bIns="45700" anchor="t" anchorCtr="0">
+            <a:noAutofit/>
+          </a:bodyPr>
+          <a:lstStyle/>
+          <a:p>
+            <a:pPr marL="0" lvl="0" indent="0" algn="l" rtl="0">
+              <a:spcBef>
+                <a:spcPts val="0"/>
+              </a:spcBef>
+              <a:spcAft>
+                <a:spcPts val="0"/>
+              </a:spcAft>
+              <a:buClr>
+                <a:srgbClr val="000000"/>
+              </a:buClr>
+              <a:buSzPts val="3200"/>
+              <a:buNone/>
+            </a:pPr>
+            <a:endParaRPr lang="en-US" sz="4000" dirty="0">
+              <a:solidFill>
+                <a:srgbClr val="000000"/>
+              </a:solidFill>
+            </a:endParaRPr>
+          </a:p>
+          <a:p>
+            <a:pPr marL="0" lvl="0" indent="0">
+              <a:buClr>
+                <a:srgbClr val="000000"/>
+              </a:buClr>
+              <a:buSzPts val="3200"/>
+              <a:buNone/>
+            </a:pPr>
+            <a:r>
+              <a:rPr lang="en-US" sz="4000" dirty="0">
+                <a:solidFill>
+                  <a:srgbClr val="000000"/>
+                </a:solidFill>
+              </a:rPr>
+              <a:t>How well does the paper address the goal you defined above? What evidence do they provide in this regard?</a:t>
+            </a:r>
+            <a:endParaRPr sz="4000" dirty="0">
+              <a:solidFill>
+                <a:srgbClr val="000000"/>
+              </a:solidFill>
+            </a:endParaRPr>
+          </a:p>
+        </p:txBody>
+      </p:sp>
+    </p:spTree>
+    <p:extLst>
+      <p:ext uri="{BB962C8B-B14F-4D97-AF65-F5344CB8AC3E}">
+        <p14:creationId xmlns:p14="http://schemas.microsoft.com/office/powerpoint/2010/main" val="1443994749"/>
+      </p:ext>
+    </p:extLst>
+  </p:cSld>
+  <p:clrMapOvr>
+    <a:masterClrMapping/>
+  </p:clrMapOvr>
+</p:sld>
+</file>
+
+<file path=ppt/slides/slide7.xml><?xml version="1.0" encoding="utf-8"?>
+<p:sld xmlns:a="http://schemas.openxmlformats.org/drawingml/2006/main" xmlns:r="http://schemas.openxmlformats.org/officeDocument/2006/relationships" xmlns:p="http://schemas.openxmlformats.org/presentationml/2006/main">
+  <p:cSld>
+    <p:spTree>
+      <p:nvGrpSpPr>
+        <p:cNvPr id="1" name=""/>
+        <p:cNvGrpSpPr/>
+        <p:nvPr/>
+      </p:nvGrpSpPr>
+      <p:grpSpPr>
+        <a:xfrm>
+          <a:off x="0" y="0"/>
+          <a:ext cx="0" cy="0"/>
+          <a:chOff x="0" y="0"/>
+          <a:chExt cx="0" cy="0"/>
+        </a:xfrm>
+      </p:grpSpPr>
+      <p:sp>
+        <p:nvSpPr>
+          <p:cNvPr id="2" name="Title 1">
+            <a:extLst>
+              <a:ext uri="{FF2B5EF4-FFF2-40B4-BE49-F238E27FC236}">
+                <a16:creationId xmlns:a16="http://schemas.microsoft.com/office/drawing/2014/main" id="{8DE1804F-1831-E540-A1DC-073BA8437BAB}"/>
+              </a:ext>
+            </a:extLst>
+          </p:cNvPr>
+          <p:cNvSpPr>
+            <a:spLocks noGrp="1"/>
+          </p:cNvSpPr>
+          <p:nvPr>
+            <p:ph type="title"/>
+          </p:nvPr>
+        </p:nvSpPr>
+        <p:spPr/>
+        <p:txBody>
+          <a:bodyPr/>
+          <a:lstStyle/>
+          <a:p>
+            <a:r>
+              <a:rPr lang="en-US" dirty="0"/>
+              <a:t>Case Study</a:t>
+            </a:r>
+          </a:p>
+        </p:txBody>
+      </p:sp>
+      <p:sp>
+        <p:nvSpPr>
+          <p:cNvPr id="6" name="Google Shape;205;p17">
+            <a:extLst>
+              <a:ext uri="{FF2B5EF4-FFF2-40B4-BE49-F238E27FC236}">
+                <a16:creationId xmlns:a16="http://schemas.microsoft.com/office/drawing/2014/main" id="{662D86EB-0258-0B4A-BD6B-21DB54554E75}"/>
+              </a:ext>
+            </a:extLst>
+          </p:cNvPr>
+          <p:cNvSpPr txBox="1">
+            <a:spLocks noGrp="1"/>
+          </p:cNvSpPr>
+          <p:nvPr>
+            <p:ph type="body" idx="1"/>
+          </p:nvPr>
+        </p:nvSpPr>
+        <p:spPr>
+          <a:xfrm>
+            <a:off x="415600" y="1536633"/>
+            <a:ext cx="11360700" cy="4555200"/>
+          </a:xfrm>
+          <a:prstGeom prst="rect">
+            <a:avLst/>
+          </a:prstGeom>
+          <a:noFill/>
+          <a:ln>
+            <a:noFill/>
+          </a:ln>
+        </p:spPr>
+        <p:txBody>
+          <a:bodyPr spcFirstLastPara="1" wrap="square" lIns="91425" tIns="45700" rIns="91425" bIns="45700" anchor="t" anchorCtr="0">
+            <a:noAutofit/>
+          </a:bodyPr>
+          <a:lstStyle/>
+          <a:p>
+            <a:pPr marL="0" lvl="0" indent="0" algn="l" rtl="0">
+              <a:spcBef>
+                <a:spcPts val="0"/>
+              </a:spcBef>
+              <a:spcAft>
+                <a:spcPts val="0"/>
+              </a:spcAft>
+              <a:buClr>
+                <a:srgbClr val="000000"/>
+              </a:buClr>
+              <a:buSzPts val="3200"/>
+              <a:buNone/>
+            </a:pPr>
+            <a:endParaRPr lang="en-US" sz="4000" dirty="0">
+              <a:solidFill>
+                <a:srgbClr val="000000"/>
+              </a:solidFill>
+            </a:endParaRPr>
+          </a:p>
+          <a:p>
+            <a:pPr marL="0" lvl="0" indent="0">
+              <a:buClr>
+                <a:srgbClr val="000000"/>
+              </a:buClr>
+              <a:buSzPts val="3200"/>
+              <a:buNone/>
+            </a:pPr>
+            <a:r>
+              <a:rPr lang="en-US" sz="4000" dirty="0">
+                <a:solidFill>
+                  <a:srgbClr val="000000"/>
+                </a:solidFill>
+              </a:rPr>
+              <a:t>How well does the paper address</a:t>
+            </a:r>
+          </a:p>
+          <a:p>
+            <a:pPr marL="0" lvl="0" indent="0">
+              <a:buClr>
+                <a:srgbClr val="000000"/>
+              </a:buClr>
+              <a:buSzPts val="3200"/>
+              <a:buNone/>
+            </a:pPr>
+            <a:r>
+              <a:rPr lang="en-US" sz="4000" dirty="0">
+                <a:solidFill>
+                  <a:srgbClr val="000000"/>
+                </a:solidFill>
+              </a:rPr>
+              <a:t>the goal you defined above?</a:t>
+            </a:r>
+          </a:p>
+          <a:p>
+            <a:pPr marL="0" lvl="0" indent="0">
+              <a:buClr>
+                <a:srgbClr val="000000"/>
+              </a:buClr>
+              <a:buSzPts val="3200"/>
+              <a:buNone/>
+            </a:pPr>
+            <a:endParaRPr lang="en-US" sz="4000" dirty="0">
+              <a:solidFill>
+                <a:srgbClr val="000000"/>
+              </a:solidFill>
+            </a:endParaRPr>
+          </a:p>
+          <a:p>
+            <a:pPr marL="0" indent="0">
+              <a:buClr>
+                <a:srgbClr val="000000"/>
+              </a:buClr>
+              <a:buSzPts val="3200"/>
+              <a:buNone/>
+            </a:pPr>
+            <a:r>
+              <a:rPr lang="en-US" sz="4000" dirty="0">
+                <a:solidFill>
+                  <a:srgbClr val="000000"/>
+                </a:solidFill>
+              </a:rPr>
+              <a:t>			</a:t>
+            </a:r>
+            <a:r>
+              <a:rPr lang="en-US" sz="4000" dirty="0" err="1">
+                <a:solidFill>
+                  <a:srgbClr val="000000"/>
+                </a:solidFill>
+              </a:rPr>
+              <a:t>slido.com</a:t>
+            </a:r>
+            <a:r>
+              <a:rPr lang="en-US" sz="4000" dirty="0">
+                <a:solidFill>
+                  <a:srgbClr val="000000"/>
+                </a:solidFill>
+              </a:rPr>
+              <a:t>  #1341886</a:t>
+            </a:r>
+            <a:endParaRPr sz="4000" dirty="0">
+              <a:solidFill>
+                <a:srgbClr val="000000"/>
+              </a:solidFill>
+            </a:endParaRPr>
+          </a:p>
+        </p:txBody>
+      </p:sp>
+    </p:spTree>
+    <p:extLst>
+      <p:ext uri="{BB962C8B-B14F-4D97-AF65-F5344CB8AC3E}">
+        <p14:creationId xmlns:p14="http://schemas.microsoft.com/office/powerpoint/2010/main" val="4284856106"/>
+      </p:ext>
+    </p:extLst>
+  </p:cSld>
+  <p:clrMapOvr>
+    <a:masterClrMapping/>
+  </p:clrMapOvr>
+</p:sld>
+</file>
+
+<file path=ppt/slides/slide8.xml><?xml version="1.0" encoding="utf-8"?>
+<p:sld xmlns:a="http://schemas.openxmlformats.org/drawingml/2006/main" xmlns:r="http://schemas.openxmlformats.org/officeDocument/2006/relationships" xmlns:p="http://schemas.openxmlformats.org/presentationml/2006/main">
+  <p:cSld>
+    <p:spTree>
+      <p:nvGrpSpPr>
+        <p:cNvPr id="1" name=""/>
+        <p:cNvGrpSpPr/>
+        <p:nvPr/>
+      </p:nvGrpSpPr>
+      <p:grpSpPr>
+        <a:xfrm>
+          <a:off x="0" y="0"/>
+          <a:ext cx="0" cy="0"/>
+          <a:chOff x="0" y="0"/>
+          <a:chExt cx="0" cy="0"/>
+        </a:xfrm>
+      </p:grpSpPr>
+      <p:sp>
+        <p:nvSpPr>
+          <p:cNvPr id="2" name="Title 1">
+            <a:extLst>
+              <a:ext uri="{FF2B5EF4-FFF2-40B4-BE49-F238E27FC236}">
+                <a16:creationId xmlns:a16="http://schemas.microsoft.com/office/drawing/2014/main" id="{8DE1804F-1831-E540-A1DC-073BA8437BAB}"/>
+              </a:ext>
+            </a:extLst>
+          </p:cNvPr>
+          <p:cNvSpPr>
+            <a:spLocks noGrp="1"/>
+          </p:cNvSpPr>
+          <p:nvPr>
+            <p:ph type="title"/>
+          </p:nvPr>
+        </p:nvSpPr>
+        <p:spPr/>
+        <p:txBody>
+          <a:bodyPr/>
+          <a:lstStyle/>
+          <a:p>
+            <a:r>
+              <a:rPr lang="en-US" dirty="0"/>
+              <a:t>Case Study</a:t>
+            </a:r>
+          </a:p>
+        </p:txBody>
+      </p:sp>
+      <p:sp>
+        <p:nvSpPr>
+          <p:cNvPr id="6" name="Google Shape;205;p17">
+            <a:extLst>
+              <a:ext uri="{FF2B5EF4-FFF2-40B4-BE49-F238E27FC236}">
+                <a16:creationId xmlns:a16="http://schemas.microsoft.com/office/drawing/2014/main" id="{662D86EB-0258-0B4A-BD6B-21DB54554E75}"/>
+              </a:ext>
+            </a:extLst>
+          </p:cNvPr>
+          <p:cNvSpPr txBox="1">
+            <a:spLocks noGrp="1"/>
+          </p:cNvSpPr>
+          <p:nvPr>
+            <p:ph type="body" idx="1"/>
+          </p:nvPr>
+        </p:nvSpPr>
+        <p:spPr>
+          <a:xfrm>
+            <a:off x="415600" y="1536633"/>
+            <a:ext cx="11360700" cy="4555200"/>
+          </a:xfrm>
+          <a:prstGeom prst="rect">
+            <a:avLst/>
+          </a:prstGeom>
+          <a:noFill/>
+          <a:ln>
+            <a:noFill/>
+          </a:ln>
+        </p:spPr>
+        <p:txBody>
+          <a:bodyPr spcFirstLastPara="1" wrap="square" lIns="91425" tIns="45700" rIns="91425" bIns="45700" anchor="t" anchorCtr="0">
+            <a:noAutofit/>
+          </a:bodyPr>
+          <a:lstStyle/>
+          <a:p>
+            <a:pPr marL="0" lvl="0" indent="0" algn="l" rtl="0">
+              <a:spcBef>
+                <a:spcPts val="0"/>
+              </a:spcBef>
+              <a:spcAft>
+                <a:spcPts val="0"/>
+              </a:spcAft>
+              <a:buClr>
+                <a:srgbClr val="000000"/>
+              </a:buClr>
+              <a:buSzPts val="3200"/>
+              <a:buNone/>
+            </a:pPr>
+            <a:endParaRPr lang="en-US" sz="4000" dirty="0">
+              <a:solidFill>
+                <a:srgbClr val="000000"/>
+              </a:solidFill>
+            </a:endParaRPr>
+          </a:p>
+          <a:p>
+            <a:pPr marL="0" lvl="0" indent="0" algn="l" rtl="0">
+              <a:spcBef>
+                <a:spcPts val="0"/>
+              </a:spcBef>
+              <a:spcAft>
+                <a:spcPts val="0"/>
+              </a:spcAft>
+              <a:buClr>
+                <a:srgbClr val="000000"/>
+              </a:buClr>
+              <a:buSzPts val="3200"/>
+              <a:buNone/>
+            </a:pPr>
+            <a:endParaRPr lang="en-US" sz="4000" dirty="0">
+              <a:solidFill>
+                <a:srgbClr val="000000"/>
+              </a:solidFill>
+            </a:endParaRPr>
+          </a:p>
+          <a:p>
+            <a:pPr marL="0" lvl="0" indent="0">
+              <a:buClr>
+                <a:srgbClr val="000000"/>
+              </a:buClr>
+              <a:buSzPts val="3200"/>
+              <a:buNone/>
+            </a:pPr>
+            <a:r>
+              <a:rPr lang="en-US" sz="4000" dirty="0">
+                <a:solidFill>
+                  <a:srgbClr val="000000"/>
+                </a:solidFill>
+              </a:rPr>
+              <a:t>What actions can the public health officials take to achieve that goal?</a:t>
+            </a:r>
+            <a:endParaRPr sz="4000" dirty="0">
+              <a:solidFill>
+                <a:srgbClr val="000000"/>
+              </a:solidFill>
+            </a:endParaRPr>
+          </a:p>
+        </p:txBody>
+      </p:sp>
+    </p:spTree>
+    <p:extLst>
+      <p:ext uri="{BB962C8B-B14F-4D97-AF65-F5344CB8AC3E}">
+        <p14:creationId xmlns:p14="http://schemas.microsoft.com/office/powerpoint/2010/main" val="2564637539"/>
+      </p:ext>
+    </p:extLst>
+  </p:cSld>
+  <p:clrMapOvr>
+    <a:masterClrMapping/>
+  </p:clrMapOvr>
+</p:sld>
+</file>
+
+<file path=ppt/slides/slide9.xml><?xml version="1.0" encoding="utf-8"?>
+<p:sld xmlns:a="http://schemas.openxmlformats.org/drawingml/2006/main" xmlns:r="http://schemas.openxmlformats.org/officeDocument/2006/relationships" xmlns:p="http://schemas.openxmlformats.org/presentationml/2006/main">
+  <p:cSld>
+    <p:spTree>
+      <p:nvGrpSpPr>
+        <p:cNvPr id="1" name=""/>
+        <p:cNvGrpSpPr/>
+        <p:nvPr/>
+      </p:nvGrpSpPr>
+      <p:grpSpPr>
+        <a:xfrm>
+          <a:off x="0" y="0"/>
+          <a:ext cx="0" cy="0"/>
+          <a:chOff x="0" y="0"/>
+          <a:chExt cx="0" cy="0"/>
+        </a:xfrm>
+      </p:grpSpPr>
+      <p:sp>
+        <p:nvSpPr>
+          <p:cNvPr id="2" name="Title 1">
+            <a:extLst>
+              <a:ext uri="{FF2B5EF4-FFF2-40B4-BE49-F238E27FC236}">
+                <a16:creationId xmlns:a16="http://schemas.microsoft.com/office/drawing/2014/main" id="{8DE1804F-1831-E540-A1DC-073BA8437BAB}"/>
+              </a:ext>
+            </a:extLst>
+          </p:cNvPr>
+          <p:cNvSpPr>
+            <a:spLocks noGrp="1"/>
+          </p:cNvSpPr>
+          <p:nvPr>
+            <p:ph type="title"/>
+          </p:nvPr>
+        </p:nvSpPr>
+        <p:spPr/>
+        <p:txBody>
+          <a:bodyPr/>
+          <a:lstStyle/>
+          <a:p>
+            <a:r>
+              <a:rPr lang="en-US" dirty="0"/>
+              <a:t>Case Study</a:t>
+            </a:r>
+          </a:p>
+        </p:txBody>
+      </p:sp>
+      <p:sp>
+        <p:nvSpPr>
+          <p:cNvPr id="6" name="Google Shape;205;p17">
+            <a:extLst>
+              <a:ext uri="{FF2B5EF4-FFF2-40B4-BE49-F238E27FC236}">
+                <a16:creationId xmlns:a16="http://schemas.microsoft.com/office/drawing/2014/main" id="{662D86EB-0258-0B4A-BD6B-21DB54554E75}"/>
+              </a:ext>
+            </a:extLst>
+          </p:cNvPr>
+          <p:cNvSpPr txBox="1">
+            <a:spLocks noGrp="1"/>
+          </p:cNvSpPr>
+          <p:nvPr>
+            <p:ph type="body" idx="1"/>
+          </p:nvPr>
+        </p:nvSpPr>
+        <p:spPr>
+          <a:xfrm>
+            <a:off x="415600" y="1536633"/>
+            <a:ext cx="11360700" cy="4555200"/>
+          </a:xfrm>
+          <a:prstGeom prst="rect">
+            <a:avLst/>
+          </a:prstGeom>
+          <a:noFill/>
+          <a:ln>
+            <a:noFill/>
+          </a:ln>
+        </p:spPr>
+        <p:txBody>
+          <a:bodyPr spcFirstLastPara="1" wrap="square" lIns="91425" tIns="45700" rIns="91425" bIns="45700" anchor="t" anchorCtr="0">
+            <a:noAutofit/>
+          </a:bodyPr>
+          <a:lstStyle/>
+          <a:p>
+            <a:pPr marL="0" lvl="0" indent="0">
+              <a:buClr>
+                <a:srgbClr val="000000"/>
+              </a:buClr>
+              <a:buSzPts val="3200"/>
+              <a:buNone/>
+            </a:pPr>
+            <a:endParaRPr lang="en-US" sz="4000" dirty="0">
+              <a:solidFill>
+                <a:srgbClr val="000000"/>
+              </a:solidFill>
+            </a:endParaRPr>
+          </a:p>
+          <a:p>
+            <a:pPr marL="0" lvl="0" indent="0">
+              <a:buClr>
+                <a:srgbClr val="000000"/>
+              </a:buClr>
+              <a:buSzPts val="3200"/>
+              <a:buNone/>
+            </a:pPr>
+            <a:r>
+              <a:rPr lang="en-US" sz="4000" dirty="0">
+                <a:solidFill>
+                  <a:srgbClr val="000000"/>
+                </a:solidFill>
+              </a:rPr>
+              <a:t>In what ways did the model change the actions or decisions that public health officials are taking in terms of when, where, and how to act?</a:t>
+            </a:r>
+            <a:endParaRPr sz="4000" dirty="0">
+              <a:solidFill>
+                <a:srgbClr val="000000"/>
+              </a:solidFill>
+            </a:endParaRPr>
+          </a:p>
+        </p:txBody>
+      </p:sp>
+    </p:spTree>
+    <p:extLst>
+      <p:ext uri="{BB962C8B-B14F-4D97-AF65-F5344CB8AC3E}">
+        <p14:creationId xmlns:p14="http://schemas.microsoft.com/office/powerpoint/2010/main" val="3255311184"/>
       </p:ext>
     </p:extLst>
   </p:cSld>

--- a/Lectures/03-casestudies.pptx
+++ b/Lectures/03-casestudies.pptx
@@ -13,8 +13,8 @@
     <p:sldId id="295" r:id="rId4"/>
     <p:sldId id="296" r:id="rId5"/>
     <p:sldId id="299" r:id="rId6"/>
-    <p:sldId id="300" r:id="rId7"/>
-    <p:sldId id="305" r:id="rId8"/>
+    <p:sldId id="305" r:id="rId7"/>
+    <p:sldId id="300" r:id="rId8"/>
     <p:sldId id="301" r:id="rId9"/>
     <p:sldId id="302" r:id="rId10"/>
     <p:sldId id="303" r:id="rId11"/>
@@ -256,7 +256,7 @@
       <p15:sldGuideLst xmlns:p15="http://schemas.microsoft.com/office/powerpoint/2012/main"/>
     </p:ext>
     <p:ext uri="http://customooxmlschemas.google.com/">
-      <go:slidesCustomData xmlns="" xmlns:mc="http://schemas.openxmlformats.org/markup-compatibility/2006" xmlns:mv="urn:schemas-microsoft-com:mac:vml" xmlns:c="http://schemas.openxmlformats.org/drawingml/2006/chart" xmlns:dgm="http://schemas.openxmlformats.org/drawingml/2006/diagram" xmlns:o="urn:schemas-microsoft-com:office:office" xmlns:v="urn:schemas-microsoft-com:vml" xmlns:pvml="urn:schemas-microsoft-com:office:powerpoint" xmlns:com="http://schemas.openxmlformats.org/drawingml/2006/compatibility" xmlns:p14="http://schemas.microsoft.com/office/powerpoint/2010/main" xmlns:p15="http://schemas.microsoft.com/office/powerpoint/2012/main" xmlns:go="http://customooxmlschemas.google.com/" r:id="rId30" roundtripDataSignature="AMtx7mjFyVUGRZWio+dc9dxzYsimUxNJbg=="/>
+      <go:slidesCustomData xmlns:go="http://customooxmlschemas.google.com/" xmlns:p15="http://schemas.microsoft.com/office/powerpoint/2012/main" xmlns:p14="http://schemas.microsoft.com/office/powerpoint/2010/main" xmlns:com="http://schemas.openxmlformats.org/drawingml/2006/compatibility" xmlns:pvml="urn:schemas-microsoft-com:office:powerpoint" xmlns:v="urn:schemas-microsoft-com:vml" xmlns:o="urn:schemas-microsoft-com:office:office" xmlns:dgm="http://schemas.openxmlformats.org/drawingml/2006/diagram" xmlns:c="http://schemas.openxmlformats.org/drawingml/2006/chart" xmlns:mv="urn:schemas-microsoft-com:mac:vml" xmlns:mc="http://schemas.openxmlformats.org/markup-compatibility/2006" xmlns="" r:id="rId30" roundtripDataSignature="AMtx7mjFyVUGRZWio+dc9dxzYsimUxNJbg=="/>
     </p:ext>
   </p:extLst>
 </p:presentation>
@@ -12283,19 +12283,33 @@
           <a:p>
             <a:r>
               <a:rPr lang="en-US" dirty="0"/>
-              <a:t>Make sure you can access project data</a:t>
+              <a:t>For tomorrow: quick tech session prep assignment on canvas</a:t>
+            </a:r>
+            <a:br>
+              <a:rPr lang="en-US" dirty="0"/>
+            </a:br>
+            <a:endParaRPr lang="en-US" dirty="0"/>
+          </a:p>
+          <a:p>
+            <a:r>
+              <a:rPr lang="en-US" dirty="0"/>
+              <a:t>No readings for Thursday</a:t>
+            </a:r>
+            <a:br>
+              <a:rPr lang="en-US" dirty="0"/>
+            </a:br>
+            <a:endParaRPr lang="en-US" dirty="0"/>
+          </a:p>
+          <a:p>
+            <a:r>
+              <a:rPr lang="en-US" dirty="0"/>
+              <a:t>Make sure you can access project data and repo</a:t>
             </a:r>
           </a:p>
           <a:p>
             <a:r>
               <a:rPr lang="en-US" dirty="0"/>
               <a:t>Get familiar with project groups</a:t>
-            </a:r>
-          </a:p>
-          <a:p>
-            <a:r>
-              <a:rPr lang="en-US" dirty="0"/>
-              <a:t>Prep for tech session tomorrow</a:t>
             </a:r>
           </a:p>
         </p:txBody>
@@ -12381,7 +12395,7 @@
           <a:p>
             <a:r>
               <a:rPr lang="en-US" dirty="0"/>
-              <a:t>Due Today: Data Loading Exercise</a:t>
+              <a:t>For tomorrow: quick tech session prep assignment on canvas</a:t>
             </a:r>
             <a:br>
               <a:rPr lang="en-US" dirty="0"/>
@@ -12391,7 +12405,23 @@
           <a:p>
             <a:r>
               <a:rPr lang="en-US" dirty="0"/>
-              <a:t>Project Groups</a:t>
+              <a:t>No readings for Thursday</a:t>
+            </a:r>
+            <a:br>
+              <a:rPr lang="en-US" dirty="0"/>
+            </a:br>
+            <a:endParaRPr lang="en-US" dirty="0"/>
+          </a:p>
+          <a:p>
+            <a:r>
+              <a:rPr lang="en-US" dirty="0"/>
+              <a:t>Make sure you can access project data and repo</a:t>
+            </a:r>
+          </a:p>
+          <a:p>
+            <a:r>
+              <a:rPr lang="en-US" dirty="0"/>
+              <a:t>Get familiar with project groups</a:t>
             </a:r>
           </a:p>
         </p:txBody>
@@ -12952,7 +12982,71 @@
                   <a:srgbClr val="000000"/>
                 </a:solidFill>
               </a:rPr>
-              <a:t>How well does the paper address the goal you defined above? What evidence do they provide in this regard?</a:t>
+              <a:t>How well does the paper address</a:t>
+            </a:r>
+          </a:p>
+          <a:p>
+            <a:pPr marL="0" lvl="0" indent="0">
+              <a:buClr>
+                <a:srgbClr val="000000"/>
+              </a:buClr>
+              <a:buSzPts val="3200"/>
+              <a:buNone/>
+            </a:pPr>
+            <a:r>
+              <a:rPr lang="en-US" sz="4000" dirty="0">
+                <a:solidFill>
+                  <a:srgbClr val="000000"/>
+                </a:solidFill>
+              </a:rPr>
+              <a:t>the goal you defined above?</a:t>
+            </a:r>
+          </a:p>
+          <a:p>
+            <a:pPr marL="0" lvl="0" indent="0">
+              <a:buClr>
+                <a:srgbClr val="000000"/>
+              </a:buClr>
+              <a:buSzPts val="3200"/>
+              <a:buNone/>
+            </a:pPr>
+            <a:endParaRPr lang="en-US" sz="4000" dirty="0">
+              <a:solidFill>
+                <a:srgbClr val="000000"/>
+              </a:solidFill>
+            </a:endParaRPr>
+          </a:p>
+          <a:p>
+            <a:pPr marL="0" indent="0">
+              <a:buClr>
+                <a:srgbClr val="000000"/>
+              </a:buClr>
+              <a:buSzPts val="3200"/>
+              <a:buNone/>
+            </a:pPr>
+            <a:r>
+              <a:rPr lang="en-US" sz="4000" dirty="0">
+                <a:solidFill>
+                  <a:srgbClr val="000000"/>
+                </a:solidFill>
+              </a:rPr>
+              <a:t>			</a:t>
+            </a:r>
+            <a:r>
+              <a:rPr lang="en-US" sz="4000" dirty="0" err="1">
+                <a:solidFill>
+                  <a:srgbClr val="000000"/>
+                </a:solidFill>
+              </a:rPr>
+              <a:t>slido.com</a:t>
+            </a:r>
+            <a:r>
+              <a:rPr lang="en-US" sz="4000" dirty="0">
+                <a:solidFill>
+                  <a:srgbClr val="000000"/>
+                </a:solidFill>
+              </a:rPr>
+              <a:t>  #1341886</a:t>
             </a:r>
             <a:endParaRPr sz="4000" dirty="0">
               <a:solidFill>
@@ -12965,7 +13059,7 @@
     </p:spTree>
     <p:extLst>
       <p:ext uri="{BB962C8B-B14F-4D97-AF65-F5344CB8AC3E}">
-        <p14:creationId xmlns:p14="http://schemas.microsoft.com/office/powerpoint/2010/main" val="1443994749"/>
+        <p14:creationId xmlns:p14="http://schemas.microsoft.com/office/powerpoint/2010/main" val="4284856106"/>
       </p:ext>
     </p:extLst>
   </p:cSld>
@@ -13088,71 +13182,7 @@
                   <a:srgbClr val="000000"/>
                 </a:solidFill>
               </a:rPr>
-              <a:t>How well does the paper address</a:t>
-            </a:r>
-          </a:p>
-          <a:p>
-            <a:pPr marL="0" lvl="0" indent="0">
-              <a:buClr>
-                <a:srgbClr val="000000"/>
-              </a:buClr>
-              <a:buSzPts val="3200"/>
-              <a:buNone/>
-            </a:pPr>
-            <a:r>
-              <a:rPr lang="en-US" sz="4000" dirty="0">
-                <a:solidFill>
-                  <a:srgbClr val="000000"/>
-                </a:solidFill>
-              </a:rPr>
-              <a:t>the goal you defined above?</a:t>
-            </a:r>
-          </a:p>
-          <a:p>
-            <a:pPr marL="0" lvl="0" indent="0">
-              <a:buClr>
-                <a:srgbClr val="000000"/>
-              </a:buClr>
-              <a:buSzPts val="3200"/>
-              <a:buNone/>
-            </a:pPr>
-            <a:endParaRPr lang="en-US" sz="4000" dirty="0">
-              <a:solidFill>
-                <a:srgbClr val="000000"/>
-              </a:solidFill>
-            </a:endParaRPr>
-          </a:p>
-          <a:p>
-            <a:pPr marL="0" indent="0">
-              <a:buClr>
-                <a:srgbClr val="000000"/>
-              </a:buClr>
-              <a:buSzPts val="3200"/>
-              <a:buNone/>
-            </a:pPr>
-            <a:r>
-              <a:rPr lang="en-US" sz="4000" dirty="0">
-                <a:solidFill>
-                  <a:srgbClr val="000000"/>
-                </a:solidFill>
-              </a:rPr>
-              <a:t>			</a:t>
-            </a:r>
-            <a:r>
-              <a:rPr lang="en-US" sz="4000" dirty="0" err="1">
-                <a:solidFill>
-                  <a:srgbClr val="000000"/>
-                </a:solidFill>
-              </a:rPr>
-              <a:t>slido.com</a:t>
-            </a:r>
-            <a:r>
-              <a:rPr lang="en-US" sz="4000" dirty="0">
-                <a:solidFill>
-                  <a:srgbClr val="000000"/>
-                </a:solidFill>
-              </a:rPr>
-              <a:t>  #1341886</a:t>
+              <a:t>How well does the paper address the goal you defined above? What evidence do they provide in this regard?</a:t>
             </a:r>
             <a:endParaRPr sz="4000" dirty="0">
               <a:solidFill>
@@ -13165,7 +13195,7 @@
     </p:spTree>
     <p:extLst>
       <p:ext uri="{BB962C8B-B14F-4D97-AF65-F5344CB8AC3E}">
-        <p14:creationId xmlns:p14="http://schemas.microsoft.com/office/powerpoint/2010/main" val="4284856106"/>
+        <p14:creationId xmlns:p14="http://schemas.microsoft.com/office/powerpoint/2010/main" val="1443994749"/>
       </p:ext>
     </p:extLst>
   </p:cSld>

--- a/Lectures/03-casestudies.pptx
+++ b/Lectures/03-casestudies.pptx
@@ -5,20 +5,28 @@
     <p:sldMasterId id="2147483648" r:id="rId1"/>
   </p:sldMasterIdLst>
   <p:notesMasterIdLst>
-    <p:notesMasterId r:id="rId13"/>
+    <p:notesMasterId r:id="rId21"/>
   </p:notesMasterIdLst>
   <p:sldIdLst>
     <p:sldId id="256" r:id="rId2"/>
     <p:sldId id="281" r:id="rId3"/>
-    <p:sldId id="295" r:id="rId4"/>
-    <p:sldId id="296" r:id="rId5"/>
-    <p:sldId id="299" r:id="rId6"/>
-    <p:sldId id="305" r:id="rId7"/>
-    <p:sldId id="300" r:id="rId8"/>
-    <p:sldId id="301" r:id="rId9"/>
-    <p:sldId id="302" r:id="rId10"/>
-    <p:sldId id="303" r:id="rId11"/>
-    <p:sldId id="298" r:id="rId12"/>
+    <p:sldId id="307" r:id="rId4"/>
+    <p:sldId id="261" r:id="rId5"/>
+    <p:sldId id="308" r:id="rId6"/>
+    <p:sldId id="309" r:id="rId7"/>
+    <p:sldId id="297" r:id="rId8"/>
+    <p:sldId id="295" r:id="rId9"/>
+    <p:sldId id="296" r:id="rId10"/>
+    <p:sldId id="299" r:id="rId11"/>
+    <p:sldId id="305" r:id="rId12"/>
+    <p:sldId id="300" r:id="rId13"/>
+    <p:sldId id="301" r:id="rId14"/>
+    <p:sldId id="302" r:id="rId15"/>
+    <p:sldId id="303" r:id="rId16"/>
+    <p:sldId id="310" r:id="rId17"/>
+    <p:sldId id="273" r:id="rId18"/>
+    <p:sldId id="274" r:id="rId19"/>
+    <p:sldId id="306" r:id="rId20"/>
   </p:sldIdLst>
   <p:sldSz cx="12192000" cy="6858000"/>
   <p:notesSz cx="6858000" cy="9144000"/>
@@ -256,7 +264,7 @@
       <p15:sldGuideLst xmlns:p15="http://schemas.microsoft.com/office/powerpoint/2012/main"/>
     </p:ext>
     <p:ext uri="http://customooxmlschemas.google.com/">
-      <go:slidesCustomData xmlns:go="http://customooxmlschemas.google.com/" xmlns:p15="http://schemas.microsoft.com/office/powerpoint/2012/main" xmlns:p14="http://schemas.microsoft.com/office/powerpoint/2010/main" xmlns:com="http://schemas.openxmlformats.org/drawingml/2006/compatibility" xmlns:pvml="urn:schemas-microsoft-com:office:powerpoint" xmlns:v="urn:schemas-microsoft-com:vml" xmlns:o="urn:schemas-microsoft-com:office:office" xmlns:dgm="http://schemas.openxmlformats.org/drawingml/2006/diagram" xmlns:c="http://schemas.openxmlformats.org/drawingml/2006/chart" xmlns:mv="urn:schemas-microsoft-com:mac:vml" xmlns:mc="http://schemas.openxmlformats.org/markup-compatibility/2006" xmlns="" r:id="rId30" roundtripDataSignature="AMtx7mjFyVUGRZWio+dc9dxzYsimUxNJbg=="/>
+      <go:slidesCustomData xmlns="" xmlns:mc="http://schemas.openxmlformats.org/markup-compatibility/2006" xmlns:mv="urn:schemas-microsoft-com:mac:vml" xmlns:c="http://schemas.openxmlformats.org/drawingml/2006/chart" xmlns:dgm="http://schemas.openxmlformats.org/drawingml/2006/diagram" xmlns:o="urn:schemas-microsoft-com:office:office" xmlns:v="urn:schemas-microsoft-com:vml" xmlns:pvml="urn:schemas-microsoft-com:office:powerpoint" xmlns:com="http://schemas.openxmlformats.org/drawingml/2006/compatibility" xmlns:p14="http://schemas.microsoft.com/office/powerpoint/2010/main" xmlns:p15="http://schemas.microsoft.com/office/powerpoint/2012/main" xmlns:go="http://customooxmlschemas.google.com/" r:id="rId30" roundtripDataSignature="AMtx7mjFyVUGRZWio+dc9dxzYsimUxNJbg=="/>
     </p:ext>
   </p:extLst>
 </p:presentation>
@@ -6576,6 +6584,274 @@
 </p:notes>
 </file>
 
+<file path=ppt/notesSlides/notesSlide2.xml><?xml version="1.0" encoding="utf-8"?>
+<p:notes xmlns:a="http://schemas.openxmlformats.org/drawingml/2006/main" xmlns:r="http://schemas.openxmlformats.org/officeDocument/2006/relationships" xmlns:p="http://schemas.openxmlformats.org/presentationml/2006/main" showMasterSp="0" showMasterPhAnim="0">
+  <p:cSld>
+    <p:spTree>
+      <p:nvGrpSpPr>
+        <p:cNvPr id="1" name="Shape 201"/>
+        <p:cNvGrpSpPr/>
+        <p:nvPr/>
+      </p:nvGrpSpPr>
+      <p:grpSpPr>
+        <a:xfrm>
+          <a:off x="0" y="0"/>
+          <a:ext cx="0" cy="0"/>
+          <a:chOff x="0" y="0"/>
+          <a:chExt cx="0" cy="0"/>
+        </a:xfrm>
+      </p:grpSpPr>
+      <p:sp>
+        <p:nvSpPr>
+          <p:cNvPr id="202" name="Google Shape;202;p17:notes"/>
+          <p:cNvSpPr txBox="1">
+            <a:spLocks noGrp="1"/>
+          </p:cNvSpPr>
+          <p:nvPr>
+            <p:ph type="body" idx="1"/>
+          </p:nvPr>
+        </p:nvSpPr>
+        <p:spPr>
+          <a:xfrm>
+            <a:off x="685800" y="4400550"/>
+            <a:ext cx="5486400" cy="3600450"/>
+          </a:xfrm>
+          <a:prstGeom prst="rect">
+            <a:avLst/>
+          </a:prstGeom>
+        </p:spPr>
+        <p:txBody>
+          <a:bodyPr spcFirstLastPara="1" wrap="square" lIns="91425" tIns="45700" rIns="91425" bIns="45700" anchor="t" anchorCtr="0">
+            <a:noAutofit/>
+          </a:bodyPr>
+          <a:lstStyle/>
+          <a:p>
+            <a:pPr marL="0" lvl="0" indent="0" algn="l" rtl="0">
+              <a:spcBef>
+                <a:spcPts val="0"/>
+              </a:spcBef>
+              <a:spcAft>
+                <a:spcPts val="0"/>
+              </a:spcAft>
+              <a:buNone/>
+            </a:pPr>
+            <a:endParaRPr/>
+          </a:p>
+        </p:txBody>
+      </p:sp>
+      <p:sp>
+        <p:nvSpPr>
+          <p:cNvPr id="203" name="Google Shape;203;p17:notes"/>
+          <p:cNvSpPr>
+            <a:spLocks noGrp="1" noRot="1" noChangeAspect="1"/>
+          </p:cNvSpPr>
+          <p:nvPr>
+            <p:ph type="sldImg" idx="2"/>
+          </p:nvPr>
+        </p:nvSpPr>
+        <p:spPr>
+          <a:xfrm>
+            <a:off x="685800" y="1143000"/>
+            <a:ext cx="5486400" cy="3086100"/>
+          </a:xfrm>
+          <a:custGeom>
+            <a:avLst/>
+            <a:gdLst/>
+            <a:ahLst/>
+            <a:cxnLst/>
+            <a:rect l="l" t="t" r="r" b="b"/>
+            <a:pathLst>
+              <a:path w="120000" h="120000" extrusionOk="0">
+                <a:moveTo>
+                  <a:pt x="0" y="0"/>
+                </a:moveTo>
+                <a:lnTo>
+                  <a:pt x="120000" y="0"/>
+                </a:lnTo>
+                <a:lnTo>
+                  <a:pt x="120000" y="120000"/>
+                </a:lnTo>
+                <a:lnTo>
+                  <a:pt x="0" y="120000"/>
+                </a:lnTo>
+                <a:close/>
+              </a:path>
+            </a:pathLst>
+          </a:custGeom>
+        </p:spPr>
+      </p:sp>
+    </p:spTree>
+  </p:cSld>
+  <p:clrMapOvr>
+    <a:masterClrMapping/>
+  </p:clrMapOvr>
+</p:notes>
+</file>
+
+<file path=ppt/notesSlides/notesSlide3.xml><?xml version="1.0" encoding="utf-8"?>
+<p:notes xmlns:a="http://schemas.openxmlformats.org/drawingml/2006/main" xmlns:r="http://schemas.openxmlformats.org/officeDocument/2006/relationships" xmlns:p="http://schemas.openxmlformats.org/presentationml/2006/main" showMasterSp="0" showMasterPhAnim="0">
+  <p:cSld>
+    <p:spTree>
+      <p:nvGrpSpPr>
+        <p:cNvPr id="1" name="Shape 207"/>
+        <p:cNvGrpSpPr/>
+        <p:nvPr/>
+      </p:nvGrpSpPr>
+      <p:grpSpPr>
+        <a:xfrm>
+          <a:off x="0" y="0"/>
+          <a:ext cx="0" cy="0"/>
+          <a:chOff x="0" y="0"/>
+          <a:chExt cx="0" cy="0"/>
+        </a:xfrm>
+      </p:grpSpPr>
+      <p:sp>
+        <p:nvSpPr>
+          <p:cNvPr id="208" name="Google Shape;208;p18:notes"/>
+          <p:cNvSpPr>
+            <a:spLocks noGrp="1" noRot="1" noChangeAspect="1"/>
+          </p:cNvSpPr>
+          <p:nvPr>
+            <p:ph type="sldImg" idx="2"/>
+          </p:nvPr>
+        </p:nvSpPr>
+        <p:spPr>
+          <a:xfrm>
+            <a:off x="685800" y="1143000"/>
+            <a:ext cx="5486400" cy="3086100"/>
+          </a:xfrm>
+          <a:custGeom>
+            <a:avLst/>
+            <a:gdLst/>
+            <a:ahLst/>
+            <a:cxnLst/>
+            <a:rect l="l" t="t" r="r" b="b"/>
+            <a:pathLst>
+              <a:path w="120000" h="120000" extrusionOk="0">
+                <a:moveTo>
+                  <a:pt x="0" y="0"/>
+                </a:moveTo>
+                <a:lnTo>
+                  <a:pt x="120000" y="0"/>
+                </a:lnTo>
+                <a:lnTo>
+                  <a:pt x="120000" y="120000"/>
+                </a:lnTo>
+                <a:lnTo>
+                  <a:pt x="0" y="120000"/>
+                </a:lnTo>
+                <a:close/>
+              </a:path>
+            </a:pathLst>
+          </a:custGeom>
+          <a:noFill/>
+          <a:ln w="12700" cap="flat" cmpd="sng">
+            <a:solidFill>
+              <a:srgbClr val="000000"/>
+            </a:solidFill>
+            <a:prstDash val="solid"/>
+            <a:round/>
+            <a:headEnd type="none" w="sm" len="sm"/>
+            <a:tailEnd type="none" w="sm" len="sm"/>
+          </a:ln>
+        </p:spPr>
+      </p:sp>
+      <p:sp>
+        <p:nvSpPr>
+          <p:cNvPr id="209" name="Google Shape;209;p18:notes"/>
+          <p:cNvSpPr txBox="1">
+            <a:spLocks noGrp="1"/>
+          </p:cNvSpPr>
+          <p:nvPr>
+            <p:ph type="body" idx="1"/>
+          </p:nvPr>
+        </p:nvSpPr>
+        <p:spPr>
+          <a:xfrm>
+            <a:off x="685800" y="4400550"/>
+            <a:ext cx="5486400" cy="3600450"/>
+          </a:xfrm>
+          <a:prstGeom prst="rect">
+            <a:avLst/>
+          </a:prstGeom>
+          <a:noFill/>
+          <a:ln>
+            <a:noFill/>
+          </a:ln>
+        </p:spPr>
+        <p:txBody>
+          <a:bodyPr spcFirstLastPara="1" wrap="square" lIns="91425" tIns="45700" rIns="91425" bIns="45700" anchor="t" anchorCtr="0">
+            <a:noAutofit/>
+          </a:bodyPr>
+          <a:lstStyle/>
+          <a:p>
+            <a:pPr marL="0" lvl="0" indent="0" algn="l" rtl="0">
+              <a:spcBef>
+                <a:spcPts val="0"/>
+              </a:spcBef>
+              <a:spcAft>
+                <a:spcPts val="0"/>
+              </a:spcAft>
+              <a:buNone/>
+            </a:pPr>
+            <a:endParaRPr/>
+          </a:p>
+        </p:txBody>
+      </p:sp>
+      <p:sp>
+        <p:nvSpPr>
+          <p:cNvPr id="210" name="Google Shape;210;p18:notes"/>
+          <p:cNvSpPr txBox="1">
+            <a:spLocks noGrp="1"/>
+          </p:cNvSpPr>
+          <p:nvPr>
+            <p:ph type="sldNum" idx="12"/>
+          </p:nvPr>
+        </p:nvSpPr>
+        <p:spPr>
+          <a:xfrm>
+            <a:off x="3884613" y="8685213"/>
+            <a:ext cx="2971800" cy="458787"/>
+          </a:xfrm>
+          <a:prstGeom prst="rect">
+            <a:avLst/>
+          </a:prstGeom>
+          <a:noFill/>
+          <a:ln>
+            <a:noFill/>
+          </a:ln>
+        </p:spPr>
+        <p:txBody>
+          <a:bodyPr spcFirstLastPara="1" wrap="square" lIns="91425" tIns="45700" rIns="91425" bIns="45700" anchor="b" anchorCtr="0">
+            <a:noAutofit/>
+          </a:bodyPr>
+          <a:lstStyle/>
+          <a:p>
+            <a:pPr marL="0" lvl="0" indent="0" algn="r" rtl="0">
+              <a:spcBef>
+                <a:spcPts val="0"/>
+              </a:spcBef>
+              <a:spcAft>
+                <a:spcPts val="0"/>
+              </a:spcAft>
+              <a:buNone/>
+            </a:pPr>
+            <a:fld id="{00000000-1234-1234-1234-123412341234}" type="slidenum">
+              <a:rPr lang="en-US"/>
+              <a:t>18</a:t>
+            </a:fld>
+            <a:endParaRPr/>
+          </a:p>
+        </p:txBody>
+      </p:sp>
+    </p:spTree>
+  </p:cSld>
+  <p:clrMapOvr>
+    <a:masterClrMapping/>
+  </p:clrMapOvr>
+</p:notes>
+</file>
+
 <file path=ppt/slideLayouts/slideLayout1.xml><?xml version="1.0" encoding="utf-8"?>
 <p:sldLayout xmlns:a="http://schemas.openxmlformats.org/drawingml/2006/main" xmlns:r="http://schemas.openxmlformats.org/officeDocument/2006/relationships" xmlns:p="http://schemas.openxmlformats.org/presentationml/2006/main" matchingName="Title slide" type="title">
   <p:cSld name="TITLE">
@@ -12165,7 +12441,33 @@
           </a:bodyPr>
           <a:lstStyle/>
           <a:p>
-            <a:pPr marL="0" lvl="0" indent="0">
+            <a:pPr marL="0" lvl="0" indent="0" algn="l" rtl="0">
+              <a:spcBef>
+                <a:spcPts val="0"/>
+              </a:spcBef>
+              <a:spcAft>
+                <a:spcPts val="0"/>
+              </a:spcAft>
+              <a:buClr>
+                <a:srgbClr val="000000"/>
+              </a:buClr>
+              <a:buSzPts val="3200"/>
+              <a:buNone/>
+            </a:pPr>
+            <a:endParaRPr lang="en-US" sz="4000" dirty="0">
+              <a:solidFill>
+                <a:srgbClr val="000000"/>
+              </a:solidFill>
+            </a:endParaRPr>
+          </a:p>
+          <a:p>
+            <a:pPr marL="0" lvl="0" indent="0" algn="l" rtl="0">
+              <a:spcBef>
+                <a:spcPts val="0"/>
+              </a:spcBef>
+              <a:spcAft>
+                <a:spcPts val="0"/>
+              </a:spcAft>
               <a:buClr>
                 <a:srgbClr val="000000"/>
               </a:buClr>
@@ -12192,8 +12494,816 @@
                   <a:srgbClr val="000000"/>
                 </a:solidFill>
               </a:rPr>
-              <a:t>What ethical or fairness considerations might be relevant here? How were these addressed in the paper?</a:t>
+              <a:t>If you were scoping the project described here, how would you describe the overall goal?</a:t>
             </a:r>
+            <a:endParaRPr sz="4000" dirty="0">
+              <a:solidFill>
+                <a:srgbClr val="000000"/>
+              </a:solidFill>
+            </a:endParaRPr>
+          </a:p>
+        </p:txBody>
+      </p:sp>
+    </p:spTree>
+    <p:extLst>
+      <p:ext uri="{BB962C8B-B14F-4D97-AF65-F5344CB8AC3E}">
+        <p14:creationId xmlns:p14="http://schemas.microsoft.com/office/powerpoint/2010/main" val="639899210"/>
+      </p:ext>
+    </p:extLst>
+  </p:cSld>
+  <p:clrMapOvr>
+    <a:masterClrMapping/>
+  </p:clrMapOvr>
+</p:sld>
+</file>
+
+<file path=ppt/slides/slide11.xml><?xml version="1.0" encoding="utf-8"?>
+<p:sld xmlns:a="http://schemas.openxmlformats.org/drawingml/2006/main" xmlns:r="http://schemas.openxmlformats.org/officeDocument/2006/relationships" xmlns:p="http://schemas.openxmlformats.org/presentationml/2006/main">
+  <p:cSld>
+    <p:spTree>
+      <p:nvGrpSpPr>
+        <p:cNvPr id="1" name=""/>
+        <p:cNvGrpSpPr/>
+        <p:nvPr/>
+      </p:nvGrpSpPr>
+      <p:grpSpPr>
+        <a:xfrm>
+          <a:off x="0" y="0"/>
+          <a:ext cx="0" cy="0"/>
+          <a:chOff x="0" y="0"/>
+          <a:chExt cx="0" cy="0"/>
+        </a:xfrm>
+      </p:grpSpPr>
+      <p:sp>
+        <p:nvSpPr>
+          <p:cNvPr id="2" name="Title 1">
+            <a:extLst>
+              <a:ext uri="{FF2B5EF4-FFF2-40B4-BE49-F238E27FC236}">
+                <a16:creationId xmlns:a16="http://schemas.microsoft.com/office/drawing/2014/main" id="{8DE1804F-1831-E540-A1DC-073BA8437BAB}"/>
+              </a:ext>
+            </a:extLst>
+          </p:cNvPr>
+          <p:cNvSpPr>
+            <a:spLocks noGrp="1"/>
+          </p:cNvSpPr>
+          <p:nvPr>
+            <p:ph type="title"/>
+          </p:nvPr>
+        </p:nvSpPr>
+        <p:spPr/>
+        <p:txBody>
+          <a:bodyPr/>
+          <a:lstStyle/>
+          <a:p>
+            <a:r>
+              <a:rPr lang="en-US" dirty="0"/>
+              <a:t>Case Study</a:t>
+            </a:r>
+          </a:p>
+        </p:txBody>
+      </p:sp>
+      <p:sp>
+        <p:nvSpPr>
+          <p:cNvPr id="6" name="Google Shape;205;p17">
+            <a:extLst>
+              <a:ext uri="{FF2B5EF4-FFF2-40B4-BE49-F238E27FC236}">
+                <a16:creationId xmlns:a16="http://schemas.microsoft.com/office/drawing/2014/main" id="{662D86EB-0258-0B4A-BD6B-21DB54554E75}"/>
+              </a:ext>
+            </a:extLst>
+          </p:cNvPr>
+          <p:cNvSpPr txBox="1">
+            <a:spLocks noGrp="1"/>
+          </p:cNvSpPr>
+          <p:nvPr>
+            <p:ph type="body" idx="1"/>
+          </p:nvPr>
+        </p:nvSpPr>
+        <p:spPr>
+          <a:xfrm>
+            <a:off x="415600" y="1536633"/>
+            <a:ext cx="11360700" cy="4555200"/>
+          </a:xfrm>
+          <a:prstGeom prst="rect">
+            <a:avLst/>
+          </a:prstGeom>
+          <a:noFill/>
+          <a:ln>
+            <a:noFill/>
+          </a:ln>
+        </p:spPr>
+        <p:txBody>
+          <a:bodyPr spcFirstLastPara="1" wrap="square" lIns="91425" tIns="45700" rIns="91425" bIns="45700" anchor="t" anchorCtr="0">
+            <a:noAutofit/>
+          </a:bodyPr>
+          <a:lstStyle/>
+          <a:p>
+            <a:pPr marL="0" lvl="0" indent="0" algn="l" rtl="0">
+              <a:spcBef>
+                <a:spcPts val="0"/>
+              </a:spcBef>
+              <a:spcAft>
+                <a:spcPts val="0"/>
+              </a:spcAft>
+              <a:buClr>
+                <a:srgbClr val="000000"/>
+              </a:buClr>
+              <a:buSzPts val="3200"/>
+              <a:buNone/>
+            </a:pPr>
+            <a:endParaRPr lang="en-US" sz="4000" dirty="0">
+              <a:solidFill>
+                <a:srgbClr val="000000"/>
+              </a:solidFill>
+            </a:endParaRPr>
+          </a:p>
+          <a:p>
+            <a:pPr marL="0" lvl="0" indent="0">
+              <a:buClr>
+                <a:srgbClr val="000000"/>
+              </a:buClr>
+              <a:buSzPts val="3200"/>
+              <a:buNone/>
+            </a:pPr>
+            <a:r>
+              <a:rPr lang="en-US" sz="4000" dirty="0">
+                <a:solidFill>
+                  <a:srgbClr val="000000"/>
+                </a:solidFill>
+              </a:rPr>
+              <a:t>How well does the paper address</a:t>
+            </a:r>
+          </a:p>
+          <a:p>
+            <a:pPr marL="0" lvl="0" indent="0">
+              <a:buClr>
+                <a:srgbClr val="000000"/>
+              </a:buClr>
+              <a:buSzPts val="3200"/>
+              <a:buNone/>
+            </a:pPr>
+            <a:r>
+              <a:rPr lang="en-US" sz="4000" dirty="0">
+                <a:solidFill>
+                  <a:srgbClr val="000000"/>
+                </a:solidFill>
+              </a:rPr>
+              <a:t>the goal you defined above?</a:t>
+            </a:r>
+          </a:p>
+          <a:p>
+            <a:pPr marL="0" lvl="0" indent="0">
+              <a:buClr>
+                <a:srgbClr val="000000"/>
+              </a:buClr>
+              <a:buSzPts val="3200"/>
+              <a:buNone/>
+            </a:pPr>
+            <a:endParaRPr lang="en-US" sz="4000" dirty="0">
+              <a:solidFill>
+                <a:srgbClr val="000000"/>
+              </a:solidFill>
+            </a:endParaRPr>
+          </a:p>
+          <a:p>
+            <a:pPr marL="0" indent="0">
+              <a:buClr>
+                <a:srgbClr val="000000"/>
+              </a:buClr>
+              <a:buSzPts val="3200"/>
+              <a:buNone/>
+            </a:pPr>
+            <a:r>
+              <a:rPr lang="en-US" sz="4000" dirty="0">
+                <a:solidFill>
+                  <a:srgbClr val="000000"/>
+                </a:solidFill>
+              </a:rPr>
+              <a:t>			</a:t>
+            </a:r>
+            <a:r>
+              <a:rPr lang="en-US" sz="4000" dirty="0" err="1">
+                <a:solidFill>
+                  <a:srgbClr val="000000"/>
+                </a:solidFill>
+              </a:rPr>
+              <a:t>slido.com</a:t>
+            </a:r>
+            <a:r>
+              <a:rPr lang="en-US" sz="4000" dirty="0">
+                <a:solidFill>
+                  <a:srgbClr val="000000"/>
+                </a:solidFill>
+              </a:rPr>
+              <a:t>  #1341886</a:t>
+            </a:r>
+            <a:endParaRPr sz="4000" dirty="0">
+              <a:solidFill>
+                <a:srgbClr val="000000"/>
+              </a:solidFill>
+            </a:endParaRPr>
+          </a:p>
+        </p:txBody>
+      </p:sp>
+    </p:spTree>
+    <p:extLst>
+      <p:ext uri="{BB962C8B-B14F-4D97-AF65-F5344CB8AC3E}">
+        <p14:creationId xmlns:p14="http://schemas.microsoft.com/office/powerpoint/2010/main" val="4284856106"/>
+      </p:ext>
+    </p:extLst>
+  </p:cSld>
+  <p:clrMapOvr>
+    <a:masterClrMapping/>
+  </p:clrMapOvr>
+</p:sld>
+</file>
+
+<file path=ppt/slides/slide12.xml><?xml version="1.0" encoding="utf-8"?>
+<p:sld xmlns:a="http://schemas.openxmlformats.org/drawingml/2006/main" xmlns:r="http://schemas.openxmlformats.org/officeDocument/2006/relationships" xmlns:p="http://schemas.openxmlformats.org/presentationml/2006/main">
+  <p:cSld>
+    <p:spTree>
+      <p:nvGrpSpPr>
+        <p:cNvPr id="1" name=""/>
+        <p:cNvGrpSpPr/>
+        <p:nvPr/>
+      </p:nvGrpSpPr>
+      <p:grpSpPr>
+        <a:xfrm>
+          <a:off x="0" y="0"/>
+          <a:ext cx="0" cy="0"/>
+          <a:chOff x="0" y="0"/>
+          <a:chExt cx="0" cy="0"/>
+        </a:xfrm>
+      </p:grpSpPr>
+      <p:sp>
+        <p:nvSpPr>
+          <p:cNvPr id="2" name="Title 1">
+            <a:extLst>
+              <a:ext uri="{FF2B5EF4-FFF2-40B4-BE49-F238E27FC236}">
+                <a16:creationId xmlns:a16="http://schemas.microsoft.com/office/drawing/2014/main" id="{8DE1804F-1831-E540-A1DC-073BA8437BAB}"/>
+              </a:ext>
+            </a:extLst>
+          </p:cNvPr>
+          <p:cNvSpPr>
+            <a:spLocks noGrp="1"/>
+          </p:cNvSpPr>
+          <p:nvPr>
+            <p:ph type="title"/>
+          </p:nvPr>
+        </p:nvSpPr>
+        <p:spPr/>
+        <p:txBody>
+          <a:bodyPr/>
+          <a:lstStyle/>
+          <a:p>
+            <a:r>
+              <a:rPr lang="en-US" dirty="0"/>
+              <a:t>Case Study</a:t>
+            </a:r>
+          </a:p>
+        </p:txBody>
+      </p:sp>
+      <p:sp>
+        <p:nvSpPr>
+          <p:cNvPr id="6" name="Google Shape;205;p17">
+            <a:extLst>
+              <a:ext uri="{FF2B5EF4-FFF2-40B4-BE49-F238E27FC236}">
+                <a16:creationId xmlns:a16="http://schemas.microsoft.com/office/drawing/2014/main" id="{662D86EB-0258-0B4A-BD6B-21DB54554E75}"/>
+              </a:ext>
+            </a:extLst>
+          </p:cNvPr>
+          <p:cNvSpPr txBox="1">
+            <a:spLocks noGrp="1"/>
+          </p:cNvSpPr>
+          <p:nvPr>
+            <p:ph type="body" idx="1"/>
+          </p:nvPr>
+        </p:nvSpPr>
+        <p:spPr>
+          <a:xfrm>
+            <a:off x="415600" y="1536633"/>
+            <a:ext cx="11360700" cy="4555200"/>
+          </a:xfrm>
+          <a:prstGeom prst="rect">
+            <a:avLst/>
+          </a:prstGeom>
+          <a:noFill/>
+          <a:ln>
+            <a:noFill/>
+          </a:ln>
+        </p:spPr>
+        <p:txBody>
+          <a:bodyPr spcFirstLastPara="1" wrap="square" lIns="91425" tIns="45700" rIns="91425" bIns="45700" anchor="t" anchorCtr="0">
+            <a:noAutofit/>
+          </a:bodyPr>
+          <a:lstStyle/>
+          <a:p>
+            <a:pPr marL="0" lvl="0" indent="0" algn="l" rtl="0">
+              <a:spcBef>
+                <a:spcPts val="0"/>
+              </a:spcBef>
+              <a:spcAft>
+                <a:spcPts val="0"/>
+              </a:spcAft>
+              <a:buClr>
+                <a:srgbClr val="000000"/>
+              </a:buClr>
+              <a:buSzPts val="3200"/>
+              <a:buNone/>
+            </a:pPr>
+            <a:endParaRPr lang="en-US" sz="4000" dirty="0">
+              <a:solidFill>
+                <a:srgbClr val="000000"/>
+              </a:solidFill>
+            </a:endParaRPr>
+          </a:p>
+          <a:p>
+            <a:pPr marL="0" lvl="0" indent="0">
+              <a:buClr>
+                <a:srgbClr val="000000"/>
+              </a:buClr>
+              <a:buSzPts val="3200"/>
+              <a:buNone/>
+            </a:pPr>
+            <a:r>
+              <a:rPr lang="en-US" sz="4000" dirty="0">
+                <a:solidFill>
+                  <a:srgbClr val="000000"/>
+                </a:solidFill>
+              </a:rPr>
+              <a:t>How well does the paper address the goal you defined above? What evidence do they provide in this regard?</a:t>
+            </a:r>
+            <a:endParaRPr sz="4000" dirty="0">
+              <a:solidFill>
+                <a:srgbClr val="000000"/>
+              </a:solidFill>
+            </a:endParaRPr>
+          </a:p>
+        </p:txBody>
+      </p:sp>
+    </p:spTree>
+    <p:extLst>
+      <p:ext uri="{BB962C8B-B14F-4D97-AF65-F5344CB8AC3E}">
+        <p14:creationId xmlns:p14="http://schemas.microsoft.com/office/powerpoint/2010/main" val="1443994749"/>
+      </p:ext>
+    </p:extLst>
+  </p:cSld>
+  <p:clrMapOvr>
+    <a:masterClrMapping/>
+  </p:clrMapOvr>
+</p:sld>
+</file>
+
+<file path=ppt/slides/slide13.xml><?xml version="1.0" encoding="utf-8"?>
+<p:sld xmlns:a="http://schemas.openxmlformats.org/drawingml/2006/main" xmlns:r="http://schemas.openxmlformats.org/officeDocument/2006/relationships" xmlns:p="http://schemas.openxmlformats.org/presentationml/2006/main">
+  <p:cSld>
+    <p:spTree>
+      <p:nvGrpSpPr>
+        <p:cNvPr id="1" name=""/>
+        <p:cNvGrpSpPr/>
+        <p:nvPr/>
+      </p:nvGrpSpPr>
+      <p:grpSpPr>
+        <a:xfrm>
+          <a:off x="0" y="0"/>
+          <a:ext cx="0" cy="0"/>
+          <a:chOff x="0" y="0"/>
+          <a:chExt cx="0" cy="0"/>
+        </a:xfrm>
+      </p:grpSpPr>
+      <p:sp>
+        <p:nvSpPr>
+          <p:cNvPr id="2" name="Title 1">
+            <a:extLst>
+              <a:ext uri="{FF2B5EF4-FFF2-40B4-BE49-F238E27FC236}">
+                <a16:creationId xmlns:a16="http://schemas.microsoft.com/office/drawing/2014/main" id="{8DE1804F-1831-E540-A1DC-073BA8437BAB}"/>
+              </a:ext>
+            </a:extLst>
+          </p:cNvPr>
+          <p:cNvSpPr>
+            <a:spLocks noGrp="1"/>
+          </p:cNvSpPr>
+          <p:nvPr>
+            <p:ph type="title"/>
+          </p:nvPr>
+        </p:nvSpPr>
+        <p:spPr/>
+        <p:txBody>
+          <a:bodyPr/>
+          <a:lstStyle/>
+          <a:p>
+            <a:r>
+              <a:rPr lang="en-US" dirty="0"/>
+              <a:t>Case Study</a:t>
+            </a:r>
+          </a:p>
+        </p:txBody>
+      </p:sp>
+      <p:sp>
+        <p:nvSpPr>
+          <p:cNvPr id="6" name="Google Shape;205;p17">
+            <a:extLst>
+              <a:ext uri="{FF2B5EF4-FFF2-40B4-BE49-F238E27FC236}">
+                <a16:creationId xmlns:a16="http://schemas.microsoft.com/office/drawing/2014/main" id="{662D86EB-0258-0B4A-BD6B-21DB54554E75}"/>
+              </a:ext>
+            </a:extLst>
+          </p:cNvPr>
+          <p:cNvSpPr txBox="1">
+            <a:spLocks noGrp="1"/>
+          </p:cNvSpPr>
+          <p:nvPr>
+            <p:ph type="body" idx="1"/>
+          </p:nvPr>
+        </p:nvSpPr>
+        <p:spPr>
+          <a:xfrm>
+            <a:off x="415600" y="1536633"/>
+            <a:ext cx="11360700" cy="4555200"/>
+          </a:xfrm>
+          <a:prstGeom prst="rect">
+            <a:avLst/>
+          </a:prstGeom>
+          <a:noFill/>
+          <a:ln>
+            <a:noFill/>
+          </a:ln>
+        </p:spPr>
+        <p:txBody>
+          <a:bodyPr spcFirstLastPara="1" wrap="square" lIns="91425" tIns="45700" rIns="91425" bIns="45700" anchor="t" anchorCtr="0">
+            <a:noAutofit/>
+          </a:bodyPr>
+          <a:lstStyle/>
+          <a:p>
+            <a:pPr marL="0" lvl="0" indent="0" algn="l" rtl="0">
+              <a:spcBef>
+                <a:spcPts val="0"/>
+              </a:spcBef>
+              <a:spcAft>
+                <a:spcPts val="0"/>
+              </a:spcAft>
+              <a:buClr>
+                <a:srgbClr val="000000"/>
+              </a:buClr>
+              <a:buSzPts val="3200"/>
+              <a:buNone/>
+            </a:pPr>
+            <a:endParaRPr lang="en-US" sz="4000" dirty="0">
+              <a:solidFill>
+                <a:srgbClr val="000000"/>
+              </a:solidFill>
+            </a:endParaRPr>
+          </a:p>
+          <a:p>
+            <a:pPr marL="0" lvl="0" indent="0" algn="l" rtl="0">
+              <a:spcBef>
+                <a:spcPts val="0"/>
+              </a:spcBef>
+              <a:spcAft>
+                <a:spcPts val="0"/>
+              </a:spcAft>
+              <a:buClr>
+                <a:srgbClr val="000000"/>
+              </a:buClr>
+              <a:buSzPts val="3200"/>
+              <a:buNone/>
+            </a:pPr>
+            <a:endParaRPr lang="en-US" sz="4000" dirty="0">
+              <a:solidFill>
+                <a:srgbClr val="000000"/>
+              </a:solidFill>
+            </a:endParaRPr>
+          </a:p>
+          <a:p>
+            <a:pPr marL="0" lvl="0" indent="0">
+              <a:buClr>
+                <a:srgbClr val="000000"/>
+              </a:buClr>
+              <a:buSzPts val="3200"/>
+              <a:buNone/>
+            </a:pPr>
+            <a:r>
+              <a:rPr lang="en-US" sz="4000" dirty="0">
+                <a:solidFill>
+                  <a:srgbClr val="000000"/>
+                </a:solidFill>
+              </a:rPr>
+              <a:t>What actions can the public health officials take to achieve that goal?</a:t>
+            </a:r>
+            <a:endParaRPr sz="4000" dirty="0">
+              <a:solidFill>
+                <a:srgbClr val="000000"/>
+              </a:solidFill>
+            </a:endParaRPr>
+          </a:p>
+        </p:txBody>
+      </p:sp>
+    </p:spTree>
+    <p:extLst>
+      <p:ext uri="{BB962C8B-B14F-4D97-AF65-F5344CB8AC3E}">
+        <p14:creationId xmlns:p14="http://schemas.microsoft.com/office/powerpoint/2010/main" val="2564637539"/>
+      </p:ext>
+    </p:extLst>
+  </p:cSld>
+  <p:clrMapOvr>
+    <a:masterClrMapping/>
+  </p:clrMapOvr>
+</p:sld>
+</file>
+
+<file path=ppt/slides/slide14.xml><?xml version="1.0" encoding="utf-8"?>
+<p:sld xmlns:a="http://schemas.openxmlformats.org/drawingml/2006/main" xmlns:r="http://schemas.openxmlformats.org/officeDocument/2006/relationships" xmlns:p="http://schemas.openxmlformats.org/presentationml/2006/main">
+  <p:cSld>
+    <p:spTree>
+      <p:nvGrpSpPr>
+        <p:cNvPr id="1" name=""/>
+        <p:cNvGrpSpPr/>
+        <p:nvPr/>
+      </p:nvGrpSpPr>
+      <p:grpSpPr>
+        <a:xfrm>
+          <a:off x="0" y="0"/>
+          <a:ext cx="0" cy="0"/>
+          <a:chOff x="0" y="0"/>
+          <a:chExt cx="0" cy="0"/>
+        </a:xfrm>
+      </p:grpSpPr>
+      <p:sp>
+        <p:nvSpPr>
+          <p:cNvPr id="2" name="Title 1">
+            <a:extLst>
+              <a:ext uri="{FF2B5EF4-FFF2-40B4-BE49-F238E27FC236}">
+                <a16:creationId xmlns:a16="http://schemas.microsoft.com/office/drawing/2014/main" id="{8DE1804F-1831-E540-A1DC-073BA8437BAB}"/>
+              </a:ext>
+            </a:extLst>
+          </p:cNvPr>
+          <p:cNvSpPr>
+            <a:spLocks noGrp="1"/>
+          </p:cNvSpPr>
+          <p:nvPr>
+            <p:ph type="title"/>
+          </p:nvPr>
+        </p:nvSpPr>
+        <p:spPr/>
+        <p:txBody>
+          <a:bodyPr/>
+          <a:lstStyle/>
+          <a:p>
+            <a:r>
+              <a:rPr lang="en-US" dirty="0"/>
+              <a:t>Case Study</a:t>
+            </a:r>
+          </a:p>
+        </p:txBody>
+      </p:sp>
+      <p:sp>
+        <p:nvSpPr>
+          <p:cNvPr id="6" name="Google Shape;205;p17">
+            <a:extLst>
+              <a:ext uri="{FF2B5EF4-FFF2-40B4-BE49-F238E27FC236}">
+                <a16:creationId xmlns:a16="http://schemas.microsoft.com/office/drawing/2014/main" id="{662D86EB-0258-0B4A-BD6B-21DB54554E75}"/>
+              </a:ext>
+            </a:extLst>
+          </p:cNvPr>
+          <p:cNvSpPr txBox="1">
+            <a:spLocks noGrp="1"/>
+          </p:cNvSpPr>
+          <p:nvPr>
+            <p:ph type="body" idx="1"/>
+          </p:nvPr>
+        </p:nvSpPr>
+        <p:spPr>
+          <a:xfrm>
+            <a:off x="415600" y="1536633"/>
+            <a:ext cx="11360700" cy="4555200"/>
+          </a:xfrm>
+          <a:prstGeom prst="rect">
+            <a:avLst/>
+          </a:prstGeom>
+          <a:noFill/>
+          <a:ln>
+            <a:noFill/>
+          </a:ln>
+        </p:spPr>
+        <p:txBody>
+          <a:bodyPr spcFirstLastPara="1" wrap="square" lIns="91425" tIns="45700" rIns="91425" bIns="45700" anchor="t" anchorCtr="0">
+            <a:noAutofit/>
+          </a:bodyPr>
+          <a:lstStyle/>
+          <a:p>
+            <a:pPr marL="0" lvl="0" indent="0">
+              <a:buClr>
+                <a:srgbClr val="000000"/>
+              </a:buClr>
+              <a:buSzPts val="3200"/>
+              <a:buNone/>
+            </a:pPr>
+            <a:endParaRPr lang="en-US" sz="4000" dirty="0">
+              <a:solidFill>
+                <a:srgbClr val="000000"/>
+              </a:solidFill>
+            </a:endParaRPr>
+          </a:p>
+          <a:p>
+            <a:pPr marL="0" lvl="0" indent="0">
+              <a:buClr>
+                <a:srgbClr val="000000"/>
+              </a:buClr>
+              <a:buSzPts val="3200"/>
+              <a:buNone/>
+            </a:pPr>
+            <a:r>
+              <a:rPr lang="en-US" sz="4000" dirty="0">
+                <a:solidFill>
+                  <a:srgbClr val="000000"/>
+                </a:solidFill>
+              </a:rPr>
+              <a:t>In what ways did the model change the actions or decisions that public health officials are taking in terms of when, where, and how to act?</a:t>
+            </a:r>
+            <a:endParaRPr sz="4000" dirty="0">
+              <a:solidFill>
+                <a:srgbClr val="000000"/>
+              </a:solidFill>
+            </a:endParaRPr>
+          </a:p>
+        </p:txBody>
+      </p:sp>
+    </p:spTree>
+    <p:extLst>
+      <p:ext uri="{BB962C8B-B14F-4D97-AF65-F5344CB8AC3E}">
+        <p14:creationId xmlns:p14="http://schemas.microsoft.com/office/powerpoint/2010/main" val="3255311184"/>
+      </p:ext>
+    </p:extLst>
+  </p:cSld>
+  <p:clrMapOvr>
+    <a:masterClrMapping/>
+  </p:clrMapOvr>
+</p:sld>
+</file>
+
+<file path=ppt/slides/slide15.xml><?xml version="1.0" encoding="utf-8"?>
+<p:sld xmlns:a="http://schemas.openxmlformats.org/drawingml/2006/main" xmlns:r="http://schemas.openxmlformats.org/officeDocument/2006/relationships" xmlns:p="http://schemas.openxmlformats.org/presentationml/2006/main">
+  <p:cSld>
+    <p:spTree>
+      <p:nvGrpSpPr>
+        <p:cNvPr id="1" name=""/>
+        <p:cNvGrpSpPr/>
+        <p:nvPr/>
+      </p:nvGrpSpPr>
+      <p:grpSpPr>
+        <a:xfrm>
+          <a:off x="0" y="0"/>
+          <a:ext cx="0" cy="0"/>
+          <a:chOff x="0" y="0"/>
+          <a:chExt cx="0" cy="0"/>
+        </a:xfrm>
+      </p:grpSpPr>
+      <p:sp>
+        <p:nvSpPr>
+          <p:cNvPr id="2" name="Title 1">
+            <a:extLst>
+              <a:ext uri="{FF2B5EF4-FFF2-40B4-BE49-F238E27FC236}">
+                <a16:creationId xmlns:a16="http://schemas.microsoft.com/office/drawing/2014/main" id="{8DE1804F-1831-E540-A1DC-073BA8437BAB}"/>
+              </a:ext>
+            </a:extLst>
+          </p:cNvPr>
+          <p:cNvSpPr>
+            <a:spLocks noGrp="1"/>
+          </p:cNvSpPr>
+          <p:nvPr>
+            <p:ph type="title"/>
+          </p:nvPr>
+        </p:nvSpPr>
+        <p:spPr/>
+        <p:txBody>
+          <a:bodyPr/>
+          <a:lstStyle/>
+          <a:p>
+            <a:r>
+              <a:rPr lang="en-US" dirty="0"/>
+              <a:t>Case Study</a:t>
+            </a:r>
+          </a:p>
+        </p:txBody>
+      </p:sp>
+      <p:sp>
+        <p:nvSpPr>
+          <p:cNvPr id="6" name="Google Shape;205;p17">
+            <a:extLst>
+              <a:ext uri="{FF2B5EF4-FFF2-40B4-BE49-F238E27FC236}">
+                <a16:creationId xmlns:a16="http://schemas.microsoft.com/office/drawing/2014/main" id="{662D86EB-0258-0B4A-BD6B-21DB54554E75}"/>
+              </a:ext>
+            </a:extLst>
+          </p:cNvPr>
+          <p:cNvSpPr txBox="1">
+            <a:spLocks noGrp="1"/>
+          </p:cNvSpPr>
+          <p:nvPr>
+            <p:ph type="body" idx="1"/>
+          </p:nvPr>
+        </p:nvSpPr>
+        <p:spPr>
+          <a:xfrm>
+            <a:off x="415600" y="1536633"/>
+            <a:ext cx="11360700" cy="4555200"/>
+          </a:xfrm>
+          <a:prstGeom prst="rect">
+            <a:avLst/>
+          </a:prstGeom>
+          <a:noFill/>
+          <a:ln>
+            <a:noFill/>
+          </a:ln>
+        </p:spPr>
+        <p:txBody>
+          <a:bodyPr spcFirstLastPara="1" wrap="square" lIns="91425" tIns="45700" rIns="91425" bIns="45700" anchor="t" anchorCtr="0">
+            <a:noAutofit/>
+          </a:bodyPr>
+          <a:lstStyle/>
+          <a:p>
+            <a:pPr marL="0" lvl="0" indent="0">
+              <a:buClr>
+                <a:srgbClr val="000000"/>
+              </a:buClr>
+              <a:buSzPts val="3200"/>
+              <a:buNone/>
+            </a:pPr>
+            <a:endParaRPr lang="en-US" sz="4000" dirty="0">
+              <a:solidFill>
+                <a:srgbClr val="000000"/>
+              </a:solidFill>
+            </a:endParaRPr>
+          </a:p>
+          <a:p>
+            <a:pPr marL="0" lvl="0" indent="0">
+              <a:buClr>
+                <a:srgbClr val="000000"/>
+              </a:buClr>
+              <a:buSzPts val="3200"/>
+              <a:buNone/>
+            </a:pPr>
+            <a:r>
+              <a:rPr lang="en-US" sz="4000" dirty="0">
+                <a:solidFill>
+                  <a:srgbClr val="000000"/>
+                </a:solidFill>
+              </a:rPr>
+              <a:t>What ethical or fairness considerations might be relevant here?</a:t>
+            </a:r>
+          </a:p>
+          <a:p>
+            <a:pPr marL="0" lvl="0" indent="0">
+              <a:buClr>
+                <a:srgbClr val="000000"/>
+              </a:buClr>
+              <a:buSzPts val="3200"/>
+              <a:buNone/>
+            </a:pPr>
+            <a:endParaRPr lang="en-US" sz="4000" dirty="0">
+              <a:solidFill>
+                <a:srgbClr val="000000"/>
+              </a:solidFill>
+            </a:endParaRPr>
+          </a:p>
+          <a:p>
+            <a:pPr marL="0" indent="0">
+              <a:buClr>
+                <a:srgbClr val="000000"/>
+              </a:buClr>
+              <a:buSzPts val="3200"/>
+              <a:buNone/>
+            </a:pPr>
+            <a:r>
+              <a:rPr lang="en-US" sz="4000" dirty="0">
+                <a:solidFill>
+                  <a:srgbClr val="000000"/>
+                </a:solidFill>
+              </a:rPr>
+              <a:t>			</a:t>
+            </a:r>
+            <a:r>
+              <a:rPr lang="en-US" sz="4000" dirty="0" err="1">
+                <a:solidFill>
+                  <a:srgbClr val="000000"/>
+                </a:solidFill>
+              </a:rPr>
+              <a:t>slido.com</a:t>
+            </a:r>
+            <a:r>
+              <a:rPr lang="en-US" sz="4000" dirty="0">
+                <a:solidFill>
+                  <a:srgbClr val="000000"/>
+                </a:solidFill>
+              </a:rPr>
+              <a:t>  #1341886</a:t>
+            </a:r>
+          </a:p>
+          <a:p>
+            <a:pPr marL="0" lvl="0" indent="0">
+              <a:buClr>
+                <a:srgbClr val="000000"/>
+              </a:buClr>
+              <a:buSzPts val="3200"/>
+              <a:buNone/>
+            </a:pPr>
             <a:endParaRPr sz="4000" dirty="0">
               <a:solidFill>
                 <a:srgbClr val="000000"/>
@@ -12215,7 +13325,1076 @@
 </p:sld>
 </file>
 
-<file path=ppt/slides/slide11.xml><?xml version="1.0" encoding="utf-8"?>
+<file path=ppt/slides/slide16.xml><?xml version="1.0" encoding="utf-8"?>
+<p:sld xmlns:a="http://schemas.openxmlformats.org/drawingml/2006/main" xmlns:r="http://schemas.openxmlformats.org/officeDocument/2006/relationships" xmlns:p="http://schemas.openxmlformats.org/presentationml/2006/main">
+  <p:cSld>
+    <p:spTree>
+      <p:nvGrpSpPr>
+        <p:cNvPr id="1" name=""/>
+        <p:cNvGrpSpPr/>
+        <p:nvPr/>
+      </p:nvGrpSpPr>
+      <p:grpSpPr>
+        <a:xfrm>
+          <a:off x="0" y="0"/>
+          <a:ext cx="0" cy="0"/>
+          <a:chOff x="0" y="0"/>
+          <a:chExt cx="0" cy="0"/>
+        </a:xfrm>
+      </p:grpSpPr>
+      <p:sp>
+        <p:nvSpPr>
+          <p:cNvPr id="2" name="Title 1">
+            <a:extLst>
+              <a:ext uri="{FF2B5EF4-FFF2-40B4-BE49-F238E27FC236}">
+                <a16:creationId xmlns:a16="http://schemas.microsoft.com/office/drawing/2014/main" id="{8DE1804F-1831-E540-A1DC-073BA8437BAB}"/>
+              </a:ext>
+            </a:extLst>
+          </p:cNvPr>
+          <p:cNvSpPr>
+            <a:spLocks noGrp="1"/>
+          </p:cNvSpPr>
+          <p:nvPr>
+            <p:ph type="title"/>
+          </p:nvPr>
+        </p:nvSpPr>
+        <p:spPr/>
+        <p:txBody>
+          <a:bodyPr/>
+          <a:lstStyle/>
+          <a:p>
+            <a:r>
+              <a:rPr lang="en-US" dirty="0"/>
+              <a:t>Case Study</a:t>
+            </a:r>
+          </a:p>
+        </p:txBody>
+      </p:sp>
+      <p:sp>
+        <p:nvSpPr>
+          <p:cNvPr id="6" name="Google Shape;205;p17">
+            <a:extLst>
+              <a:ext uri="{FF2B5EF4-FFF2-40B4-BE49-F238E27FC236}">
+                <a16:creationId xmlns:a16="http://schemas.microsoft.com/office/drawing/2014/main" id="{662D86EB-0258-0B4A-BD6B-21DB54554E75}"/>
+              </a:ext>
+            </a:extLst>
+          </p:cNvPr>
+          <p:cNvSpPr txBox="1">
+            <a:spLocks noGrp="1"/>
+          </p:cNvSpPr>
+          <p:nvPr>
+            <p:ph type="body" idx="1"/>
+          </p:nvPr>
+        </p:nvSpPr>
+        <p:spPr>
+          <a:xfrm>
+            <a:off x="415600" y="1536633"/>
+            <a:ext cx="11360700" cy="4555200"/>
+          </a:xfrm>
+          <a:prstGeom prst="rect">
+            <a:avLst/>
+          </a:prstGeom>
+          <a:noFill/>
+          <a:ln>
+            <a:noFill/>
+          </a:ln>
+        </p:spPr>
+        <p:txBody>
+          <a:bodyPr spcFirstLastPara="1" wrap="square" lIns="91425" tIns="45700" rIns="91425" bIns="45700" anchor="t" anchorCtr="0">
+            <a:noAutofit/>
+          </a:bodyPr>
+          <a:lstStyle/>
+          <a:p>
+            <a:pPr marL="0" lvl="0" indent="0">
+              <a:buClr>
+                <a:srgbClr val="000000"/>
+              </a:buClr>
+              <a:buSzPts val="3200"/>
+              <a:buNone/>
+            </a:pPr>
+            <a:endParaRPr lang="en-US" sz="4000" dirty="0">
+              <a:solidFill>
+                <a:srgbClr val="000000"/>
+              </a:solidFill>
+            </a:endParaRPr>
+          </a:p>
+          <a:p>
+            <a:pPr marL="0" lvl="0" indent="0">
+              <a:buClr>
+                <a:srgbClr val="000000"/>
+              </a:buClr>
+              <a:buSzPts val="3200"/>
+              <a:buNone/>
+            </a:pPr>
+            <a:r>
+              <a:rPr lang="en-US" sz="4000" dirty="0">
+                <a:solidFill>
+                  <a:srgbClr val="000000"/>
+                </a:solidFill>
+              </a:rPr>
+              <a:t>What ethical or fairness considerations might be relevant here? How were these addressed in the paper?</a:t>
+            </a:r>
+            <a:endParaRPr sz="4000" dirty="0">
+              <a:solidFill>
+                <a:srgbClr val="000000"/>
+              </a:solidFill>
+            </a:endParaRPr>
+          </a:p>
+        </p:txBody>
+      </p:sp>
+    </p:spTree>
+    <p:extLst>
+      <p:ext uri="{BB962C8B-B14F-4D97-AF65-F5344CB8AC3E}">
+        <p14:creationId xmlns:p14="http://schemas.microsoft.com/office/powerpoint/2010/main" val="2410433022"/>
+      </p:ext>
+    </p:extLst>
+  </p:cSld>
+  <p:clrMapOvr>
+    <a:masterClrMapping/>
+  </p:clrMapOvr>
+</p:sld>
+</file>
+
+<file path=ppt/slides/slide17.xml><?xml version="1.0" encoding="utf-8"?>
+<p:sld xmlns:a="http://schemas.openxmlformats.org/drawingml/2006/main" xmlns:r="http://schemas.openxmlformats.org/officeDocument/2006/relationships" xmlns:p="http://schemas.openxmlformats.org/presentationml/2006/main">
+  <p:cSld>
+    <p:spTree>
+      <p:nvGrpSpPr>
+        <p:cNvPr id="1" name="Shape 204"/>
+        <p:cNvGrpSpPr/>
+        <p:nvPr/>
+      </p:nvGrpSpPr>
+      <p:grpSpPr>
+        <a:xfrm>
+          <a:off x="0" y="0"/>
+          <a:ext cx="0" cy="0"/>
+          <a:chOff x="0" y="0"/>
+          <a:chExt cx="0" cy="0"/>
+        </a:xfrm>
+      </p:grpSpPr>
+      <p:sp>
+        <p:nvSpPr>
+          <p:cNvPr id="205" name="Google Shape;205;p17"/>
+          <p:cNvSpPr txBox="1">
+            <a:spLocks noGrp="1"/>
+          </p:cNvSpPr>
+          <p:nvPr>
+            <p:ph type="body" idx="1"/>
+          </p:nvPr>
+        </p:nvSpPr>
+        <p:spPr>
+          <a:xfrm>
+            <a:off x="415600" y="1536633"/>
+            <a:ext cx="11360700" cy="4555200"/>
+          </a:xfrm>
+          <a:prstGeom prst="rect">
+            <a:avLst/>
+          </a:prstGeom>
+          <a:noFill/>
+          <a:ln>
+            <a:noFill/>
+          </a:ln>
+        </p:spPr>
+        <p:txBody>
+          <a:bodyPr spcFirstLastPara="1" wrap="square" lIns="91425" tIns="45700" rIns="91425" bIns="45700" anchor="t" anchorCtr="0">
+            <a:noAutofit/>
+          </a:bodyPr>
+          <a:lstStyle/>
+          <a:p>
+            <a:pPr marL="257168" lvl="0" indent="-257168" algn="l" rtl="0">
+              <a:spcBef>
+                <a:spcPts val="0"/>
+              </a:spcBef>
+              <a:spcAft>
+                <a:spcPts val="0"/>
+              </a:spcAft>
+              <a:buClr>
+                <a:srgbClr val="000000"/>
+              </a:buClr>
+              <a:buSzPts val="3200"/>
+              <a:buChar char="●"/>
+            </a:pPr>
+            <a:r>
+              <a:rPr lang="en-US" sz="3200" dirty="0">
+                <a:solidFill>
+                  <a:srgbClr val="000000"/>
+                </a:solidFill>
+              </a:rPr>
+              <a:t>How do we </a:t>
+            </a:r>
+            <a:r>
+              <a:rPr lang="en-US" sz="3200" b="1" dirty="0">
+                <a:solidFill>
+                  <a:srgbClr val="FF0000"/>
+                </a:solidFill>
+              </a:rPr>
+              <a:t>define</a:t>
+            </a:r>
+            <a:r>
+              <a:rPr lang="en-US" sz="3200" dirty="0">
+                <a:solidFill>
+                  <a:srgbClr val="000000"/>
+                </a:solidFill>
+              </a:rPr>
+              <a:t> equity?</a:t>
+            </a:r>
+            <a:endParaRPr dirty="0">
+              <a:solidFill>
+                <a:srgbClr val="000000"/>
+              </a:solidFill>
+            </a:endParaRPr>
+          </a:p>
+          <a:p>
+            <a:pPr marL="257168" lvl="0" indent="-53968" algn="l" rtl="0">
+              <a:spcBef>
+                <a:spcPts val="640"/>
+              </a:spcBef>
+              <a:spcAft>
+                <a:spcPts val="0"/>
+              </a:spcAft>
+              <a:buClr>
+                <a:schemeClr val="dk1"/>
+              </a:buClr>
+              <a:buSzPts val="3200"/>
+              <a:buNone/>
+            </a:pPr>
+            <a:endParaRPr sz="3200" dirty="0">
+              <a:solidFill>
+                <a:srgbClr val="000000"/>
+              </a:solidFill>
+            </a:endParaRPr>
+          </a:p>
+          <a:p>
+            <a:pPr marL="257168" lvl="0" indent="-53968" algn="l" rtl="0">
+              <a:spcBef>
+                <a:spcPts val="640"/>
+              </a:spcBef>
+              <a:spcAft>
+                <a:spcPts val="0"/>
+              </a:spcAft>
+              <a:buClr>
+                <a:schemeClr val="dk1"/>
+              </a:buClr>
+              <a:buSzPts val="3200"/>
+              <a:buNone/>
+            </a:pPr>
+            <a:endParaRPr sz="3200" dirty="0">
+              <a:solidFill>
+                <a:srgbClr val="000000"/>
+              </a:solidFill>
+            </a:endParaRPr>
+          </a:p>
+          <a:p>
+            <a:pPr marL="257168" lvl="0" indent="-257168" algn="l" rtl="0">
+              <a:spcBef>
+                <a:spcPts val="640"/>
+              </a:spcBef>
+              <a:spcAft>
+                <a:spcPts val="0"/>
+              </a:spcAft>
+              <a:buClr>
+                <a:srgbClr val="000000"/>
+              </a:buClr>
+              <a:buSzPts val="3200"/>
+              <a:buChar char="●"/>
+            </a:pPr>
+            <a:r>
+              <a:rPr lang="en-US" sz="3200" dirty="0">
+                <a:solidFill>
+                  <a:srgbClr val="000000"/>
+                </a:solidFill>
+              </a:rPr>
+              <a:t>How do we </a:t>
+            </a:r>
+            <a:r>
+              <a:rPr lang="en-US" sz="3200" b="1" dirty="0">
+                <a:solidFill>
+                  <a:srgbClr val="FF0000"/>
+                </a:solidFill>
+              </a:rPr>
+              <a:t>detect</a:t>
+            </a:r>
+            <a:r>
+              <a:rPr lang="en-US" sz="3200" dirty="0">
+                <a:solidFill>
+                  <a:srgbClr val="000000"/>
+                </a:solidFill>
+              </a:rPr>
+              <a:t> inequity? </a:t>
+            </a:r>
+            <a:endParaRPr dirty="0">
+              <a:solidFill>
+                <a:srgbClr val="000000"/>
+              </a:solidFill>
+            </a:endParaRPr>
+          </a:p>
+          <a:p>
+            <a:pPr marL="257168" lvl="0" indent="-53968" algn="l" rtl="0">
+              <a:spcBef>
+                <a:spcPts val="640"/>
+              </a:spcBef>
+              <a:spcAft>
+                <a:spcPts val="0"/>
+              </a:spcAft>
+              <a:buClr>
+                <a:schemeClr val="dk1"/>
+              </a:buClr>
+              <a:buSzPts val="3200"/>
+              <a:buNone/>
+            </a:pPr>
+            <a:endParaRPr sz="3200" dirty="0">
+              <a:solidFill>
+                <a:srgbClr val="000000"/>
+              </a:solidFill>
+            </a:endParaRPr>
+          </a:p>
+          <a:p>
+            <a:pPr marL="0" lvl="0" indent="0" algn="l" rtl="0">
+              <a:spcBef>
+                <a:spcPts val="640"/>
+              </a:spcBef>
+              <a:spcAft>
+                <a:spcPts val="0"/>
+              </a:spcAft>
+              <a:buClr>
+                <a:schemeClr val="dk1"/>
+              </a:buClr>
+              <a:buSzPts val="3200"/>
+              <a:buNone/>
+            </a:pPr>
+            <a:endParaRPr sz="3200" dirty="0">
+              <a:solidFill>
+                <a:srgbClr val="000000"/>
+              </a:solidFill>
+            </a:endParaRPr>
+          </a:p>
+          <a:p>
+            <a:pPr marL="257168" lvl="0" indent="-257168" algn="l" rtl="0">
+              <a:spcBef>
+                <a:spcPts val="640"/>
+              </a:spcBef>
+              <a:spcAft>
+                <a:spcPts val="0"/>
+              </a:spcAft>
+              <a:buClr>
+                <a:srgbClr val="000000"/>
+              </a:buClr>
+              <a:buSzPts val="3200"/>
+              <a:buChar char="●"/>
+            </a:pPr>
+            <a:r>
+              <a:rPr lang="en-US" sz="3200" dirty="0">
+                <a:solidFill>
+                  <a:srgbClr val="000000"/>
+                </a:solidFill>
+              </a:rPr>
+              <a:t>How do we </a:t>
+            </a:r>
+            <a:r>
+              <a:rPr lang="en-US" sz="3200" b="1" dirty="0">
+                <a:solidFill>
+                  <a:srgbClr val="FF0000"/>
+                </a:solidFill>
+              </a:rPr>
+              <a:t>increase</a:t>
+            </a:r>
+            <a:r>
+              <a:rPr lang="en-US" sz="3200" dirty="0">
+                <a:solidFill>
+                  <a:srgbClr val="000000"/>
+                </a:solidFill>
+              </a:rPr>
+              <a:t> equity?</a:t>
+            </a:r>
+            <a:endParaRPr dirty="0">
+              <a:solidFill>
+                <a:srgbClr val="000000"/>
+              </a:solidFill>
+            </a:endParaRPr>
+          </a:p>
+          <a:p>
+            <a:pPr marL="257168" lvl="0" indent="-53968" algn="l" rtl="0">
+              <a:spcBef>
+                <a:spcPts val="640"/>
+              </a:spcBef>
+              <a:spcAft>
+                <a:spcPts val="0"/>
+              </a:spcAft>
+              <a:buClr>
+                <a:schemeClr val="dk1"/>
+              </a:buClr>
+              <a:buSzPts val="3200"/>
+              <a:buNone/>
+            </a:pPr>
+            <a:endParaRPr sz="3200" dirty="0">
+              <a:solidFill>
+                <a:srgbClr val="000000"/>
+              </a:solidFill>
+            </a:endParaRPr>
+          </a:p>
+        </p:txBody>
+      </p:sp>
+      <p:sp>
+        <p:nvSpPr>
+          <p:cNvPr id="206" name="Google Shape;206;p17"/>
+          <p:cNvSpPr txBox="1">
+            <a:spLocks noGrp="1"/>
+          </p:cNvSpPr>
+          <p:nvPr>
+            <p:ph type="title"/>
+          </p:nvPr>
+        </p:nvSpPr>
+        <p:spPr>
+          <a:xfrm>
+            <a:off x="415600" y="6"/>
+            <a:ext cx="11360700" cy="1356900"/>
+          </a:xfrm>
+          <a:prstGeom prst="rect">
+            <a:avLst/>
+          </a:prstGeom>
+          <a:noFill/>
+          <a:ln>
+            <a:noFill/>
+          </a:ln>
+        </p:spPr>
+        <p:txBody>
+          <a:bodyPr spcFirstLastPara="1" wrap="square" lIns="91425" tIns="45700" rIns="91425" bIns="45700" anchor="ctr" anchorCtr="0">
+            <a:noAutofit/>
+          </a:bodyPr>
+          <a:lstStyle/>
+          <a:p>
+            <a:pPr marL="0" lvl="0" indent="0" algn="ctr" rtl="0">
+              <a:spcBef>
+                <a:spcPts val="0"/>
+              </a:spcBef>
+              <a:spcAft>
+                <a:spcPts val="0"/>
+              </a:spcAft>
+              <a:buNone/>
+            </a:pPr>
+            <a:r>
+              <a:rPr lang="en-US" sz="4800"/>
+              <a:t>Creating a more equitable society</a:t>
+            </a:r>
+            <a:endParaRPr sz="4800"/>
+          </a:p>
+        </p:txBody>
+      </p:sp>
+    </p:spTree>
+  </p:cSld>
+  <p:clrMapOvr>
+    <a:masterClrMapping/>
+  </p:clrMapOvr>
+</p:sld>
+</file>
+
+<file path=ppt/slides/slide18.xml><?xml version="1.0" encoding="utf-8"?>
+<p:sld xmlns:a="http://schemas.openxmlformats.org/drawingml/2006/main" xmlns:r="http://schemas.openxmlformats.org/officeDocument/2006/relationships" xmlns:p="http://schemas.openxmlformats.org/presentationml/2006/main">
+  <p:cSld>
+    <p:spTree>
+      <p:nvGrpSpPr>
+        <p:cNvPr id="1" name="Shape 211"/>
+        <p:cNvGrpSpPr/>
+        <p:nvPr/>
+      </p:nvGrpSpPr>
+      <p:grpSpPr>
+        <a:xfrm>
+          <a:off x="0" y="0"/>
+          <a:ext cx="0" cy="0"/>
+          <a:chOff x="0" y="0"/>
+          <a:chExt cx="0" cy="0"/>
+        </a:xfrm>
+      </p:grpSpPr>
+      <p:grpSp>
+        <p:nvGrpSpPr>
+          <p:cNvPr id="212" name="Google Shape;212;p18"/>
+          <p:cNvGrpSpPr/>
+          <p:nvPr/>
+        </p:nvGrpSpPr>
+        <p:grpSpPr>
+          <a:xfrm>
+            <a:off x="476065" y="1789909"/>
+            <a:ext cx="11222544" cy="4559157"/>
+            <a:chOff x="0" y="131652"/>
+            <a:chExt cx="11222544" cy="4559157"/>
+          </a:xfrm>
+        </p:grpSpPr>
+        <p:sp>
+          <p:nvSpPr>
+            <p:cNvPr id="213" name="Google Shape;213;p18"/>
+            <p:cNvSpPr/>
+            <p:nvPr/>
+          </p:nvSpPr>
+          <p:spPr>
+            <a:xfrm>
+              <a:off x="0" y="131652"/>
+              <a:ext cx="3507045" cy="2104226"/>
+            </a:xfrm>
+            <a:prstGeom prst="rect">
+              <a:avLst/>
+            </a:prstGeom>
+            <a:solidFill>
+              <a:srgbClr val="BF504D"/>
+            </a:solidFill>
+            <a:ln w="25400" cap="flat" cmpd="sng">
+              <a:solidFill>
+                <a:schemeClr val="lt1"/>
+              </a:solidFill>
+              <a:prstDash val="solid"/>
+              <a:round/>
+              <a:headEnd type="none" w="sm" len="sm"/>
+              <a:tailEnd type="none" w="sm" len="sm"/>
+            </a:ln>
+          </p:spPr>
+          <p:txBody>
+            <a:bodyPr spcFirstLastPara="1" wrap="square" lIns="91425" tIns="91425" rIns="91425" bIns="91425" anchor="ctr" anchorCtr="0">
+              <a:noAutofit/>
+            </a:bodyPr>
+            <a:lstStyle/>
+            <a:p>
+              <a:pPr marL="0" lvl="0" indent="0" algn="l" rtl="0">
+                <a:spcBef>
+                  <a:spcPts val="0"/>
+                </a:spcBef>
+                <a:spcAft>
+                  <a:spcPts val="0"/>
+                </a:spcAft>
+                <a:buNone/>
+              </a:pPr>
+              <a:endParaRPr/>
+            </a:p>
+          </p:txBody>
+        </p:sp>
+        <p:sp>
+          <p:nvSpPr>
+            <p:cNvPr id="214" name="Google Shape;214;p18"/>
+            <p:cNvSpPr txBox="1"/>
+            <p:nvPr/>
+          </p:nvSpPr>
+          <p:spPr>
+            <a:xfrm>
+              <a:off x="0" y="131652"/>
+              <a:ext cx="3507045" cy="2104226"/>
+            </a:xfrm>
+            <a:prstGeom prst="rect">
+              <a:avLst/>
+            </a:prstGeom>
+            <a:noFill/>
+            <a:ln>
+              <a:noFill/>
+            </a:ln>
+          </p:spPr>
+          <p:txBody>
+            <a:bodyPr spcFirstLastPara="1" wrap="square" lIns="76200" tIns="76200" rIns="76200" bIns="76200" anchor="ctr" anchorCtr="0">
+              <a:noAutofit/>
+            </a:bodyPr>
+            <a:lstStyle/>
+            <a:p>
+              <a:pPr marL="0" marR="0" lvl="0" indent="0" algn="ctr" rtl="0">
+                <a:lnSpc>
+                  <a:spcPct val="90000"/>
+                </a:lnSpc>
+                <a:spcBef>
+                  <a:spcPts val="0"/>
+                </a:spcBef>
+                <a:spcAft>
+                  <a:spcPts val="0"/>
+                </a:spcAft>
+                <a:buClr>
+                  <a:schemeClr val="lt1"/>
+                </a:buClr>
+                <a:buSzPts val="2000"/>
+                <a:buFont typeface="Calibri"/>
+                <a:buNone/>
+              </a:pPr>
+              <a:r>
+                <a:rPr lang="en-US" sz="2000" b="0" i="0" u="none" strike="noStrike" cap="none">
+                  <a:solidFill>
+                    <a:schemeClr val="lt1"/>
+                  </a:solidFill>
+                  <a:latin typeface="Calibri"/>
+                  <a:ea typeface="Calibri"/>
+                  <a:cs typeface="Calibri"/>
+                  <a:sym typeface="Calibri"/>
+                </a:rPr>
+                <a:t>Privacy</a:t>
+              </a:r>
+              <a:endParaRPr/>
+            </a:p>
+          </p:txBody>
+        </p:sp>
+        <p:sp>
+          <p:nvSpPr>
+            <p:cNvPr id="215" name="Google Shape;215;p18"/>
+            <p:cNvSpPr/>
+            <p:nvPr/>
+          </p:nvSpPr>
+          <p:spPr>
+            <a:xfrm>
+              <a:off x="3857749" y="131652"/>
+              <a:ext cx="3507045" cy="2104226"/>
+            </a:xfrm>
+            <a:prstGeom prst="rect">
+              <a:avLst/>
+            </a:prstGeom>
+            <a:solidFill>
+              <a:srgbClr val="BD754F"/>
+            </a:solidFill>
+            <a:ln w="25400" cap="flat" cmpd="sng">
+              <a:solidFill>
+                <a:schemeClr val="lt1"/>
+              </a:solidFill>
+              <a:prstDash val="solid"/>
+              <a:round/>
+              <a:headEnd type="none" w="sm" len="sm"/>
+              <a:tailEnd type="none" w="sm" len="sm"/>
+            </a:ln>
+          </p:spPr>
+          <p:txBody>
+            <a:bodyPr spcFirstLastPara="1" wrap="square" lIns="91425" tIns="91425" rIns="91425" bIns="91425" anchor="ctr" anchorCtr="0">
+              <a:noAutofit/>
+            </a:bodyPr>
+            <a:lstStyle/>
+            <a:p>
+              <a:pPr marL="0" lvl="0" indent="0" algn="l" rtl="0">
+                <a:spcBef>
+                  <a:spcPts val="0"/>
+                </a:spcBef>
+                <a:spcAft>
+                  <a:spcPts val="0"/>
+                </a:spcAft>
+                <a:buNone/>
+              </a:pPr>
+              <a:endParaRPr/>
+            </a:p>
+          </p:txBody>
+        </p:sp>
+        <p:sp>
+          <p:nvSpPr>
+            <p:cNvPr id="216" name="Google Shape;216;p18"/>
+            <p:cNvSpPr txBox="1"/>
+            <p:nvPr/>
+          </p:nvSpPr>
+          <p:spPr>
+            <a:xfrm>
+              <a:off x="3857749" y="131652"/>
+              <a:ext cx="3507045" cy="2104226"/>
+            </a:xfrm>
+            <a:prstGeom prst="rect">
+              <a:avLst/>
+            </a:prstGeom>
+            <a:noFill/>
+            <a:ln>
+              <a:noFill/>
+            </a:ln>
+          </p:spPr>
+          <p:txBody>
+            <a:bodyPr spcFirstLastPara="1" wrap="square" lIns="76200" tIns="76200" rIns="76200" bIns="76200" anchor="ctr" anchorCtr="0">
+              <a:noAutofit/>
+            </a:bodyPr>
+            <a:lstStyle/>
+            <a:p>
+              <a:pPr marL="0" marR="0" lvl="0" indent="0" algn="ctr" rtl="0">
+                <a:lnSpc>
+                  <a:spcPct val="90000"/>
+                </a:lnSpc>
+                <a:spcBef>
+                  <a:spcPts val="0"/>
+                </a:spcBef>
+                <a:spcAft>
+                  <a:spcPts val="0"/>
+                </a:spcAft>
+                <a:buClr>
+                  <a:schemeClr val="lt1"/>
+                </a:buClr>
+                <a:buSzPts val="2000"/>
+                <a:buFont typeface="Calibri"/>
+                <a:buNone/>
+              </a:pPr>
+              <a:r>
+                <a:rPr lang="en-US" sz="2000" b="0" i="0" u="none" strike="noStrike" cap="none">
+                  <a:solidFill>
+                    <a:schemeClr val="lt1"/>
+                  </a:solidFill>
+                  <a:latin typeface="Calibri"/>
+                  <a:ea typeface="Calibri"/>
+                  <a:cs typeface="Calibri"/>
+                  <a:sym typeface="Calibri"/>
+                </a:rPr>
+                <a:t>Data Ownership</a:t>
+              </a:r>
+              <a:endParaRPr/>
+            </a:p>
+          </p:txBody>
+        </p:sp>
+        <p:sp>
+          <p:nvSpPr>
+            <p:cNvPr id="217" name="Google Shape;217;p18"/>
+            <p:cNvSpPr/>
+            <p:nvPr/>
+          </p:nvSpPr>
+          <p:spPr>
+            <a:xfrm>
+              <a:off x="7715499" y="131652"/>
+              <a:ext cx="3507045" cy="2104226"/>
+            </a:xfrm>
+            <a:prstGeom prst="rect">
+              <a:avLst/>
+            </a:prstGeom>
+            <a:solidFill>
+              <a:srgbClr val="BB9952"/>
+            </a:solidFill>
+            <a:ln w="25400" cap="flat" cmpd="sng">
+              <a:solidFill>
+                <a:schemeClr val="lt1"/>
+              </a:solidFill>
+              <a:prstDash val="solid"/>
+              <a:round/>
+              <a:headEnd type="none" w="sm" len="sm"/>
+              <a:tailEnd type="none" w="sm" len="sm"/>
+            </a:ln>
+          </p:spPr>
+          <p:txBody>
+            <a:bodyPr spcFirstLastPara="1" wrap="square" lIns="91425" tIns="91425" rIns="91425" bIns="91425" anchor="ctr" anchorCtr="0">
+              <a:noAutofit/>
+            </a:bodyPr>
+            <a:lstStyle/>
+            <a:p>
+              <a:pPr marL="0" lvl="0" indent="0" algn="l" rtl="0">
+                <a:spcBef>
+                  <a:spcPts val="0"/>
+                </a:spcBef>
+                <a:spcAft>
+                  <a:spcPts val="0"/>
+                </a:spcAft>
+                <a:buNone/>
+              </a:pPr>
+              <a:endParaRPr/>
+            </a:p>
+          </p:txBody>
+        </p:sp>
+        <p:sp>
+          <p:nvSpPr>
+            <p:cNvPr id="218" name="Google Shape;218;p18"/>
+            <p:cNvSpPr txBox="1"/>
+            <p:nvPr/>
+          </p:nvSpPr>
+          <p:spPr>
+            <a:xfrm>
+              <a:off x="7715499" y="131652"/>
+              <a:ext cx="3507045" cy="2104226"/>
+            </a:xfrm>
+            <a:prstGeom prst="rect">
+              <a:avLst/>
+            </a:prstGeom>
+            <a:noFill/>
+            <a:ln>
+              <a:noFill/>
+            </a:ln>
+          </p:spPr>
+          <p:txBody>
+            <a:bodyPr spcFirstLastPara="1" wrap="square" lIns="76200" tIns="76200" rIns="76200" bIns="76200" anchor="ctr" anchorCtr="0">
+              <a:noAutofit/>
+            </a:bodyPr>
+            <a:lstStyle/>
+            <a:p>
+              <a:pPr marL="0" marR="0" lvl="0" indent="0" algn="ctr" rtl="0">
+                <a:lnSpc>
+                  <a:spcPct val="90000"/>
+                </a:lnSpc>
+                <a:spcBef>
+                  <a:spcPts val="0"/>
+                </a:spcBef>
+                <a:spcAft>
+                  <a:spcPts val="0"/>
+                </a:spcAft>
+                <a:buClr>
+                  <a:schemeClr val="lt1"/>
+                </a:buClr>
+                <a:buSzPts val="2000"/>
+                <a:buFont typeface="Calibri"/>
+                <a:buNone/>
+              </a:pPr>
+              <a:r>
+                <a:rPr lang="en-US" sz="2000" b="0" i="0" u="none" strike="noStrike" cap="none">
+                  <a:solidFill>
+                    <a:schemeClr val="lt1"/>
+                  </a:solidFill>
+                  <a:latin typeface="Calibri"/>
+                  <a:ea typeface="Calibri"/>
+                  <a:cs typeface="Calibri"/>
+                  <a:sym typeface="Calibri"/>
+                </a:rPr>
+                <a:t>Bias, Equity, &amp; Fairness</a:t>
+              </a:r>
+              <a:endParaRPr/>
+            </a:p>
+          </p:txBody>
+        </p:sp>
+        <p:sp>
+          <p:nvSpPr>
+            <p:cNvPr id="219" name="Google Shape;219;p18"/>
+            <p:cNvSpPr/>
+            <p:nvPr/>
+          </p:nvSpPr>
+          <p:spPr>
+            <a:xfrm>
+              <a:off x="1928874" y="2586583"/>
+              <a:ext cx="3507045" cy="2104226"/>
+            </a:xfrm>
+            <a:prstGeom prst="rect">
+              <a:avLst/>
+            </a:prstGeom>
+            <a:solidFill>
+              <a:srgbClr val="BABA55"/>
+            </a:solidFill>
+            <a:ln w="25400" cap="flat" cmpd="sng">
+              <a:solidFill>
+                <a:schemeClr val="lt1"/>
+              </a:solidFill>
+              <a:prstDash val="solid"/>
+              <a:round/>
+              <a:headEnd type="none" w="sm" len="sm"/>
+              <a:tailEnd type="none" w="sm" len="sm"/>
+            </a:ln>
+          </p:spPr>
+          <p:txBody>
+            <a:bodyPr spcFirstLastPara="1" wrap="square" lIns="91425" tIns="91425" rIns="91425" bIns="91425" anchor="ctr" anchorCtr="0">
+              <a:noAutofit/>
+            </a:bodyPr>
+            <a:lstStyle/>
+            <a:p>
+              <a:pPr marL="0" lvl="0" indent="0" algn="l" rtl="0">
+                <a:spcBef>
+                  <a:spcPts val="0"/>
+                </a:spcBef>
+                <a:spcAft>
+                  <a:spcPts val="0"/>
+                </a:spcAft>
+                <a:buNone/>
+              </a:pPr>
+              <a:endParaRPr/>
+            </a:p>
+          </p:txBody>
+        </p:sp>
+        <p:sp>
+          <p:nvSpPr>
+            <p:cNvPr id="220" name="Google Shape;220;p18"/>
+            <p:cNvSpPr txBox="1"/>
+            <p:nvPr/>
+          </p:nvSpPr>
+          <p:spPr>
+            <a:xfrm>
+              <a:off x="1928874" y="2586583"/>
+              <a:ext cx="3507045" cy="2104226"/>
+            </a:xfrm>
+            <a:prstGeom prst="rect">
+              <a:avLst/>
+            </a:prstGeom>
+            <a:noFill/>
+            <a:ln>
+              <a:noFill/>
+            </a:ln>
+          </p:spPr>
+          <p:txBody>
+            <a:bodyPr spcFirstLastPara="1" wrap="square" lIns="76200" tIns="76200" rIns="76200" bIns="76200" anchor="ctr" anchorCtr="0">
+              <a:noAutofit/>
+            </a:bodyPr>
+            <a:lstStyle/>
+            <a:p>
+              <a:pPr marL="0" marR="0" lvl="0" indent="0" algn="ctr" rtl="0">
+                <a:lnSpc>
+                  <a:spcPct val="90000"/>
+                </a:lnSpc>
+                <a:spcBef>
+                  <a:spcPts val="0"/>
+                </a:spcBef>
+                <a:spcAft>
+                  <a:spcPts val="0"/>
+                </a:spcAft>
+                <a:buClr>
+                  <a:schemeClr val="lt1"/>
+                </a:buClr>
+                <a:buSzPts val="2000"/>
+                <a:buFont typeface="Calibri"/>
+                <a:buNone/>
+              </a:pPr>
+              <a:r>
+                <a:rPr lang="en-US" sz="2000" b="0" i="0" u="none" strike="noStrike" cap="none">
+                  <a:solidFill>
+                    <a:schemeClr val="lt1"/>
+                  </a:solidFill>
+                  <a:latin typeface="Calibri"/>
+                  <a:ea typeface="Calibri"/>
+                  <a:cs typeface="Calibri"/>
+                  <a:sym typeface="Calibri"/>
+                </a:rPr>
+                <a:t>Transparency</a:t>
+              </a:r>
+              <a:endParaRPr/>
+            </a:p>
+          </p:txBody>
+        </p:sp>
+        <p:sp>
+          <p:nvSpPr>
+            <p:cNvPr id="221" name="Google Shape;221;p18"/>
+            <p:cNvSpPr/>
+            <p:nvPr/>
+          </p:nvSpPr>
+          <p:spPr>
+            <a:xfrm>
+              <a:off x="5786624" y="2586583"/>
+              <a:ext cx="3507045" cy="2104226"/>
+            </a:xfrm>
+            <a:prstGeom prst="rect">
+              <a:avLst/>
+            </a:prstGeom>
+            <a:solidFill>
+              <a:srgbClr val="99B958"/>
+            </a:solidFill>
+            <a:ln w="25400" cap="flat" cmpd="sng">
+              <a:solidFill>
+                <a:schemeClr val="lt1"/>
+              </a:solidFill>
+              <a:prstDash val="solid"/>
+              <a:round/>
+              <a:headEnd type="none" w="sm" len="sm"/>
+              <a:tailEnd type="none" w="sm" len="sm"/>
+            </a:ln>
+          </p:spPr>
+          <p:txBody>
+            <a:bodyPr spcFirstLastPara="1" wrap="square" lIns="91425" tIns="91425" rIns="91425" bIns="91425" anchor="ctr" anchorCtr="0">
+              <a:noAutofit/>
+            </a:bodyPr>
+            <a:lstStyle/>
+            <a:p>
+              <a:pPr marL="0" lvl="0" indent="0" algn="l" rtl="0">
+                <a:spcBef>
+                  <a:spcPts val="0"/>
+                </a:spcBef>
+                <a:spcAft>
+                  <a:spcPts val="0"/>
+                </a:spcAft>
+                <a:buNone/>
+              </a:pPr>
+              <a:endParaRPr/>
+            </a:p>
+          </p:txBody>
+        </p:sp>
+        <p:sp>
+          <p:nvSpPr>
+            <p:cNvPr id="222" name="Google Shape;222;p18"/>
+            <p:cNvSpPr txBox="1"/>
+            <p:nvPr/>
+          </p:nvSpPr>
+          <p:spPr>
+            <a:xfrm>
+              <a:off x="5786624" y="2586583"/>
+              <a:ext cx="3507045" cy="2104226"/>
+            </a:xfrm>
+            <a:prstGeom prst="rect">
+              <a:avLst/>
+            </a:prstGeom>
+            <a:noFill/>
+            <a:ln>
+              <a:noFill/>
+            </a:ln>
+          </p:spPr>
+          <p:txBody>
+            <a:bodyPr spcFirstLastPara="1" wrap="square" lIns="76200" tIns="76200" rIns="76200" bIns="76200" anchor="ctr" anchorCtr="0">
+              <a:noAutofit/>
+            </a:bodyPr>
+            <a:lstStyle/>
+            <a:p>
+              <a:pPr marL="0" marR="0" lvl="0" indent="0" algn="ctr" rtl="0">
+                <a:lnSpc>
+                  <a:spcPct val="90000"/>
+                </a:lnSpc>
+                <a:spcBef>
+                  <a:spcPts val="0"/>
+                </a:spcBef>
+                <a:spcAft>
+                  <a:spcPts val="0"/>
+                </a:spcAft>
+                <a:buClr>
+                  <a:schemeClr val="lt1"/>
+                </a:buClr>
+                <a:buSzPts val="2000"/>
+                <a:buFont typeface="Calibri"/>
+                <a:buNone/>
+              </a:pPr>
+              <a:r>
+                <a:rPr lang="en-US" sz="2000" b="0" i="0" u="none" strike="noStrike" cap="none">
+                  <a:solidFill>
+                    <a:schemeClr val="lt1"/>
+                  </a:solidFill>
+                  <a:latin typeface="Calibri"/>
+                  <a:ea typeface="Calibri"/>
+                  <a:cs typeface="Calibri"/>
+                  <a:sym typeface="Calibri"/>
+                </a:rPr>
+                <a:t>Trustworthiness and Accountability</a:t>
+              </a:r>
+              <a:endParaRPr/>
+            </a:p>
+          </p:txBody>
+        </p:sp>
+      </p:grpSp>
+      <p:sp>
+        <p:nvSpPr>
+          <p:cNvPr id="223" name="Google Shape;223;p18"/>
+          <p:cNvSpPr txBox="1">
+            <a:spLocks noGrp="1"/>
+          </p:cNvSpPr>
+          <p:nvPr>
+            <p:ph type="title"/>
+          </p:nvPr>
+        </p:nvSpPr>
+        <p:spPr>
+          <a:xfrm>
+            <a:off x="415600" y="98980"/>
+            <a:ext cx="11360700" cy="1257900"/>
+          </a:xfrm>
+          <a:prstGeom prst="rect">
+            <a:avLst/>
+          </a:prstGeom>
+          <a:noFill/>
+          <a:ln>
+            <a:noFill/>
+          </a:ln>
+        </p:spPr>
+        <p:txBody>
+          <a:bodyPr spcFirstLastPara="1" wrap="square" lIns="91425" tIns="45700" rIns="91425" bIns="45700" anchor="ctr" anchorCtr="0">
+            <a:noAutofit/>
+          </a:bodyPr>
+          <a:lstStyle/>
+          <a:p>
+            <a:pPr marL="0" lvl="0" indent="0" algn="ctr" rtl="0">
+              <a:spcBef>
+                <a:spcPts val="0"/>
+              </a:spcBef>
+              <a:spcAft>
+                <a:spcPts val="0"/>
+              </a:spcAft>
+              <a:buNone/>
+            </a:pPr>
+            <a:r>
+              <a:rPr lang="en-US" sz="4800"/>
+              <a:t>Data and AI Ethics Issues</a:t>
+            </a:r>
+            <a:endParaRPr sz="4800"/>
+          </a:p>
+        </p:txBody>
+      </p:sp>
+    </p:spTree>
+  </p:cSld>
+  <p:clrMapOvr>
+    <a:masterClrMapping/>
+  </p:clrMapOvr>
+</p:sld>
+</file>
+
+<file path=ppt/slides/slide19.xml><?xml version="1.0" encoding="utf-8"?>
 <p:sld xmlns:a="http://schemas.openxmlformats.org/drawingml/2006/main" xmlns:r="http://schemas.openxmlformats.org/officeDocument/2006/relationships" xmlns:p="http://schemas.openxmlformats.org/presentationml/2006/main">
   <p:cSld>
     <p:spTree>
@@ -12282,8 +14461,12 @@
           <a:lstStyle/>
           <a:p>
             <a:r>
+              <a:rPr lang="en-US" dirty="0" err="1"/>
+              <a:t>VSCode</a:t>
+            </a:r>
+            <a:r>
               <a:rPr lang="en-US" dirty="0"/>
-              <a:t>For tomorrow: quick tech session prep assignment on canvas</a:t>
+              <a:t> setup from tech session</a:t>
             </a:r>
             <a:br>
               <a:rPr lang="en-US" dirty="0"/>
@@ -12293,7 +14476,67 @@
           <a:p>
             <a:r>
               <a:rPr lang="en-US" dirty="0"/>
-              <a:t>No readings for Thursday</a:t>
+              <a:t>For Next Week:</a:t>
+            </a:r>
+          </a:p>
+          <a:p>
+            <a:pPr lvl="1">
+              <a:spcBef>
+                <a:spcPts val="0"/>
+              </a:spcBef>
+            </a:pPr>
+            <a:r>
+              <a:rPr lang="en-US" sz="2200" dirty="0"/>
+              <a:t>Tuesday: Weekly Review</a:t>
+            </a:r>
+          </a:p>
+          <a:p>
+            <a:pPr lvl="1">
+              <a:spcBef>
+                <a:spcPts val="0"/>
+              </a:spcBef>
+            </a:pPr>
+            <a:r>
+              <a:rPr lang="en-US" sz="2200" dirty="0"/>
+              <a:t>Readings for Thursday (Obermeyer; </a:t>
+            </a:r>
+            <a:r>
+              <a:rPr lang="en-US" sz="2200" dirty="0" err="1"/>
+              <a:t>Passi</a:t>
+            </a:r>
+            <a:r>
+              <a:rPr lang="en-US" sz="2200" dirty="0"/>
+              <a:t> &amp; </a:t>
+            </a:r>
+            <a:r>
+              <a:rPr lang="en-US" sz="2200" dirty="0" err="1"/>
+              <a:t>Barocas</a:t>
+            </a:r>
+            <a:r>
+              <a:rPr lang="en-US" sz="2200" dirty="0"/>
+              <a:t>)</a:t>
+            </a:r>
+          </a:p>
+          <a:p>
+            <a:pPr lvl="1">
+              <a:spcBef>
+                <a:spcPts val="0"/>
+              </a:spcBef>
+            </a:pPr>
+            <a:r>
+              <a:rPr lang="en-US" sz="2200" dirty="0"/>
+              <a:t>Make sure you can access project data and repo</a:t>
+            </a:r>
+          </a:p>
+          <a:p>
+            <a:pPr lvl="1">
+              <a:spcBef>
+                <a:spcPts val="0"/>
+              </a:spcBef>
+            </a:pPr>
+            <a:r>
+              <a:rPr lang="en-US" sz="2200" dirty="0"/>
+              <a:t>Get familiar with your group</a:t>
             </a:r>
             <a:br>
               <a:rPr lang="en-US" dirty="0"/>
@@ -12303,21 +14546,47 @@
           <a:p>
             <a:r>
               <a:rPr lang="en-US" dirty="0"/>
-              <a:t>Make sure you can access project data and repo</a:t>
+              <a:t>Following week:</a:t>
             </a:r>
           </a:p>
           <a:p>
+            <a:pPr lvl="1">
+              <a:spcBef>
+                <a:spcPts val="0"/>
+              </a:spcBef>
+            </a:pPr>
             <a:r>
-              <a:rPr lang="en-US" dirty="0"/>
-              <a:t>Get familiar with project groups</a:t>
+              <a:rPr lang="en-US" sz="2200" dirty="0">
+                <a:solidFill>
+                  <a:srgbClr val="C00000"/>
+                </a:solidFill>
+                <a:hlinkClick r:id="rId2">
+                  <a:extLst>
+                    <a:ext uri="{A12FA001-AC4F-418D-AE19-62706E023703}">
+                      <ahyp:hlinkClr xmlns:ahyp="http://schemas.microsoft.com/office/drawing/2018/hyperlinkcolor" val="tx"/>
+                    </a:ext>
+                  </a:extLst>
+                </a:hlinkClick>
+              </a:rPr>
+              <a:t>Project Proposal</a:t>
             </a:r>
+            <a:r>
+              <a:rPr lang="en-US" sz="2200" dirty="0"/>
+              <a:t> (Friday, Sep 23)</a:t>
+            </a:r>
+          </a:p>
+          <a:p>
+            <a:pPr marL="76200" indent="0">
+              <a:buNone/>
+            </a:pPr>
+            <a:endParaRPr lang="en-US" dirty="0"/>
           </a:p>
         </p:txBody>
       </p:sp>
     </p:spTree>
     <p:extLst>
       <p:ext uri="{BB962C8B-B14F-4D97-AF65-F5344CB8AC3E}">
-        <p14:creationId xmlns:p14="http://schemas.microsoft.com/office/powerpoint/2010/main" val="1960455821"/>
+        <p14:creationId xmlns:p14="http://schemas.microsoft.com/office/powerpoint/2010/main" val="1316077058"/>
       </p:ext>
     </p:extLst>
   </p:cSld>
@@ -12394,8 +14663,12 @@
           <a:lstStyle/>
           <a:p>
             <a:r>
+              <a:rPr lang="en-US" dirty="0" err="1"/>
+              <a:t>VSCode</a:t>
+            </a:r>
+            <a:r>
               <a:rPr lang="en-US" dirty="0"/>
-              <a:t>For tomorrow: quick tech session prep assignment on canvas</a:t>
+              <a:t> setup from tech session</a:t>
             </a:r>
             <a:br>
               <a:rPr lang="en-US" dirty="0"/>
@@ -12405,7 +14678,67 @@
           <a:p>
             <a:r>
               <a:rPr lang="en-US" dirty="0"/>
-              <a:t>No readings for Thursday</a:t>
+              <a:t>For Next Week:</a:t>
+            </a:r>
+          </a:p>
+          <a:p>
+            <a:pPr lvl="1">
+              <a:spcBef>
+                <a:spcPts val="0"/>
+              </a:spcBef>
+            </a:pPr>
+            <a:r>
+              <a:rPr lang="en-US" sz="2200" dirty="0"/>
+              <a:t>Tuesday: Weekly Review</a:t>
+            </a:r>
+          </a:p>
+          <a:p>
+            <a:pPr lvl="1">
+              <a:spcBef>
+                <a:spcPts val="0"/>
+              </a:spcBef>
+            </a:pPr>
+            <a:r>
+              <a:rPr lang="en-US" sz="2200" dirty="0"/>
+              <a:t>Readings for Thursday (Obermeyer; </a:t>
+            </a:r>
+            <a:r>
+              <a:rPr lang="en-US" sz="2200" dirty="0" err="1"/>
+              <a:t>Passi</a:t>
+            </a:r>
+            <a:r>
+              <a:rPr lang="en-US" sz="2200" dirty="0"/>
+              <a:t> &amp; </a:t>
+            </a:r>
+            <a:r>
+              <a:rPr lang="en-US" sz="2200" dirty="0" err="1"/>
+              <a:t>Barocas</a:t>
+            </a:r>
+            <a:r>
+              <a:rPr lang="en-US" sz="2200" dirty="0"/>
+              <a:t>)</a:t>
+            </a:r>
+          </a:p>
+          <a:p>
+            <a:pPr lvl="1">
+              <a:spcBef>
+                <a:spcPts val="0"/>
+              </a:spcBef>
+            </a:pPr>
+            <a:r>
+              <a:rPr lang="en-US" sz="2200" dirty="0"/>
+              <a:t>Make sure you can access project data and repo</a:t>
+            </a:r>
+          </a:p>
+          <a:p>
+            <a:pPr lvl="1">
+              <a:spcBef>
+                <a:spcPts val="0"/>
+              </a:spcBef>
+            </a:pPr>
+            <a:r>
+              <a:rPr lang="en-US" sz="2200" dirty="0"/>
+              <a:t>Get familiar with your group</a:t>
             </a:r>
             <a:br>
               <a:rPr lang="en-US" dirty="0"/>
@@ -12415,14 +14748,40 @@
           <a:p>
             <a:r>
               <a:rPr lang="en-US" dirty="0"/>
-              <a:t>Make sure you can access project data and repo</a:t>
+              <a:t>Following week:</a:t>
             </a:r>
           </a:p>
           <a:p>
+            <a:pPr lvl="1">
+              <a:spcBef>
+                <a:spcPts val="0"/>
+              </a:spcBef>
+            </a:pPr>
             <a:r>
-              <a:rPr lang="en-US" dirty="0"/>
-              <a:t>Get familiar with project groups</a:t>
+              <a:rPr lang="en-US" sz="2200" dirty="0">
+                <a:solidFill>
+                  <a:srgbClr val="C00000"/>
+                </a:solidFill>
+                <a:hlinkClick r:id="rId2">
+                  <a:extLst>
+                    <a:ext uri="{A12FA001-AC4F-418D-AE19-62706E023703}">
+                      <ahyp:hlinkClr xmlns:ahyp="http://schemas.microsoft.com/office/drawing/2018/hyperlinkcolor" val="tx"/>
+                    </a:ext>
+                  </a:extLst>
+                </a:hlinkClick>
+              </a:rPr>
+              <a:t>Project Proposal</a:t>
             </a:r>
+            <a:r>
+              <a:rPr lang="en-US" sz="2200" dirty="0"/>
+              <a:t> (Friday, Sep 23)</a:t>
+            </a:r>
+          </a:p>
+          <a:p>
+            <a:pPr marL="76200" indent="0">
+              <a:buNone/>
+            </a:pPr>
+            <a:endParaRPr lang="en-US" dirty="0"/>
           </a:p>
         </p:txBody>
       </p:sp>
@@ -12440,6 +14799,697 @@
 </file>
 
 <file path=ppt/slides/slide3.xml><?xml version="1.0" encoding="utf-8"?>
+<p:sld xmlns:a="http://schemas.openxmlformats.org/drawingml/2006/main" xmlns:r="http://schemas.openxmlformats.org/officeDocument/2006/relationships" xmlns:p="http://schemas.openxmlformats.org/presentationml/2006/main">
+  <p:cSld>
+    <p:spTree>
+      <p:nvGrpSpPr>
+        <p:cNvPr id="1" name=""/>
+        <p:cNvGrpSpPr/>
+        <p:nvPr/>
+      </p:nvGrpSpPr>
+      <p:grpSpPr>
+        <a:xfrm>
+          <a:off x="0" y="0"/>
+          <a:ext cx="0" cy="0"/>
+          <a:chOff x="0" y="0"/>
+          <a:chExt cx="0" cy="0"/>
+        </a:xfrm>
+      </p:grpSpPr>
+      <p:sp>
+        <p:nvSpPr>
+          <p:cNvPr id="3" name="Title 2">
+            <a:extLst>
+              <a:ext uri="{FF2B5EF4-FFF2-40B4-BE49-F238E27FC236}">
+                <a16:creationId xmlns:a16="http://schemas.microsoft.com/office/drawing/2014/main" id="{9323871C-7CA8-1448-8FFC-1AE6E1838941}"/>
+              </a:ext>
+            </a:extLst>
+          </p:cNvPr>
+          <p:cNvSpPr>
+            <a:spLocks noGrp="1"/>
+          </p:cNvSpPr>
+          <p:nvPr>
+            <p:ph type="title"/>
+          </p:nvPr>
+        </p:nvSpPr>
+        <p:spPr/>
+        <p:txBody>
+          <a:bodyPr/>
+          <a:lstStyle/>
+          <a:p>
+            <a:r>
+              <a:rPr lang="en-US" dirty="0"/>
+              <a:t>Project Info</a:t>
+            </a:r>
+          </a:p>
+        </p:txBody>
+      </p:sp>
+      <p:sp>
+        <p:nvSpPr>
+          <p:cNvPr id="4" name="Text Placeholder 3">
+            <a:extLst>
+              <a:ext uri="{FF2B5EF4-FFF2-40B4-BE49-F238E27FC236}">
+                <a16:creationId xmlns:a16="http://schemas.microsoft.com/office/drawing/2014/main" id="{5E600BA7-FA45-884F-9820-9E5F2CB7AA48}"/>
+              </a:ext>
+            </a:extLst>
+          </p:cNvPr>
+          <p:cNvSpPr>
+            <a:spLocks noGrp="1"/>
+          </p:cNvSpPr>
+          <p:nvPr>
+            <p:ph type="body" idx="1"/>
+          </p:nvPr>
+        </p:nvSpPr>
+        <p:spPr/>
+        <p:txBody>
+          <a:bodyPr/>
+          <a:lstStyle/>
+          <a:p>
+            <a:r>
+              <a:rPr lang="en-US" dirty="0"/>
+              <a:t>GitHub Repos:</a:t>
+            </a:r>
+            <a:br>
+              <a:rPr lang="en-US" dirty="0"/>
+            </a:br>
+            <a:r>
+              <a:rPr lang="en-US" dirty="0"/>
+              <a:t>https://</a:t>
+            </a:r>
+            <a:r>
+              <a:rPr lang="en-US" dirty="0" err="1"/>
+              <a:t>github.com</a:t>
+            </a:r>
+            <a:r>
+              <a:rPr lang="en-US" dirty="0"/>
+              <a:t>/</a:t>
+            </a:r>
+            <a:r>
+              <a:rPr lang="en-US" dirty="0" err="1"/>
+              <a:t>dssg</a:t>
+            </a:r>
+            <a:r>
+              <a:rPr lang="en-US" dirty="0"/>
+              <a:t>/mlpolicylab_fall22_{</a:t>
+            </a:r>
+            <a:r>
+              <a:rPr lang="en-US" dirty="0" err="1"/>
+              <a:t>team_name</a:t>
+            </a:r>
+            <a:r>
+              <a:rPr lang="en-US" dirty="0"/>
+              <a:t>}</a:t>
+            </a:r>
+            <a:br>
+              <a:rPr lang="en-US" dirty="0"/>
+            </a:br>
+            <a:endParaRPr lang="en-US" dirty="0"/>
+          </a:p>
+          <a:p>
+            <a:r>
+              <a:rPr lang="en-US" dirty="0">
+                <a:solidFill>
+                  <a:srgbClr val="C00000"/>
+                </a:solidFill>
+                <a:hlinkClick r:id="rId2">
+                  <a:extLst>
+                    <a:ext uri="{A12FA001-AC4F-418D-AE19-62706E023703}">
+                      <ahyp:hlinkClr xmlns:ahyp="http://schemas.microsoft.com/office/drawing/2018/hyperlinkcolor" val="tx"/>
+                    </a:ext>
+                  </a:extLst>
+                </a:hlinkClick>
+              </a:rPr>
+              <a:t>Bills Project</a:t>
+            </a:r>
+            <a:br>
+              <a:rPr lang="en-US" dirty="0"/>
+            </a:br>
+            <a:endParaRPr lang="en-US" dirty="0"/>
+          </a:p>
+          <a:p>
+            <a:r>
+              <a:rPr lang="en-US" dirty="0">
+                <a:solidFill>
+                  <a:srgbClr val="C00000"/>
+                </a:solidFill>
+                <a:hlinkClick r:id="rId3">
+                  <a:extLst>
+                    <a:ext uri="{A12FA001-AC4F-418D-AE19-62706E023703}">
+                      <ahyp:hlinkClr xmlns:ahyp="http://schemas.microsoft.com/office/drawing/2018/hyperlinkcolor" val="tx"/>
+                    </a:ext>
+                  </a:extLst>
+                </a:hlinkClick>
+              </a:rPr>
+              <a:t>Mental Health Outreach Project</a:t>
+            </a:r>
+            <a:endParaRPr lang="en-US" dirty="0">
+              <a:solidFill>
+                <a:srgbClr val="C00000"/>
+              </a:solidFill>
+            </a:endParaRPr>
+          </a:p>
+          <a:p>
+            <a:pPr marL="76200" indent="0">
+              <a:buNone/>
+            </a:pPr>
+            <a:endParaRPr lang="en-US" dirty="0"/>
+          </a:p>
+        </p:txBody>
+      </p:sp>
+    </p:spTree>
+    <p:extLst>
+      <p:ext uri="{BB962C8B-B14F-4D97-AF65-F5344CB8AC3E}">
+        <p14:creationId xmlns:p14="http://schemas.microsoft.com/office/powerpoint/2010/main" val="4042955773"/>
+      </p:ext>
+    </p:extLst>
+  </p:cSld>
+  <p:clrMapOvr>
+    <a:masterClrMapping/>
+  </p:clrMapOvr>
+</p:sld>
+</file>
+
+<file path=ppt/slides/slide4.xml><?xml version="1.0" encoding="utf-8"?>
+<p:sld xmlns:a="http://schemas.openxmlformats.org/drawingml/2006/main" xmlns:r="http://schemas.openxmlformats.org/officeDocument/2006/relationships" xmlns:p="http://schemas.openxmlformats.org/presentationml/2006/main">
+  <p:cSld>
+    <p:spTree>
+      <p:nvGrpSpPr>
+        <p:cNvPr id="1" name=""/>
+        <p:cNvGrpSpPr/>
+        <p:nvPr/>
+      </p:nvGrpSpPr>
+      <p:grpSpPr>
+        <a:xfrm>
+          <a:off x="0" y="0"/>
+          <a:ext cx="0" cy="0"/>
+          <a:chOff x="0" y="0"/>
+          <a:chExt cx="0" cy="0"/>
+        </a:xfrm>
+      </p:grpSpPr>
+      <p:sp>
+        <p:nvSpPr>
+          <p:cNvPr id="8194" name="Rectangle 2"/>
+          <p:cNvSpPr>
+            <a:spLocks noGrp="1" noChangeArrowheads="1"/>
+          </p:cNvSpPr>
+          <p:nvPr>
+            <p:ph type="title"/>
+          </p:nvPr>
+        </p:nvSpPr>
+        <p:spPr/>
+        <p:txBody>
+          <a:bodyPr/>
+          <a:lstStyle/>
+          <a:p>
+            <a:r>
+              <a:rPr lang="en-US" altLang="en-US" dirty="0"/>
+              <a:t> Working with Your Project Team</a:t>
+            </a:r>
+          </a:p>
+        </p:txBody>
+      </p:sp>
+      <p:sp>
+        <p:nvSpPr>
+          <p:cNvPr id="8195" name="Rectangle 3"/>
+          <p:cNvSpPr>
+            <a:spLocks noGrp="1" noChangeArrowheads="1"/>
+          </p:cNvSpPr>
+          <p:nvPr>
+            <p:ph type="body" idx="1"/>
+          </p:nvPr>
+        </p:nvSpPr>
+        <p:spPr/>
+        <p:txBody>
+          <a:bodyPr/>
+          <a:lstStyle/>
+          <a:p>
+            <a:pPr>
+              <a:lnSpc>
+                <a:spcPct val="150000"/>
+              </a:lnSpc>
+            </a:pPr>
+            <a:r>
+              <a:rPr lang="en-US" altLang="en-US" dirty="0"/>
+              <a:t>Teams designed to balance skills, backgrounds, and experiences</a:t>
+            </a:r>
+            <a:br>
+              <a:rPr lang="en-US" altLang="en-US" dirty="0"/>
+            </a:br>
+            <a:endParaRPr lang="en-US" altLang="en-US" dirty="0"/>
+          </a:p>
+          <a:p>
+            <a:pPr>
+              <a:lnSpc>
+                <a:spcPct val="150000"/>
+              </a:lnSpc>
+            </a:pPr>
+            <a:r>
+              <a:rPr lang="en-US" altLang="en-US" dirty="0"/>
+              <a:t>Spend some time up front figuring out how to work as a team and work styles</a:t>
+            </a:r>
+            <a:br>
+              <a:rPr lang="en-US" altLang="en-US" dirty="0"/>
+            </a:br>
+            <a:endParaRPr lang="en-US" altLang="en-US" dirty="0"/>
+          </a:p>
+          <a:p>
+            <a:pPr>
+              <a:lnSpc>
+                <a:spcPct val="150000"/>
+              </a:lnSpc>
+            </a:pPr>
+            <a:r>
+              <a:rPr lang="en-US" altLang="en-US" dirty="0"/>
+              <a:t>Everyone should participate in </a:t>
+            </a:r>
+            <a:r>
+              <a:rPr lang="en-US" altLang="en-US" b="1" dirty="0">
+                <a:solidFill>
+                  <a:srgbClr val="FF0000"/>
+                </a:solidFill>
+              </a:rPr>
+              <a:t>all</a:t>
+            </a:r>
+            <a:r>
+              <a:rPr lang="en-US" altLang="en-US" dirty="0"/>
+              <a:t> aspects of project</a:t>
+            </a:r>
+          </a:p>
+          <a:p>
+            <a:pPr lvl="1">
+              <a:lnSpc>
+                <a:spcPct val="100000"/>
+              </a:lnSpc>
+            </a:pPr>
+            <a:r>
+              <a:rPr lang="en-US" altLang="en-US" dirty="0"/>
+              <a:t>No individual should do the majority of the python coding, SQL writing, report writing</a:t>
+            </a:r>
+            <a:br>
+              <a:rPr lang="en-US" altLang="en-US" dirty="0"/>
+            </a:br>
+            <a:endParaRPr lang="en-US" altLang="en-US" dirty="0"/>
+          </a:p>
+          <a:p>
+            <a:pPr>
+              <a:lnSpc>
+                <a:spcPct val="150000"/>
+              </a:lnSpc>
+            </a:pPr>
+            <a:r>
+              <a:rPr lang="en-US" altLang="en-US" dirty="0"/>
+              <a:t>However, you should divide up different pieces of the work</a:t>
+            </a:r>
+          </a:p>
+          <a:p>
+            <a:pPr lvl="1">
+              <a:lnSpc>
+                <a:spcPct val="100000"/>
+              </a:lnSpc>
+            </a:pPr>
+            <a:r>
+              <a:rPr lang="en-US" altLang="en-US" dirty="0"/>
+              <a:t>For instance, working on different parts of the pipeline code in parallel or splitting up sections of the report</a:t>
+            </a:r>
+          </a:p>
+        </p:txBody>
+      </p:sp>
+    </p:spTree>
+    <p:extLst>
+      <p:ext uri="{BB962C8B-B14F-4D97-AF65-F5344CB8AC3E}">
+        <p14:creationId xmlns:p14="http://schemas.microsoft.com/office/powerpoint/2010/main" val="2446059493"/>
+      </p:ext>
+    </p:extLst>
+  </p:cSld>
+  <p:clrMapOvr>
+    <a:masterClrMapping/>
+  </p:clrMapOvr>
+</p:sld>
+</file>
+
+<file path=ppt/slides/slide5.xml><?xml version="1.0" encoding="utf-8"?>
+<p:sld xmlns:a="http://schemas.openxmlformats.org/drawingml/2006/main" xmlns:r="http://schemas.openxmlformats.org/officeDocument/2006/relationships" xmlns:p="http://schemas.openxmlformats.org/presentationml/2006/main">
+  <p:cSld>
+    <p:spTree>
+      <p:nvGrpSpPr>
+        <p:cNvPr id="1" name=""/>
+        <p:cNvGrpSpPr/>
+        <p:nvPr/>
+      </p:nvGrpSpPr>
+      <p:grpSpPr>
+        <a:xfrm>
+          <a:off x="0" y="0"/>
+          <a:ext cx="0" cy="0"/>
+          <a:chOff x="0" y="0"/>
+          <a:chExt cx="0" cy="0"/>
+        </a:xfrm>
+      </p:grpSpPr>
+      <p:sp>
+        <p:nvSpPr>
+          <p:cNvPr id="8194" name="Rectangle 2"/>
+          <p:cNvSpPr>
+            <a:spLocks noGrp="1" noChangeArrowheads="1"/>
+          </p:cNvSpPr>
+          <p:nvPr>
+            <p:ph type="title"/>
+          </p:nvPr>
+        </p:nvSpPr>
+        <p:spPr/>
+        <p:txBody>
+          <a:bodyPr/>
+          <a:lstStyle/>
+          <a:p>
+            <a:r>
+              <a:rPr lang="en-US" altLang="en-US" dirty="0"/>
+              <a:t> Working with Your Project Team</a:t>
+            </a:r>
+          </a:p>
+        </p:txBody>
+      </p:sp>
+      <p:sp>
+        <p:nvSpPr>
+          <p:cNvPr id="8195" name="Rectangle 3"/>
+          <p:cNvSpPr>
+            <a:spLocks noGrp="1" noChangeArrowheads="1"/>
+          </p:cNvSpPr>
+          <p:nvPr>
+            <p:ph type="body" idx="1"/>
+          </p:nvPr>
+        </p:nvSpPr>
+        <p:spPr>
+          <a:xfrm>
+            <a:off x="207750" y="1548990"/>
+            <a:ext cx="11776400" cy="4555200"/>
+          </a:xfrm>
+        </p:spPr>
+        <p:txBody>
+          <a:bodyPr/>
+          <a:lstStyle/>
+          <a:p>
+            <a:pPr>
+              <a:lnSpc>
+                <a:spcPct val="150000"/>
+              </a:lnSpc>
+            </a:pPr>
+            <a:r>
+              <a:rPr lang="en-US" altLang="en-US" dirty="0"/>
+              <a:t>We’re providing class time to make it easier to coordinate with your group and get feedback from peers and instructors, but you won’t be able to complete the project just in this allotted time</a:t>
+            </a:r>
+            <a:br>
+              <a:rPr lang="en-US" altLang="en-US" dirty="0"/>
+            </a:br>
+            <a:endParaRPr lang="en-US" altLang="en-US" dirty="0"/>
+          </a:p>
+          <a:p>
+            <a:pPr>
+              <a:lnSpc>
+                <a:spcPct val="150000"/>
+              </a:lnSpc>
+            </a:pPr>
+            <a:r>
+              <a:rPr lang="en-US" altLang="en-US" dirty="0"/>
+              <a:t>Tools for coordination:</a:t>
+            </a:r>
+          </a:p>
+          <a:p>
+            <a:pPr lvl="1">
+              <a:lnSpc>
+                <a:spcPct val="150000"/>
+              </a:lnSpc>
+            </a:pPr>
+            <a:r>
+              <a:rPr lang="en-US" altLang="en-US" dirty="0"/>
+              <a:t>Slack: we’ve created group-level channels. Additionally, feel free to use group DMs and video calls with your group to coordinate as well.</a:t>
+            </a:r>
+          </a:p>
+          <a:p>
+            <a:pPr lvl="1">
+              <a:lnSpc>
+                <a:spcPct val="150000"/>
+              </a:lnSpc>
+            </a:pPr>
+            <a:r>
+              <a:rPr lang="en-US" altLang="en-US" dirty="0"/>
+              <a:t>Many good free options for task tracking/management: </a:t>
+            </a:r>
+            <a:r>
+              <a:rPr lang="en-US" altLang="en-US" dirty="0" err="1"/>
+              <a:t>github</a:t>
+            </a:r>
+            <a:r>
+              <a:rPr lang="en-US" altLang="en-US" dirty="0"/>
+              <a:t> issues or project boards, </a:t>
+            </a:r>
+            <a:r>
+              <a:rPr lang="en-US" altLang="en-US" dirty="0" err="1"/>
+              <a:t>trello</a:t>
+            </a:r>
+            <a:r>
+              <a:rPr lang="en-US" altLang="en-US" dirty="0"/>
+              <a:t>, etc.</a:t>
+            </a:r>
+          </a:p>
+        </p:txBody>
+      </p:sp>
+    </p:spTree>
+    <p:extLst>
+      <p:ext uri="{BB962C8B-B14F-4D97-AF65-F5344CB8AC3E}">
+        <p14:creationId xmlns:p14="http://schemas.microsoft.com/office/powerpoint/2010/main" val="2143740766"/>
+      </p:ext>
+    </p:extLst>
+  </p:cSld>
+  <p:clrMapOvr>
+    <a:masterClrMapping/>
+  </p:clrMapOvr>
+</p:sld>
+</file>
+
+<file path=ppt/slides/slide6.xml><?xml version="1.0" encoding="utf-8"?>
+<p:sld xmlns:a="http://schemas.openxmlformats.org/drawingml/2006/main" xmlns:r="http://schemas.openxmlformats.org/officeDocument/2006/relationships" xmlns:p="http://schemas.openxmlformats.org/presentationml/2006/main">
+  <p:cSld>
+    <p:spTree>
+      <p:nvGrpSpPr>
+        <p:cNvPr id="1" name=""/>
+        <p:cNvGrpSpPr/>
+        <p:nvPr/>
+      </p:nvGrpSpPr>
+      <p:grpSpPr>
+        <a:xfrm>
+          <a:off x="0" y="0"/>
+          <a:ext cx="0" cy="0"/>
+          <a:chOff x="0" y="0"/>
+          <a:chExt cx="0" cy="0"/>
+        </a:xfrm>
+      </p:grpSpPr>
+      <p:sp>
+        <p:nvSpPr>
+          <p:cNvPr id="8194" name="Rectangle 2"/>
+          <p:cNvSpPr>
+            <a:spLocks noGrp="1" noChangeArrowheads="1"/>
+          </p:cNvSpPr>
+          <p:nvPr>
+            <p:ph type="title"/>
+          </p:nvPr>
+        </p:nvSpPr>
+        <p:spPr/>
+        <p:txBody>
+          <a:bodyPr/>
+          <a:lstStyle/>
+          <a:p>
+            <a:r>
+              <a:rPr lang="en-US" altLang="en-US" dirty="0"/>
+              <a:t> Working with Your Project Team</a:t>
+            </a:r>
+          </a:p>
+        </p:txBody>
+      </p:sp>
+      <p:sp>
+        <p:nvSpPr>
+          <p:cNvPr id="8195" name="Rectangle 3"/>
+          <p:cNvSpPr>
+            <a:spLocks noGrp="1" noChangeArrowheads="1"/>
+          </p:cNvSpPr>
+          <p:nvPr>
+            <p:ph type="body" idx="1"/>
+          </p:nvPr>
+        </p:nvSpPr>
+        <p:spPr>
+          <a:xfrm>
+            <a:off x="207750" y="1548990"/>
+            <a:ext cx="11776400" cy="4555200"/>
+          </a:xfrm>
+        </p:spPr>
+        <p:txBody>
+          <a:bodyPr/>
+          <a:lstStyle/>
+          <a:p>
+            <a:pPr>
+              <a:lnSpc>
+                <a:spcPct val="150000"/>
+              </a:lnSpc>
+            </a:pPr>
+            <a:r>
+              <a:rPr lang="en-US" altLang="en-US" b="1" dirty="0"/>
+              <a:t>Active participation</a:t>
+            </a:r>
+            <a:r>
+              <a:rPr lang="en-US" altLang="en-US" dirty="0"/>
+              <a:t> in the group work throughout the entire semester is required by all the team members, and a very large component of your grade</a:t>
+            </a:r>
+            <a:br>
+              <a:rPr lang="en-US" altLang="en-US" dirty="0"/>
+            </a:br>
+            <a:endParaRPr lang="en-US" altLang="en-US" dirty="0"/>
+          </a:p>
+          <a:p>
+            <a:pPr>
+              <a:lnSpc>
+                <a:spcPct val="150000"/>
+              </a:lnSpc>
+            </a:pPr>
+            <a:r>
+              <a:rPr lang="en-US" altLang="en-US" b="1" dirty="0"/>
+              <a:t>Collaboration is encouraged</a:t>
+            </a:r>
+            <a:r>
+              <a:rPr lang="en-US" altLang="en-US" dirty="0"/>
+              <a:t>, both within and across teams! Learning from each others’ strengths is a big benefit of group work, and you should feel free to discuss strategies and approaches with other teams (i.e., it’s not a competition)</a:t>
+            </a:r>
+            <a:br>
+              <a:rPr lang="en-US" altLang="en-US" dirty="0"/>
+            </a:br>
+            <a:endParaRPr lang="en-US" altLang="en-US" dirty="0"/>
+          </a:p>
+          <a:p>
+            <a:pPr>
+              <a:lnSpc>
+                <a:spcPct val="150000"/>
+              </a:lnSpc>
+            </a:pPr>
+            <a:r>
+              <a:rPr lang="en-US" altLang="en-US" b="1" dirty="0"/>
+              <a:t>Pacing your work</a:t>
+            </a:r>
+            <a:r>
+              <a:rPr lang="en-US" altLang="en-US" dirty="0"/>
+              <a:t> is important. You won’t be able to do everything the week before the final report, and if everyone tries to, you’ll break the server.</a:t>
+            </a:r>
+          </a:p>
+        </p:txBody>
+      </p:sp>
+    </p:spTree>
+    <p:extLst>
+      <p:ext uri="{BB962C8B-B14F-4D97-AF65-F5344CB8AC3E}">
+        <p14:creationId xmlns:p14="http://schemas.microsoft.com/office/powerpoint/2010/main" val="2457927461"/>
+      </p:ext>
+    </p:extLst>
+  </p:cSld>
+  <p:clrMapOvr>
+    <a:masterClrMapping/>
+  </p:clrMapOvr>
+</p:sld>
+</file>
+
+<file path=ppt/slides/slide7.xml><?xml version="1.0" encoding="utf-8"?>
+<p:sld xmlns:a="http://schemas.openxmlformats.org/drawingml/2006/main" xmlns:r="http://schemas.openxmlformats.org/officeDocument/2006/relationships" xmlns:p="http://schemas.openxmlformats.org/presentationml/2006/main">
+  <p:cSld>
+    <p:spTree>
+      <p:nvGrpSpPr>
+        <p:cNvPr id="1" name=""/>
+        <p:cNvGrpSpPr/>
+        <p:nvPr/>
+      </p:nvGrpSpPr>
+      <p:grpSpPr>
+        <a:xfrm>
+          <a:off x="0" y="0"/>
+          <a:ext cx="0" cy="0"/>
+          <a:chOff x="0" y="0"/>
+          <a:chExt cx="0" cy="0"/>
+        </a:xfrm>
+      </p:grpSpPr>
+      <p:sp>
+        <p:nvSpPr>
+          <p:cNvPr id="4" name="Text Placeholder 3">
+            <a:extLst>
+              <a:ext uri="{FF2B5EF4-FFF2-40B4-BE49-F238E27FC236}">
+                <a16:creationId xmlns:a16="http://schemas.microsoft.com/office/drawing/2014/main" id="{5E600BA7-FA45-884F-9820-9E5F2CB7AA48}"/>
+              </a:ext>
+            </a:extLst>
+          </p:cNvPr>
+          <p:cNvSpPr>
+            <a:spLocks noGrp="1"/>
+          </p:cNvSpPr>
+          <p:nvPr>
+            <p:ph type="body" idx="1"/>
+          </p:nvPr>
+        </p:nvSpPr>
+        <p:spPr>
+          <a:xfrm>
+            <a:off x="210065" y="2724664"/>
+            <a:ext cx="11566285" cy="1408672"/>
+          </a:xfrm>
+        </p:spPr>
+        <p:txBody>
+          <a:bodyPr/>
+          <a:lstStyle/>
+          <a:p>
+            <a:pPr marL="76200" indent="0" algn="ctr">
+              <a:buNone/>
+            </a:pPr>
+            <a:r>
+              <a:rPr lang="en-US" sz="4800" dirty="0"/>
+              <a:t>Past experiences with project groups or questions/feedback about this semester?</a:t>
+            </a:r>
+          </a:p>
+        </p:txBody>
+      </p:sp>
+      <p:sp>
+        <p:nvSpPr>
+          <p:cNvPr id="3" name="Title 1">
+            <a:extLst>
+              <a:ext uri="{FF2B5EF4-FFF2-40B4-BE49-F238E27FC236}">
+                <a16:creationId xmlns:a16="http://schemas.microsoft.com/office/drawing/2014/main" id="{9CDFC252-FA93-E641-BB21-4E80983D7592}"/>
+              </a:ext>
+            </a:extLst>
+          </p:cNvPr>
+          <p:cNvSpPr>
+            <a:spLocks noGrp="1"/>
+          </p:cNvSpPr>
+          <p:nvPr>
+            <p:ph type="title"/>
+          </p:nvPr>
+        </p:nvSpPr>
+        <p:spPr>
+          <a:xfrm>
+            <a:off x="415600" y="593367"/>
+            <a:ext cx="11360700" cy="763500"/>
+          </a:xfrm>
+        </p:spPr>
+        <p:txBody>
+          <a:bodyPr/>
+          <a:lstStyle/>
+          <a:p>
+            <a:pPr algn="ctr"/>
+            <a:r>
+              <a:rPr lang="en-US" dirty="0"/>
+              <a:t>DISCUSSION QUESTION</a:t>
+            </a:r>
+          </a:p>
+        </p:txBody>
+      </p:sp>
+    </p:spTree>
+    <p:extLst>
+      <p:ext uri="{BB962C8B-B14F-4D97-AF65-F5344CB8AC3E}">
+        <p14:creationId xmlns:p14="http://schemas.microsoft.com/office/powerpoint/2010/main" val="1608946016"/>
+      </p:ext>
+    </p:extLst>
+  </p:cSld>
+  <p:clrMapOvr>
+    <a:masterClrMapping/>
+  </p:clrMapOvr>
+</p:sld>
+</file>
+
+<file path=ppt/slides/slide8.xml><?xml version="1.0" encoding="utf-8"?>
 <p:sld xmlns:a="http://schemas.openxmlformats.org/drawingml/2006/main" xmlns:r="http://schemas.openxmlformats.org/officeDocument/2006/relationships" xmlns:p="http://schemas.openxmlformats.org/presentationml/2006/main">
   <p:cSld>
     <p:spTree>
@@ -12574,7 +15624,7 @@
 </p:sld>
 </file>
 
-<file path=ppt/slides/slide4.xml><?xml version="1.0" encoding="utf-8"?>
+<file path=ppt/slides/slide9.xml><?xml version="1.0" encoding="utf-8"?>
 <p:sld xmlns:a="http://schemas.openxmlformats.org/drawingml/2006/main" xmlns:r="http://schemas.openxmlformats.org/officeDocument/2006/relationships" xmlns:p="http://schemas.openxmlformats.org/presentationml/2006/main">
   <p:cSld>
     <p:spTree>
@@ -12704,784 +15754,6 @@
     <p:extLst>
       <p:ext uri="{BB962C8B-B14F-4D97-AF65-F5344CB8AC3E}">
         <p14:creationId xmlns:p14="http://schemas.microsoft.com/office/powerpoint/2010/main" val="2039079746"/>
-      </p:ext>
-    </p:extLst>
-  </p:cSld>
-  <p:clrMapOvr>
-    <a:masterClrMapping/>
-  </p:clrMapOvr>
-</p:sld>
-</file>
-
-<file path=ppt/slides/slide5.xml><?xml version="1.0" encoding="utf-8"?>
-<p:sld xmlns:a="http://schemas.openxmlformats.org/drawingml/2006/main" xmlns:r="http://schemas.openxmlformats.org/officeDocument/2006/relationships" xmlns:p="http://schemas.openxmlformats.org/presentationml/2006/main">
-  <p:cSld>
-    <p:spTree>
-      <p:nvGrpSpPr>
-        <p:cNvPr id="1" name=""/>
-        <p:cNvGrpSpPr/>
-        <p:nvPr/>
-      </p:nvGrpSpPr>
-      <p:grpSpPr>
-        <a:xfrm>
-          <a:off x="0" y="0"/>
-          <a:ext cx="0" cy="0"/>
-          <a:chOff x="0" y="0"/>
-          <a:chExt cx="0" cy="0"/>
-        </a:xfrm>
-      </p:grpSpPr>
-      <p:sp>
-        <p:nvSpPr>
-          <p:cNvPr id="2" name="Title 1">
-            <a:extLst>
-              <a:ext uri="{FF2B5EF4-FFF2-40B4-BE49-F238E27FC236}">
-                <a16:creationId xmlns:a16="http://schemas.microsoft.com/office/drawing/2014/main" id="{8DE1804F-1831-E540-A1DC-073BA8437BAB}"/>
-              </a:ext>
-            </a:extLst>
-          </p:cNvPr>
-          <p:cNvSpPr>
-            <a:spLocks noGrp="1"/>
-          </p:cNvSpPr>
-          <p:nvPr>
-            <p:ph type="title"/>
-          </p:nvPr>
-        </p:nvSpPr>
-        <p:spPr/>
-        <p:txBody>
-          <a:bodyPr/>
-          <a:lstStyle/>
-          <a:p>
-            <a:r>
-              <a:rPr lang="en-US" dirty="0"/>
-              <a:t>Case Study</a:t>
-            </a:r>
-          </a:p>
-        </p:txBody>
-      </p:sp>
-      <p:sp>
-        <p:nvSpPr>
-          <p:cNvPr id="6" name="Google Shape;205;p17">
-            <a:extLst>
-              <a:ext uri="{FF2B5EF4-FFF2-40B4-BE49-F238E27FC236}">
-                <a16:creationId xmlns:a16="http://schemas.microsoft.com/office/drawing/2014/main" id="{662D86EB-0258-0B4A-BD6B-21DB54554E75}"/>
-              </a:ext>
-            </a:extLst>
-          </p:cNvPr>
-          <p:cNvSpPr txBox="1">
-            <a:spLocks noGrp="1"/>
-          </p:cNvSpPr>
-          <p:nvPr>
-            <p:ph type="body" idx="1"/>
-          </p:nvPr>
-        </p:nvSpPr>
-        <p:spPr>
-          <a:xfrm>
-            <a:off x="415600" y="1536633"/>
-            <a:ext cx="11360700" cy="4555200"/>
-          </a:xfrm>
-          <a:prstGeom prst="rect">
-            <a:avLst/>
-          </a:prstGeom>
-          <a:noFill/>
-          <a:ln>
-            <a:noFill/>
-          </a:ln>
-        </p:spPr>
-        <p:txBody>
-          <a:bodyPr spcFirstLastPara="1" wrap="square" lIns="91425" tIns="45700" rIns="91425" bIns="45700" anchor="t" anchorCtr="0">
-            <a:noAutofit/>
-          </a:bodyPr>
-          <a:lstStyle/>
-          <a:p>
-            <a:pPr marL="0" lvl="0" indent="0" algn="l" rtl="0">
-              <a:spcBef>
-                <a:spcPts val="0"/>
-              </a:spcBef>
-              <a:spcAft>
-                <a:spcPts val="0"/>
-              </a:spcAft>
-              <a:buClr>
-                <a:srgbClr val="000000"/>
-              </a:buClr>
-              <a:buSzPts val="3200"/>
-              <a:buNone/>
-            </a:pPr>
-            <a:endParaRPr lang="en-US" sz="4000" dirty="0">
-              <a:solidFill>
-                <a:srgbClr val="000000"/>
-              </a:solidFill>
-            </a:endParaRPr>
-          </a:p>
-          <a:p>
-            <a:pPr marL="0" lvl="0" indent="0" algn="l" rtl="0">
-              <a:spcBef>
-                <a:spcPts val="0"/>
-              </a:spcBef>
-              <a:spcAft>
-                <a:spcPts val="0"/>
-              </a:spcAft>
-              <a:buClr>
-                <a:srgbClr val="000000"/>
-              </a:buClr>
-              <a:buSzPts val="3200"/>
-              <a:buNone/>
-            </a:pPr>
-            <a:endParaRPr lang="en-US" sz="4000" dirty="0">
-              <a:solidFill>
-                <a:srgbClr val="000000"/>
-              </a:solidFill>
-            </a:endParaRPr>
-          </a:p>
-          <a:p>
-            <a:pPr marL="0" lvl="0" indent="0">
-              <a:buClr>
-                <a:srgbClr val="000000"/>
-              </a:buClr>
-              <a:buSzPts val="3200"/>
-              <a:buNone/>
-            </a:pPr>
-            <a:r>
-              <a:rPr lang="en-US" sz="4000" dirty="0">
-                <a:solidFill>
-                  <a:srgbClr val="000000"/>
-                </a:solidFill>
-              </a:rPr>
-              <a:t>If you were scoping the project described here, how would you describe the overall goal?</a:t>
-            </a:r>
-            <a:endParaRPr sz="4000" dirty="0">
-              <a:solidFill>
-                <a:srgbClr val="000000"/>
-              </a:solidFill>
-            </a:endParaRPr>
-          </a:p>
-        </p:txBody>
-      </p:sp>
-    </p:spTree>
-    <p:extLst>
-      <p:ext uri="{BB962C8B-B14F-4D97-AF65-F5344CB8AC3E}">
-        <p14:creationId xmlns:p14="http://schemas.microsoft.com/office/powerpoint/2010/main" val="639899210"/>
-      </p:ext>
-    </p:extLst>
-  </p:cSld>
-  <p:clrMapOvr>
-    <a:masterClrMapping/>
-  </p:clrMapOvr>
-</p:sld>
-</file>
-
-<file path=ppt/slides/slide6.xml><?xml version="1.0" encoding="utf-8"?>
-<p:sld xmlns:a="http://schemas.openxmlformats.org/drawingml/2006/main" xmlns:r="http://schemas.openxmlformats.org/officeDocument/2006/relationships" xmlns:p="http://schemas.openxmlformats.org/presentationml/2006/main">
-  <p:cSld>
-    <p:spTree>
-      <p:nvGrpSpPr>
-        <p:cNvPr id="1" name=""/>
-        <p:cNvGrpSpPr/>
-        <p:nvPr/>
-      </p:nvGrpSpPr>
-      <p:grpSpPr>
-        <a:xfrm>
-          <a:off x="0" y="0"/>
-          <a:ext cx="0" cy="0"/>
-          <a:chOff x="0" y="0"/>
-          <a:chExt cx="0" cy="0"/>
-        </a:xfrm>
-      </p:grpSpPr>
-      <p:sp>
-        <p:nvSpPr>
-          <p:cNvPr id="2" name="Title 1">
-            <a:extLst>
-              <a:ext uri="{FF2B5EF4-FFF2-40B4-BE49-F238E27FC236}">
-                <a16:creationId xmlns:a16="http://schemas.microsoft.com/office/drawing/2014/main" id="{8DE1804F-1831-E540-A1DC-073BA8437BAB}"/>
-              </a:ext>
-            </a:extLst>
-          </p:cNvPr>
-          <p:cNvSpPr>
-            <a:spLocks noGrp="1"/>
-          </p:cNvSpPr>
-          <p:nvPr>
-            <p:ph type="title"/>
-          </p:nvPr>
-        </p:nvSpPr>
-        <p:spPr/>
-        <p:txBody>
-          <a:bodyPr/>
-          <a:lstStyle/>
-          <a:p>
-            <a:r>
-              <a:rPr lang="en-US" dirty="0"/>
-              <a:t>Case Study</a:t>
-            </a:r>
-          </a:p>
-        </p:txBody>
-      </p:sp>
-      <p:sp>
-        <p:nvSpPr>
-          <p:cNvPr id="6" name="Google Shape;205;p17">
-            <a:extLst>
-              <a:ext uri="{FF2B5EF4-FFF2-40B4-BE49-F238E27FC236}">
-                <a16:creationId xmlns:a16="http://schemas.microsoft.com/office/drawing/2014/main" id="{662D86EB-0258-0B4A-BD6B-21DB54554E75}"/>
-              </a:ext>
-            </a:extLst>
-          </p:cNvPr>
-          <p:cNvSpPr txBox="1">
-            <a:spLocks noGrp="1"/>
-          </p:cNvSpPr>
-          <p:nvPr>
-            <p:ph type="body" idx="1"/>
-          </p:nvPr>
-        </p:nvSpPr>
-        <p:spPr>
-          <a:xfrm>
-            <a:off x="415600" y="1536633"/>
-            <a:ext cx="11360700" cy="4555200"/>
-          </a:xfrm>
-          <a:prstGeom prst="rect">
-            <a:avLst/>
-          </a:prstGeom>
-          <a:noFill/>
-          <a:ln>
-            <a:noFill/>
-          </a:ln>
-        </p:spPr>
-        <p:txBody>
-          <a:bodyPr spcFirstLastPara="1" wrap="square" lIns="91425" tIns="45700" rIns="91425" bIns="45700" anchor="t" anchorCtr="0">
-            <a:noAutofit/>
-          </a:bodyPr>
-          <a:lstStyle/>
-          <a:p>
-            <a:pPr marL="0" lvl="0" indent="0" algn="l" rtl="0">
-              <a:spcBef>
-                <a:spcPts val="0"/>
-              </a:spcBef>
-              <a:spcAft>
-                <a:spcPts val="0"/>
-              </a:spcAft>
-              <a:buClr>
-                <a:srgbClr val="000000"/>
-              </a:buClr>
-              <a:buSzPts val="3200"/>
-              <a:buNone/>
-            </a:pPr>
-            <a:endParaRPr lang="en-US" sz="4000" dirty="0">
-              <a:solidFill>
-                <a:srgbClr val="000000"/>
-              </a:solidFill>
-            </a:endParaRPr>
-          </a:p>
-          <a:p>
-            <a:pPr marL="0" lvl="0" indent="0">
-              <a:buClr>
-                <a:srgbClr val="000000"/>
-              </a:buClr>
-              <a:buSzPts val="3200"/>
-              <a:buNone/>
-            </a:pPr>
-            <a:r>
-              <a:rPr lang="en-US" sz="4000" dirty="0">
-                <a:solidFill>
-                  <a:srgbClr val="000000"/>
-                </a:solidFill>
-              </a:rPr>
-              <a:t>How well does the paper address</a:t>
-            </a:r>
-          </a:p>
-          <a:p>
-            <a:pPr marL="0" lvl="0" indent="0">
-              <a:buClr>
-                <a:srgbClr val="000000"/>
-              </a:buClr>
-              <a:buSzPts val="3200"/>
-              <a:buNone/>
-            </a:pPr>
-            <a:r>
-              <a:rPr lang="en-US" sz="4000" dirty="0">
-                <a:solidFill>
-                  <a:srgbClr val="000000"/>
-                </a:solidFill>
-              </a:rPr>
-              <a:t>the goal you defined above?</a:t>
-            </a:r>
-          </a:p>
-          <a:p>
-            <a:pPr marL="0" lvl="0" indent="0">
-              <a:buClr>
-                <a:srgbClr val="000000"/>
-              </a:buClr>
-              <a:buSzPts val="3200"/>
-              <a:buNone/>
-            </a:pPr>
-            <a:endParaRPr lang="en-US" sz="4000" dirty="0">
-              <a:solidFill>
-                <a:srgbClr val="000000"/>
-              </a:solidFill>
-            </a:endParaRPr>
-          </a:p>
-          <a:p>
-            <a:pPr marL="0" indent="0">
-              <a:buClr>
-                <a:srgbClr val="000000"/>
-              </a:buClr>
-              <a:buSzPts val="3200"/>
-              <a:buNone/>
-            </a:pPr>
-            <a:r>
-              <a:rPr lang="en-US" sz="4000" dirty="0">
-                <a:solidFill>
-                  <a:srgbClr val="000000"/>
-                </a:solidFill>
-              </a:rPr>
-              <a:t>			</a:t>
-            </a:r>
-            <a:r>
-              <a:rPr lang="en-US" sz="4000" dirty="0" err="1">
-                <a:solidFill>
-                  <a:srgbClr val="000000"/>
-                </a:solidFill>
-              </a:rPr>
-              <a:t>slido.com</a:t>
-            </a:r>
-            <a:r>
-              <a:rPr lang="en-US" sz="4000" dirty="0">
-                <a:solidFill>
-                  <a:srgbClr val="000000"/>
-                </a:solidFill>
-              </a:rPr>
-              <a:t>  #1341886</a:t>
-            </a:r>
-            <a:endParaRPr sz="4000" dirty="0">
-              <a:solidFill>
-                <a:srgbClr val="000000"/>
-              </a:solidFill>
-            </a:endParaRPr>
-          </a:p>
-        </p:txBody>
-      </p:sp>
-    </p:spTree>
-    <p:extLst>
-      <p:ext uri="{BB962C8B-B14F-4D97-AF65-F5344CB8AC3E}">
-        <p14:creationId xmlns:p14="http://schemas.microsoft.com/office/powerpoint/2010/main" val="4284856106"/>
-      </p:ext>
-    </p:extLst>
-  </p:cSld>
-  <p:clrMapOvr>
-    <a:masterClrMapping/>
-  </p:clrMapOvr>
-</p:sld>
-</file>
-
-<file path=ppt/slides/slide7.xml><?xml version="1.0" encoding="utf-8"?>
-<p:sld xmlns:a="http://schemas.openxmlformats.org/drawingml/2006/main" xmlns:r="http://schemas.openxmlformats.org/officeDocument/2006/relationships" xmlns:p="http://schemas.openxmlformats.org/presentationml/2006/main">
-  <p:cSld>
-    <p:spTree>
-      <p:nvGrpSpPr>
-        <p:cNvPr id="1" name=""/>
-        <p:cNvGrpSpPr/>
-        <p:nvPr/>
-      </p:nvGrpSpPr>
-      <p:grpSpPr>
-        <a:xfrm>
-          <a:off x="0" y="0"/>
-          <a:ext cx="0" cy="0"/>
-          <a:chOff x="0" y="0"/>
-          <a:chExt cx="0" cy="0"/>
-        </a:xfrm>
-      </p:grpSpPr>
-      <p:sp>
-        <p:nvSpPr>
-          <p:cNvPr id="2" name="Title 1">
-            <a:extLst>
-              <a:ext uri="{FF2B5EF4-FFF2-40B4-BE49-F238E27FC236}">
-                <a16:creationId xmlns:a16="http://schemas.microsoft.com/office/drawing/2014/main" id="{8DE1804F-1831-E540-A1DC-073BA8437BAB}"/>
-              </a:ext>
-            </a:extLst>
-          </p:cNvPr>
-          <p:cNvSpPr>
-            <a:spLocks noGrp="1"/>
-          </p:cNvSpPr>
-          <p:nvPr>
-            <p:ph type="title"/>
-          </p:nvPr>
-        </p:nvSpPr>
-        <p:spPr/>
-        <p:txBody>
-          <a:bodyPr/>
-          <a:lstStyle/>
-          <a:p>
-            <a:r>
-              <a:rPr lang="en-US" dirty="0"/>
-              <a:t>Case Study</a:t>
-            </a:r>
-          </a:p>
-        </p:txBody>
-      </p:sp>
-      <p:sp>
-        <p:nvSpPr>
-          <p:cNvPr id="6" name="Google Shape;205;p17">
-            <a:extLst>
-              <a:ext uri="{FF2B5EF4-FFF2-40B4-BE49-F238E27FC236}">
-                <a16:creationId xmlns:a16="http://schemas.microsoft.com/office/drawing/2014/main" id="{662D86EB-0258-0B4A-BD6B-21DB54554E75}"/>
-              </a:ext>
-            </a:extLst>
-          </p:cNvPr>
-          <p:cNvSpPr txBox="1">
-            <a:spLocks noGrp="1"/>
-          </p:cNvSpPr>
-          <p:nvPr>
-            <p:ph type="body" idx="1"/>
-          </p:nvPr>
-        </p:nvSpPr>
-        <p:spPr>
-          <a:xfrm>
-            <a:off x="415600" y="1536633"/>
-            <a:ext cx="11360700" cy="4555200"/>
-          </a:xfrm>
-          <a:prstGeom prst="rect">
-            <a:avLst/>
-          </a:prstGeom>
-          <a:noFill/>
-          <a:ln>
-            <a:noFill/>
-          </a:ln>
-        </p:spPr>
-        <p:txBody>
-          <a:bodyPr spcFirstLastPara="1" wrap="square" lIns="91425" tIns="45700" rIns="91425" bIns="45700" anchor="t" anchorCtr="0">
-            <a:noAutofit/>
-          </a:bodyPr>
-          <a:lstStyle/>
-          <a:p>
-            <a:pPr marL="0" lvl="0" indent="0" algn="l" rtl="0">
-              <a:spcBef>
-                <a:spcPts val="0"/>
-              </a:spcBef>
-              <a:spcAft>
-                <a:spcPts val="0"/>
-              </a:spcAft>
-              <a:buClr>
-                <a:srgbClr val="000000"/>
-              </a:buClr>
-              <a:buSzPts val="3200"/>
-              <a:buNone/>
-            </a:pPr>
-            <a:endParaRPr lang="en-US" sz="4000" dirty="0">
-              <a:solidFill>
-                <a:srgbClr val="000000"/>
-              </a:solidFill>
-            </a:endParaRPr>
-          </a:p>
-          <a:p>
-            <a:pPr marL="0" lvl="0" indent="0">
-              <a:buClr>
-                <a:srgbClr val="000000"/>
-              </a:buClr>
-              <a:buSzPts val="3200"/>
-              <a:buNone/>
-            </a:pPr>
-            <a:r>
-              <a:rPr lang="en-US" sz="4000" dirty="0">
-                <a:solidFill>
-                  <a:srgbClr val="000000"/>
-                </a:solidFill>
-              </a:rPr>
-              <a:t>How well does the paper address the goal you defined above? What evidence do they provide in this regard?</a:t>
-            </a:r>
-            <a:endParaRPr sz="4000" dirty="0">
-              <a:solidFill>
-                <a:srgbClr val="000000"/>
-              </a:solidFill>
-            </a:endParaRPr>
-          </a:p>
-        </p:txBody>
-      </p:sp>
-    </p:spTree>
-    <p:extLst>
-      <p:ext uri="{BB962C8B-B14F-4D97-AF65-F5344CB8AC3E}">
-        <p14:creationId xmlns:p14="http://schemas.microsoft.com/office/powerpoint/2010/main" val="1443994749"/>
-      </p:ext>
-    </p:extLst>
-  </p:cSld>
-  <p:clrMapOvr>
-    <a:masterClrMapping/>
-  </p:clrMapOvr>
-</p:sld>
-</file>
-
-<file path=ppt/slides/slide8.xml><?xml version="1.0" encoding="utf-8"?>
-<p:sld xmlns:a="http://schemas.openxmlformats.org/drawingml/2006/main" xmlns:r="http://schemas.openxmlformats.org/officeDocument/2006/relationships" xmlns:p="http://schemas.openxmlformats.org/presentationml/2006/main">
-  <p:cSld>
-    <p:spTree>
-      <p:nvGrpSpPr>
-        <p:cNvPr id="1" name=""/>
-        <p:cNvGrpSpPr/>
-        <p:nvPr/>
-      </p:nvGrpSpPr>
-      <p:grpSpPr>
-        <a:xfrm>
-          <a:off x="0" y="0"/>
-          <a:ext cx="0" cy="0"/>
-          <a:chOff x="0" y="0"/>
-          <a:chExt cx="0" cy="0"/>
-        </a:xfrm>
-      </p:grpSpPr>
-      <p:sp>
-        <p:nvSpPr>
-          <p:cNvPr id="2" name="Title 1">
-            <a:extLst>
-              <a:ext uri="{FF2B5EF4-FFF2-40B4-BE49-F238E27FC236}">
-                <a16:creationId xmlns:a16="http://schemas.microsoft.com/office/drawing/2014/main" id="{8DE1804F-1831-E540-A1DC-073BA8437BAB}"/>
-              </a:ext>
-            </a:extLst>
-          </p:cNvPr>
-          <p:cNvSpPr>
-            <a:spLocks noGrp="1"/>
-          </p:cNvSpPr>
-          <p:nvPr>
-            <p:ph type="title"/>
-          </p:nvPr>
-        </p:nvSpPr>
-        <p:spPr/>
-        <p:txBody>
-          <a:bodyPr/>
-          <a:lstStyle/>
-          <a:p>
-            <a:r>
-              <a:rPr lang="en-US" dirty="0"/>
-              <a:t>Case Study</a:t>
-            </a:r>
-          </a:p>
-        </p:txBody>
-      </p:sp>
-      <p:sp>
-        <p:nvSpPr>
-          <p:cNvPr id="6" name="Google Shape;205;p17">
-            <a:extLst>
-              <a:ext uri="{FF2B5EF4-FFF2-40B4-BE49-F238E27FC236}">
-                <a16:creationId xmlns:a16="http://schemas.microsoft.com/office/drawing/2014/main" id="{662D86EB-0258-0B4A-BD6B-21DB54554E75}"/>
-              </a:ext>
-            </a:extLst>
-          </p:cNvPr>
-          <p:cNvSpPr txBox="1">
-            <a:spLocks noGrp="1"/>
-          </p:cNvSpPr>
-          <p:nvPr>
-            <p:ph type="body" idx="1"/>
-          </p:nvPr>
-        </p:nvSpPr>
-        <p:spPr>
-          <a:xfrm>
-            <a:off x="415600" y="1536633"/>
-            <a:ext cx="11360700" cy="4555200"/>
-          </a:xfrm>
-          <a:prstGeom prst="rect">
-            <a:avLst/>
-          </a:prstGeom>
-          <a:noFill/>
-          <a:ln>
-            <a:noFill/>
-          </a:ln>
-        </p:spPr>
-        <p:txBody>
-          <a:bodyPr spcFirstLastPara="1" wrap="square" lIns="91425" tIns="45700" rIns="91425" bIns="45700" anchor="t" anchorCtr="0">
-            <a:noAutofit/>
-          </a:bodyPr>
-          <a:lstStyle/>
-          <a:p>
-            <a:pPr marL="0" lvl="0" indent="0" algn="l" rtl="0">
-              <a:spcBef>
-                <a:spcPts val="0"/>
-              </a:spcBef>
-              <a:spcAft>
-                <a:spcPts val="0"/>
-              </a:spcAft>
-              <a:buClr>
-                <a:srgbClr val="000000"/>
-              </a:buClr>
-              <a:buSzPts val="3200"/>
-              <a:buNone/>
-            </a:pPr>
-            <a:endParaRPr lang="en-US" sz="4000" dirty="0">
-              <a:solidFill>
-                <a:srgbClr val="000000"/>
-              </a:solidFill>
-            </a:endParaRPr>
-          </a:p>
-          <a:p>
-            <a:pPr marL="0" lvl="0" indent="0" algn="l" rtl="0">
-              <a:spcBef>
-                <a:spcPts val="0"/>
-              </a:spcBef>
-              <a:spcAft>
-                <a:spcPts val="0"/>
-              </a:spcAft>
-              <a:buClr>
-                <a:srgbClr val="000000"/>
-              </a:buClr>
-              <a:buSzPts val="3200"/>
-              <a:buNone/>
-            </a:pPr>
-            <a:endParaRPr lang="en-US" sz="4000" dirty="0">
-              <a:solidFill>
-                <a:srgbClr val="000000"/>
-              </a:solidFill>
-            </a:endParaRPr>
-          </a:p>
-          <a:p>
-            <a:pPr marL="0" lvl="0" indent="0">
-              <a:buClr>
-                <a:srgbClr val="000000"/>
-              </a:buClr>
-              <a:buSzPts val="3200"/>
-              <a:buNone/>
-            </a:pPr>
-            <a:r>
-              <a:rPr lang="en-US" sz="4000" dirty="0">
-                <a:solidFill>
-                  <a:srgbClr val="000000"/>
-                </a:solidFill>
-              </a:rPr>
-              <a:t>What actions can the public health officials take to achieve that goal?</a:t>
-            </a:r>
-            <a:endParaRPr sz="4000" dirty="0">
-              <a:solidFill>
-                <a:srgbClr val="000000"/>
-              </a:solidFill>
-            </a:endParaRPr>
-          </a:p>
-        </p:txBody>
-      </p:sp>
-    </p:spTree>
-    <p:extLst>
-      <p:ext uri="{BB962C8B-B14F-4D97-AF65-F5344CB8AC3E}">
-        <p14:creationId xmlns:p14="http://schemas.microsoft.com/office/powerpoint/2010/main" val="2564637539"/>
-      </p:ext>
-    </p:extLst>
-  </p:cSld>
-  <p:clrMapOvr>
-    <a:masterClrMapping/>
-  </p:clrMapOvr>
-</p:sld>
-</file>
-
-<file path=ppt/slides/slide9.xml><?xml version="1.0" encoding="utf-8"?>
-<p:sld xmlns:a="http://schemas.openxmlformats.org/drawingml/2006/main" xmlns:r="http://schemas.openxmlformats.org/officeDocument/2006/relationships" xmlns:p="http://schemas.openxmlformats.org/presentationml/2006/main">
-  <p:cSld>
-    <p:spTree>
-      <p:nvGrpSpPr>
-        <p:cNvPr id="1" name=""/>
-        <p:cNvGrpSpPr/>
-        <p:nvPr/>
-      </p:nvGrpSpPr>
-      <p:grpSpPr>
-        <a:xfrm>
-          <a:off x="0" y="0"/>
-          <a:ext cx="0" cy="0"/>
-          <a:chOff x="0" y="0"/>
-          <a:chExt cx="0" cy="0"/>
-        </a:xfrm>
-      </p:grpSpPr>
-      <p:sp>
-        <p:nvSpPr>
-          <p:cNvPr id="2" name="Title 1">
-            <a:extLst>
-              <a:ext uri="{FF2B5EF4-FFF2-40B4-BE49-F238E27FC236}">
-                <a16:creationId xmlns:a16="http://schemas.microsoft.com/office/drawing/2014/main" id="{8DE1804F-1831-E540-A1DC-073BA8437BAB}"/>
-              </a:ext>
-            </a:extLst>
-          </p:cNvPr>
-          <p:cNvSpPr>
-            <a:spLocks noGrp="1"/>
-          </p:cNvSpPr>
-          <p:nvPr>
-            <p:ph type="title"/>
-          </p:nvPr>
-        </p:nvSpPr>
-        <p:spPr/>
-        <p:txBody>
-          <a:bodyPr/>
-          <a:lstStyle/>
-          <a:p>
-            <a:r>
-              <a:rPr lang="en-US" dirty="0"/>
-              <a:t>Case Study</a:t>
-            </a:r>
-          </a:p>
-        </p:txBody>
-      </p:sp>
-      <p:sp>
-        <p:nvSpPr>
-          <p:cNvPr id="6" name="Google Shape;205;p17">
-            <a:extLst>
-              <a:ext uri="{FF2B5EF4-FFF2-40B4-BE49-F238E27FC236}">
-                <a16:creationId xmlns:a16="http://schemas.microsoft.com/office/drawing/2014/main" id="{662D86EB-0258-0B4A-BD6B-21DB54554E75}"/>
-              </a:ext>
-            </a:extLst>
-          </p:cNvPr>
-          <p:cNvSpPr txBox="1">
-            <a:spLocks noGrp="1"/>
-          </p:cNvSpPr>
-          <p:nvPr>
-            <p:ph type="body" idx="1"/>
-          </p:nvPr>
-        </p:nvSpPr>
-        <p:spPr>
-          <a:xfrm>
-            <a:off x="415600" y="1536633"/>
-            <a:ext cx="11360700" cy="4555200"/>
-          </a:xfrm>
-          <a:prstGeom prst="rect">
-            <a:avLst/>
-          </a:prstGeom>
-          <a:noFill/>
-          <a:ln>
-            <a:noFill/>
-          </a:ln>
-        </p:spPr>
-        <p:txBody>
-          <a:bodyPr spcFirstLastPara="1" wrap="square" lIns="91425" tIns="45700" rIns="91425" bIns="45700" anchor="t" anchorCtr="0">
-            <a:noAutofit/>
-          </a:bodyPr>
-          <a:lstStyle/>
-          <a:p>
-            <a:pPr marL="0" lvl="0" indent="0">
-              <a:buClr>
-                <a:srgbClr val="000000"/>
-              </a:buClr>
-              <a:buSzPts val="3200"/>
-              <a:buNone/>
-            </a:pPr>
-            <a:endParaRPr lang="en-US" sz="4000" dirty="0">
-              <a:solidFill>
-                <a:srgbClr val="000000"/>
-              </a:solidFill>
-            </a:endParaRPr>
-          </a:p>
-          <a:p>
-            <a:pPr marL="0" lvl="0" indent="0">
-              <a:buClr>
-                <a:srgbClr val="000000"/>
-              </a:buClr>
-              <a:buSzPts val="3200"/>
-              <a:buNone/>
-            </a:pPr>
-            <a:r>
-              <a:rPr lang="en-US" sz="4000" dirty="0">
-                <a:solidFill>
-                  <a:srgbClr val="000000"/>
-                </a:solidFill>
-              </a:rPr>
-              <a:t>In what ways did the model change the actions or decisions that public health officials are taking in terms of when, where, and how to act?</a:t>
-            </a:r>
-            <a:endParaRPr sz="4000" dirty="0">
-              <a:solidFill>
-                <a:srgbClr val="000000"/>
-              </a:solidFill>
-            </a:endParaRPr>
-          </a:p>
-        </p:txBody>
-      </p:sp>
-    </p:spTree>
-    <p:extLst>
-      <p:ext uri="{BB962C8B-B14F-4D97-AF65-F5344CB8AC3E}">
-        <p14:creationId xmlns:p14="http://schemas.microsoft.com/office/powerpoint/2010/main" val="3255311184"/>
       </p:ext>
     </p:extLst>
   </p:cSld>

--- a/Lectures/03-casestudies.pptx
+++ b/Lectures/03-casestudies.pptx
@@ -12694,7 +12694,7 @@
                   <a:srgbClr val="000000"/>
                 </a:solidFill>
               </a:rPr>
-              <a:t>  #1341886</a:t>
+              <a:t>  #94889</a:t>
             </a:r>
             <a:endParaRPr sz="4000" dirty="0">
               <a:solidFill>
@@ -13293,7 +13293,7 @@
                   <a:srgbClr val="000000"/>
                 </a:solidFill>
               </a:rPr>
-              <a:t>  #1341886</a:t>
+              <a:t>  #94889</a:t>
             </a:r>
           </a:p>
           <a:p>

--- a/Lectures/03-casestudies.pptx
+++ b/Lectures/03-casestudies.pptx
@@ -264,7 +264,7 @@
       <p15:sldGuideLst xmlns:p15="http://schemas.microsoft.com/office/powerpoint/2012/main"/>
     </p:ext>
     <p:ext uri="http://customooxmlschemas.google.com/">
-      <go:slidesCustomData xmlns="" xmlns:mc="http://schemas.openxmlformats.org/markup-compatibility/2006" xmlns:mv="urn:schemas-microsoft-com:mac:vml" xmlns:c="http://schemas.openxmlformats.org/drawingml/2006/chart" xmlns:dgm="http://schemas.openxmlformats.org/drawingml/2006/diagram" xmlns:o="urn:schemas-microsoft-com:office:office" xmlns:v="urn:schemas-microsoft-com:vml" xmlns:pvml="urn:schemas-microsoft-com:office:powerpoint" xmlns:com="http://schemas.openxmlformats.org/drawingml/2006/compatibility" xmlns:p14="http://schemas.microsoft.com/office/powerpoint/2010/main" xmlns:p15="http://schemas.microsoft.com/office/powerpoint/2012/main" xmlns:go="http://customooxmlschemas.google.com/" r:id="rId30" roundtripDataSignature="AMtx7mjFyVUGRZWio+dc9dxzYsimUxNJbg=="/>
+      <go:slidesCustomData xmlns:go="http://customooxmlschemas.google.com/" xmlns:p15="http://schemas.microsoft.com/office/powerpoint/2012/main" xmlns:p14="http://schemas.microsoft.com/office/powerpoint/2010/main" xmlns:com="http://schemas.openxmlformats.org/drawingml/2006/compatibility" xmlns:pvml="urn:schemas-microsoft-com:office:powerpoint" xmlns:v="urn:schemas-microsoft-com:vml" xmlns:o="urn:schemas-microsoft-com:office:office" xmlns:dgm="http://schemas.openxmlformats.org/drawingml/2006/diagram" xmlns:c="http://schemas.openxmlformats.org/drawingml/2006/chart" xmlns:mv="urn:schemas-microsoft-com:mac:vml" xmlns:mc="http://schemas.openxmlformats.org/markup-compatibility/2006" xmlns="" r:id="rId30" roundtripDataSignature="AMtx7mjFyVUGRZWio+dc9dxzYsimUxNJbg=="/>
     </p:ext>
   </p:extLst>
 </p:presentation>
@@ -12310,14 +12310,14 @@
               <a:buNone/>
             </a:pPr>
             <a:r>
-              <a:rPr lang="en-US" sz="2800">
+              <a:rPr lang="en-US" sz="2800" dirty="0">
                 <a:solidFill>
                   <a:srgbClr val="595959"/>
                 </a:solidFill>
               </a:rPr>
-              <a:t>Rayid Ghani and Kit Rodolfa</a:t>
+              <a:t>Rayid Ghani</a:t>
             </a:r>
-            <a:endParaRPr sz="2800">
+            <a:endParaRPr sz="2800" dirty="0">
               <a:solidFill>
                 <a:srgbClr val="595959"/>
               </a:solidFill>
@@ -14572,7 +14572,15 @@
             </a:r>
             <a:r>
               <a:rPr lang="en-US" sz="2200" dirty="0"/>
-              <a:t> (Friday, Sep 23)</a:t>
+              <a:t> </a:t>
+            </a:r>
+            <a:r>
+              <a:rPr lang="en-US" sz="2200" dirty="0">
+                <a:highlight>
+                  <a:srgbClr val="FFFF00"/>
+                </a:highlight>
+              </a:rPr>
+              <a:t>(Friday, Sep 23)</a:t>
             </a:r>
           </a:p>
           <a:p>
@@ -14774,7 +14782,15 @@
             </a:r>
             <a:r>
               <a:rPr lang="en-US" sz="2200" dirty="0"/>
-              <a:t> (Friday, Sep 23)</a:t>
+              <a:t> </a:t>
+            </a:r>
+            <a:r>
+              <a:rPr lang="en-US" sz="2200" dirty="0">
+                <a:highlight>
+                  <a:srgbClr val="FFFF00"/>
+                </a:highlight>
+              </a:rPr>
+              <a:t>(Friday, Sep 23)</a:t>
             </a:r>
           </a:p>
           <a:p>
@@ -14889,7 +14905,7 @@
             </a:r>
             <a:r>
               <a:rPr lang="en-US" dirty="0"/>
-              <a:t>/mlpolicylab_fall22_{</a:t>
+              <a:t>/mlpolicylab_fall23_{</a:t>
             </a:r>
             <a:r>
               <a:rPr lang="en-US" dirty="0" err="1"/>

--- a/Lectures/03-casestudies.pptx
+++ b/Lectures/03-casestudies.pptx
@@ -5,7 +5,7 @@
     <p:sldMasterId id="2147483648" r:id="rId1"/>
   </p:sldMasterIdLst>
   <p:notesMasterIdLst>
-    <p:notesMasterId r:id="rId21"/>
+    <p:notesMasterId r:id="rId20"/>
   </p:notesMasterIdLst>
   <p:sldIdLst>
     <p:sldId id="256" r:id="rId2"/>
@@ -22,11 +22,10 @@
     <p:sldId id="300" r:id="rId13"/>
     <p:sldId id="301" r:id="rId14"/>
     <p:sldId id="302" r:id="rId15"/>
-    <p:sldId id="303" r:id="rId16"/>
-    <p:sldId id="310" r:id="rId17"/>
-    <p:sldId id="273" r:id="rId18"/>
-    <p:sldId id="274" r:id="rId19"/>
-    <p:sldId id="306" r:id="rId20"/>
+    <p:sldId id="310" r:id="rId16"/>
+    <p:sldId id="273" r:id="rId17"/>
+    <p:sldId id="274" r:id="rId18"/>
+    <p:sldId id="311" r:id="rId19"/>
   </p:sldIdLst>
   <p:sldSz cx="12192000" cy="6858000"/>
   <p:notesSz cx="6858000" cy="9144000"/>
@@ -264,7 +263,7 @@
       <p15:sldGuideLst xmlns:p15="http://schemas.microsoft.com/office/powerpoint/2012/main"/>
     </p:ext>
     <p:ext uri="http://customooxmlschemas.google.com/">
-      <go:slidesCustomData xmlns:go="http://customooxmlschemas.google.com/" xmlns:p15="http://schemas.microsoft.com/office/powerpoint/2012/main" xmlns:p14="http://schemas.microsoft.com/office/powerpoint/2010/main" xmlns:com="http://schemas.openxmlformats.org/drawingml/2006/compatibility" xmlns:pvml="urn:schemas-microsoft-com:office:powerpoint" xmlns:v="urn:schemas-microsoft-com:vml" xmlns:o="urn:schemas-microsoft-com:office:office" xmlns:dgm="http://schemas.openxmlformats.org/drawingml/2006/diagram" xmlns:c="http://schemas.openxmlformats.org/drawingml/2006/chart" xmlns:mv="urn:schemas-microsoft-com:mac:vml" xmlns:mc="http://schemas.openxmlformats.org/markup-compatibility/2006" xmlns="" r:id="rId30" roundtripDataSignature="AMtx7mjFyVUGRZWio+dc9dxzYsimUxNJbg=="/>
+      <go:slidesCustomData xmlns="" xmlns:mc="http://schemas.openxmlformats.org/markup-compatibility/2006" xmlns:mv="urn:schemas-microsoft-com:mac:vml" xmlns:c="http://schemas.openxmlformats.org/drawingml/2006/chart" xmlns:dgm="http://schemas.openxmlformats.org/drawingml/2006/diagram" xmlns:o="urn:schemas-microsoft-com:office:office" xmlns:v="urn:schemas-microsoft-com:vml" xmlns:pvml="urn:schemas-microsoft-com:office:powerpoint" xmlns:com="http://schemas.openxmlformats.org/drawingml/2006/compatibility" xmlns:p14="http://schemas.microsoft.com/office/powerpoint/2010/main" xmlns:p15="http://schemas.microsoft.com/office/powerpoint/2012/main" xmlns:go="http://customooxmlschemas.google.com/" r:id="rId30" roundtripDataSignature="AMtx7mjFyVUGRZWio+dc9dxzYsimUxNJbg=="/>
     </p:ext>
   </p:extLst>
 </p:presentation>
@@ -6585,6 +6584,156 @@
 </file>
 
 <file path=ppt/notesSlides/notesSlide2.xml><?xml version="1.0" encoding="utf-8"?>
+<p:notes xmlns:a="http://schemas.openxmlformats.org/drawingml/2006/main" xmlns:r="http://schemas.openxmlformats.org/officeDocument/2006/relationships" xmlns:p="http://schemas.openxmlformats.org/presentationml/2006/main">
+  <p:cSld>
+    <p:spTree>
+      <p:nvGrpSpPr>
+        <p:cNvPr id="1" name=""/>
+        <p:cNvGrpSpPr/>
+        <p:nvPr/>
+      </p:nvGrpSpPr>
+      <p:grpSpPr>
+        <a:xfrm>
+          <a:off x="0" y="0"/>
+          <a:ext cx="0" cy="0"/>
+          <a:chOff x="0" y="0"/>
+          <a:chExt cx="0" cy="0"/>
+        </a:xfrm>
+      </p:grpSpPr>
+      <p:sp>
+        <p:nvSpPr>
+          <p:cNvPr id="2" name="Slide Image Placeholder 1"/>
+          <p:cNvSpPr>
+            <a:spLocks noGrp="1" noRot="1" noChangeAspect="1"/>
+          </p:cNvSpPr>
+          <p:nvPr>
+            <p:ph type="sldImg"/>
+          </p:nvPr>
+        </p:nvSpPr>
+        <p:spPr/>
+      </p:sp>
+      <p:sp>
+        <p:nvSpPr>
+          <p:cNvPr id="3" name="Notes Placeholder 2"/>
+          <p:cNvSpPr>
+            <a:spLocks noGrp="1"/>
+          </p:cNvSpPr>
+          <p:nvPr>
+            <p:ph type="body" idx="1"/>
+          </p:nvPr>
+        </p:nvSpPr>
+        <p:spPr/>
+        <p:txBody>
+          <a:bodyPr/>
+          <a:lstStyle/>
+          <a:p>
+            <a:pPr marL="457200" marR="0" lvl="0" indent="-228600" algn="l" defTabSz="914400" rtl="0" eaLnBrk="1" fontAlgn="auto" latinLnBrk="0" hangingPunct="1">
+              <a:lnSpc>
+                <a:spcPct val="100000"/>
+              </a:lnSpc>
+              <a:spcBef>
+                <a:spcPts val="0"/>
+              </a:spcBef>
+              <a:spcAft>
+                <a:spcPts val="0"/>
+              </a:spcAft>
+              <a:buClr>
+                <a:srgbClr val="000000"/>
+              </a:buClr>
+              <a:buSzPts val="1400"/>
+              <a:buFont typeface="Arial"/>
+              <a:buNone/>
+              <a:tabLst/>
+              <a:defRPr/>
+            </a:pPr>
+            <a:r>
+              <a:rPr lang="en-US" sz="1200" dirty="0">
+                <a:solidFill>
+                  <a:srgbClr val="0070C0"/>
+                </a:solidFill>
+                <a:hlinkClick r:id="rId3">
+                  <a:extLst>
+                    <a:ext uri="{A12FA001-AC4F-418D-AE19-62706E023703}">
+                      <ahyp:hlinkClr xmlns:ahyp="http://schemas.microsoft.com/office/drawing/2018/hyperlinkcolor" val="tx"/>
+                    </a:ext>
+                  </a:extLst>
+                </a:hlinkClick>
+              </a:rPr>
+              <a:t>https://docs.google.com/document/d/1AGXQTwd9A0AOiaIzJhi85BSFgaku5lxrqiwMpmpfxQw/edit#</a:t>
+            </a:r>
+            <a:endParaRPr lang="en-US" sz="1200" dirty="0">
+              <a:solidFill>
+                <a:srgbClr val="0070C0"/>
+              </a:solidFill>
+            </a:endParaRPr>
+          </a:p>
+          <a:p>
+            <a:endParaRPr lang="en-US" dirty="0"/>
+          </a:p>
+        </p:txBody>
+      </p:sp>
+      <p:sp>
+        <p:nvSpPr>
+          <p:cNvPr id="4" name="Slide Number Placeholder 3"/>
+          <p:cNvSpPr>
+            <a:spLocks noGrp="1"/>
+          </p:cNvSpPr>
+          <p:nvPr>
+            <p:ph type="sldNum" idx="12"/>
+          </p:nvPr>
+        </p:nvSpPr>
+        <p:spPr/>
+        <p:txBody>
+          <a:bodyPr/>
+          <a:lstStyle/>
+          <a:p>
+            <a:pPr marL="0" marR="0" lvl="0" indent="0" algn="r" rtl="0">
+              <a:spcBef>
+                <a:spcPts val="0"/>
+              </a:spcBef>
+              <a:spcAft>
+                <a:spcPts val="0"/>
+              </a:spcAft>
+              <a:buNone/>
+            </a:pPr>
+            <a:fld id="{00000000-1234-1234-1234-123412341234}" type="slidenum">
+              <a:rPr lang="en-US" sz="1200" b="0" i="0" u="none" strike="noStrike" cap="none" smtClean="0">
+                <a:solidFill>
+                  <a:schemeClr val="dk1"/>
+                </a:solidFill>
+                <a:latin typeface="Calibri"/>
+                <a:ea typeface="Calibri"/>
+                <a:cs typeface="Calibri"/>
+                <a:sym typeface="Calibri"/>
+              </a:rPr>
+              <a:t>9</a:t>
+            </a:fld>
+            <a:endParaRPr lang="en-US" sz="1200" b="0" i="0" u="none" strike="noStrike" cap="none">
+              <a:solidFill>
+                <a:schemeClr val="dk1"/>
+              </a:solidFill>
+              <a:latin typeface="Calibri"/>
+              <a:ea typeface="Calibri"/>
+              <a:cs typeface="Calibri"/>
+              <a:sym typeface="Calibri"/>
+            </a:endParaRPr>
+          </a:p>
+        </p:txBody>
+      </p:sp>
+    </p:spTree>
+    <p:extLst>
+      <p:ext uri="{BB962C8B-B14F-4D97-AF65-F5344CB8AC3E}">
+        <p14:creationId xmlns:p14="http://schemas.microsoft.com/office/powerpoint/2010/main" val="2396890989"/>
+      </p:ext>
+    </p:extLst>
+  </p:cSld>
+  <p:clrMapOvr>
+    <a:masterClrMapping/>
+  </p:clrMapOvr>
+</p:notes>
+</file>
+
+<file path=ppt/notesSlides/notesSlide3.xml><?xml version="1.0" encoding="utf-8"?>
 <p:notes xmlns:a="http://schemas.openxmlformats.org/drawingml/2006/main" xmlns:r="http://schemas.openxmlformats.org/officeDocument/2006/relationships" xmlns:p="http://schemas.openxmlformats.org/presentationml/2006/main" showMasterSp="0" showMasterPhAnim="0">
   <p:cSld>
     <p:spTree>
@@ -6688,7 +6837,7 @@
 </p:notes>
 </file>
 
-<file path=ppt/notesSlides/notesSlide3.xml><?xml version="1.0" encoding="utf-8"?>
+<file path=ppt/notesSlides/notesSlide4.xml><?xml version="1.0" encoding="utf-8"?>
 <p:notes xmlns:a="http://schemas.openxmlformats.org/drawingml/2006/main" xmlns:r="http://schemas.openxmlformats.org/officeDocument/2006/relationships" xmlns:p="http://schemas.openxmlformats.org/presentationml/2006/main" showMasterSp="0" showMasterPhAnim="0">
   <p:cSld>
     <p:spTree>
@@ -6838,7 +6987,7 @@
             </a:pPr>
             <a:fld id="{00000000-1234-1234-1234-123412341234}" type="slidenum">
               <a:rPr lang="en-US"/>
-              <a:t>18</a:t>
+              <a:t>17</a:t>
             </a:fld>
             <a:endParaRPr/>
           </a:p>
@@ -12496,6 +12645,46 @@
               </a:rPr>
               <a:t>If you were scoping the project described here, how would you describe the overall goal?</a:t>
             </a:r>
+          </a:p>
+          <a:p>
+            <a:pPr marL="0" lvl="0" indent="0">
+              <a:buClr>
+                <a:srgbClr val="000000"/>
+              </a:buClr>
+              <a:buSzPts val="3200"/>
+              <a:buNone/>
+            </a:pPr>
+            <a:endParaRPr lang="en-US" sz="4000" dirty="0">
+              <a:solidFill>
+                <a:srgbClr val="000000"/>
+              </a:solidFill>
+            </a:endParaRPr>
+          </a:p>
+          <a:p>
+            <a:pPr marL="0" indent="0">
+              <a:buClr>
+                <a:srgbClr val="000000"/>
+              </a:buClr>
+              <a:buSzPts val="3200"/>
+              <a:buNone/>
+            </a:pPr>
+            <a:r>
+              <a:rPr lang="en-US" sz="4000" dirty="0">
+                <a:solidFill>
+                  <a:srgbClr val="000000"/>
+                </a:solidFill>
+              </a:rPr>
+              <a:t>How well does the paper address the goal we defined above?</a:t>
+            </a:r>
+          </a:p>
+          <a:p>
+            <a:pPr marL="0" lvl="0" indent="0">
+              <a:buClr>
+                <a:srgbClr val="000000"/>
+              </a:buClr>
+              <a:buSzPts val="3200"/>
+              <a:buNone/>
+            </a:pPr>
             <a:endParaRPr sz="4000" dirty="0">
               <a:solidFill>
                 <a:srgbClr val="000000"/>
@@ -12630,7 +12819,7 @@
                   <a:srgbClr val="000000"/>
                 </a:solidFill>
               </a:rPr>
-              <a:t>How well does the paper address</a:t>
+              <a:t>How well does the paper address the goal we defined above?</a:t>
             </a:r>
           </a:p>
           <a:p>
@@ -12641,62 +12830,7 @@
               <a:buSzPts val="3200"/>
               <a:buNone/>
             </a:pPr>
-            <a:r>
-              <a:rPr lang="en-US" sz="4000" dirty="0">
-                <a:solidFill>
-                  <a:srgbClr val="000000"/>
-                </a:solidFill>
-              </a:rPr>
-              <a:t>the goal you defined above?</a:t>
-            </a:r>
-          </a:p>
-          <a:p>
-            <a:pPr marL="0" lvl="0" indent="0">
-              <a:buClr>
-                <a:srgbClr val="000000"/>
-              </a:buClr>
-              <a:buSzPts val="3200"/>
-              <a:buNone/>
-            </a:pPr>
             <a:endParaRPr lang="en-US" sz="4000" dirty="0">
-              <a:solidFill>
-                <a:srgbClr val="000000"/>
-              </a:solidFill>
-            </a:endParaRPr>
-          </a:p>
-          <a:p>
-            <a:pPr marL="0" indent="0">
-              <a:buClr>
-                <a:srgbClr val="000000"/>
-              </a:buClr>
-              <a:buSzPts val="3200"/>
-              <a:buNone/>
-            </a:pPr>
-            <a:r>
-              <a:rPr lang="en-US" sz="4000" dirty="0">
-                <a:solidFill>
-                  <a:srgbClr val="000000"/>
-                </a:solidFill>
-              </a:rPr>
-              <a:t>			</a:t>
-            </a:r>
-            <a:r>
-              <a:rPr lang="en-US" sz="4000" dirty="0" err="1">
-                <a:solidFill>
-                  <a:srgbClr val="000000"/>
-                </a:solidFill>
-              </a:rPr>
-              <a:t>slido.com</a:t>
-            </a:r>
-            <a:r>
-              <a:rPr lang="en-US" sz="4000" dirty="0">
-                <a:solidFill>
-                  <a:srgbClr val="000000"/>
-                </a:solidFill>
-              </a:rPr>
-              <a:t>  #94889</a:t>
-            </a:r>
-            <a:endParaRPr sz="4000" dirty="0">
               <a:solidFill>
                 <a:srgbClr val="000000"/>
               </a:solidFill>
@@ -13246,192 +13380,6 @@
                   <a:srgbClr val="000000"/>
                 </a:solidFill>
               </a:rPr>
-              <a:t>What ethical or fairness considerations might be relevant here?</a:t>
-            </a:r>
-          </a:p>
-          <a:p>
-            <a:pPr marL="0" lvl="0" indent="0">
-              <a:buClr>
-                <a:srgbClr val="000000"/>
-              </a:buClr>
-              <a:buSzPts val="3200"/>
-              <a:buNone/>
-            </a:pPr>
-            <a:endParaRPr lang="en-US" sz="4000" dirty="0">
-              <a:solidFill>
-                <a:srgbClr val="000000"/>
-              </a:solidFill>
-            </a:endParaRPr>
-          </a:p>
-          <a:p>
-            <a:pPr marL="0" indent="0">
-              <a:buClr>
-                <a:srgbClr val="000000"/>
-              </a:buClr>
-              <a:buSzPts val="3200"/>
-              <a:buNone/>
-            </a:pPr>
-            <a:r>
-              <a:rPr lang="en-US" sz="4000" dirty="0">
-                <a:solidFill>
-                  <a:srgbClr val="000000"/>
-                </a:solidFill>
-              </a:rPr>
-              <a:t>			</a:t>
-            </a:r>
-            <a:r>
-              <a:rPr lang="en-US" sz="4000" dirty="0" err="1">
-                <a:solidFill>
-                  <a:srgbClr val="000000"/>
-                </a:solidFill>
-              </a:rPr>
-              <a:t>slido.com</a:t>
-            </a:r>
-            <a:r>
-              <a:rPr lang="en-US" sz="4000" dirty="0">
-                <a:solidFill>
-                  <a:srgbClr val="000000"/>
-                </a:solidFill>
-              </a:rPr>
-              <a:t>  #94889</a:t>
-            </a:r>
-          </a:p>
-          <a:p>
-            <a:pPr marL="0" lvl="0" indent="0">
-              <a:buClr>
-                <a:srgbClr val="000000"/>
-              </a:buClr>
-              <a:buSzPts val="3200"/>
-              <a:buNone/>
-            </a:pPr>
-            <a:endParaRPr sz="4000" dirty="0">
-              <a:solidFill>
-                <a:srgbClr val="000000"/>
-              </a:solidFill>
-            </a:endParaRPr>
-          </a:p>
-        </p:txBody>
-      </p:sp>
-    </p:spTree>
-    <p:extLst>
-      <p:ext uri="{BB962C8B-B14F-4D97-AF65-F5344CB8AC3E}">
-        <p14:creationId xmlns:p14="http://schemas.microsoft.com/office/powerpoint/2010/main" val="3270220712"/>
-      </p:ext>
-    </p:extLst>
-  </p:cSld>
-  <p:clrMapOvr>
-    <a:masterClrMapping/>
-  </p:clrMapOvr>
-</p:sld>
-</file>
-
-<file path=ppt/slides/slide16.xml><?xml version="1.0" encoding="utf-8"?>
-<p:sld xmlns:a="http://schemas.openxmlformats.org/drawingml/2006/main" xmlns:r="http://schemas.openxmlformats.org/officeDocument/2006/relationships" xmlns:p="http://schemas.openxmlformats.org/presentationml/2006/main">
-  <p:cSld>
-    <p:spTree>
-      <p:nvGrpSpPr>
-        <p:cNvPr id="1" name=""/>
-        <p:cNvGrpSpPr/>
-        <p:nvPr/>
-      </p:nvGrpSpPr>
-      <p:grpSpPr>
-        <a:xfrm>
-          <a:off x="0" y="0"/>
-          <a:ext cx="0" cy="0"/>
-          <a:chOff x="0" y="0"/>
-          <a:chExt cx="0" cy="0"/>
-        </a:xfrm>
-      </p:grpSpPr>
-      <p:sp>
-        <p:nvSpPr>
-          <p:cNvPr id="2" name="Title 1">
-            <a:extLst>
-              <a:ext uri="{FF2B5EF4-FFF2-40B4-BE49-F238E27FC236}">
-                <a16:creationId xmlns:a16="http://schemas.microsoft.com/office/drawing/2014/main" id="{8DE1804F-1831-E540-A1DC-073BA8437BAB}"/>
-              </a:ext>
-            </a:extLst>
-          </p:cNvPr>
-          <p:cNvSpPr>
-            <a:spLocks noGrp="1"/>
-          </p:cNvSpPr>
-          <p:nvPr>
-            <p:ph type="title"/>
-          </p:nvPr>
-        </p:nvSpPr>
-        <p:spPr/>
-        <p:txBody>
-          <a:bodyPr/>
-          <a:lstStyle/>
-          <a:p>
-            <a:r>
-              <a:rPr lang="en-US" dirty="0"/>
-              <a:t>Case Study</a:t>
-            </a:r>
-          </a:p>
-        </p:txBody>
-      </p:sp>
-      <p:sp>
-        <p:nvSpPr>
-          <p:cNvPr id="6" name="Google Shape;205;p17">
-            <a:extLst>
-              <a:ext uri="{FF2B5EF4-FFF2-40B4-BE49-F238E27FC236}">
-                <a16:creationId xmlns:a16="http://schemas.microsoft.com/office/drawing/2014/main" id="{662D86EB-0258-0B4A-BD6B-21DB54554E75}"/>
-              </a:ext>
-            </a:extLst>
-          </p:cNvPr>
-          <p:cNvSpPr txBox="1">
-            <a:spLocks noGrp="1"/>
-          </p:cNvSpPr>
-          <p:nvPr>
-            <p:ph type="body" idx="1"/>
-          </p:nvPr>
-        </p:nvSpPr>
-        <p:spPr>
-          <a:xfrm>
-            <a:off x="415600" y="1536633"/>
-            <a:ext cx="11360700" cy="4555200"/>
-          </a:xfrm>
-          <a:prstGeom prst="rect">
-            <a:avLst/>
-          </a:prstGeom>
-          <a:noFill/>
-          <a:ln>
-            <a:noFill/>
-          </a:ln>
-        </p:spPr>
-        <p:txBody>
-          <a:bodyPr spcFirstLastPara="1" wrap="square" lIns="91425" tIns="45700" rIns="91425" bIns="45700" anchor="t" anchorCtr="0">
-            <a:noAutofit/>
-          </a:bodyPr>
-          <a:lstStyle/>
-          <a:p>
-            <a:pPr marL="0" lvl="0" indent="0">
-              <a:buClr>
-                <a:srgbClr val="000000"/>
-              </a:buClr>
-              <a:buSzPts val="3200"/>
-              <a:buNone/>
-            </a:pPr>
-            <a:endParaRPr lang="en-US" sz="4000" dirty="0">
-              <a:solidFill>
-                <a:srgbClr val="000000"/>
-              </a:solidFill>
-            </a:endParaRPr>
-          </a:p>
-          <a:p>
-            <a:pPr marL="0" lvl="0" indent="0">
-              <a:buClr>
-                <a:srgbClr val="000000"/>
-              </a:buClr>
-              <a:buSzPts val="3200"/>
-              <a:buNone/>
-            </a:pPr>
-            <a:r>
-              <a:rPr lang="en-US" sz="4000" dirty="0">
-                <a:solidFill>
-                  <a:srgbClr val="000000"/>
-                </a:solidFill>
-              </a:rPr>
               <a:t>What ethical or fairness considerations might be relevant here? How were these addressed in the paper?</a:t>
             </a:r>
             <a:endParaRPr sz="4000" dirty="0">
@@ -13455,7 +13403,7 @@
 </p:sld>
 </file>
 
-<file path=ppt/slides/slide17.xml><?xml version="1.0" encoding="utf-8"?>
+<file path=ppt/slides/slide16.xml><?xml version="1.0" encoding="utf-8"?>
 <p:sld xmlns:a="http://schemas.openxmlformats.org/drawingml/2006/main" xmlns:r="http://schemas.openxmlformats.org/officeDocument/2006/relationships" xmlns:p="http://schemas.openxmlformats.org/presentationml/2006/main">
   <p:cSld>
     <p:spTree>
@@ -13788,7 +13736,7 @@
 </p:sld>
 </file>
 
-<file path=ppt/slides/slide18.xml><?xml version="1.0" encoding="utf-8"?>
+<file path=ppt/slides/slide17.xml><?xml version="1.0" encoding="utf-8"?>
 <p:sld xmlns:a="http://schemas.openxmlformats.org/drawingml/2006/main" xmlns:r="http://schemas.openxmlformats.org/officeDocument/2006/relationships" xmlns:p="http://schemas.openxmlformats.org/presentationml/2006/main">
   <p:cSld>
     <p:spTree>
@@ -14394,7 +14342,7 @@
 </p:sld>
 </file>
 
-<file path=ppt/slides/slide19.xml><?xml version="1.0" encoding="utf-8"?>
+<file path=ppt/slides/slide18.xml><?xml version="1.0" encoding="utf-8"?>
 <p:sld xmlns:a="http://schemas.openxmlformats.org/drawingml/2006/main" xmlns:r="http://schemas.openxmlformats.org/officeDocument/2006/relationships" xmlns:p="http://schemas.openxmlformats.org/presentationml/2006/main">
   <p:cSld>
     <p:spTree>
@@ -14457,86 +14405,68 @@
         </p:nvSpPr>
         <p:spPr/>
         <p:txBody>
-          <a:bodyPr/>
+          <a:bodyPr lIns="118872"/>
           <a:lstStyle/>
           <a:p>
             <a:r>
-              <a:rPr lang="en-US" dirty="0" err="1"/>
-              <a:t>VSCode</a:t>
+              <a:rPr lang="en-US" dirty="0"/>
+              <a:t>Wednesday session on remote workflows</a:t>
             </a:r>
-            <a:r>
-              <a:rPr lang="en-US" dirty="0"/>
-              <a:t> setup from tech session</a:t>
-            </a:r>
-            <a:br>
-              <a:rPr lang="en-US" dirty="0"/>
-            </a:br>
+          </a:p>
+          <a:p>
             <a:endParaRPr lang="en-US" dirty="0"/>
           </a:p>
           <a:p>
+            <a:pPr>
+              <a:lnSpc>
+                <a:spcPct val="100000"/>
+              </a:lnSpc>
+            </a:pPr>
             <a:r>
               <a:rPr lang="en-US" dirty="0"/>
-              <a:t>For Next Week:</a:t>
+              <a:t>Focus for this week is getting to know:</a:t>
             </a:r>
           </a:p>
           <a:p>
             <a:pPr lvl="1">
-              <a:spcBef>
-                <a:spcPts val="0"/>
+              <a:lnSpc>
+                <a:spcPct val="100000"/>
+              </a:lnSpc>
+              <a:spcBef>
+                <a:spcPts val="300"/>
               </a:spcBef>
             </a:pPr>
             <a:r>
-              <a:rPr lang="en-US" sz="2200" dirty="0"/>
-              <a:t>Tuesday: Weekly Review</a:t>
+              <a:rPr lang="en-US" dirty="0"/>
+              <a:t>Your team</a:t>
             </a:r>
           </a:p>
           <a:p>
             <a:pPr lvl="1">
-              <a:spcBef>
-                <a:spcPts val="0"/>
+              <a:lnSpc>
+                <a:spcPct val="100000"/>
+              </a:lnSpc>
+              <a:spcBef>
+                <a:spcPts val="300"/>
               </a:spcBef>
             </a:pPr>
             <a:r>
-              <a:rPr lang="en-US" sz="2200" dirty="0"/>
-              <a:t>Readings for Thursday (Obermeyer; </a:t>
-            </a:r>
-            <a:r>
-              <a:rPr lang="en-US" sz="2200" dirty="0" err="1"/>
-              <a:t>Passi</a:t>
-            </a:r>
-            <a:r>
-              <a:rPr lang="en-US" sz="2200" dirty="0"/>
-              <a:t> &amp; </a:t>
-            </a:r>
-            <a:r>
-              <a:rPr lang="en-US" sz="2200" dirty="0" err="1"/>
-              <a:t>Barocas</a:t>
-            </a:r>
-            <a:r>
-              <a:rPr lang="en-US" sz="2200" dirty="0"/>
-              <a:t>)</a:t>
+              <a:rPr lang="en-US" dirty="0"/>
+              <a:t>Your project</a:t>
             </a:r>
           </a:p>
           <a:p>
             <a:pPr lvl="1">
-              <a:spcBef>
-                <a:spcPts val="0"/>
+              <a:lnSpc>
+                <a:spcPct val="100000"/>
+              </a:lnSpc>
+              <a:spcBef>
+                <a:spcPts val="300"/>
               </a:spcBef>
             </a:pPr>
             <a:r>
-              <a:rPr lang="en-US" sz="2200" dirty="0"/>
-              <a:t>Make sure you can access project data and repo</a:t>
-            </a:r>
-          </a:p>
-          <a:p>
-            <a:pPr lvl="1">
-              <a:spcBef>
-                <a:spcPts val="0"/>
-              </a:spcBef>
-            </a:pPr>
-            <a:r>
-              <a:rPr lang="en-US" sz="2200" dirty="0"/>
-              <a:t>Get familiar with your group</a:t>
+              <a:rPr lang="en-US" dirty="0"/>
+              <a:t>Your data</a:t>
             </a:r>
             <a:br>
               <a:rPr lang="en-US" dirty="0"/>
@@ -14560,13 +14490,6 @@
                 <a:solidFill>
                   <a:srgbClr val="C00000"/>
                 </a:solidFill>
-                <a:hlinkClick r:id="rId2">
-                  <a:extLst>
-                    <a:ext uri="{A12FA001-AC4F-418D-AE19-62706E023703}">
-                      <ahyp:hlinkClr xmlns:ahyp="http://schemas.microsoft.com/office/drawing/2018/hyperlinkcolor" val="tx"/>
-                    </a:ext>
-                  </a:extLst>
-                </a:hlinkClick>
               </a:rPr>
               <a:t>Project Proposal</a:t>
             </a:r>
@@ -14580,7 +14503,7 @@
                   <a:srgbClr val="FFFF00"/>
                 </a:highlight>
               </a:rPr>
-              <a:t>(Friday, Sep 23)</a:t>
+              <a:t>(Tuesday, Sep 19)</a:t>
             </a:r>
           </a:p>
           <a:p>
@@ -14594,7 +14517,7 @@
     </p:spTree>
     <p:extLst>
       <p:ext uri="{BB962C8B-B14F-4D97-AF65-F5344CB8AC3E}">
-        <p14:creationId xmlns:p14="http://schemas.microsoft.com/office/powerpoint/2010/main" val="1316077058"/>
+        <p14:creationId xmlns:p14="http://schemas.microsoft.com/office/powerpoint/2010/main" val="2922547611"/>
       </p:ext>
     </p:extLst>
   </p:cSld>
@@ -14667,86 +14590,68 @@
         </p:nvSpPr>
         <p:spPr/>
         <p:txBody>
-          <a:bodyPr/>
+          <a:bodyPr lIns="118872"/>
           <a:lstStyle/>
           <a:p>
             <a:r>
-              <a:rPr lang="en-US" dirty="0" err="1"/>
-              <a:t>VSCode</a:t>
+              <a:rPr lang="en-US" dirty="0"/>
+              <a:t>Wednesday session on remote workflows and accessing project data</a:t>
             </a:r>
-            <a:r>
-              <a:rPr lang="en-US" dirty="0"/>
-              <a:t> setup from tech session</a:t>
-            </a:r>
-            <a:br>
-              <a:rPr lang="en-US" dirty="0"/>
-            </a:br>
+          </a:p>
+          <a:p>
             <a:endParaRPr lang="en-US" dirty="0"/>
           </a:p>
           <a:p>
+            <a:pPr>
+              <a:lnSpc>
+                <a:spcPct val="100000"/>
+              </a:lnSpc>
+            </a:pPr>
             <a:r>
               <a:rPr lang="en-US" dirty="0"/>
-              <a:t>For Next Week:</a:t>
+              <a:t>Focus for this week is getting to know:</a:t>
             </a:r>
           </a:p>
           <a:p>
             <a:pPr lvl="1">
-              <a:spcBef>
-                <a:spcPts val="0"/>
+              <a:lnSpc>
+                <a:spcPct val="100000"/>
+              </a:lnSpc>
+              <a:spcBef>
+                <a:spcPts val="300"/>
               </a:spcBef>
             </a:pPr>
             <a:r>
-              <a:rPr lang="en-US" sz="2200" dirty="0"/>
-              <a:t>Tuesday: Weekly Review</a:t>
+              <a:rPr lang="en-US" dirty="0"/>
+              <a:t>Your team</a:t>
             </a:r>
           </a:p>
           <a:p>
             <a:pPr lvl="1">
-              <a:spcBef>
-                <a:spcPts val="0"/>
+              <a:lnSpc>
+                <a:spcPct val="100000"/>
+              </a:lnSpc>
+              <a:spcBef>
+                <a:spcPts val="300"/>
               </a:spcBef>
             </a:pPr>
             <a:r>
-              <a:rPr lang="en-US" sz="2200" dirty="0"/>
-              <a:t>Readings for Thursday (Obermeyer; </a:t>
-            </a:r>
-            <a:r>
-              <a:rPr lang="en-US" sz="2200" dirty="0" err="1"/>
-              <a:t>Passi</a:t>
-            </a:r>
-            <a:r>
-              <a:rPr lang="en-US" sz="2200" dirty="0"/>
-              <a:t> &amp; </a:t>
-            </a:r>
-            <a:r>
-              <a:rPr lang="en-US" sz="2200" dirty="0" err="1"/>
-              <a:t>Barocas</a:t>
-            </a:r>
-            <a:r>
-              <a:rPr lang="en-US" sz="2200" dirty="0"/>
-              <a:t>)</a:t>
+              <a:rPr lang="en-US" dirty="0"/>
+              <a:t>Your project</a:t>
             </a:r>
           </a:p>
           <a:p>
             <a:pPr lvl="1">
-              <a:spcBef>
-                <a:spcPts val="0"/>
+              <a:lnSpc>
+                <a:spcPct val="100000"/>
+              </a:lnSpc>
+              <a:spcBef>
+                <a:spcPts val="300"/>
               </a:spcBef>
             </a:pPr>
             <a:r>
-              <a:rPr lang="en-US" sz="2200" dirty="0"/>
-              <a:t>Make sure you can access project data and repo</a:t>
-            </a:r>
-          </a:p>
-          <a:p>
-            <a:pPr lvl="1">
-              <a:spcBef>
-                <a:spcPts val="0"/>
-              </a:spcBef>
-            </a:pPr>
-            <a:r>
-              <a:rPr lang="en-US" sz="2200" dirty="0"/>
-              <a:t>Get familiar with your group</a:t>
+              <a:rPr lang="en-US" dirty="0"/>
+              <a:t>Your data</a:t>
             </a:r>
             <a:br>
               <a:rPr lang="en-US" dirty="0"/>
@@ -14770,13 +14675,6 @@
                 <a:solidFill>
                   <a:srgbClr val="C00000"/>
                 </a:solidFill>
-                <a:hlinkClick r:id="rId2">
-                  <a:extLst>
-                    <a:ext uri="{A12FA001-AC4F-418D-AE19-62706E023703}">
-                      <ahyp:hlinkClr xmlns:ahyp="http://schemas.microsoft.com/office/drawing/2018/hyperlinkcolor" val="tx"/>
-                    </a:ext>
-                  </a:extLst>
-                </a:hlinkClick>
               </a:rPr>
               <a:t>Project Proposal</a:t>
             </a:r>
@@ -14790,7 +14688,7 @@
                   <a:srgbClr val="FFFF00"/>
                 </a:highlight>
               </a:rPr>
-              <a:t>(Friday, Sep 23)</a:t>
+              <a:t>(Tuesday, Sep 19)</a:t>
             </a:r>
           </a:p>
           <a:p>
@@ -14955,7 +14853,37 @@
                   </a:extLst>
                 </a:hlinkClick>
               </a:rPr>
-              <a:t>Mental Health Outreach Project</a:t>
+              <a:t>Mental </a:t>
+            </a:r>
+            <a:r>
+              <a:rPr lang="en-US" dirty="0">
+                <a:solidFill>
+                  <a:srgbClr val="C00000"/>
+                </a:solidFill>
+                <a:hlinkClick r:id="rId4">
+                  <a:extLst>
+                    <a:ext uri="{A12FA001-AC4F-418D-AE19-62706E023703}">
+                      <ahyp:hlinkClr xmlns:ahyp="http://schemas.microsoft.com/office/drawing/2018/hyperlinkcolor" val="tx"/>
+                    </a:ext>
+                  </a:extLst>
+                </a:hlinkClick>
+              </a:rPr>
+              <a:t>Health</a:t>
+            </a:r>
+            <a:r>
+              <a:rPr lang="en-US" dirty="0">
+                <a:solidFill>
+                  <a:srgbClr val="C00000"/>
+                </a:solidFill>
+                <a:hlinkClick r:id="rId3">
+                  <a:extLst>
+                    <a:ext uri="{A12FA001-AC4F-418D-AE19-62706E023703}">
+                      <ahyp:hlinkClr xmlns:ahyp="http://schemas.microsoft.com/office/drawing/2018/hyperlinkcolor" val="tx"/>
+                    </a:ext>
+                  </a:extLst>
+                </a:hlinkClick>
+              </a:rPr>
+              <a:t> Outreach Project</a:t>
             </a:r>
             <a:endParaRPr lang="en-US" dirty="0">
               <a:solidFill>
@@ -15700,7 +15628,7 @@
           <p:nvPr/>
         </p:nvPicPr>
         <p:blipFill>
-          <a:blip r:embed="rId2"/>
+          <a:blip r:embed="rId3"/>
           <a:stretch>
             <a:fillRect/>
           </a:stretch>
@@ -15715,57 +15643,6 @@
           </a:prstGeom>
         </p:spPr>
       </p:pic>
-      <p:sp>
-        <p:nvSpPr>
-          <p:cNvPr id="5" name="Rectangle 4">
-            <a:extLst>
-              <a:ext uri="{FF2B5EF4-FFF2-40B4-BE49-F238E27FC236}">
-                <a16:creationId xmlns:a16="http://schemas.microsoft.com/office/drawing/2014/main" id="{99973DB7-FEA9-9046-9B07-20DD1468BAB4}"/>
-              </a:ext>
-            </a:extLst>
-          </p:cNvPr>
-          <p:cNvSpPr/>
-          <p:nvPr/>
-        </p:nvSpPr>
-        <p:spPr>
-          <a:xfrm>
-            <a:off x="175004" y="5864523"/>
-            <a:ext cx="11841892" cy="400110"/>
-          </a:xfrm>
-          <a:prstGeom prst="rect">
-            <a:avLst/>
-          </a:prstGeom>
-        </p:spPr>
-        <p:txBody>
-          <a:bodyPr wrap="square">
-            <a:spAutoFit/>
-          </a:bodyPr>
-          <a:lstStyle/>
-          <a:p>
-            <a:pPr algn="ctr"/>
-            <a:r>
-              <a:rPr lang="en-US" sz="2000" dirty="0">
-                <a:solidFill>
-                  <a:srgbClr val="0070C0"/>
-                </a:solidFill>
-                <a:hlinkClick r:id="rId3">
-                  <a:extLst>
-                    <a:ext uri="{A12FA001-AC4F-418D-AE19-62706E023703}">
-                      <ahyp:hlinkClr xmlns:ahyp="http://schemas.microsoft.com/office/drawing/2018/hyperlinkcolor" val="tx"/>
-                    </a:ext>
-                  </a:extLst>
-                </a:hlinkClick>
-              </a:rPr>
-              <a:t>https://docs.google.com/document/d/1AGXQTwd9A0AOiaIzJhi85BSFgaku5lxrqiwMpmpfxQw/edit#</a:t>
-            </a:r>
-            <a:endParaRPr lang="en-US" sz="2000" dirty="0">
-              <a:solidFill>
-                <a:srgbClr val="0070C0"/>
-              </a:solidFill>
-            </a:endParaRPr>
-          </a:p>
-        </p:txBody>
-      </p:sp>
     </p:spTree>
     <p:extLst>
       <p:ext uri="{BB962C8B-B14F-4D97-AF65-F5344CB8AC3E}">

--- a/Lectures/03-casestudies.pptx
+++ b/Lectures/03-casestudies.pptx
@@ -5,7 +5,7 @@
     <p:sldMasterId id="2147483648" r:id="rId1"/>
   </p:sldMasterIdLst>
   <p:notesMasterIdLst>
-    <p:notesMasterId r:id="rId20"/>
+    <p:notesMasterId r:id="rId18"/>
   </p:notesMasterIdLst>
   <p:sldIdLst>
     <p:sldId id="256" r:id="rId2"/>
@@ -23,9 +23,7 @@
     <p:sldId id="301" r:id="rId14"/>
     <p:sldId id="302" r:id="rId15"/>
     <p:sldId id="310" r:id="rId16"/>
-    <p:sldId id="273" r:id="rId17"/>
-    <p:sldId id="274" r:id="rId18"/>
-    <p:sldId id="311" r:id="rId19"/>
+    <p:sldId id="311" r:id="rId17"/>
   </p:sldIdLst>
   <p:sldSz cx="12192000" cy="6858000"/>
   <p:notesSz cx="6858000" cy="9144000"/>
@@ -263,7 +261,7 @@
       <p15:sldGuideLst xmlns:p15="http://schemas.microsoft.com/office/powerpoint/2012/main"/>
     </p:ext>
     <p:ext uri="http://customooxmlschemas.google.com/">
-      <go:slidesCustomData xmlns="" xmlns:mc="http://schemas.openxmlformats.org/markup-compatibility/2006" xmlns:mv="urn:schemas-microsoft-com:mac:vml" xmlns:c="http://schemas.openxmlformats.org/drawingml/2006/chart" xmlns:dgm="http://schemas.openxmlformats.org/drawingml/2006/diagram" xmlns:o="urn:schemas-microsoft-com:office:office" xmlns:v="urn:schemas-microsoft-com:vml" xmlns:pvml="urn:schemas-microsoft-com:office:powerpoint" xmlns:com="http://schemas.openxmlformats.org/drawingml/2006/compatibility" xmlns:p14="http://schemas.microsoft.com/office/powerpoint/2010/main" xmlns:p15="http://schemas.microsoft.com/office/powerpoint/2012/main" xmlns:go="http://customooxmlschemas.google.com/" r:id="rId30" roundtripDataSignature="AMtx7mjFyVUGRZWio+dc9dxzYsimUxNJbg=="/>
+      <go:slidesCustomData xmlns:go="http://customooxmlschemas.google.com/" xmlns:p15="http://schemas.microsoft.com/office/powerpoint/2012/main" xmlns:p14="http://schemas.microsoft.com/office/powerpoint/2010/main" xmlns:com="http://schemas.openxmlformats.org/drawingml/2006/compatibility" xmlns:pvml="urn:schemas-microsoft-com:office:powerpoint" xmlns:v="urn:schemas-microsoft-com:vml" xmlns:o="urn:schemas-microsoft-com:office:office" xmlns:dgm="http://schemas.openxmlformats.org/drawingml/2006/diagram" xmlns:c="http://schemas.openxmlformats.org/drawingml/2006/chart" xmlns:mv="urn:schemas-microsoft-com:mac:vml" xmlns:mc="http://schemas.openxmlformats.org/markup-compatibility/2006" xmlns="" r:id="rId30" roundtripDataSignature="AMtx7mjFyVUGRZWio+dc9dxzYsimUxNJbg=="/>
     </p:ext>
   </p:extLst>
 </p:presentation>
@@ -6733,274 +6731,6 @@
 </p:notes>
 </file>
 
-<file path=ppt/notesSlides/notesSlide3.xml><?xml version="1.0" encoding="utf-8"?>
-<p:notes xmlns:a="http://schemas.openxmlformats.org/drawingml/2006/main" xmlns:r="http://schemas.openxmlformats.org/officeDocument/2006/relationships" xmlns:p="http://schemas.openxmlformats.org/presentationml/2006/main" showMasterSp="0" showMasterPhAnim="0">
-  <p:cSld>
-    <p:spTree>
-      <p:nvGrpSpPr>
-        <p:cNvPr id="1" name="Shape 201"/>
-        <p:cNvGrpSpPr/>
-        <p:nvPr/>
-      </p:nvGrpSpPr>
-      <p:grpSpPr>
-        <a:xfrm>
-          <a:off x="0" y="0"/>
-          <a:ext cx="0" cy="0"/>
-          <a:chOff x="0" y="0"/>
-          <a:chExt cx="0" cy="0"/>
-        </a:xfrm>
-      </p:grpSpPr>
-      <p:sp>
-        <p:nvSpPr>
-          <p:cNvPr id="202" name="Google Shape;202;p17:notes"/>
-          <p:cNvSpPr txBox="1">
-            <a:spLocks noGrp="1"/>
-          </p:cNvSpPr>
-          <p:nvPr>
-            <p:ph type="body" idx="1"/>
-          </p:nvPr>
-        </p:nvSpPr>
-        <p:spPr>
-          <a:xfrm>
-            <a:off x="685800" y="4400550"/>
-            <a:ext cx="5486400" cy="3600450"/>
-          </a:xfrm>
-          <a:prstGeom prst="rect">
-            <a:avLst/>
-          </a:prstGeom>
-        </p:spPr>
-        <p:txBody>
-          <a:bodyPr spcFirstLastPara="1" wrap="square" lIns="91425" tIns="45700" rIns="91425" bIns="45700" anchor="t" anchorCtr="0">
-            <a:noAutofit/>
-          </a:bodyPr>
-          <a:lstStyle/>
-          <a:p>
-            <a:pPr marL="0" lvl="0" indent="0" algn="l" rtl="0">
-              <a:spcBef>
-                <a:spcPts val="0"/>
-              </a:spcBef>
-              <a:spcAft>
-                <a:spcPts val="0"/>
-              </a:spcAft>
-              <a:buNone/>
-            </a:pPr>
-            <a:endParaRPr/>
-          </a:p>
-        </p:txBody>
-      </p:sp>
-      <p:sp>
-        <p:nvSpPr>
-          <p:cNvPr id="203" name="Google Shape;203;p17:notes"/>
-          <p:cNvSpPr>
-            <a:spLocks noGrp="1" noRot="1" noChangeAspect="1"/>
-          </p:cNvSpPr>
-          <p:nvPr>
-            <p:ph type="sldImg" idx="2"/>
-          </p:nvPr>
-        </p:nvSpPr>
-        <p:spPr>
-          <a:xfrm>
-            <a:off x="685800" y="1143000"/>
-            <a:ext cx="5486400" cy="3086100"/>
-          </a:xfrm>
-          <a:custGeom>
-            <a:avLst/>
-            <a:gdLst/>
-            <a:ahLst/>
-            <a:cxnLst/>
-            <a:rect l="l" t="t" r="r" b="b"/>
-            <a:pathLst>
-              <a:path w="120000" h="120000" extrusionOk="0">
-                <a:moveTo>
-                  <a:pt x="0" y="0"/>
-                </a:moveTo>
-                <a:lnTo>
-                  <a:pt x="120000" y="0"/>
-                </a:lnTo>
-                <a:lnTo>
-                  <a:pt x="120000" y="120000"/>
-                </a:lnTo>
-                <a:lnTo>
-                  <a:pt x="0" y="120000"/>
-                </a:lnTo>
-                <a:close/>
-              </a:path>
-            </a:pathLst>
-          </a:custGeom>
-        </p:spPr>
-      </p:sp>
-    </p:spTree>
-  </p:cSld>
-  <p:clrMapOvr>
-    <a:masterClrMapping/>
-  </p:clrMapOvr>
-</p:notes>
-</file>
-
-<file path=ppt/notesSlides/notesSlide4.xml><?xml version="1.0" encoding="utf-8"?>
-<p:notes xmlns:a="http://schemas.openxmlformats.org/drawingml/2006/main" xmlns:r="http://schemas.openxmlformats.org/officeDocument/2006/relationships" xmlns:p="http://schemas.openxmlformats.org/presentationml/2006/main" showMasterSp="0" showMasterPhAnim="0">
-  <p:cSld>
-    <p:spTree>
-      <p:nvGrpSpPr>
-        <p:cNvPr id="1" name="Shape 207"/>
-        <p:cNvGrpSpPr/>
-        <p:nvPr/>
-      </p:nvGrpSpPr>
-      <p:grpSpPr>
-        <a:xfrm>
-          <a:off x="0" y="0"/>
-          <a:ext cx="0" cy="0"/>
-          <a:chOff x="0" y="0"/>
-          <a:chExt cx="0" cy="0"/>
-        </a:xfrm>
-      </p:grpSpPr>
-      <p:sp>
-        <p:nvSpPr>
-          <p:cNvPr id="208" name="Google Shape;208;p18:notes"/>
-          <p:cNvSpPr>
-            <a:spLocks noGrp="1" noRot="1" noChangeAspect="1"/>
-          </p:cNvSpPr>
-          <p:nvPr>
-            <p:ph type="sldImg" idx="2"/>
-          </p:nvPr>
-        </p:nvSpPr>
-        <p:spPr>
-          <a:xfrm>
-            <a:off x="685800" y="1143000"/>
-            <a:ext cx="5486400" cy="3086100"/>
-          </a:xfrm>
-          <a:custGeom>
-            <a:avLst/>
-            <a:gdLst/>
-            <a:ahLst/>
-            <a:cxnLst/>
-            <a:rect l="l" t="t" r="r" b="b"/>
-            <a:pathLst>
-              <a:path w="120000" h="120000" extrusionOk="0">
-                <a:moveTo>
-                  <a:pt x="0" y="0"/>
-                </a:moveTo>
-                <a:lnTo>
-                  <a:pt x="120000" y="0"/>
-                </a:lnTo>
-                <a:lnTo>
-                  <a:pt x="120000" y="120000"/>
-                </a:lnTo>
-                <a:lnTo>
-                  <a:pt x="0" y="120000"/>
-                </a:lnTo>
-                <a:close/>
-              </a:path>
-            </a:pathLst>
-          </a:custGeom>
-          <a:noFill/>
-          <a:ln w="12700" cap="flat" cmpd="sng">
-            <a:solidFill>
-              <a:srgbClr val="000000"/>
-            </a:solidFill>
-            <a:prstDash val="solid"/>
-            <a:round/>
-            <a:headEnd type="none" w="sm" len="sm"/>
-            <a:tailEnd type="none" w="sm" len="sm"/>
-          </a:ln>
-        </p:spPr>
-      </p:sp>
-      <p:sp>
-        <p:nvSpPr>
-          <p:cNvPr id="209" name="Google Shape;209;p18:notes"/>
-          <p:cNvSpPr txBox="1">
-            <a:spLocks noGrp="1"/>
-          </p:cNvSpPr>
-          <p:nvPr>
-            <p:ph type="body" idx="1"/>
-          </p:nvPr>
-        </p:nvSpPr>
-        <p:spPr>
-          <a:xfrm>
-            <a:off x="685800" y="4400550"/>
-            <a:ext cx="5486400" cy="3600450"/>
-          </a:xfrm>
-          <a:prstGeom prst="rect">
-            <a:avLst/>
-          </a:prstGeom>
-          <a:noFill/>
-          <a:ln>
-            <a:noFill/>
-          </a:ln>
-        </p:spPr>
-        <p:txBody>
-          <a:bodyPr spcFirstLastPara="1" wrap="square" lIns="91425" tIns="45700" rIns="91425" bIns="45700" anchor="t" anchorCtr="0">
-            <a:noAutofit/>
-          </a:bodyPr>
-          <a:lstStyle/>
-          <a:p>
-            <a:pPr marL="0" lvl="0" indent="0" algn="l" rtl="0">
-              <a:spcBef>
-                <a:spcPts val="0"/>
-              </a:spcBef>
-              <a:spcAft>
-                <a:spcPts val="0"/>
-              </a:spcAft>
-              <a:buNone/>
-            </a:pPr>
-            <a:endParaRPr/>
-          </a:p>
-        </p:txBody>
-      </p:sp>
-      <p:sp>
-        <p:nvSpPr>
-          <p:cNvPr id="210" name="Google Shape;210;p18:notes"/>
-          <p:cNvSpPr txBox="1">
-            <a:spLocks noGrp="1"/>
-          </p:cNvSpPr>
-          <p:nvPr>
-            <p:ph type="sldNum" idx="12"/>
-          </p:nvPr>
-        </p:nvSpPr>
-        <p:spPr>
-          <a:xfrm>
-            <a:off x="3884613" y="8685213"/>
-            <a:ext cx="2971800" cy="458787"/>
-          </a:xfrm>
-          <a:prstGeom prst="rect">
-            <a:avLst/>
-          </a:prstGeom>
-          <a:noFill/>
-          <a:ln>
-            <a:noFill/>
-          </a:ln>
-        </p:spPr>
-        <p:txBody>
-          <a:bodyPr spcFirstLastPara="1" wrap="square" lIns="91425" tIns="45700" rIns="91425" bIns="45700" anchor="b" anchorCtr="0">
-            <a:noAutofit/>
-          </a:bodyPr>
-          <a:lstStyle/>
-          <a:p>
-            <a:pPr marL="0" lvl="0" indent="0" algn="r" rtl="0">
-              <a:spcBef>
-                <a:spcPts val="0"/>
-              </a:spcBef>
-              <a:spcAft>
-                <a:spcPts val="0"/>
-              </a:spcAft>
-              <a:buNone/>
-            </a:pPr>
-            <a:fld id="{00000000-1234-1234-1234-123412341234}" type="slidenum">
-              <a:rPr lang="en-US"/>
-              <a:t>17</a:t>
-            </a:fld>
-            <a:endParaRPr/>
-          </a:p>
-        </p:txBody>
-      </p:sp>
-    </p:spTree>
-  </p:cSld>
-  <p:clrMapOvr>
-    <a:masterClrMapping/>
-  </p:clrMapOvr>
-</p:notes>
-</file>
-
 <file path=ppt/slideLayouts/slideLayout1.xml><?xml version="1.0" encoding="utf-8"?>
 <p:sldLayout xmlns:a="http://schemas.openxmlformats.org/drawingml/2006/main" xmlns:r="http://schemas.openxmlformats.org/officeDocument/2006/relationships" xmlns:p="http://schemas.openxmlformats.org/presentationml/2006/main" matchingName="Title slide" type="title">
   <p:cSld name="TITLE">
@@ -12661,23 +12391,6 @@
             </a:endParaRPr>
           </a:p>
           <a:p>
-            <a:pPr marL="0" indent="0">
-              <a:buClr>
-                <a:srgbClr val="000000"/>
-              </a:buClr>
-              <a:buSzPts val="3200"/>
-              <a:buNone/>
-            </a:pPr>
-            <a:r>
-              <a:rPr lang="en-US" sz="4000" dirty="0">
-                <a:solidFill>
-                  <a:srgbClr val="000000"/>
-                </a:solidFill>
-              </a:rPr>
-              <a:t>How well does the paper address the goal we defined above?</a:t>
-            </a:r>
-          </a:p>
-          <a:p>
             <a:pPr marL="0" lvl="0" indent="0">
               <a:buClr>
                 <a:srgbClr val="000000"/>
@@ -13408,945 +13121,6 @@
   <p:cSld>
     <p:spTree>
       <p:nvGrpSpPr>
-        <p:cNvPr id="1" name="Shape 204"/>
-        <p:cNvGrpSpPr/>
-        <p:nvPr/>
-      </p:nvGrpSpPr>
-      <p:grpSpPr>
-        <a:xfrm>
-          <a:off x="0" y="0"/>
-          <a:ext cx="0" cy="0"/>
-          <a:chOff x="0" y="0"/>
-          <a:chExt cx="0" cy="0"/>
-        </a:xfrm>
-      </p:grpSpPr>
-      <p:sp>
-        <p:nvSpPr>
-          <p:cNvPr id="205" name="Google Shape;205;p17"/>
-          <p:cNvSpPr txBox="1">
-            <a:spLocks noGrp="1"/>
-          </p:cNvSpPr>
-          <p:nvPr>
-            <p:ph type="body" idx="1"/>
-          </p:nvPr>
-        </p:nvSpPr>
-        <p:spPr>
-          <a:xfrm>
-            <a:off x="415600" y="1536633"/>
-            <a:ext cx="11360700" cy="4555200"/>
-          </a:xfrm>
-          <a:prstGeom prst="rect">
-            <a:avLst/>
-          </a:prstGeom>
-          <a:noFill/>
-          <a:ln>
-            <a:noFill/>
-          </a:ln>
-        </p:spPr>
-        <p:txBody>
-          <a:bodyPr spcFirstLastPara="1" wrap="square" lIns="91425" tIns="45700" rIns="91425" bIns="45700" anchor="t" anchorCtr="0">
-            <a:noAutofit/>
-          </a:bodyPr>
-          <a:lstStyle/>
-          <a:p>
-            <a:pPr marL="257168" lvl="0" indent="-257168" algn="l" rtl="0">
-              <a:spcBef>
-                <a:spcPts val="0"/>
-              </a:spcBef>
-              <a:spcAft>
-                <a:spcPts val="0"/>
-              </a:spcAft>
-              <a:buClr>
-                <a:srgbClr val="000000"/>
-              </a:buClr>
-              <a:buSzPts val="3200"/>
-              <a:buChar char="●"/>
-            </a:pPr>
-            <a:r>
-              <a:rPr lang="en-US" sz="3200" dirty="0">
-                <a:solidFill>
-                  <a:srgbClr val="000000"/>
-                </a:solidFill>
-              </a:rPr>
-              <a:t>How do we </a:t>
-            </a:r>
-            <a:r>
-              <a:rPr lang="en-US" sz="3200" b="1" dirty="0">
-                <a:solidFill>
-                  <a:srgbClr val="FF0000"/>
-                </a:solidFill>
-              </a:rPr>
-              <a:t>define</a:t>
-            </a:r>
-            <a:r>
-              <a:rPr lang="en-US" sz="3200" dirty="0">
-                <a:solidFill>
-                  <a:srgbClr val="000000"/>
-                </a:solidFill>
-              </a:rPr>
-              <a:t> equity?</a:t>
-            </a:r>
-            <a:endParaRPr dirty="0">
-              <a:solidFill>
-                <a:srgbClr val="000000"/>
-              </a:solidFill>
-            </a:endParaRPr>
-          </a:p>
-          <a:p>
-            <a:pPr marL="257168" lvl="0" indent="-53968" algn="l" rtl="0">
-              <a:spcBef>
-                <a:spcPts val="640"/>
-              </a:spcBef>
-              <a:spcAft>
-                <a:spcPts val="0"/>
-              </a:spcAft>
-              <a:buClr>
-                <a:schemeClr val="dk1"/>
-              </a:buClr>
-              <a:buSzPts val="3200"/>
-              <a:buNone/>
-            </a:pPr>
-            <a:endParaRPr sz="3200" dirty="0">
-              <a:solidFill>
-                <a:srgbClr val="000000"/>
-              </a:solidFill>
-            </a:endParaRPr>
-          </a:p>
-          <a:p>
-            <a:pPr marL="257168" lvl="0" indent="-53968" algn="l" rtl="0">
-              <a:spcBef>
-                <a:spcPts val="640"/>
-              </a:spcBef>
-              <a:spcAft>
-                <a:spcPts val="0"/>
-              </a:spcAft>
-              <a:buClr>
-                <a:schemeClr val="dk1"/>
-              </a:buClr>
-              <a:buSzPts val="3200"/>
-              <a:buNone/>
-            </a:pPr>
-            <a:endParaRPr sz="3200" dirty="0">
-              <a:solidFill>
-                <a:srgbClr val="000000"/>
-              </a:solidFill>
-            </a:endParaRPr>
-          </a:p>
-          <a:p>
-            <a:pPr marL="257168" lvl="0" indent="-257168" algn="l" rtl="0">
-              <a:spcBef>
-                <a:spcPts val="640"/>
-              </a:spcBef>
-              <a:spcAft>
-                <a:spcPts val="0"/>
-              </a:spcAft>
-              <a:buClr>
-                <a:srgbClr val="000000"/>
-              </a:buClr>
-              <a:buSzPts val="3200"/>
-              <a:buChar char="●"/>
-            </a:pPr>
-            <a:r>
-              <a:rPr lang="en-US" sz="3200" dirty="0">
-                <a:solidFill>
-                  <a:srgbClr val="000000"/>
-                </a:solidFill>
-              </a:rPr>
-              <a:t>How do we </a:t>
-            </a:r>
-            <a:r>
-              <a:rPr lang="en-US" sz="3200" b="1" dirty="0">
-                <a:solidFill>
-                  <a:srgbClr val="FF0000"/>
-                </a:solidFill>
-              </a:rPr>
-              <a:t>detect</a:t>
-            </a:r>
-            <a:r>
-              <a:rPr lang="en-US" sz="3200" dirty="0">
-                <a:solidFill>
-                  <a:srgbClr val="000000"/>
-                </a:solidFill>
-              </a:rPr>
-              <a:t> inequity? </a:t>
-            </a:r>
-            <a:endParaRPr dirty="0">
-              <a:solidFill>
-                <a:srgbClr val="000000"/>
-              </a:solidFill>
-            </a:endParaRPr>
-          </a:p>
-          <a:p>
-            <a:pPr marL="257168" lvl="0" indent="-53968" algn="l" rtl="0">
-              <a:spcBef>
-                <a:spcPts val="640"/>
-              </a:spcBef>
-              <a:spcAft>
-                <a:spcPts val="0"/>
-              </a:spcAft>
-              <a:buClr>
-                <a:schemeClr val="dk1"/>
-              </a:buClr>
-              <a:buSzPts val="3200"/>
-              <a:buNone/>
-            </a:pPr>
-            <a:endParaRPr sz="3200" dirty="0">
-              <a:solidFill>
-                <a:srgbClr val="000000"/>
-              </a:solidFill>
-            </a:endParaRPr>
-          </a:p>
-          <a:p>
-            <a:pPr marL="0" lvl="0" indent="0" algn="l" rtl="0">
-              <a:spcBef>
-                <a:spcPts val="640"/>
-              </a:spcBef>
-              <a:spcAft>
-                <a:spcPts val="0"/>
-              </a:spcAft>
-              <a:buClr>
-                <a:schemeClr val="dk1"/>
-              </a:buClr>
-              <a:buSzPts val="3200"/>
-              <a:buNone/>
-            </a:pPr>
-            <a:endParaRPr sz="3200" dirty="0">
-              <a:solidFill>
-                <a:srgbClr val="000000"/>
-              </a:solidFill>
-            </a:endParaRPr>
-          </a:p>
-          <a:p>
-            <a:pPr marL="257168" lvl="0" indent="-257168" algn="l" rtl="0">
-              <a:spcBef>
-                <a:spcPts val="640"/>
-              </a:spcBef>
-              <a:spcAft>
-                <a:spcPts val="0"/>
-              </a:spcAft>
-              <a:buClr>
-                <a:srgbClr val="000000"/>
-              </a:buClr>
-              <a:buSzPts val="3200"/>
-              <a:buChar char="●"/>
-            </a:pPr>
-            <a:r>
-              <a:rPr lang="en-US" sz="3200" dirty="0">
-                <a:solidFill>
-                  <a:srgbClr val="000000"/>
-                </a:solidFill>
-              </a:rPr>
-              <a:t>How do we </a:t>
-            </a:r>
-            <a:r>
-              <a:rPr lang="en-US" sz="3200" b="1" dirty="0">
-                <a:solidFill>
-                  <a:srgbClr val="FF0000"/>
-                </a:solidFill>
-              </a:rPr>
-              <a:t>increase</a:t>
-            </a:r>
-            <a:r>
-              <a:rPr lang="en-US" sz="3200" dirty="0">
-                <a:solidFill>
-                  <a:srgbClr val="000000"/>
-                </a:solidFill>
-              </a:rPr>
-              <a:t> equity?</a:t>
-            </a:r>
-            <a:endParaRPr dirty="0">
-              <a:solidFill>
-                <a:srgbClr val="000000"/>
-              </a:solidFill>
-            </a:endParaRPr>
-          </a:p>
-          <a:p>
-            <a:pPr marL="257168" lvl="0" indent="-53968" algn="l" rtl="0">
-              <a:spcBef>
-                <a:spcPts val="640"/>
-              </a:spcBef>
-              <a:spcAft>
-                <a:spcPts val="0"/>
-              </a:spcAft>
-              <a:buClr>
-                <a:schemeClr val="dk1"/>
-              </a:buClr>
-              <a:buSzPts val="3200"/>
-              <a:buNone/>
-            </a:pPr>
-            <a:endParaRPr sz="3200" dirty="0">
-              <a:solidFill>
-                <a:srgbClr val="000000"/>
-              </a:solidFill>
-            </a:endParaRPr>
-          </a:p>
-        </p:txBody>
-      </p:sp>
-      <p:sp>
-        <p:nvSpPr>
-          <p:cNvPr id="206" name="Google Shape;206;p17"/>
-          <p:cNvSpPr txBox="1">
-            <a:spLocks noGrp="1"/>
-          </p:cNvSpPr>
-          <p:nvPr>
-            <p:ph type="title"/>
-          </p:nvPr>
-        </p:nvSpPr>
-        <p:spPr>
-          <a:xfrm>
-            <a:off x="415600" y="6"/>
-            <a:ext cx="11360700" cy="1356900"/>
-          </a:xfrm>
-          <a:prstGeom prst="rect">
-            <a:avLst/>
-          </a:prstGeom>
-          <a:noFill/>
-          <a:ln>
-            <a:noFill/>
-          </a:ln>
-        </p:spPr>
-        <p:txBody>
-          <a:bodyPr spcFirstLastPara="1" wrap="square" lIns="91425" tIns="45700" rIns="91425" bIns="45700" anchor="ctr" anchorCtr="0">
-            <a:noAutofit/>
-          </a:bodyPr>
-          <a:lstStyle/>
-          <a:p>
-            <a:pPr marL="0" lvl="0" indent="0" algn="ctr" rtl="0">
-              <a:spcBef>
-                <a:spcPts val="0"/>
-              </a:spcBef>
-              <a:spcAft>
-                <a:spcPts val="0"/>
-              </a:spcAft>
-              <a:buNone/>
-            </a:pPr>
-            <a:r>
-              <a:rPr lang="en-US" sz="4800"/>
-              <a:t>Creating a more equitable society</a:t>
-            </a:r>
-            <a:endParaRPr sz="4800"/>
-          </a:p>
-        </p:txBody>
-      </p:sp>
-    </p:spTree>
-  </p:cSld>
-  <p:clrMapOvr>
-    <a:masterClrMapping/>
-  </p:clrMapOvr>
-</p:sld>
-</file>
-
-<file path=ppt/slides/slide17.xml><?xml version="1.0" encoding="utf-8"?>
-<p:sld xmlns:a="http://schemas.openxmlformats.org/drawingml/2006/main" xmlns:r="http://schemas.openxmlformats.org/officeDocument/2006/relationships" xmlns:p="http://schemas.openxmlformats.org/presentationml/2006/main">
-  <p:cSld>
-    <p:spTree>
-      <p:nvGrpSpPr>
-        <p:cNvPr id="1" name="Shape 211"/>
-        <p:cNvGrpSpPr/>
-        <p:nvPr/>
-      </p:nvGrpSpPr>
-      <p:grpSpPr>
-        <a:xfrm>
-          <a:off x="0" y="0"/>
-          <a:ext cx="0" cy="0"/>
-          <a:chOff x="0" y="0"/>
-          <a:chExt cx="0" cy="0"/>
-        </a:xfrm>
-      </p:grpSpPr>
-      <p:grpSp>
-        <p:nvGrpSpPr>
-          <p:cNvPr id="212" name="Google Shape;212;p18"/>
-          <p:cNvGrpSpPr/>
-          <p:nvPr/>
-        </p:nvGrpSpPr>
-        <p:grpSpPr>
-          <a:xfrm>
-            <a:off x="476065" y="1789909"/>
-            <a:ext cx="11222544" cy="4559157"/>
-            <a:chOff x="0" y="131652"/>
-            <a:chExt cx="11222544" cy="4559157"/>
-          </a:xfrm>
-        </p:grpSpPr>
-        <p:sp>
-          <p:nvSpPr>
-            <p:cNvPr id="213" name="Google Shape;213;p18"/>
-            <p:cNvSpPr/>
-            <p:nvPr/>
-          </p:nvSpPr>
-          <p:spPr>
-            <a:xfrm>
-              <a:off x="0" y="131652"/>
-              <a:ext cx="3507045" cy="2104226"/>
-            </a:xfrm>
-            <a:prstGeom prst="rect">
-              <a:avLst/>
-            </a:prstGeom>
-            <a:solidFill>
-              <a:srgbClr val="BF504D"/>
-            </a:solidFill>
-            <a:ln w="25400" cap="flat" cmpd="sng">
-              <a:solidFill>
-                <a:schemeClr val="lt1"/>
-              </a:solidFill>
-              <a:prstDash val="solid"/>
-              <a:round/>
-              <a:headEnd type="none" w="sm" len="sm"/>
-              <a:tailEnd type="none" w="sm" len="sm"/>
-            </a:ln>
-          </p:spPr>
-          <p:txBody>
-            <a:bodyPr spcFirstLastPara="1" wrap="square" lIns="91425" tIns="91425" rIns="91425" bIns="91425" anchor="ctr" anchorCtr="0">
-              <a:noAutofit/>
-            </a:bodyPr>
-            <a:lstStyle/>
-            <a:p>
-              <a:pPr marL="0" lvl="0" indent="0" algn="l" rtl="0">
-                <a:spcBef>
-                  <a:spcPts val="0"/>
-                </a:spcBef>
-                <a:spcAft>
-                  <a:spcPts val="0"/>
-                </a:spcAft>
-                <a:buNone/>
-              </a:pPr>
-              <a:endParaRPr/>
-            </a:p>
-          </p:txBody>
-        </p:sp>
-        <p:sp>
-          <p:nvSpPr>
-            <p:cNvPr id="214" name="Google Shape;214;p18"/>
-            <p:cNvSpPr txBox="1"/>
-            <p:nvPr/>
-          </p:nvSpPr>
-          <p:spPr>
-            <a:xfrm>
-              <a:off x="0" y="131652"/>
-              <a:ext cx="3507045" cy="2104226"/>
-            </a:xfrm>
-            <a:prstGeom prst="rect">
-              <a:avLst/>
-            </a:prstGeom>
-            <a:noFill/>
-            <a:ln>
-              <a:noFill/>
-            </a:ln>
-          </p:spPr>
-          <p:txBody>
-            <a:bodyPr spcFirstLastPara="1" wrap="square" lIns="76200" tIns="76200" rIns="76200" bIns="76200" anchor="ctr" anchorCtr="0">
-              <a:noAutofit/>
-            </a:bodyPr>
-            <a:lstStyle/>
-            <a:p>
-              <a:pPr marL="0" marR="0" lvl="0" indent="0" algn="ctr" rtl="0">
-                <a:lnSpc>
-                  <a:spcPct val="90000"/>
-                </a:lnSpc>
-                <a:spcBef>
-                  <a:spcPts val="0"/>
-                </a:spcBef>
-                <a:spcAft>
-                  <a:spcPts val="0"/>
-                </a:spcAft>
-                <a:buClr>
-                  <a:schemeClr val="lt1"/>
-                </a:buClr>
-                <a:buSzPts val="2000"/>
-                <a:buFont typeface="Calibri"/>
-                <a:buNone/>
-              </a:pPr>
-              <a:r>
-                <a:rPr lang="en-US" sz="2000" b="0" i="0" u="none" strike="noStrike" cap="none">
-                  <a:solidFill>
-                    <a:schemeClr val="lt1"/>
-                  </a:solidFill>
-                  <a:latin typeface="Calibri"/>
-                  <a:ea typeface="Calibri"/>
-                  <a:cs typeface="Calibri"/>
-                  <a:sym typeface="Calibri"/>
-                </a:rPr>
-                <a:t>Privacy</a:t>
-              </a:r>
-              <a:endParaRPr/>
-            </a:p>
-          </p:txBody>
-        </p:sp>
-        <p:sp>
-          <p:nvSpPr>
-            <p:cNvPr id="215" name="Google Shape;215;p18"/>
-            <p:cNvSpPr/>
-            <p:nvPr/>
-          </p:nvSpPr>
-          <p:spPr>
-            <a:xfrm>
-              <a:off x="3857749" y="131652"/>
-              <a:ext cx="3507045" cy="2104226"/>
-            </a:xfrm>
-            <a:prstGeom prst="rect">
-              <a:avLst/>
-            </a:prstGeom>
-            <a:solidFill>
-              <a:srgbClr val="BD754F"/>
-            </a:solidFill>
-            <a:ln w="25400" cap="flat" cmpd="sng">
-              <a:solidFill>
-                <a:schemeClr val="lt1"/>
-              </a:solidFill>
-              <a:prstDash val="solid"/>
-              <a:round/>
-              <a:headEnd type="none" w="sm" len="sm"/>
-              <a:tailEnd type="none" w="sm" len="sm"/>
-            </a:ln>
-          </p:spPr>
-          <p:txBody>
-            <a:bodyPr spcFirstLastPara="1" wrap="square" lIns="91425" tIns="91425" rIns="91425" bIns="91425" anchor="ctr" anchorCtr="0">
-              <a:noAutofit/>
-            </a:bodyPr>
-            <a:lstStyle/>
-            <a:p>
-              <a:pPr marL="0" lvl="0" indent="0" algn="l" rtl="0">
-                <a:spcBef>
-                  <a:spcPts val="0"/>
-                </a:spcBef>
-                <a:spcAft>
-                  <a:spcPts val="0"/>
-                </a:spcAft>
-                <a:buNone/>
-              </a:pPr>
-              <a:endParaRPr/>
-            </a:p>
-          </p:txBody>
-        </p:sp>
-        <p:sp>
-          <p:nvSpPr>
-            <p:cNvPr id="216" name="Google Shape;216;p18"/>
-            <p:cNvSpPr txBox="1"/>
-            <p:nvPr/>
-          </p:nvSpPr>
-          <p:spPr>
-            <a:xfrm>
-              <a:off x="3857749" y="131652"/>
-              <a:ext cx="3507045" cy="2104226"/>
-            </a:xfrm>
-            <a:prstGeom prst="rect">
-              <a:avLst/>
-            </a:prstGeom>
-            <a:noFill/>
-            <a:ln>
-              <a:noFill/>
-            </a:ln>
-          </p:spPr>
-          <p:txBody>
-            <a:bodyPr spcFirstLastPara="1" wrap="square" lIns="76200" tIns="76200" rIns="76200" bIns="76200" anchor="ctr" anchorCtr="0">
-              <a:noAutofit/>
-            </a:bodyPr>
-            <a:lstStyle/>
-            <a:p>
-              <a:pPr marL="0" marR="0" lvl="0" indent="0" algn="ctr" rtl="0">
-                <a:lnSpc>
-                  <a:spcPct val="90000"/>
-                </a:lnSpc>
-                <a:spcBef>
-                  <a:spcPts val="0"/>
-                </a:spcBef>
-                <a:spcAft>
-                  <a:spcPts val="0"/>
-                </a:spcAft>
-                <a:buClr>
-                  <a:schemeClr val="lt1"/>
-                </a:buClr>
-                <a:buSzPts val="2000"/>
-                <a:buFont typeface="Calibri"/>
-                <a:buNone/>
-              </a:pPr>
-              <a:r>
-                <a:rPr lang="en-US" sz="2000" b="0" i="0" u="none" strike="noStrike" cap="none">
-                  <a:solidFill>
-                    <a:schemeClr val="lt1"/>
-                  </a:solidFill>
-                  <a:latin typeface="Calibri"/>
-                  <a:ea typeface="Calibri"/>
-                  <a:cs typeface="Calibri"/>
-                  <a:sym typeface="Calibri"/>
-                </a:rPr>
-                <a:t>Data Ownership</a:t>
-              </a:r>
-              <a:endParaRPr/>
-            </a:p>
-          </p:txBody>
-        </p:sp>
-        <p:sp>
-          <p:nvSpPr>
-            <p:cNvPr id="217" name="Google Shape;217;p18"/>
-            <p:cNvSpPr/>
-            <p:nvPr/>
-          </p:nvSpPr>
-          <p:spPr>
-            <a:xfrm>
-              <a:off x="7715499" y="131652"/>
-              <a:ext cx="3507045" cy="2104226"/>
-            </a:xfrm>
-            <a:prstGeom prst="rect">
-              <a:avLst/>
-            </a:prstGeom>
-            <a:solidFill>
-              <a:srgbClr val="BB9952"/>
-            </a:solidFill>
-            <a:ln w="25400" cap="flat" cmpd="sng">
-              <a:solidFill>
-                <a:schemeClr val="lt1"/>
-              </a:solidFill>
-              <a:prstDash val="solid"/>
-              <a:round/>
-              <a:headEnd type="none" w="sm" len="sm"/>
-              <a:tailEnd type="none" w="sm" len="sm"/>
-            </a:ln>
-          </p:spPr>
-          <p:txBody>
-            <a:bodyPr spcFirstLastPara="1" wrap="square" lIns="91425" tIns="91425" rIns="91425" bIns="91425" anchor="ctr" anchorCtr="0">
-              <a:noAutofit/>
-            </a:bodyPr>
-            <a:lstStyle/>
-            <a:p>
-              <a:pPr marL="0" lvl="0" indent="0" algn="l" rtl="0">
-                <a:spcBef>
-                  <a:spcPts val="0"/>
-                </a:spcBef>
-                <a:spcAft>
-                  <a:spcPts val="0"/>
-                </a:spcAft>
-                <a:buNone/>
-              </a:pPr>
-              <a:endParaRPr/>
-            </a:p>
-          </p:txBody>
-        </p:sp>
-        <p:sp>
-          <p:nvSpPr>
-            <p:cNvPr id="218" name="Google Shape;218;p18"/>
-            <p:cNvSpPr txBox="1"/>
-            <p:nvPr/>
-          </p:nvSpPr>
-          <p:spPr>
-            <a:xfrm>
-              <a:off x="7715499" y="131652"/>
-              <a:ext cx="3507045" cy="2104226"/>
-            </a:xfrm>
-            <a:prstGeom prst="rect">
-              <a:avLst/>
-            </a:prstGeom>
-            <a:noFill/>
-            <a:ln>
-              <a:noFill/>
-            </a:ln>
-          </p:spPr>
-          <p:txBody>
-            <a:bodyPr spcFirstLastPara="1" wrap="square" lIns="76200" tIns="76200" rIns="76200" bIns="76200" anchor="ctr" anchorCtr="0">
-              <a:noAutofit/>
-            </a:bodyPr>
-            <a:lstStyle/>
-            <a:p>
-              <a:pPr marL="0" marR="0" lvl="0" indent="0" algn="ctr" rtl="0">
-                <a:lnSpc>
-                  <a:spcPct val="90000"/>
-                </a:lnSpc>
-                <a:spcBef>
-                  <a:spcPts val="0"/>
-                </a:spcBef>
-                <a:spcAft>
-                  <a:spcPts val="0"/>
-                </a:spcAft>
-                <a:buClr>
-                  <a:schemeClr val="lt1"/>
-                </a:buClr>
-                <a:buSzPts val="2000"/>
-                <a:buFont typeface="Calibri"/>
-                <a:buNone/>
-              </a:pPr>
-              <a:r>
-                <a:rPr lang="en-US" sz="2000" b="0" i="0" u="none" strike="noStrike" cap="none">
-                  <a:solidFill>
-                    <a:schemeClr val="lt1"/>
-                  </a:solidFill>
-                  <a:latin typeface="Calibri"/>
-                  <a:ea typeface="Calibri"/>
-                  <a:cs typeface="Calibri"/>
-                  <a:sym typeface="Calibri"/>
-                </a:rPr>
-                <a:t>Bias, Equity, &amp; Fairness</a:t>
-              </a:r>
-              <a:endParaRPr/>
-            </a:p>
-          </p:txBody>
-        </p:sp>
-        <p:sp>
-          <p:nvSpPr>
-            <p:cNvPr id="219" name="Google Shape;219;p18"/>
-            <p:cNvSpPr/>
-            <p:nvPr/>
-          </p:nvSpPr>
-          <p:spPr>
-            <a:xfrm>
-              <a:off x="1928874" y="2586583"/>
-              <a:ext cx="3507045" cy="2104226"/>
-            </a:xfrm>
-            <a:prstGeom prst="rect">
-              <a:avLst/>
-            </a:prstGeom>
-            <a:solidFill>
-              <a:srgbClr val="BABA55"/>
-            </a:solidFill>
-            <a:ln w="25400" cap="flat" cmpd="sng">
-              <a:solidFill>
-                <a:schemeClr val="lt1"/>
-              </a:solidFill>
-              <a:prstDash val="solid"/>
-              <a:round/>
-              <a:headEnd type="none" w="sm" len="sm"/>
-              <a:tailEnd type="none" w="sm" len="sm"/>
-            </a:ln>
-          </p:spPr>
-          <p:txBody>
-            <a:bodyPr spcFirstLastPara="1" wrap="square" lIns="91425" tIns="91425" rIns="91425" bIns="91425" anchor="ctr" anchorCtr="0">
-              <a:noAutofit/>
-            </a:bodyPr>
-            <a:lstStyle/>
-            <a:p>
-              <a:pPr marL="0" lvl="0" indent="0" algn="l" rtl="0">
-                <a:spcBef>
-                  <a:spcPts val="0"/>
-                </a:spcBef>
-                <a:spcAft>
-                  <a:spcPts val="0"/>
-                </a:spcAft>
-                <a:buNone/>
-              </a:pPr>
-              <a:endParaRPr/>
-            </a:p>
-          </p:txBody>
-        </p:sp>
-        <p:sp>
-          <p:nvSpPr>
-            <p:cNvPr id="220" name="Google Shape;220;p18"/>
-            <p:cNvSpPr txBox="1"/>
-            <p:nvPr/>
-          </p:nvSpPr>
-          <p:spPr>
-            <a:xfrm>
-              <a:off x="1928874" y="2586583"/>
-              <a:ext cx="3507045" cy="2104226"/>
-            </a:xfrm>
-            <a:prstGeom prst="rect">
-              <a:avLst/>
-            </a:prstGeom>
-            <a:noFill/>
-            <a:ln>
-              <a:noFill/>
-            </a:ln>
-          </p:spPr>
-          <p:txBody>
-            <a:bodyPr spcFirstLastPara="1" wrap="square" lIns="76200" tIns="76200" rIns="76200" bIns="76200" anchor="ctr" anchorCtr="0">
-              <a:noAutofit/>
-            </a:bodyPr>
-            <a:lstStyle/>
-            <a:p>
-              <a:pPr marL="0" marR="0" lvl="0" indent="0" algn="ctr" rtl="0">
-                <a:lnSpc>
-                  <a:spcPct val="90000"/>
-                </a:lnSpc>
-                <a:spcBef>
-                  <a:spcPts val="0"/>
-                </a:spcBef>
-                <a:spcAft>
-                  <a:spcPts val="0"/>
-                </a:spcAft>
-                <a:buClr>
-                  <a:schemeClr val="lt1"/>
-                </a:buClr>
-                <a:buSzPts val="2000"/>
-                <a:buFont typeface="Calibri"/>
-                <a:buNone/>
-              </a:pPr>
-              <a:r>
-                <a:rPr lang="en-US" sz="2000" b="0" i="0" u="none" strike="noStrike" cap="none">
-                  <a:solidFill>
-                    <a:schemeClr val="lt1"/>
-                  </a:solidFill>
-                  <a:latin typeface="Calibri"/>
-                  <a:ea typeface="Calibri"/>
-                  <a:cs typeface="Calibri"/>
-                  <a:sym typeface="Calibri"/>
-                </a:rPr>
-                <a:t>Transparency</a:t>
-              </a:r>
-              <a:endParaRPr/>
-            </a:p>
-          </p:txBody>
-        </p:sp>
-        <p:sp>
-          <p:nvSpPr>
-            <p:cNvPr id="221" name="Google Shape;221;p18"/>
-            <p:cNvSpPr/>
-            <p:nvPr/>
-          </p:nvSpPr>
-          <p:spPr>
-            <a:xfrm>
-              <a:off x="5786624" y="2586583"/>
-              <a:ext cx="3507045" cy="2104226"/>
-            </a:xfrm>
-            <a:prstGeom prst="rect">
-              <a:avLst/>
-            </a:prstGeom>
-            <a:solidFill>
-              <a:srgbClr val="99B958"/>
-            </a:solidFill>
-            <a:ln w="25400" cap="flat" cmpd="sng">
-              <a:solidFill>
-                <a:schemeClr val="lt1"/>
-              </a:solidFill>
-              <a:prstDash val="solid"/>
-              <a:round/>
-              <a:headEnd type="none" w="sm" len="sm"/>
-              <a:tailEnd type="none" w="sm" len="sm"/>
-            </a:ln>
-          </p:spPr>
-          <p:txBody>
-            <a:bodyPr spcFirstLastPara="1" wrap="square" lIns="91425" tIns="91425" rIns="91425" bIns="91425" anchor="ctr" anchorCtr="0">
-              <a:noAutofit/>
-            </a:bodyPr>
-            <a:lstStyle/>
-            <a:p>
-              <a:pPr marL="0" lvl="0" indent="0" algn="l" rtl="0">
-                <a:spcBef>
-                  <a:spcPts val="0"/>
-                </a:spcBef>
-                <a:spcAft>
-                  <a:spcPts val="0"/>
-                </a:spcAft>
-                <a:buNone/>
-              </a:pPr>
-              <a:endParaRPr/>
-            </a:p>
-          </p:txBody>
-        </p:sp>
-        <p:sp>
-          <p:nvSpPr>
-            <p:cNvPr id="222" name="Google Shape;222;p18"/>
-            <p:cNvSpPr txBox="1"/>
-            <p:nvPr/>
-          </p:nvSpPr>
-          <p:spPr>
-            <a:xfrm>
-              <a:off x="5786624" y="2586583"/>
-              <a:ext cx="3507045" cy="2104226"/>
-            </a:xfrm>
-            <a:prstGeom prst="rect">
-              <a:avLst/>
-            </a:prstGeom>
-            <a:noFill/>
-            <a:ln>
-              <a:noFill/>
-            </a:ln>
-          </p:spPr>
-          <p:txBody>
-            <a:bodyPr spcFirstLastPara="1" wrap="square" lIns="76200" tIns="76200" rIns="76200" bIns="76200" anchor="ctr" anchorCtr="0">
-              <a:noAutofit/>
-            </a:bodyPr>
-            <a:lstStyle/>
-            <a:p>
-              <a:pPr marL="0" marR="0" lvl="0" indent="0" algn="ctr" rtl="0">
-                <a:lnSpc>
-                  <a:spcPct val="90000"/>
-                </a:lnSpc>
-                <a:spcBef>
-                  <a:spcPts val="0"/>
-                </a:spcBef>
-                <a:spcAft>
-                  <a:spcPts val="0"/>
-                </a:spcAft>
-                <a:buClr>
-                  <a:schemeClr val="lt1"/>
-                </a:buClr>
-                <a:buSzPts val="2000"/>
-                <a:buFont typeface="Calibri"/>
-                <a:buNone/>
-              </a:pPr>
-              <a:r>
-                <a:rPr lang="en-US" sz="2000" b="0" i="0" u="none" strike="noStrike" cap="none">
-                  <a:solidFill>
-                    <a:schemeClr val="lt1"/>
-                  </a:solidFill>
-                  <a:latin typeface="Calibri"/>
-                  <a:ea typeface="Calibri"/>
-                  <a:cs typeface="Calibri"/>
-                  <a:sym typeface="Calibri"/>
-                </a:rPr>
-                <a:t>Trustworthiness and Accountability</a:t>
-              </a:r>
-              <a:endParaRPr/>
-            </a:p>
-          </p:txBody>
-        </p:sp>
-      </p:grpSp>
-      <p:sp>
-        <p:nvSpPr>
-          <p:cNvPr id="223" name="Google Shape;223;p18"/>
-          <p:cNvSpPr txBox="1">
-            <a:spLocks noGrp="1"/>
-          </p:cNvSpPr>
-          <p:nvPr>
-            <p:ph type="title"/>
-          </p:nvPr>
-        </p:nvSpPr>
-        <p:spPr>
-          <a:xfrm>
-            <a:off x="415600" y="98980"/>
-            <a:ext cx="11360700" cy="1257900"/>
-          </a:xfrm>
-          <a:prstGeom prst="rect">
-            <a:avLst/>
-          </a:prstGeom>
-          <a:noFill/>
-          <a:ln>
-            <a:noFill/>
-          </a:ln>
-        </p:spPr>
-        <p:txBody>
-          <a:bodyPr spcFirstLastPara="1" wrap="square" lIns="91425" tIns="45700" rIns="91425" bIns="45700" anchor="ctr" anchorCtr="0">
-            <a:noAutofit/>
-          </a:bodyPr>
-          <a:lstStyle/>
-          <a:p>
-            <a:pPr marL="0" lvl="0" indent="0" algn="ctr" rtl="0">
-              <a:spcBef>
-                <a:spcPts val="0"/>
-              </a:spcBef>
-              <a:spcAft>
-                <a:spcPts val="0"/>
-              </a:spcAft>
-              <a:buNone/>
-            </a:pPr>
-            <a:r>
-              <a:rPr lang="en-US" sz="4800"/>
-              <a:t>Data and AI Ethics Issues</a:t>
-            </a:r>
-            <a:endParaRPr sz="4800"/>
-          </a:p>
-        </p:txBody>
-      </p:sp>
-    </p:spTree>
-  </p:cSld>
-  <p:clrMapOvr>
-    <a:masterClrMapping/>
-  </p:clrMapOvr>
-</p:sld>
-</file>
-
-<file path=ppt/slides/slide18.xml><?xml version="1.0" encoding="utf-8"?>
-<p:sld xmlns:a="http://schemas.openxmlformats.org/drawingml/2006/main" xmlns:r="http://schemas.openxmlformats.org/officeDocument/2006/relationships" xmlns:p="http://schemas.openxmlformats.org/presentationml/2006/main">
-  <p:cSld>
-    <p:spTree>
-      <p:nvGrpSpPr>
         <p:cNvPr id="1" name=""/>
         <p:cNvGrpSpPr/>
         <p:nvPr/>
@@ -14410,7 +13184,7 @@
           <a:p>
             <a:r>
               <a:rPr lang="en-US" dirty="0"/>
-              <a:t>Wednesday session on remote workflows</a:t>
+              <a:t>Tomorrow’s lab session on remote workflows</a:t>
             </a:r>
           </a:p>
           <a:p>
@@ -14503,7 +13277,7 @@
                   <a:srgbClr val="FFFF00"/>
                 </a:highlight>
               </a:rPr>
-              <a:t>(Tuesday, Sep 19)</a:t>
+              <a:t>(Tuesday, Sep 16)</a:t>
             </a:r>
           </a:p>
           <a:p>
@@ -14688,7 +13462,7 @@
                   <a:srgbClr val="FFFF00"/>
                 </a:highlight>
               </a:rPr>
-              <a:t>(Tuesday, Sep 19)</a:t>
+              <a:t>(Tuesday, Sep 16)</a:t>
             </a:r>
           </a:p>
           <a:p>
@@ -14803,7 +13577,7 @@
             </a:r>
             <a:r>
               <a:rPr lang="en-US" dirty="0"/>
-              <a:t>/mlpolicylab_fall23_{</a:t>
+              <a:t>/mlpolicylab_fall25_{</a:t>
             </a:r>
             <a:r>
               <a:rPr lang="en-US" dirty="0" err="1"/>
@@ -14845,45 +13619,9 @@
                 <a:solidFill>
                   <a:srgbClr val="C00000"/>
                 </a:solidFill>
-                <a:hlinkClick r:id="rId3">
-                  <a:extLst>
-                    <a:ext uri="{A12FA001-AC4F-418D-AE19-62706E023703}">
-                      <ahyp:hlinkClr xmlns:ahyp="http://schemas.microsoft.com/office/drawing/2018/hyperlinkcolor" val="tx"/>
-                    </a:ext>
-                  </a:extLst>
-                </a:hlinkClick>
+                <a:hlinkClick r:id="rId3"/>
               </a:rPr>
-              <a:t>Mental </a:t>
-            </a:r>
-            <a:r>
-              <a:rPr lang="en-US" dirty="0">
-                <a:solidFill>
-                  <a:srgbClr val="C00000"/>
-                </a:solidFill>
-                <a:hlinkClick r:id="rId4">
-                  <a:extLst>
-                    <a:ext uri="{A12FA001-AC4F-418D-AE19-62706E023703}">
-                      <ahyp:hlinkClr xmlns:ahyp="http://schemas.microsoft.com/office/drawing/2018/hyperlinkcolor" val="tx"/>
-                    </a:ext>
-                  </a:extLst>
-                </a:hlinkClick>
-              </a:rPr>
-              <a:t>Health</a:t>
-            </a:r>
-            <a:r>
-              <a:rPr lang="en-US" dirty="0">
-                <a:solidFill>
-                  <a:srgbClr val="C00000"/>
-                </a:solidFill>
-                <a:hlinkClick r:id="rId3">
-                  <a:extLst>
-                    <a:ext uri="{A12FA001-AC4F-418D-AE19-62706E023703}">
-                      <ahyp:hlinkClr xmlns:ahyp="http://schemas.microsoft.com/office/drawing/2018/hyperlinkcolor" val="tx"/>
-                    </a:ext>
-                  </a:extLst>
-                </a:hlinkClick>
-              </a:rPr>
-              <a:t> Outreach Project</a:t>
+              <a:t>Mental Health Outreach Project</a:t>
             </a:r>
             <a:endParaRPr lang="en-US" dirty="0">
               <a:solidFill>
@@ -14961,7 +13699,12 @@
             <p:ph type="body" idx="1"/>
           </p:nvPr>
         </p:nvSpPr>
-        <p:spPr/>
+        <p:spPr>
+          <a:xfrm>
+            <a:off x="207800" y="1709433"/>
+            <a:ext cx="11776300" cy="4555200"/>
+          </a:xfrm>
+        </p:spPr>
         <p:txBody>
           <a:bodyPr/>
           <a:lstStyle/>
@@ -14972,28 +13715,13 @@
               </a:lnSpc>
             </a:pPr>
             <a:r>
-              <a:rPr lang="en-US" altLang="en-US" dirty="0"/>
-              <a:t>Teams designed to balance skills, backgrounds, and experiences</a:t>
-            </a:r>
-            <a:br>
-              <a:rPr lang="en-US" altLang="en-US" dirty="0"/>
-            </a:br>
-            <a:endParaRPr lang="en-US" altLang="en-US" dirty="0"/>
-          </a:p>
-          <a:p>
-            <a:pPr>
-              <a:lnSpc>
-                <a:spcPct val="150000"/>
-              </a:lnSpc>
-            </a:pPr>
-            <a:r>
-              <a:rPr lang="en-US" altLang="en-US" dirty="0"/>
+              <a:rPr lang="en-US" altLang="en-US" b="1" dirty="0"/>
               <a:t>Spend some time up front figuring out how to work as a team and work styles</a:t>
             </a:r>
             <a:br>
-              <a:rPr lang="en-US" altLang="en-US" dirty="0"/>
+              <a:rPr lang="en-US" altLang="en-US" b="1" dirty="0"/>
             </a:br>
-            <a:endParaRPr lang="en-US" altLang="en-US" dirty="0"/>
+            <a:endParaRPr lang="en-US" altLang="en-US" b="1" dirty="0"/>
           </a:p>
           <a:p>
             <a:pPr>

--- a/Lectures/03-casestudies.pptx
+++ b/Lectures/03-casestudies.pptx
@@ -13587,12 +13587,9 @@
               <a:rPr lang="en-US" dirty="0"/>
               <a:t>}</a:t>
             </a:r>
-            <a:br>
-              <a:rPr lang="en-US" dirty="0"/>
-            </a:br>
-            <a:endParaRPr lang="en-US" dirty="0"/>
           </a:p>
           <a:p>
+            <a:pPr lvl="1"/>
             <a:r>
               <a:rPr lang="en-US" dirty="0">
                 <a:solidFill>
@@ -13608,12 +13605,14 @@
               </a:rPr>
               <a:t>Bills Project</a:t>
             </a:r>
-            <a:br>
-              <a:rPr lang="en-US" dirty="0"/>
-            </a:br>
-            <a:endParaRPr lang="en-US" dirty="0"/>
+            <a:endParaRPr lang="en-US" dirty="0">
+              <a:solidFill>
+                <a:srgbClr val="C00000"/>
+              </a:solidFill>
+            </a:endParaRPr>
           </a:p>
           <a:p>
+            <a:pPr lvl="1"/>
             <a:r>
               <a:rPr lang="en-US" dirty="0">
                 <a:solidFill>
@@ -13628,6 +13627,41 @@
                 <a:srgbClr val="C00000"/>
               </a:solidFill>
             </a:endParaRPr>
+          </a:p>
+          <a:p>
+            <a:pPr lvl="1"/>
+            <a:endParaRPr lang="en-US" dirty="0">
+              <a:solidFill>
+                <a:srgbClr val="C00000"/>
+              </a:solidFill>
+            </a:endParaRPr>
+          </a:p>
+          <a:p>
+            <a:r>
+              <a:rPr lang="en-US" dirty="0">
+                <a:solidFill>
+                  <a:schemeClr val="tx1"/>
+                </a:solidFill>
+              </a:rPr>
+              <a:t>Database</a:t>
+            </a:r>
+          </a:p>
+          <a:p>
+            <a:endParaRPr lang="en-US" dirty="0">
+              <a:solidFill>
+                <a:schemeClr val="tx1"/>
+              </a:solidFill>
+            </a:endParaRPr>
+          </a:p>
+          <a:p>
+            <a:r>
+              <a:rPr lang="en-US" dirty="0">
+                <a:solidFill>
+                  <a:schemeClr val="tx1"/>
+                </a:solidFill>
+              </a:rPr>
+              <a:t>Project directory on server</a:t>
+            </a:r>
           </a:p>
           <a:p>
             <a:pPr marL="76200" indent="0">

--- a/Lectures/03-casestudies.pptx
+++ b/Lectures/03-casestudies.pptx
@@ -261,7 +261,7 @@
       <p15:sldGuideLst xmlns:p15="http://schemas.microsoft.com/office/powerpoint/2012/main"/>
     </p:ext>
     <p:ext uri="http://customooxmlschemas.google.com/">
-      <go:slidesCustomData xmlns:go="http://customooxmlschemas.google.com/" xmlns:p15="http://schemas.microsoft.com/office/powerpoint/2012/main" xmlns:p14="http://schemas.microsoft.com/office/powerpoint/2010/main" xmlns:com="http://schemas.openxmlformats.org/drawingml/2006/compatibility" xmlns:pvml="urn:schemas-microsoft-com:office:powerpoint" xmlns:v="urn:schemas-microsoft-com:vml" xmlns:o="urn:schemas-microsoft-com:office:office" xmlns:dgm="http://schemas.openxmlformats.org/drawingml/2006/diagram" xmlns:c="http://schemas.openxmlformats.org/drawingml/2006/chart" xmlns:mv="urn:schemas-microsoft-com:mac:vml" xmlns:mc="http://schemas.openxmlformats.org/markup-compatibility/2006" xmlns="" r:id="rId30" roundtripDataSignature="AMtx7mjFyVUGRZWio+dc9dxzYsimUxNJbg=="/>
+      <go:slidesCustomData xmlns="" xmlns:mc="http://schemas.openxmlformats.org/markup-compatibility/2006" xmlns:mv="urn:schemas-microsoft-com:mac:vml" xmlns:c="http://schemas.openxmlformats.org/drawingml/2006/chart" xmlns:dgm="http://schemas.openxmlformats.org/drawingml/2006/diagram" xmlns:o="urn:schemas-microsoft-com:office:office" xmlns:v="urn:schemas-microsoft-com:vml" xmlns:pvml="urn:schemas-microsoft-com:office:powerpoint" xmlns:com="http://schemas.openxmlformats.org/drawingml/2006/compatibility" xmlns:p14="http://schemas.microsoft.com/office/powerpoint/2010/main" xmlns:p15="http://schemas.microsoft.com/office/powerpoint/2012/main" xmlns:go="http://customooxmlschemas.google.com/" r:id="rId30" roundtripDataSignature="AMtx7mjFyVUGRZWio+dc9dxzYsimUxNJbg=="/>
     </p:ext>
   </p:extLst>
 </p:presentation>
@@ -13664,6 +13664,23 @@
             </a:r>
           </a:p>
           <a:p>
+            <a:endParaRPr lang="en-US" dirty="0">
+              <a:solidFill>
+                <a:schemeClr val="tx1"/>
+              </a:solidFill>
+            </a:endParaRPr>
+          </a:p>
+          <a:p>
+            <a:r>
+              <a:rPr lang="en-US" dirty="0">
+                <a:solidFill>
+                  <a:schemeClr val="tx1"/>
+                </a:solidFill>
+              </a:rPr>
+              <a:t>Private Slack channel</a:t>
+            </a:r>
+          </a:p>
+          <a:p>
             <a:pPr marL="76200" indent="0">
               <a:buNone/>
             </a:pPr>
